--- a/doc/02_SlideShare/01.ネタ/２_Reactの基礎/2-6_簡単なサンプルソース.pptx
+++ b/doc/02_SlideShare/01.ネタ/２_Reactの基礎/2-6_簡単なサンプルソース.pptx
@@ -2889,11 +2889,23 @@
           <a:p>
             <a:r>
               <a:rPr lang="en-US" altLang="ja-JP" dirty="0" smtClean="0"/>
-              <a:t>2-6.</a:t>
+              <a:t>2-6</a:t>
+            </a:r>
+            <a:r>
+              <a:rPr lang="en-US" altLang="ja-JP" dirty="0" smtClean="0"/>
+              <a:t>.</a:t>
+            </a:r>
+            <a:r>
+              <a:rPr lang="ja-JP" altLang="en-US" dirty="0"/>
+              <a:t> </a:t>
             </a:r>
             <a:r>
               <a:rPr lang="ja-JP" altLang="en-US" dirty="0" smtClean="0"/>
-              <a:t>簡単なサンプルソース</a:t>
+              <a:t>簡単</a:t>
+            </a:r>
+            <a:r>
+              <a:rPr lang="ja-JP" altLang="en-US" dirty="0" smtClean="0"/>
+              <a:t>なサンプルソース</a:t>
             </a:r>
             <a:endParaRPr kumimoji="1" lang="ja-JP" altLang="en-US" dirty="0"/>
           </a:p>
@@ -3030,11 +3042,19 @@
           <a:p>
             <a:r>
               <a:rPr lang="en-US" altLang="ja-JP" dirty="0" smtClean="0"/>
-              <a:t>2-6.</a:t>
+              <a:t>2-6</a:t>
+            </a:r>
+            <a:r>
+              <a:rPr lang="en-US" altLang="ja-JP" dirty="0" smtClean="0"/>
+              <a:t>. </a:t>
             </a:r>
             <a:r>
               <a:rPr lang="ja-JP" altLang="en-US" dirty="0" smtClean="0"/>
-              <a:t>簡単なサンプルソース　～</a:t>
+              <a:t>簡単</a:t>
+            </a:r>
+            <a:r>
+              <a:rPr lang="ja-JP" altLang="en-US" dirty="0" smtClean="0"/>
+              <a:t>なサンプルソース　～</a:t>
             </a:r>
             <a:r>
               <a:rPr lang="en-US" altLang="ja-JP" dirty="0" smtClean="0"/>
@@ -3165,11 +3185,19 @@
           <a:p>
             <a:r>
               <a:rPr lang="en-US" altLang="ja-JP" dirty="0" smtClean="0"/>
-              <a:t>2-6.</a:t>
+              <a:t>2-6</a:t>
+            </a:r>
+            <a:r>
+              <a:rPr lang="en-US" altLang="ja-JP" dirty="0" smtClean="0"/>
+              <a:t>. </a:t>
             </a:r>
             <a:r>
               <a:rPr lang="ja-JP" altLang="en-US" dirty="0" smtClean="0"/>
-              <a:t>簡単なサンプルソース　～</a:t>
+              <a:t>簡単</a:t>
+            </a:r>
+            <a:r>
+              <a:rPr lang="ja-JP" altLang="en-US" dirty="0" smtClean="0"/>
+              <a:t>なサンプルソース　～</a:t>
             </a:r>
             <a:r>
               <a:rPr lang="en-US" altLang="ja-JP" dirty="0" smtClean="0"/>
@@ -3486,11 +3514,19 @@
           <a:p>
             <a:r>
               <a:rPr lang="en-US" altLang="ja-JP" dirty="0" smtClean="0"/>
-              <a:t>2-6.</a:t>
+              <a:t>2-6</a:t>
+            </a:r>
+            <a:r>
+              <a:rPr lang="en-US" altLang="ja-JP" dirty="0" smtClean="0"/>
+              <a:t>. </a:t>
             </a:r>
             <a:r>
               <a:rPr lang="ja-JP" altLang="en-US" dirty="0" smtClean="0"/>
-              <a:t>簡単なサンプルソース　～</a:t>
+              <a:t>簡単</a:t>
+            </a:r>
+            <a:r>
+              <a:rPr lang="ja-JP" altLang="en-US" dirty="0" smtClean="0"/>
+              <a:t>なサンプルソース　～</a:t>
             </a:r>
             <a:r>
               <a:rPr lang="en-US" altLang="ja-JP" dirty="0" smtClean="0"/>
@@ -3681,11 +3717,19 @@
           <a:p>
             <a:r>
               <a:rPr kumimoji="1" lang="en-US" altLang="ja-JP" dirty="0" smtClean="0"/>
-              <a:t>2-6.</a:t>
+              <a:t>2-6</a:t>
+            </a:r>
+            <a:r>
+              <a:rPr kumimoji="1" lang="en-US" altLang="ja-JP" dirty="0" smtClean="0"/>
+              <a:t>. </a:t>
             </a:r>
             <a:r>
               <a:rPr lang="ja-JP" altLang="en-US" dirty="0" smtClean="0"/>
-              <a:t>簡単なサンプルソース　～時計～</a:t>
+              <a:t>簡単</a:t>
+            </a:r>
+            <a:r>
+              <a:rPr lang="ja-JP" altLang="en-US" dirty="0" smtClean="0"/>
+              <a:t>なサンプルソース　～時計～</a:t>
             </a:r>
             <a:endParaRPr kumimoji="1" lang="ja-JP" altLang="en-US" dirty="0"/>
           </a:p>
@@ -3864,11 +3908,19 @@
           <a:p>
             <a:r>
               <a:rPr lang="en-US" altLang="ja-JP" dirty="0" smtClean="0"/>
-              <a:t>2-6.</a:t>
+              <a:t>2-6</a:t>
+            </a:r>
+            <a:r>
+              <a:rPr lang="en-US" altLang="ja-JP" dirty="0" smtClean="0"/>
+              <a:t>. </a:t>
             </a:r>
             <a:r>
               <a:rPr lang="ja-JP" altLang="en-US" dirty="0" smtClean="0"/>
-              <a:t>簡単なサンプルソース　～時計～</a:t>
+              <a:t>簡単</a:t>
+            </a:r>
+            <a:r>
+              <a:rPr lang="ja-JP" altLang="en-US" dirty="0" smtClean="0"/>
+              <a:t>なサンプルソース　～時計～</a:t>
             </a:r>
             <a:endParaRPr kumimoji="1" lang="ja-JP" altLang="en-US" dirty="0"/>
           </a:p>
@@ -4094,11 +4146,19 @@
           <a:p>
             <a:r>
               <a:rPr lang="en-US" altLang="ja-JP" dirty="0" smtClean="0"/>
-              <a:t>2-6.</a:t>
+              <a:t>2-6</a:t>
+            </a:r>
+            <a:r>
+              <a:rPr lang="en-US" altLang="ja-JP" dirty="0" smtClean="0"/>
+              <a:t>. </a:t>
             </a:r>
             <a:r>
               <a:rPr lang="ja-JP" altLang="en-US" dirty="0" smtClean="0"/>
-              <a:t>簡単なサンプルソース　～時計～</a:t>
+              <a:t>簡単</a:t>
+            </a:r>
+            <a:r>
+              <a:rPr lang="ja-JP" altLang="en-US" dirty="0" smtClean="0"/>
+              <a:t>なサンプルソース　～時計～</a:t>
             </a:r>
             <a:endParaRPr kumimoji="1" lang="ja-JP" altLang="en-US" dirty="0"/>
           </a:p>
@@ -4398,11 +4458,19 @@
           <a:p>
             <a:r>
               <a:rPr lang="en-US" altLang="ja-JP" dirty="0" smtClean="0"/>
-              <a:t>2-6.</a:t>
+              <a:t>2-6</a:t>
+            </a:r>
+            <a:r>
+              <a:rPr lang="en-US" altLang="ja-JP" dirty="0" smtClean="0"/>
+              <a:t>. </a:t>
             </a:r>
             <a:r>
               <a:rPr lang="ja-JP" altLang="en-US" dirty="0" smtClean="0"/>
-              <a:t>簡単なサンプルソース　～時計～</a:t>
+              <a:t>簡単</a:t>
+            </a:r>
+            <a:r>
+              <a:rPr lang="ja-JP" altLang="en-US" dirty="0" smtClean="0"/>
+              <a:t>なサンプルソース　～時計～</a:t>
             </a:r>
             <a:endParaRPr kumimoji="1" lang="ja-JP" altLang="en-US" dirty="0"/>
           </a:p>
@@ -4671,11 +4739,19 @@
           <a:p>
             <a:r>
               <a:rPr lang="en-US" altLang="ja-JP" dirty="0" smtClean="0"/>
-              <a:t>2-6.</a:t>
+              <a:t>2-6</a:t>
+            </a:r>
+            <a:r>
+              <a:rPr lang="en-US" altLang="ja-JP" dirty="0" smtClean="0"/>
+              <a:t>. </a:t>
             </a:r>
             <a:r>
               <a:rPr lang="ja-JP" altLang="en-US" dirty="0" smtClean="0"/>
-              <a:t>簡単なサンプルソース　～時計～</a:t>
+              <a:t>簡単</a:t>
+            </a:r>
+            <a:r>
+              <a:rPr lang="ja-JP" altLang="en-US" dirty="0" smtClean="0"/>
+              <a:t>なサンプルソース　～時計～</a:t>
             </a:r>
             <a:endParaRPr kumimoji="1" lang="ja-JP" altLang="en-US" dirty="0"/>
           </a:p>

--- a/doc/02_SlideShare/01.ネタ/２_Reactの基礎/2-6_簡単なサンプルソース.pptx
+++ b/doc/02_SlideShare/01.ネタ/２_Reactの基礎/2-6_簡単なサンプルソース.pptx
@@ -5,7 +5,7 @@
     <p:sldMasterId id="2147483648" r:id="rId1"/>
   </p:sldMasterIdLst>
   <p:notesMasterIdLst>
-    <p:notesMasterId r:id="rId11"/>
+    <p:notesMasterId r:id="rId13"/>
   </p:notesMasterIdLst>
   <p:sldIdLst>
     <p:sldId id="283" r:id="rId2"/>
@@ -17,6 +17,8 @@
     <p:sldId id="274" r:id="rId8"/>
     <p:sldId id="275" r:id="rId9"/>
     <p:sldId id="276" r:id="rId10"/>
+    <p:sldId id="285" r:id="rId11"/>
+    <p:sldId id="284" r:id="rId12"/>
   </p:sldIdLst>
   <p:sldSz cx="12192000" cy="6858000"/>
   <p:notesSz cx="6858000" cy="9144000"/>
@@ -117,7 +119,7 @@
   </p:defaultTextStyle>
   <p:extLst>
     <p:ext uri="{EFAFB233-063F-42B5-8137-9DF3F51BA10A}">
-      <p15:sldGuideLst xmlns:p15="http://schemas.microsoft.com/office/powerpoint/2012/main">
+      <p15:sldGuideLst xmlns:p15="http://schemas.microsoft.com/office/powerpoint/2012/main" xmlns="">
         <p15:guide id="1" orient="horz" pos="2160">
           <p15:clr>
             <a:srgbClr val="A4A3A4"/>
@@ -131,7 +133,7 @@
       </p15:sldGuideLst>
     </p:ext>
     <p:ext uri="{2D200454-40CA-4A62-9FC3-DE9A4176ACB9}">
-      <p15:notesGuideLst xmlns:p15="http://schemas.microsoft.com/office/powerpoint/2012/main">
+      <p15:notesGuideLst xmlns:p15="http://schemas.microsoft.com/office/powerpoint/2012/main" xmlns="">
         <p15:guide id="1" orient="horz" pos="2880">
           <p15:clr>
             <a:srgbClr val="A4A3A4"/>
@@ -231,7 +233,7 @@
             <a:fld id="{CF62E18D-AE12-454F-A1D6-19B685DC3579}" type="datetimeFigureOut">
               <a:rPr kumimoji="1" lang="ja-JP" altLang="en-US" smtClean="0"/>
               <a:pPr/>
-              <a:t>2019/3/3</a:t>
+              <a:t>2019/3/4</a:t>
             </a:fld>
             <a:endParaRPr kumimoji="1" lang="ja-JP" altLang="en-US"/>
           </a:p>
@@ -423,7 +425,7 @@
             <a:fld id="{FEC95075-C5D4-44E1-9F90-434D96595172}" type="slidenum">
               <a:rPr kumimoji="1" lang="ja-JP" altLang="en-US" smtClean="0"/>
               <a:pPr/>
-              <a:t>‹#›</a:t>
+              <a:t>&lt;#&gt;</a:t>
             </a:fld>
             <a:endParaRPr kumimoji="1" lang="ja-JP" altLang="en-US"/>
           </a:p>
@@ -432,7 +434,7 @@
     </p:spTree>
     <p:extLst>
       <p:ext uri="{BB962C8B-B14F-4D97-AF65-F5344CB8AC3E}">
-        <p14:creationId xmlns:p14="http://schemas.microsoft.com/office/powerpoint/2010/main" val="2439157943"/>
+        <p14:creationId xmlns:p14="http://schemas.microsoft.com/office/powerpoint/2010/main" xmlns="" val="2439157943"/>
       </p:ext>
     </p:extLst>
   </p:cSld>
@@ -609,7 +611,7 @@
     </p:spTree>
     <p:extLst>
       <p:ext uri="{BB962C8B-B14F-4D97-AF65-F5344CB8AC3E}">
-        <p14:creationId xmlns:p14="http://schemas.microsoft.com/office/powerpoint/2010/main" val="3790659166"/>
+        <p14:creationId xmlns:p14="http://schemas.microsoft.com/office/powerpoint/2010/main" xmlns="" val="3790659166"/>
       </p:ext>
     </p:extLst>
   </p:cSld>
@@ -696,7 +698,7 @@
     </p:spTree>
     <p:extLst>
       <p:ext uri="{BB962C8B-B14F-4D97-AF65-F5344CB8AC3E}">
-        <p14:creationId xmlns:p14="http://schemas.microsoft.com/office/powerpoint/2010/main" val="604867123"/>
+        <p14:creationId xmlns:p14="http://schemas.microsoft.com/office/powerpoint/2010/main" xmlns="" val="604867123"/>
       </p:ext>
     </p:extLst>
   </p:cSld>
@@ -796,7 +798,7 @@
             <a:fld id="{2FA7D4A1-D6E2-4B97-8DF5-43A2A6E9364B}" type="datetimeFigureOut">
               <a:rPr kumimoji="1" lang="ja-JP" altLang="en-US" smtClean="0"/>
               <a:pPr/>
-              <a:t>2019/3/3</a:t>
+              <a:t>2019/3/4</a:t>
             </a:fld>
             <a:endParaRPr kumimoji="1" lang="ja-JP" altLang="en-US"/>
           </a:p>
@@ -839,7 +841,7 @@
             <a:fld id="{04C1A00E-05D2-4F1C-A9C7-4C332DD3ED03}" type="slidenum">
               <a:rPr kumimoji="1" lang="ja-JP" altLang="en-US" smtClean="0"/>
               <a:pPr/>
-              <a:t>‹#›</a:t>
+              <a:t>&lt;#&gt;</a:t>
             </a:fld>
             <a:endParaRPr kumimoji="1" lang="ja-JP" altLang="en-US"/>
           </a:p>
@@ -1090,7 +1092,7 @@
           <a:blip r:embed="rId2" cstate="print">
             <a:extLst>
               <a:ext uri="{28A0092B-C50C-407E-A947-70E740481C1C}">
-                <a14:useLocalDpi xmlns:a14="http://schemas.microsoft.com/office/drawing/2010/main" val="0"/>
+                <a14:useLocalDpi xmlns:a14="http://schemas.microsoft.com/office/drawing/2010/main" xmlns="" val="0"/>
               </a:ext>
             </a:extLst>
           </a:blip>
@@ -1111,7 +1113,7 @@
     </p:spTree>
     <p:extLst>
       <p:ext uri="{BB962C8B-B14F-4D97-AF65-F5344CB8AC3E}">
-        <p14:creationId xmlns:p14="http://schemas.microsoft.com/office/powerpoint/2010/main" val="2810891602"/>
+        <p14:creationId xmlns:p14="http://schemas.microsoft.com/office/powerpoint/2010/main" xmlns="" val="2810891602"/>
       </p:ext>
     </p:extLst>
   </p:cSld>
@@ -1266,7 +1268,7 @@
             <a:fld id="{2FA7D4A1-D6E2-4B97-8DF5-43A2A6E9364B}" type="datetimeFigureOut">
               <a:rPr kumimoji="1" lang="ja-JP" altLang="en-US" smtClean="0"/>
               <a:pPr/>
-              <a:t>2019/3/3</a:t>
+              <a:t>2019/3/4</a:t>
             </a:fld>
             <a:endParaRPr kumimoji="1" lang="ja-JP" altLang="en-US"/>
           </a:p>
@@ -1309,7 +1311,7 @@
             <a:fld id="{04C1A00E-05D2-4F1C-A9C7-4C332DD3ED03}" type="slidenum">
               <a:rPr kumimoji="1" lang="ja-JP" altLang="en-US" smtClean="0"/>
               <a:pPr/>
-              <a:t>‹#›</a:t>
+              <a:t>&lt;#&gt;</a:t>
             </a:fld>
             <a:endParaRPr kumimoji="1" lang="ja-JP" altLang="en-US"/>
           </a:p>
@@ -1454,7 +1456,7 @@
     </p:spTree>
     <p:extLst>
       <p:ext uri="{BB962C8B-B14F-4D97-AF65-F5344CB8AC3E}">
-        <p14:creationId xmlns:p14="http://schemas.microsoft.com/office/powerpoint/2010/main" val="3557137448"/>
+        <p14:creationId xmlns:p14="http://schemas.microsoft.com/office/powerpoint/2010/main" xmlns="" val="3557137448"/>
       </p:ext>
     </p:extLst>
   </p:cSld>
@@ -1697,7 +1699,7 @@
             <a:fld id="{2FA7D4A1-D6E2-4B97-8DF5-43A2A6E9364B}" type="datetimeFigureOut">
               <a:rPr kumimoji="1" lang="ja-JP" altLang="en-US" smtClean="0"/>
               <a:pPr/>
-              <a:t>2019/3/3</a:t>
+              <a:t>2019/3/4</a:t>
             </a:fld>
             <a:endParaRPr kumimoji="1" lang="ja-JP" altLang="en-US"/>
           </a:p>
@@ -1740,7 +1742,7 @@
             <a:fld id="{04C1A00E-05D2-4F1C-A9C7-4C332DD3ED03}" type="slidenum">
               <a:rPr kumimoji="1" lang="ja-JP" altLang="en-US" smtClean="0"/>
               <a:pPr/>
-              <a:t>‹#›</a:t>
+              <a:t>&lt;#&gt;</a:t>
             </a:fld>
             <a:endParaRPr kumimoji="1" lang="ja-JP" altLang="en-US"/>
           </a:p>
@@ -1749,7 +1751,7 @@
     </p:spTree>
     <p:extLst>
       <p:ext uri="{BB962C8B-B14F-4D97-AF65-F5344CB8AC3E}">
-        <p14:creationId xmlns:p14="http://schemas.microsoft.com/office/powerpoint/2010/main" val="3739881455"/>
+        <p14:creationId xmlns:p14="http://schemas.microsoft.com/office/powerpoint/2010/main" xmlns="" val="3739881455"/>
       </p:ext>
     </p:extLst>
   </p:cSld>
@@ -1816,7 +1818,7 @@
             <a:fld id="{2FA7D4A1-D6E2-4B97-8DF5-43A2A6E9364B}" type="datetimeFigureOut">
               <a:rPr kumimoji="1" lang="ja-JP" altLang="en-US" smtClean="0"/>
               <a:pPr/>
-              <a:t>2019/3/3</a:t>
+              <a:t>2019/3/4</a:t>
             </a:fld>
             <a:endParaRPr kumimoji="1" lang="ja-JP" altLang="en-US"/>
           </a:p>
@@ -1859,7 +1861,7 @@
             <a:fld id="{04C1A00E-05D2-4F1C-A9C7-4C332DD3ED03}" type="slidenum">
               <a:rPr kumimoji="1" lang="ja-JP" altLang="en-US" smtClean="0"/>
               <a:pPr/>
-              <a:t>‹#›</a:t>
+              <a:t>&lt;#&gt;</a:t>
             </a:fld>
             <a:endParaRPr kumimoji="1" lang="ja-JP" altLang="en-US"/>
           </a:p>
@@ -1974,7 +1976,7 @@
     </p:spTree>
     <p:extLst>
       <p:ext uri="{BB962C8B-B14F-4D97-AF65-F5344CB8AC3E}">
-        <p14:creationId xmlns:p14="http://schemas.microsoft.com/office/powerpoint/2010/main" val="2041532408"/>
+        <p14:creationId xmlns:p14="http://schemas.microsoft.com/office/powerpoint/2010/main" xmlns="" val="2041532408"/>
       </p:ext>
     </p:extLst>
   </p:cSld>
@@ -2041,7 +2043,7 @@
             <a:fld id="{2FA7D4A1-D6E2-4B97-8DF5-43A2A6E9364B}" type="datetimeFigureOut">
               <a:rPr kumimoji="1" lang="ja-JP" altLang="en-US" smtClean="0"/>
               <a:pPr/>
-              <a:t>2019/3/3</a:t>
+              <a:t>2019/3/4</a:t>
             </a:fld>
             <a:endParaRPr kumimoji="1" lang="ja-JP" altLang="en-US"/>
           </a:p>
@@ -2084,7 +2086,7 @@
             <a:fld id="{04C1A00E-05D2-4F1C-A9C7-4C332DD3ED03}" type="slidenum">
               <a:rPr kumimoji="1" lang="ja-JP" altLang="en-US" smtClean="0"/>
               <a:pPr/>
-              <a:t>‹#›</a:t>
+              <a:t>&lt;#&gt;</a:t>
             </a:fld>
             <a:endParaRPr kumimoji="1" lang="ja-JP" altLang="en-US"/>
           </a:p>
@@ -2219,7 +2221,7 @@
     </p:spTree>
     <p:extLst>
       <p:ext uri="{BB962C8B-B14F-4D97-AF65-F5344CB8AC3E}">
-        <p14:creationId xmlns:p14="http://schemas.microsoft.com/office/powerpoint/2010/main" val="1665381159"/>
+        <p14:creationId xmlns:p14="http://schemas.microsoft.com/office/powerpoint/2010/main" xmlns="" val="1665381159"/>
       </p:ext>
     </p:extLst>
   </p:cSld>
@@ -2412,7 +2414,7 @@
             <a:fld id="{2FA7D4A1-D6E2-4B97-8DF5-43A2A6E9364B}" type="datetimeFigureOut">
               <a:rPr kumimoji="1" lang="ja-JP" altLang="en-US" smtClean="0"/>
               <a:pPr/>
-              <a:t>2019/3/3</a:t>
+              <a:t>2019/3/4</a:t>
             </a:fld>
             <a:endParaRPr kumimoji="1" lang="ja-JP" altLang="en-US"/>
           </a:p>
@@ -2491,7 +2493,7 @@
             <a:fld id="{04C1A00E-05D2-4F1C-A9C7-4C332DD3ED03}" type="slidenum">
               <a:rPr kumimoji="1" lang="ja-JP" altLang="en-US" smtClean="0"/>
               <a:pPr/>
-              <a:t>‹#›</a:t>
+              <a:t>&lt;#&gt;</a:t>
             </a:fld>
             <a:endParaRPr kumimoji="1" lang="ja-JP" altLang="en-US"/>
           </a:p>
@@ -2539,7 +2541,7 @@
           <a:blip r:embed="rId7" cstate="print">
             <a:extLst>
               <a:ext uri="{28A0092B-C50C-407E-A947-70E740481C1C}">
-                <a14:useLocalDpi xmlns:a14="http://schemas.microsoft.com/office/drawing/2010/main" val="0"/>
+                <a14:useLocalDpi xmlns:a14="http://schemas.microsoft.com/office/drawing/2010/main" xmlns="" val="0"/>
               </a:ext>
             </a:extLst>
           </a:blip>
@@ -2560,7 +2562,7 @@
     </p:spTree>
     <p:extLst>
       <p:ext uri="{BB962C8B-B14F-4D97-AF65-F5344CB8AC3E}">
-        <p14:creationId xmlns:p14="http://schemas.microsoft.com/office/powerpoint/2010/main" val="1816818280"/>
+        <p14:creationId xmlns:p14="http://schemas.microsoft.com/office/powerpoint/2010/main" xmlns="" val="1816818280"/>
       </p:ext>
     </p:extLst>
   </p:cSld>
@@ -2889,23 +2891,11 @@
           <a:p>
             <a:r>
               <a:rPr lang="en-US" altLang="ja-JP" dirty="0" smtClean="0"/>
-              <a:t>2-6</a:t>
-            </a:r>
-            <a:r>
-              <a:rPr lang="en-US" altLang="ja-JP" dirty="0" smtClean="0"/>
-              <a:t>.</a:t>
-            </a:r>
-            <a:r>
-              <a:rPr lang="ja-JP" altLang="en-US" dirty="0"/>
-              <a:t> </a:t>
-            </a:r>
-            <a:r>
-              <a:rPr lang="ja-JP" altLang="en-US" dirty="0" smtClean="0"/>
-              <a:t>簡単</a:t>
-            </a:r>
-            <a:r>
-              <a:rPr lang="ja-JP" altLang="en-US" dirty="0" smtClean="0"/>
-              <a:t>なサンプルソース</a:t>
+              <a:t>2-5.</a:t>
+            </a:r>
+            <a:r>
+              <a:rPr lang="ja-JP" altLang="en-US" dirty="0" smtClean="0"/>
+              <a:t>簡単なサンプルソース</a:t>
             </a:r>
             <a:endParaRPr kumimoji="1" lang="ja-JP" altLang="en-US" dirty="0"/>
           </a:p>
@@ -2935,21 +2925,7 @@
           <a:p>
             <a:r>
               <a:rPr lang="ja-JP" altLang="en-US" dirty="0" smtClean="0"/>
-              <a:t>当該章では前章までで学んだ知識を活用し、実装できるアプリケーションを記載します。</a:t>
-            </a:r>
-            <a:endParaRPr lang="en-US" altLang="ja-JP" dirty="0" smtClean="0"/>
-          </a:p>
-          <a:p>
-            <a:pPr>
-              <a:buNone/>
-            </a:pPr>
-            <a:r>
-              <a:rPr lang="en-US" altLang="ja-JP" dirty="0" smtClean="0"/>
-              <a:t>	</a:t>
-            </a:r>
-            <a:r>
-              <a:rPr lang="ja-JP" altLang="en-US" dirty="0" smtClean="0"/>
-              <a:t>なお、当該章では以下のアプリケーションについて記載します。</a:t>
+              <a:t>当該章では前章までで学んだ知識を活用し、実装できる以下のアプリケーションについて記載します。</a:t>
             </a:r>
             <a:endParaRPr lang="en-US" altLang="ja-JP" dirty="0" smtClean="0"/>
           </a:p>
@@ -2995,6 +2971,997 @@
               <a:buNone/>
             </a:pPr>
             <a:endParaRPr lang="en-US" altLang="ja-JP" dirty="0" smtClean="0"/>
+          </a:p>
+        </p:txBody>
+      </p:sp>
+    </p:spTree>
+  </p:cSld>
+  <p:clrMapOvr>
+    <a:masterClrMapping/>
+  </p:clrMapOvr>
+</p:sld>
+</file>
+
+<file path=ppt/slides/slide10.xml><?xml version="1.0" encoding="utf-8"?>
+<p:sld xmlns:a="http://schemas.openxmlformats.org/drawingml/2006/main" xmlns:r="http://schemas.openxmlformats.org/officeDocument/2006/relationships" xmlns:p="http://schemas.openxmlformats.org/presentationml/2006/main">
+  <p:cSld>
+    <p:spTree>
+      <p:nvGrpSpPr>
+        <p:cNvPr id="1" name=""/>
+        <p:cNvGrpSpPr/>
+        <p:nvPr/>
+      </p:nvGrpSpPr>
+      <p:grpSpPr>
+        <a:xfrm>
+          <a:off x="0" y="0"/>
+          <a:ext cx="0" cy="0"/>
+          <a:chOff x="0" y="0"/>
+          <a:chExt cx="0" cy="0"/>
+        </a:xfrm>
+      </p:grpSpPr>
+      <p:sp>
+        <p:nvSpPr>
+          <p:cNvPr id="2" name="タイトル 1"/>
+          <p:cNvSpPr>
+            <a:spLocks noGrp="1"/>
+          </p:cNvSpPr>
+          <p:nvPr>
+            <p:ph type="title"/>
+          </p:nvPr>
+        </p:nvSpPr>
+        <p:spPr/>
+        <p:txBody>
+          <a:bodyPr/>
+          <a:lstStyle/>
+          <a:p>
+            <a:endParaRPr kumimoji="1" lang="ja-JP" altLang="en-US"/>
+          </a:p>
+        </p:txBody>
+      </p:sp>
+      <p:sp>
+        <p:nvSpPr>
+          <p:cNvPr id="3" name="コンテンツ プレースホルダ 2"/>
+          <p:cNvSpPr>
+            <a:spLocks noGrp="1"/>
+          </p:cNvSpPr>
+          <p:nvPr>
+            <p:ph sz="quarter" idx="13"/>
+          </p:nvPr>
+        </p:nvSpPr>
+        <p:spPr/>
+        <p:txBody>
+          <a:bodyPr/>
+          <a:lstStyle/>
+          <a:p>
+            <a:r>
+              <a:rPr kumimoji="1" lang="ja-JP" altLang="en-US" dirty="0" smtClean="0"/>
+              <a:t>レンダリング</a:t>
+            </a:r>
+            <a:r>
+              <a:rPr kumimoji="1" lang="en-US" altLang="ja-JP" dirty="0" smtClean="0"/>
+              <a:t>2</a:t>
+            </a:r>
+            <a:endParaRPr kumimoji="1" lang="ja-JP" altLang="en-US" dirty="0"/>
+          </a:p>
+        </p:txBody>
+      </p:sp>
+      <p:sp>
+        <p:nvSpPr>
+          <p:cNvPr id="4" name="コンテンツ プレースホルダー 3"/>
+          <p:cNvSpPr txBox="1">
+            <a:spLocks/>
+          </p:cNvSpPr>
+          <p:nvPr/>
+        </p:nvSpPr>
+        <p:spPr>
+          <a:xfrm>
+            <a:off x="436100" y="1997616"/>
+            <a:ext cx="6231986" cy="2686926"/>
+          </a:xfrm>
+          <a:prstGeom prst="rect">
+            <a:avLst/>
+          </a:prstGeom>
+          <a:solidFill>
+            <a:srgbClr val="333F50"/>
+          </a:solidFill>
+          <a:ln>
+            <a:solidFill>
+              <a:schemeClr val="bg1">
+                <a:lumMod val="95000"/>
+              </a:schemeClr>
+            </a:solidFill>
+          </a:ln>
+        </p:spPr>
+        <p:txBody>
+          <a:bodyPr anchor="ctr"/>
+          <a:lstStyle>
+            <a:lvl1pPr marL="228600" indent="-228600" algn="l" defTabSz="914400" rtl="0" eaLnBrk="1" latinLnBrk="0" hangingPunct="1">
+              <a:lnSpc>
+                <a:spcPct val="90000"/>
+              </a:lnSpc>
+              <a:spcBef>
+                <a:spcPts val="1000"/>
+              </a:spcBef>
+              <a:buFont typeface="Arial" panose="020B0604020202020204" pitchFamily="34" charset="0"/>
+              <a:buChar char="•"/>
+              <a:defRPr kumimoji="1" sz="2000" kern="1200">
+                <a:solidFill>
+                  <a:schemeClr val="tx1"/>
+                </a:solidFill>
+                <a:latin typeface="Meiryo UI" panose="020B0604030504040204" pitchFamily="50" charset="-128"/>
+                <a:ea typeface="Meiryo UI" panose="020B0604030504040204" pitchFamily="50" charset="-128"/>
+                <a:cs typeface="+mn-cs"/>
+              </a:defRPr>
+            </a:lvl1pPr>
+            <a:lvl2pPr marL="685800" indent="-228600" algn="l" defTabSz="914400" rtl="0" eaLnBrk="1" latinLnBrk="0" hangingPunct="1">
+              <a:lnSpc>
+                <a:spcPct val="90000"/>
+              </a:lnSpc>
+              <a:spcBef>
+                <a:spcPts val="500"/>
+              </a:spcBef>
+              <a:buFont typeface="Arial" panose="020B0604020202020204" pitchFamily="34" charset="0"/>
+              <a:buChar char="•"/>
+              <a:defRPr kumimoji="1" sz="1800" kern="1200">
+                <a:solidFill>
+                  <a:schemeClr val="tx1"/>
+                </a:solidFill>
+                <a:latin typeface="Meiryo UI" panose="020B0604030504040204" pitchFamily="50" charset="-128"/>
+                <a:ea typeface="Meiryo UI" panose="020B0604030504040204" pitchFamily="50" charset="-128"/>
+                <a:cs typeface="+mn-cs"/>
+              </a:defRPr>
+            </a:lvl2pPr>
+            <a:lvl3pPr marL="1143000" indent="-228600" algn="l" defTabSz="914400" rtl="0" eaLnBrk="1" latinLnBrk="0" hangingPunct="1">
+              <a:lnSpc>
+                <a:spcPct val="90000"/>
+              </a:lnSpc>
+              <a:spcBef>
+                <a:spcPts val="500"/>
+              </a:spcBef>
+              <a:buFont typeface="Arial" panose="020B0604020202020204" pitchFamily="34" charset="0"/>
+              <a:buChar char="•"/>
+              <a:defRPr kumimoji="1" sz="1600" kern="1200">
+                <a:solidFill>
+                  <a:schemeClr val="tx1"/>
+                </a:solidFill>
+                <a:latin typeface="Meiryo UI" panose="020B0604030504040204" pitchFamily="50" charset="-128"/>
+                <a:ea typeface="Meiryo UI" panose="020B0604030504040204" pitchFamily="50" charset="-128"/>
+                <a:cs typeface="+mn-cs"/>
+              </a:defRPr>
+            </a:lvl3pPr>
+            <a:lvl4pPr marL="1600200" indent="-228600" algn="l" defTabSz="914400" rtl="0" eaLnBrk="1" latinLnBrk="0" hangingPunct="1">
+              <a:lnSpc>
+                <a:spcPct val="90000"/>
+              </a:lnSpc>
+              <a:spcBef>
+                <a:spcPts val="500"/>
+              </a:spcBef>
+              <a:buFont typeface="Arial" panose="020B0604020202020204" pitchFamily="34" charset="0"/>
+              <a:buChar char="•"/>
+              <a:defRPr kumimoji="1" sz="1400" kern="1200">
+                <a:solidFill>
+                  <a:schemeClr val="tx1"/>
+                </a:solidFill>
+                <a:latin typeface="Meiryo UI" panose="020B0604030504040204" pitchFamily="50" charset="-128"/>
+                <a:ea typeface="Meiryo UI" panose="020B0604030504040204" pitchFamily="50" charset="-128"/>
+                <a:cs typeface="+mn-cs"/>
+              </a:defRPr>
+            </a:lvl4pPr>
+            <a:lvl5pPr marL="2057400" indent="-228600" algn="l" defTabSz="914400" rtl="0" eaLnBrk="1" latinLnBrk="0" hangingPunct="1">
+              <a:lnSpc>
+                <a:spcPct val="90000"/>
+              </a:lnSpc>
+              <a:spcBef>
+                <a:spcPts val="500"/>
+              </a:spcBef>
+              <a:buFont typeface="Arial" panose="020B0604020202020204" pitchFamily="34" charset="0"/>
+              <a:buChar char="•"/>
+              <a:defRPr kumimoji="1" sz="1200" kern="1200">
+                <a:solidFill>
+                  <a:schemeClr val="tx1"/>
+                </a:solidFill>
+                <a:latin typeface="Meiryo UI" panose="020B0604030504040204" pitchFamily="50" charset="-128"/>
+                <a:ea typeface="Meiryo UI" panose="020B0604030504040204" pitchFamily="50" charset="-128"/>
+                <a:cs typeface="+mn-cs"/>
+              </a:defRPr>
+            </a:lvl5pPr>
+            <a:lvl6pPr marL="2514600" indent="-228600" algn="l" defTabSz="914400" rtl="0" eaLnBrk="1" latinLnBrk="0" hangingPunct="1">
+              <a:lnSpc>
+                <a:spcPct val="90000"/>
+              </a:lnSpc>
+              <a:spcBef>
+                <a:spcPts val="500"/>
+              </a:spcBef>
+              <a:buFont typeface="Arial" panose="020B0604020202020204" pitchFamily="34" charset="0"/>
+              <a:buChar char="•"/>
+              <a:defRPr kumimoji="1" sz="1800" kern="1200">
+                <a:solidFill>
+                  <a:schemeClr val="tx1"/>
+                </a:solidFill>
+                <a:latin typeface="+mn-lt"/>
+                <a:ea typeface="+mn-ea"/>
+                <a:cs typeface="+mn-cs"/>
+              </a:defRPr>
+            </a:lvl6pPr>
+            <a:lvl7pPr marL="2971800" indent="-228600" algn="l" defTabSz="914400" rtl="0" eaLnBrk="1" latinLnBrk="0" hangingPunct="1">
+              <a:lnSpc>
+                <a:spcPct val="90000"/>
+              </a:lnSpc>
+              <a:spcBef>
+                <a:spcPts val="500"/>
+              </a:spcBef>
+              <a:buFont typeface="Arial" panose="020B0604020202020204" pitchFamily="34" charset="0"/>
+              <a:buChar char="•"/>
+              <a:defRPr kumimoji="1" sz="1800" kern="1200">
+                <a:solidFill>
+                  <a:schemeClr val="tx1"/>
+                </a:solidFill>
+                <a:latin typeface="+mn-lt"/>
+                <a:ea typeface="+mn-ea"/>
+                <a:cs typeface="+mn-cs"/>
+              </a:defRPr>
+            </a:lvl7pPr>
+            <a:lvl8pPr marL="3429000" indent="-228600" algn="l" defTabSz="914400" rtl="0" eaLnBrk="1" latinLnBrk="0" hangingPunct="1">
+              <a:lnSpc>
+                <a:spcPct val="90000"/>
+              </a:lnSpc>
+              <a:spcBef>
+                <a:spcPts val="500"/>
+              </a:spcBef>
+              <a:buFont typeface="Arial" panose="020B0604020202020204" pitchFamily="34" charset="0"/>
+              <a:buChar char="•"/>
+              <a:defRPr kumimoji="1" sz="1800" kern="1200">
+                <a:solidFill>
+                  <a:schemeClr val="tx1"/>
+                </a:solidFill>
+                <a:latin typeface="+mn-lt"/>
+                <a:ea typeface="+mn-ea"/>
+                <a:cs typeface="+mn-cs"/>
+              </a:defRPr>
+            </a:lvl8pPr>
+            <a:lvl9pPr marL="3886200" indent="-228600" algn="l" defTabSz="914400" rtl="0" eaLnBrk="1" latinLnBrk="0" hangingPunct="1">
+              <a:lnSpc>
+                <a:spcPct val="90000"/>
+              </a:lnSpc>
+              <a:spcBef>
+                <a:spcPts val="500"/>
+              </a:spcBef>
+              <a:buFont typeface="Arial" panose="020B0604020202020204" pitchFamily="34" charset="0"/>
+              <a:buChar char="•"/>
+              <a:defRPr kumimoji="1" sz="1800" kern="1200">
+                <a:solidFill>
+                  <a:schemeClr val="tx1"/>
+                </a:solidFill>
+                <a:latin typeface="+mn-lt"/>
+                <a:ea typeface="+mn-ea"/>
+                <a:cs typeface="+mn-cs"/>
+              </a:defRPr>
+            </a:lvl9pPr>
+          </a:lstStyle>
+          <a:p>
+            <a:pPr>
+              <a:buNone/>
+            </a:pPr>
+            <a:r>
+              <a:rPr lang="en-US" altLang="ja-JP" sz="1800" dirty="0" err="1" smtClean="0">
+                <a:solidFill>
+                  <a:schemeClr val="bg1"/>
+                </a:solidFill>
+                <a:latin typeface="ＭＳ Ｐゴシック" panose="020B0600070205080204" pitchFamily="50" charset="-128"/>
+                <a:ea typeface="ＭＳ Ｐゴシック" panose="020B0600070205080204" pitchFamily="50" charset="-128"/>
+              </a:rPr>
+              <a:t>ReactDOM.render</a:t>
+            </a:r>
+            <a:r>
+              <a:rPr lang="en-US" altLang="ja-JP" sz="1800" dirty="0" smtClean="0">
+                <a:solidFill>
+                  <a:schemeClr val="bg1"/>
+                </a:solidFill>
+                <a:latin typeface="ＭＳ Ｐゴシック" panose="020B0600070205080204" pitchFamily="50" charset="-128"/>
+                <a:ea typeface="ＭＳ Ｐゴシック" panose="020B0600070205080204" pitchFamily="50" charset="-128"/>
+              </a:rPr>
+              <a:t>(&lt;App /&gt;, </a:t>
+            </a:r>
+            <a:r>
+              <a:rPr lang="en-US" altLang="ja-JP" sz="1800" dirty="0" err="1" smtClean="0">
+                <a:solidFill>
+                  <a:schemeClr val="bg1"/>
+                </a:solidFill>
+                <a:latin typeface="ＭＳ Ｐゴシック" panose="020B0600070205080204" pitchFamily="50" charset="-128"/>
+                <a:ea typeface="ＭＳ Ｐゴシック" panose="020B0600070205080204" pitchFamily="50" charset="-128"/>
+              </a:rPr>
+              <a:t>document.getElementById</a:t>
+            </a:r>
+            <a:r>
+              <a:rPr lang="en-US" altLang="ja-JP" sz="1800" dirty="0" smtClean="0">
+                <a:solidFill>
+                  <a:schemeClr val="bg1"/>
+                </a:solidFill>
+                <a:latin typeface="ＭＳ Ｐゴシック" panose="020B0600070205080204" pitchFamily="50" charset="-128"/>
+                <a:ea typeface="ＭＳ Ｐゴシック" panose="020B0600070205080204" pitchFamily="50" charset="-128"/>
+              </a:rPr>
+              <a:t>('root'));</a:t>
+            </a:r>
+          </a:p>
+        </p:txBody>
+      </p:sp>
+      <p:sp>
+        <p:nvSpPr>
+          <p:cNvPr id="5" name="線吹き出し 2 (枠付き) 4"/>
+          <p:cNvSpPr/>
+          <p:nvPr/>
+        </p:nvSpPr>
+        <p:spPr>
+          <a:xfrm>
+            <a:off x="6724359" y="2066276"/>
+            <a:ext cx="5092504" cy="1141157"/>
+          </a:xfrm>
+          <a:prstGeom prst="borderCallout2">
+            <a:avLst>
+              <a:gd name="adj1" fmla="val 17750"/>
+              <a:gd name="adj2" fmla="val 413"/>
+              <a:gd name="adj3" fmla="val 31367"/>
+              <a:gd name="adj4" fmla="val -18843"/>
+              <a:gd name="adj5" fmla="val 86175"/>
+              <a:gd name="adj6" fmla="val -57926"/>
+            </a:avLst>
+          </a:prstGeom>
+          <a:solidFill>
+            <a:schemeClr val="bg1"/>
+          </a:solidFill>
+          <a:ln w="28575">
+            <a:solidFill>
+              <a:srgbClr val="3399FF"/>
+            </a:solidFill>
+          </a:ln>
+        </p:spPr>
+        <p:style>
+          <a:lnRef idx="2">
+            <a:schemeClr val="accent1">
+              <a:shade val="50000"/>
+            </a:schemeClr>
+          </a:lnRef>
+          <a:fillRef idx="1">
+            <a:schemeClr val="accent1"/>
+          </a:fillRef>
+          <a:effectRef idx="0">
+            <a:schemeClr val="accent1"/>
+          </a:effectRef>
+          <a:fontRef idx="minor">
+            <a:schemeClr val="lt1"/>
+          </a:fontRef>
+        </p:style>
+        <p:txBody>
+          <a:bodyPr rtlCol="0" anchor="ctr"/>
+          <a:lstStyle/>
+          <a:p>
+            <a:pPr marL="228600" lvl="0" indent="-228600">
+              <a:lnSpc>
+                <a:spcPct val="90000"/>
+              </a:lnSpc>
+              <a:spcBef>
+                <a:spcPts val="1000"/>
+              </a:spcBef>
+              <a:defRPr/>
+            </a:pPr>
+            <a:r>
+              <a:rPr lang="en-US" altLang="ja-JP" dirty="0" smtClean="0">
+                <a:solidFill>
+                  <a:schemeClr val="tx1"/>
+                </a:solidFill>
+              </a:rPr>
+              <a:t>React</a:t>
+            </a:r>
+            <a:r>
+              <a:rPr lang="ja-JP" altLang="en-US" dirty="0" smtClean="0">
+                <a:solidFill>
+                  <a:schemeClr val="tx1"/>
+                </a:solidFill>
+              </a:rPr>
+              <a:t>要素を指定</a:t>
+            </a:r>
+            <a:r>
+              <a:rPr lang="ja-JP" altLang="en-US" dirty="0" smtClean="0">
+                <a:solidFill>
+                  <a:schemeClr val="tx1"/>
+                </a:solidFill>
+              </a:rPr>
+              <a:t>された</a:t>
+            </a:r>
+            <a:r>
+              <a:rPr lang="en-US" altLang="ja-JP" dirty="0" smtClean="0">
+                <a:solidFill>
+                  <a:schemeClr val="tx1"/>
+                </a:solidFill>
+              </a:rPr>
+              <a:t>document</a:t>
+            </a:r>
+            <a:r>
+              <a:rPr lang="ja-JP" altLang="en-US" dirty="0" smtClean="0">
+                <a:solidFill>
+                  <a:schemeClr val="tx1"/>
+                </a:solidFill>
+              </a:rPr>
+              <a:t>の</a:t>
+            </a:r>
+            <a:r>
+              <a:rPr lang="ja-JP" altLang="en-US" dirty="0" smtClean="0">
+                <a:solidFill>
+                  <a:schemeClr val="tx1"/>
+                </a:solidFill>
+              </a:rPr>
+              <a:t>中の</a:t>
+            </a:r>
+            <a:r>
+              <a:rPr lang="en-US" altLang="ja-JP" dirty="0" smtClean="0">
+                <a:solidFill>
+                  <a:schemeClr val="tx1"/>
+                </a:solidFill>
+              </a:rPr>
+              <a:t>DOM</a:t>
+            </a:r>
+            <a:r>
+              <a:rPr lang="ja-JP" altLang="en-US" dirty="0" smtClean="0">
+                <a:solidFill>
+                  <a:schemeClr val="tx1"/>
+                </a:solidFill>
+              </a:rPr>
+              <a:t>に</a:t>
+            </a:r>
+            <a:endParaRPr lang="en-US" altLang="ja-JP" dirty="0" smtClean="0">
+              <a:solidFill>
+                <a:schemeClr val="tx1"/>
+              </a:solidFill>
+            </a:endParaRPr>
+          </a:p>
+          <a:p>
+            <a:pPr marL="228600" lvl="0" indent="-228600">
+              <a:lnSpc>
+                <a:spcPct val="90000"/>
+              </a:lnSpc>
+              <a:spcBef>
+                <a:spcPts val="1000"/>
+              </a:spcBef>
+              <a:defRPr/>
+            </a:pPr>
+            <a:r>
+              <a:rPr lang="ja-JP" altLang="en-US" dirty="0" smtClean="0">
+                <a:solidFill>
+                  <a:schemeClr val="tx1"/>
+                </a:solidFill>
+              </a:rPr>
+              <a:t>レンダリング</a:t>
+            </a:r>
+            <a:r>
+              <a:rPr lang="ja-JP" altLang="en-US" dirty="0" smtClean="0">
+                <a:solidFill>
+                  <a:schemeClr val="tx1"/>
+                </a:solidFill>
+              </a:rPr>
+              <a:t>し、そのコンポーネントへの参照</a:t>
+            </a:r>
+            <a:r>
+              <a:rPr lang="ja-JP" altLang="en-US" dirty="0" smtClean="0">
+                <a:solidFill>
+                  <a:schemeClr val="tx1"/>
+                </a:solidFill>
+              </a:rPr>
+              <a:t>を返します</a:t>
+            </a:r>
+            <a:r>
+              <a:rPr lang="ja-JP" altLang="en-US" dirty="0" smtClean="0">
+                <a:solidFill>
+                  <a:schemeClr val="tx1"/>
+                </a:solidFill>
+                <a:latin typeface="Meiryo UI" panose="020B0604030504040204" pitchFamily="50" charset="-128"/>
+                <a:ea typeface="Meiryo UI" panose="020B0604030504040204" pitchFamily="50" charset="-128"/>
+              </a:rPr>
+              <a:t>。</a:t>
+            </a:r>
+            <a:endParaRPr lang="en-US" altLang="ja-JP" dirty="0" smtClean="0">
+              <a:solidFill>
+                <a:schemeClr val="tx1"/>
+              </a:solidFill>
+              <a:latin typeface="Meiryo UI" panose="020B0604030504040204" pitchFamily="50" charset="-128"/>
+              <a:ea typeface="Meiryo UI" panose="020B0604030504040204" pitchFamily="50" charset="-128"/>
+            </a:endParaRPr>
+          </a:p>
+        </p:txBody>
+      </p:sp>
+      <p:sp>
+        <p:nvSpPr>
+          <p:cNvPr id="6" name="テキスト ボックス 5"/>
+          <p:cNvSpPr txBox="1"/>
+          <p:nvPr/>
+        </p:nvSpPr>
+        <p:spPr>
+          <a:xfrm>
+            <a:off x="5134705" y="4783013"/>
+            <a:ext cx="1544012" cy="307777"/>
+          </a:xfrm>
+          <a:prstGeom prst="rect">
+            <a:avLst/>
+          </a:prstGeom>
+          <a:noFill/>
+        </p:spPr>
+        <p:txBody>
+          <a:bodyPr wrap="none" rtlCol="0">
+            <a:spAutoFit/>
+          </a:bodyPr>
+          <a:lstStyle/>
+          <a:p>
+            <a:r>
+              <a:rPr kumimoji="1" lang="en-US" altLang="ja-JP" sz="1400" dirty="0" smtClean="0"/>
+              <a:t>※index.js</a:t>
+            </a:r>
+            <a:r>
+              <a:rPr kumimoji="1" lang="ja-JP" altLang="en-US" sz="1400" dirty="0" smtClean="0"/>
+              <a:t>に記載</a:t>
+            </a:r>
+            <a:endParaRPr kumimoji="1" lang="ja-JP" altLang="en-US" sz="1400" dirty="0"/>
+          </a:p>
+        </p:txBody>
+      </p:sp>
+    </p:spTree>
+  </p:cSld>
+  <p:clrMapOvr>
+    <a:masterClrMapping/>
+  </p:clrMapOvr>
+</p:sld>
+</file>
+
+<file path=ppt/slides/slide11.xml><?xml version="1.0" encoding="utf-8"?>
+<p:sld xmlns:a="http://schemas.openxmlformats.org/drawingml/2006/main" xmlns:r="http://schemas.openxmlformats.org/officeDocument/2006/relationships" xmlns:p="http://schemas.openxmlformats.org/presentationml/2006/main">
+  <p:cSld>
+    <p:spTree>
+      <p:nvGrpSpPr>
+        <p:cNvPr id="1" name=""/>
+        <p:cNvGrpSpPr/>
+        <p:nvPr/>
+      </p:nvGrpSpPr>
+      <p:grpSpPr>
+        <a:xfrm>
+          <a:off x="0" y="0"/>
+          <a:ext cx="0" cy="0"/>
+          <a:chOff x="0" y="0"/>
+          <a:chExt cx="0" cy="0"/>
+        </a:xfrm>
+      </p:grpSpPr>
+      <p:sp>
+        <p:nvSpPr>
+          <p:cNvPr id="2" name="タイトル 1"/>
+          <p:cNvSpPr>
+            <a:spLocks noGrp="1"/>
+          </p:cNvSpPr>
+          <p:nvPr>
+            <p:ph type="title"/>
+          </p:nvPr>
+        </p:nvSpPr>
+        <p:spPr/>
+        <p:txBody>
+          <a:bodyPr/>
+          <a:lstStyle/>
+          <a:p>
+            <a:r>
+              <a:rPr lang="en-US" altLang="ja-JP" dirty="0" smtClean="0"/>
+              <a:t>2-5.</a:t>
+            </a:r>
+            <a:r>
+              <a:rPr lang="ja-JP" altLang="en-US" dirty="0" smtClean="0"/>
+              <a:t>簡単なサンプルソース　～時計～</a:t>
+            </a:r>
+            <a:endParaRPr kumimoji="1" lang="ja-JP" altLang="en-US" dirty="0"/>
+          </a:p>
+        </p:txBody>
+      </p:sp>
+      <p:sp>
+        <p:nvSpPr>
+          <p:cNvPr id="4" name="コンテンツ プレースホルダ 3"/>
+          <p:cNvSpPr>
+            <a:spLocks noGrp="1"/>
+          </p:cNvSpPr>
+          <p:nvPr>
+            <p:ph sz="quarter" idx="13"/>
+          </p:nvPr>
+        </p:nvSpPr>
+        <p:spPr>
+          <a:xfrm>
+            <a:off x="431799" y="1054100"/>
+            <a:ext cx="11379201" cy="4713654"/>
+          </a:xfrm>
+        </p:spPr>
+        <p:txBody>
+          <a:bodyPr>
+            <a:normAutofit/>
+          </a:bodyPr>
+          <a:lstStyle/>
+          <a:p>
+            <a:r>
+              <a:rPr kumimoji="1" lang="ja-JP" altLang="en-US" dirty="0" smtClean="0"/>
+              <a:t>まとめ</a:t>
+            </a:r>
+            <a:endParaRPr kumimoji="1" lang="en-US" altLang="ja-JP" dirty="0" smtClean="0"/>
+          </a:p>
+          <a:p>
+            <a:endParaRPr lang="en-US" altLang="ja-JP" dirty="0" smtClean="0"/>
+          </a:p>
+          <a:p>
+            <a:pPr marL="342900" indent="-342900">
+              <a:buFont typeface="+mj-lt"/>
+              <a:buAutoNum type="arabicPeriod"/>
+            </a:pPr>
+            <a:r>
+              <a:rPr lang="en-US" altLang="ja-JP" dirty="0" smtClean="0"/>
+              <a:t>&lt;App </a:t>
+            </a:r>
+            <a:r>
+              <a:rPr lang="en-US" altLang="ja-JP" dirty="0" smtClean="0"/>
+              <a:t>/&gt; </a:t>
+            </a:r>
+            <a:r>
+              <a:rPr lang="ja-JP" altLang="en-US" dirty="0" smtClean="0"/>
+              <a:t>が</a:t>
+            </a:r>
+            <a:r>
+              <a:rPr lang="en-US" altLang="ja-JP" dirty="0" err="1" smtClean="0"/>
+              <a:t>ReactDOM.render</a:t>
+            </a:r>
+            <a:r>
+              <a:rPr lang="en-US" altLang="ja-JP" dirty="0" smtClean="0"/>
+              <a:t>()</a:t>
+            </a:r>
+            <a:r>
+              <a:rPr lang="ja-JP" altLang="en-US" dirty="0" smtClean="0"/>
+              <a:t>に渡されたとき、</a:t>
+            </a:r>
+            <a:r>
+              <a:rPr lang="en-US" altLang="ja-JP" dirty="0" smtClean="0"/>
+              <a:t>React</a:t>
+            </a:r>
+            <a:r>
+              <a:rPr lang="ja-JP" altLang="en-US" dirty="0" smtClean="0"/>
+              <a:t>は</a:t>
+            </a:r>
+            <a:r>
+              <a:rPr lang="en-US" altLang="ja-JP" dirty="0" smtClean="0"/>
+              <a:t>App</a:t>
+            </a:r>
+            <a:r>
+              <a:rPr lang="ja-JP" altLang="en-US" dirty="0" smtClean="0"/>
+              <a:t>コンポーネント</a:t>
+            </a:r>
+            <a:r>
+              <a:rPr lang="ja-JP" altLang="en-US" dirty="0" smtClean="0"/>
+              <a:t>のコンストラクタを呼びます</a:t>
+            </a:r>
+            <a:r>
+              <a:rPr lang="ja-JP" altLang="en-US" dirty="0" smtClean="0"/>
+              <a:t>。</a:t>
+            </a:r>
+            <a:r>
+              <a:rPr lang="en-US" altLang="ja-JP" dirty="0" smtClean="0"/>
+              <a:t>App</a:t>
+            </a:r>
+            <a:r>
+              <a:rPr lang="ja-JP" altLang="en-US" dirty="0" smtClean="0"/>
+              <a:t>は</a:t>
+            </a:r>
+            <a:r>
+              <a:rPr lang="ja-JP" altLang="en-US" dirty="0" smtClean="0"/>
+              <a:t>現在の時間を表示する必要があるので、自分の状態</a:t>
+            </a:r>
+            <a:r>
+              <a:rPr lang="en-US" altLang="ja-JP" dirty="0" smtClean="0"/>
+              <a:t>this.state</a:t>
+            </a:r>
+            <a:r>
+              <a:rPr lang="ja-JP" altLang="en-US" dirty="0" smtClean="0"/>
+              <a:t>を現在時間を含むオブジェクトで初期化します</a:t>
+            </a:r>
+            <a:r>
+              <a:rPr lang="ja-JP" altLang="en-US" dirty="0" smtClean="0"/>
+              <a:t>。</a:t>
+            </a:r>
+            <a:endParaRPr lang="en-US" altLang="ja-JP" dirty="0" smtClean="0"/>
+          </a:p>
+          <a:p>
+            <a:pPr marL="342900" indent="-342900">
+              <a:buFont typeface="+mj-lt"/>
+              <a:buAutoNum type="arabicPeriod"/>
+            </a:pPr>
+            <a:r>
+              <a:rPr lang="en-US" altLang="ja-JP" dirty="0" smtClean="0"/>
+              <a:t>React</a:t>
+            </a:r>
+            <a:r>
+              <a:rPr lang="ja-JP" altLang="en-US" dirty="0" smtClean="0"/>
+              <a:t>は</a:t>
+            </a:r>
+            <a:r>
+              <a:rPr lang="en-US" altLang="ja-JP" dirty="0" smtClean="0"/>
+              <a:t>App</a:t>
+            </a:r>
+            <a:r>
+              <a:rPr lang="ja-JP" altLang="en-US" dirty="0" smtClean="0"/>
+              <a:t>コンポーネント</a:t>
+            </a:r>
+            <a:r>
+              <a:rPr lang="ja-JP" altLang="en-US" dirty="0" smtClean="0"/>
+              <a:t>の</a:t>
+            </a:r>
+            <a:r>
+              <a:rPr lang="en-US" altLang="ja-JP" dirty="0" smtClean="0"/>
+              <a:t>render()</a:t>
+            </a:r>
+            <a:r>
+              <a:rPr lang="ja-JP" altLang="en-US" dirty="0" smtClean="0"/>
+              <a:t>メソッドを呼びます。これ</a:t>
+            </a:r>
+            <a:r>
+              <a:rPr lang="ja-JP" altLang="en-US" dirty="0" smtClean="0"/>
+              <a:t>により</a:t>
+            </a:r>
+            <a:r>
+              <a:rPr lang="en-US" altLang="ja-JP" dirty="0" smtClean="0"/>
+              <a:t>React</a:t>
+            </a:r>
+            <a:r>
+              <a:rPr lang="ja-JP" altLang="en-US" dirty="0" smtClean="0"/>
+              <a:t>は画面に表示すべきもの</a:t>
+            </a:r>
+            <a:r>
+              <a:rPr lang="ja-JP" altLang="en-US" dirty="0" smtClean="0"/>
+              <a:t>を取得し、</a:t>
+            </a:r>
+            <a:r>
+              <a:rPr lang="en-US" altLang="ja-JP" dirty="0" smtClean="0"/>
+              <a:t>render</a:t>
+            </a:r>
+            <a:r>
+              <a:rPr lang="ja-JP" altLang="en-US" dirty="0" smtClean="0"/>
+              <a:t>出力に合致する</a:t>
+            </a:r>
+            <a:r>
+              <a:rPr lang="ja-JP" altLang="en-US" dirty="0" smtClean="0"/>
+              <a:t>ように</a:t>
+            </a:r>
+            <a:r>
+              <a:rPr lang="en-US" altLang="ja-JP" dirty="0" smtClean="0"/>
+              <a:t>DOM</a:t>
+            </a:r>
+            <a:r>
+              <a:rPr lang="ja-JP" altLang="en-US" dirty="0" smtClean="0"/>
+              <a:t>を更新します</a:t>
+            </a:r>
+            <a:r>
+              <a:rPr lang="ja-JP" altLang="en-US" dirty="0" smtClean="0"/>
+              <a:t>。</a:t>
+            </a:r>
+            <a:endParaRPr lang="en-US" altLang="ja-JP" dirty="0" smtClean="0"/>
+          </a:p>
+          <a:p>
+            <a:pPr marL="342900" indent="-342900">
+              <a:buFont typeface="+mj-lt"/>
+              <a:buAutoNum type="arabicPeriod"/>
+            </a:pPr>
+            <a:r>
+              <a:rPr lang="en-US" altLang="ja-JP" dirty="0" smtClean="0"/>
+              <a:t>App</a:t>
+            </a:r>
+            <a:r>
+              <a:rPr lang="ja-JP" altLang="en-US" dirty="0" smtClean="0"/>
+              <a:t>コンポーネントの</a:t>
+            </a:r>
+            <a:r>
+              <a:rPr lang="ja-JP" altLang="en-US" dirty="0" smtClean="0"/>
+              <a:t>出力が</a:t>
+            </a:r>
+            <a:r>
+              <a:rPr lang="en-US" altLang="ja-JP" dirty="0" smtClean="0"/>
+              <a:t>DOM</a:t>
+            </a:r>
+            <a:r>
+              <a:rPr lang="ja-JP" altLang="en-US" dirty="0" smtClean="0"/>
+              <a:t>に挿入されたとき</a:t>
+            </a:r>
+            <a:r>
+              <a:rPr lang="ja-JP" altLang="en-US" dirty="0" smtClean="0"/>
+              <a:t>、</a:t>
+            </a:r>
+            <a:r>
+              <a:rPr lang="en-US" altLang="ja-JP" dirty="0" err="1" smtClean="0"/>
+              <a:t>componentDidMount</a:t>
+            </a:r>
+            <a:r>
+              <a:rPr lang="en-US" altLang="ja-JP" dirty="0" smtClean="0"/>
+              <a:t>()</a:t>
+            </a:r>
+            <a:r>
+              <a:rPr lang="ja-JP" altLang="en-US" dirty="0" smtClean="0"/>
+              <a:t>メソッドを呼びます。その中</a:t>
+            </a:r>
+            <a:r>
+              <a:rPr lang="ja-JP" altLang="en-US" dirty="0" smtClean="0"/>
+              <a:t>で</a:t>
+            </a:r>
+            <a:r>
+              <a:rPr lang="en-US" altLang="ja-JP" dirty="0" smtClean="0"/>
+              <a:t>clock()</a:t>
+            </a:r>
+            <a:r>
+              <a:rPr lang="ja-JP" altLang="en-US" dirty="0" smtClean="0"/>
+              <a:t>メソッド</a:t>
+            </a:r>
+            <a:r>
+              <a:rPr lang="ja-JP" altLang="en-US" dirty="0" smtClean="0"/>
+              <a:t>を</a:t>
+            </a:r>
+            <a:r>
+              <a:rPr lang="en-US" altLang="ja-JP" dirty="0" smtClean="0"/>
+              <a:t>1</a:t>
+            </a:r>
+            <a:r>
+              <a:rPr lang="ja-JP" altLang="en-US" dirty="0" smtClean="0"/>
+              <a:t>秒</a:t>
+            </a:r>
+            <a:r>
+              <a:rPr lang="ja-JP" altLang="en-US" dirty="0" smtClean="0"/>
+              <a:t>間隔で</a:t>
+            </a:r>
+            <a:r>
+              <a:rPr lang="ja-JP" altLang="en-US" dirty="0" smtClean="0"/>
+              <a:t>呼び出すように設定します。</a:t>
+            </a:r>
+            <a:endParaRPr lang="en-US" altLang="ja-JP" dirty="0" smtClean="0"/>
+          </a:p>
+          <a:p>
+            <a:pPr marL="342900" indent="-342900">
+              <a:buFont typeface="+mj-lt"/>
+              <a:buAutoNum type="arabicPeriod"/>
+            </a:pPr>
+            <a:r>
+              <a:rPr lang="en-US" altLang="ja-JP" dirty="0" smtClean="0"/>
+              <a:t>1</a:t>
+            </a:r>
+            <a:r>
+              <a:rPr lang="ja-JP" altLang="en-US" dirty="0" smtClean="0"/>
+              <a:t>秒</a:t>
+            </a:r>
+            <a:r>
+              <a:rPr lang="ja-JP" altLang="en-US" dirty="0" smtClean="0"/>
+              <a:t>ごと</a:t>
+            </a:r>
+            <a:r>
+              <a:rPr lang="ja-JP" altLang="en-US" dirty="0" smtClean="0"/>
+              <a:t>に</a:t>
+            </a:r>
+            <a:r>
+              <a:rPr lang="en-US" altLang="ja-JP" dirty="0" smtClean="0"/>
+              <a:t>clock()</a:t>
+            </a:r>
+            <a:r>
+              <a:rPr lang="ja-JP" altLang="en-US" dirty="0" smtClean="0"/>
+              <a:t>が呼ばれ、</a:t>
+            </a:r>
+            <a:r>
+              <a:rPr lang="en-US" altLang="ja-JP" dirty="0" err="1" smtClean="0"/>
+              <a:t>setState</a:t>
+            </a:r>
+            <a:r>
+              <a:rPr lang="en-US" altLang="ja-JP" dirty="0" smtClean="0"/>
+              <a:t>()</a:t>
+            </a:r>
+            <a:r>
+              <a:rPr lang="ja-JP" altLang="en-US" dirty="0" smtClean="0"/>
+              <a:t>に現在時刻を</a:t>
+            </a:r>
+            <a:r>
+              <a:rPr lang="ja-JP" altLang="en-US" dirty="0" smtClean="0"/>
+              <a:t>渡して、</a:t>
+            </a:r>
+            <a:r>
+              <a:rPr lang="en-US" altLang="ja-JP" dirty="0" err="1" smtClean="0"/>
+              <a:t>this.date</a:t>
+            </a:r>
+            <a:r>
+              <a:rPr lang="ja-JP" altLang="en-US" dirty="0" smtClean="0"/>
+              <a:t>を更新します</a:t>
+            </a:r>
+            <a:r>
+              <a:rPr lang="ja-JP" altLang="en-US" dirty="0" smtClean="0"/>
+              <a:t>。</a:t>
+            </a:r>
+            <a:r>
+              <a:rPr lang="en-US" altLang="ja-JP" dirty="0" err="1" smtClean="0"/>
+              <a:t>setState</a:t>
+            </a:r>
+            <a:r>
+              <a:rPr lang="en-US" altLang="ja-JP" dirty="0" smtClean="0"/>
+              <a:t>()</a:t>
+            </a:r>
+            <a:r>
+              <a:rPr lang="ja-JP" altLang="en-US" dirty="0" smtClean="0"/>
+              <a:t>を呼び出すことで、</a:t>
+            </a:r>
+            <a:r>
+              <a:rPr lang="en-US" altLang="ja-JP" dirty="0" smtClean="0"/>
+              <a:t>React</a:t>
+            </a:r>
+            <a:r>
+              <a:rPr lang="ja-JP" altLang="en-US" dirty="0" smtClean="0"/>
+              <a:t>は</a:t>
+            </a:r>
+            <a:r>
+              <a:rPr lang="en-US" altLang="ja-JP" dirty="0" smtClean="0"/>
+              <a:t>state</a:t>
+            </a:r>
+            <a:r>
+              <a:rPr lang="ja-JP" altLang="en-US" dirty="0" smtClean="0"/>
+              <a:t>が変わったことに気づき、</a:t>
+            </a:r>
+            <a:r>
+              <a:rPr lang="en-US" altLang="ja-JP" dirty="0" smtClean="0"/>
+              <a:t>render()</a:t>
+            </a:r>
+            <a:r>
+              <a:rPr lang="ja-JP" altLang="en-US" dirty="0" smtClean="0"/>
+              <a:t>を</a:t>
+            </a:r>
+            <a:r>
+              <a:rPr lang="ja-JP" altLang="en-US" dirty="0" smtClean="0"/>
+              <a:t>再度呼びます。</a:t>
+            </a:r>
+            <a:endParaRPr lang="en-US" altLang="ja-JP" dirty="0" smtClean="0"/>
+          </a:p>
+          <a:p>
+            <a:pPr marL="342900" indent="-342900">
+              <a:buFont typeface="+mj-lt"/>
+              <a:buAutoNum type="arabicPeriod"/>
+            </a:pPr>
+            <a:r>
+              <a:rPr lang="en-US" altLang="ja-JP" dirty="0" smtClean="0"/>
+              <a:t>render()</a:t>
+            </a:r>
+            <a:r>
+              <a:rPr lang="ja-JP" altLang="en-US" dirty="0" smtClean="0"/>
+              <a:t>メソッド内</a:t>
+            </a:r>
+            <a:r>
+              <a:rPr lang="ja-JP" altLang="en-US" dirty="0" smtClean="0"/>
+              <a:t>で</a:t>
+            </a:r>
+            <a:r>
+              <a:rPr lang="en-US" altLang="ja-JP" dirty="0" err="1" smtClean="0"/>
+              <a:t>this.state.date</a:t>
+            </a:r>
+            <a:r>
+              <a:rPr lang="ja-JP" altLang="en-US" dirty="0" smtClean="0"/>
+              <a:t>が変化しているので</a:t>
+            </a:r>
+            <a:r>
+              <a:rPr lang="ja-JP" altLang="en-US" dirty="0" smtClean="0"/>
+              <a:t>、それ</a:t>
+            </a:r>
+            <a:r>
+              <a:rPr lang="ja-JP" altLang="en-US" dirty="0" smtClean="0"/>
+              <a:t>を</a:t>
+            </a:r>
+            <a:r>
+              <a:rPr lang="ja-JP" altLang="en-US" dirty="0" smtClean="0"/>
+              <a:t>反映させるため、</a:t>
+            </a:r>
+            <a:r>
+              <a:rPr lang="en-US" altLang="ja-JP" dirty="0" smtClean="0"/>
+              <a:t>DOM</a:t>
+            </a:r>
+            <a:r>
+              <a:rPr lang="ja-JP" altLang="en-US" smtClean="0"/>
+              <a:t>が更新されます。</a:t>
+            </a:r>
+            <a:endParaRPr lang="en-US" altLang="ja-JP" dirty="0" smtClean="0"/>
+          </a:p>
+          <a:p>
+            <a:endParaRPr kumimoji="1" lang="ja-JP" altLang="en-US" dirty="0"/>
           </a:p>
         </p:txBody>
       </p:sp>
@@ -3042,19 +4009,11 @@
           <a:p>
             <a:r>
               <a:rPr lang="en-US" altLang="ja-JP" dirty="0" smtClean="0"/>
-              <a:t>2-6</a:t>
-            </a:r>
-            <a:r>
-              <a:rPr lang="en-US" altLang="ja-JP" dirty="0" smtClean="0"/>
-              <a:t>. </a:t>
-            </a:r>
-            <a:r>
-              <a:rPr lang="ja-JP" altLang="en-US" dirty="0" smtClean="0"/>
-              <a:t>簡単</a:t>
-            </a:r>
-            <a:r>
-              <a:rPr lang="ja-JP" altLang="en-US" dirty="0" smtClean="0"/>
-              <a:t>なサンプルソース　～</a:t>
+              <a:t>2-5.</a:t>
+            </a:r>
+            <a:r>
+              <a:rPr lang="ja-JP" altLang="en-US" dirty="0" smtClean="0"/>
+              <a:t>簡単なサンプルソース　～</a:t>
             </a:r>
             <a:r>
               <a:rPr lang="en-US" altLang="ja-JP" dirty="0" smtClean="0"/>
@@ -3078,47 +4037,44 @@
             <p:ph sz="quarter" idx="13"/>
           </p:nvPr>
         </p:nvSpPr>
-        <p:spPr/>
-        <p:txBody>
-          <a:bodyPr/>
-          <a:lstStyle/>
-          <a:p>
-            <a:r>
-              <a:rPr lang="ja-JP" altLang="en-US" dirty="0" smtClean="0"/>
-              <a:t>完成</a:t>
-            </a:r>
-            <a:r>
-              <a:rPr lang="ja-JP" altLang="en-US" dirty="0"/>
-              <a:t>例</a:t>
-            </a:r>
-            <a:endParaRPr kumimoji="1" lang="ja-JP" altLang="en-US" dirty="0"/>
-          </a:p>
-        </p:txBody>
-      </p:sp>
-      <p:pic>
-        <p:nvPicPr>
-          <p:cNvPr id="5" name="図 4" descr="react_hello2.png"/>
-          <p:cNvPicPr>
-            <a:picLocks noChangeAspect="1"/>
-          </p:cNvPicPr>
-          <p:nvPr/>
-        </p:nvPicPr>
-        <p:blipFill>
-          <a:blip r:embed="rId2" cstate="print"/>
-          <a:stretch>
-            <a:fillRect/>
-          </a:stretch>
-        </p:blipFill>
         <p:spPr>
           <a:xfrm>
-            <a:off x="3386985" y="2005770"/>
-            <a:ext cx="5775590" cy="4500000"/>
+            <a:off x="431799" y="1054099"/>
+            <a:ext cx="11379201" cy="1351475"/>
           </a:xfrm>
-          <a:prstGeom prst="rect">
-            <a:avLst/>
-          </a:prstGeom>
         </p:spPr>
-      </p:pic>
+        <p:txBody>
+          <a:bodyPr>
+            <a:normAutofit/>
+          </a:bodyPr>
+          <a:lstStyle/>
+          <a:p>
+            <a:r>
+              <a:rPr lang="ja-JP" altLang="en-US" dirty="0" smtClean="0"/>
+              <a:t>「</a:t>
+            </a:r>
+            <a:r>
+              <a:rPr lang="en-US" altLang="ja-JP" dirty="0" smtClean="0"/>
+              <a:t>Hello world</a:t>
+            </a:r>
+            <a:r>
+              <a:rPr lang="ja-JP" altLang="en-US" dirty="0" smtClean="0"/>
+              <a:t>」を表示するアプリケーション</a:t>
+            </a:r>
+            <a:endParaRPr lang="en-US" altLang="ja-JP" dirty="0" smtClean="0"/>
+          </a:p>
+          <a:p>
+            <a:endParaRPr lang="en-US" altLang="ja-JP" dirty="0" smtClean="0"/>
+          </a:p>
+          <a:p>
+            <a:r>
+              <a:rPr lang="ja-JP" altLang="en-US" dirty="0" smtClean="0"/>
+              <a:t>完成例</a:t>
+            </a:r>
+            <a:endParaRPr kumimoji="1" lang="ja-JP" altLang="en-US" dirty="0"/>
+          </a:p>
+        </p:txBody>
+      </p:sp>
       <p:pic>
         <p:nvPicPr>
           <p:cNvPr id="7" name="図 6"/>
@@ -3128,15 +4084,16 @@
           <p:nvPr/>
         </p:nvPicPr>
         <p:blipFill>
-          <a:blip r:embed="rId3" cstate="print"/>
+          <a:blip r:embed="rId2" cstate="print"/>
+          <a:srcRect r="26466" b="47037"/>
           <a:stretch>
             <a:fillRect/>
           </a:stretch>
         </p:blipFill>
         <p:spPr>
           <a:xfrm>
-            <a:off x="2784053" y="2005770"/>
-            <a:ext cx="7328937" cy="4393805"/>
+            <a:off x="1433554" y="2638817"/>
+            <a:ext cx="6692452" cy="2889786"/>
           </a:xfrm>
           <a:prstGeom prst="rect">
             <a:avLst/>
@@ -3185,19 +4142,11 @@
           <a:p>
             <a:r>
               <a:rPr lang="en-US" altLang="ja-JP" dirty="0" smtClean="0"/>
-              <a:t>2-6</a:t>
-            </a:r>
-            <a:r>
-              <a:rPr lang="en-US" altLang="ja-JP" dirty="0" smtClean="0"/>
-              <a:t>. </a:t>
-            </a:r>
-            <a:r>
-              <a:rPr lang="ja-JP" altLang="en-US" dirty="0" smtClean="0"/>
-              <a:t>簡単</a:t>
-            </a:r>
-            <a:r>
-              <a:rPr lang="ja-JP" altLang="en-US" dirty="0" smtClean="0"/>
-              <a:t>なサンプルソース　～</a:t>
+              <a:t>2-5.</a:t>
+            </a:r>
+            <a:r>
+              <a:rPr lang="ja-JP" altLang="en-US" dirty="0" smtClean="0"/>
+              <a:t>簡単なサンプルソース　～</a:t>
             </a:r>
             <a:r>
               <a:rPr lang="en-US" altLang="ja-JP" dirty="0" smtClean="0"/>
@@ -3227,8 +4176,8 @@
           <a:lstStyle/>
           <a:p>
             <a:r>
-              <a:rPr kumimoji="1" lang="en-US" altLang="ja-JP" dirty="0" smtClean="0"/>
-              <a:t>Hello World</a:t>
+              <a:rPr kumimoji="1" lang="ja-JP" altLang="en-US" dirty="0" smtClean="0"/>
+              <a:t>コンポーネントを定義する。</a:t>
             </a:r>
             <a:endParaRPr kumimoji="1" lang="ja-JP" altLang="en-US" dirty="0"/>
           </a:p>
@@ -3514,19 +4463,11 @@
           <a:p>
             <a:r>
               <a:rPr lang="en-US" altLang="ja-JP" dirty="0" smtClean="0"/>
-              <a:t>2-6</a:t>
-            </a:r>
-            <a:r>
-              <a:rPr lang="en-US" altLang="ja-JP" dirty="0" smtClean="0"/>
-              <a:t>. </a:t>
-            </a:r>
-            <a:r>
-              <a:rPr lang="ja-JP" altLang="en-US" dirty="0" smtClean="0"/>
-              <a:t>簡単</a:t>
-            </a:r>
-            <a:r>
-              <a:rPr lang="ja-JP" altLang="en-US" dirty="0" smtClean="0"/>
-              <a:t>なサンプルソース　～</a:t>
+              <a:t>2-5.</a:t>
+            </a:r>
+            <a:r>
+              <a:rPr lang="ja-JP" altLang="en-US" dirty="0" smtClean="0"/>
+              <a:t>簡単なサンプルソース　～</a:t>
             </a:r>
             <a:r>
               <a:rPr lang="en-US" altLang="ja-JP" dirty="0" smtClean="0"/>
@@ -3556,8 +4497,16 @@
           <a:lstStyle/>
           <a:p>
             <a:r>
-              <a:rPr kumimoji="1" lang="en-US" altLang="ja-JP" dirty="0" smtClean="0"/>
-              <a:t>Hello World</a:t>
+              <a:rPr kumimoji="1" lang="ja-JP" altLang="en-US" dirty="0" smtClean="0"/>
+              <a:t>コンポーネントを描画す</a:t>
+            </a:r>
+            <a:r>
+              <a:rPr lang="ja-JP" altLang="en-US" dirty="0" smtClean="0"/>
+              <a:t>る</a:t>
+            </a:r>
+            <a:r>
+              <a:rPr kumimoji="1" lang="ja-JP" altLang="en-US" dirty="0" smtClean="0"/>
+              <a:t>。</a:t>
             </a:r>
             <a:endParaRPr kumimoji="1" lang="ja-JP" altLang="en-US" dirty="0"/>
           </a:p>
@@ -3666,7 +4615,7 @@
     </p:spTree>
     <p:extLst>
       <p:ext uri="{BB962C8B-B14F-4D97-AF65-F5344CB8AC3E}">
-        <p14:creationId xmlns:p14="http://schemas.microsoft.com/office/powerpoint/2010/main" val="1742985703"/>
+        <p14:creationId xmlns:p14="http://schemas.microsoft.com/office/powerpoint/2010/main" xmlns="" val="1742985703"/>
       </p:ext>
     </p:extLst>
   </p:cSld>
@@ -3717,19 +4666,11 @@
           <a:p>
             <a:r>
               <a:rPr kumimoji="1" lang="en-US" altLang="ja-JP" dirty="0" smtClean="0"/>
-              <a:t>2-6</a:t>
-            </a:r>
-            <a:r>
-              <a:rPr kumimoji="1" lang="en-US" altLang="ja-JP" dirty="0" smtClean="0"/>
-              <a:t>. </a:t>
-            </a:r>
-            <a:r>
-              <a:rPr lang="ja-JP" altLang="en-US" dirty="0" smtClean="0"/>
-              <a:t>簡単</a:t>
-            </a:r>
-            <a:r>
-              <a:rPr lang="ja-JP" altLang="en-US" dirty="0" smtClean="0"/>
-              <a:t>なサンプルソース　～時計～</a:t>
+              <a:t>2-5.</a:t>
+            </a:r>
+            <a:r>
+              <a:rPr lang="ja-JP" altLang="en-US" dirty="0" smtClean="0"/>
+              <a:t>簡単なサンプルソース　～時計～</a:t>
             </a:r>
             <a:endParaRPr kumimoji="1" lang="ja-JP" altLang="en-US" dirty="0"/>
           </a:p>
@@ -3748,7 +4689,7 @@
         <p:spPr>
           <a:xfrm>
             <a:off x="431799" y="1054101"/>
-            <a:ext cx="11379201" cy="676226"/>
+            <a:ext cx="11379201" cy="1309272"/>
           </a:xfrm>
         </p:spPr>
         <p:txBody>
@@ -3757,87 +4698,23 @@
           <a:p>
             <a:r>
               <a:rPr lang="ja-JP" altLang="en-US" dirty="0" smtClean="0"/>
-              <a:t>現在の日付と時刻を表示する機能の実装を行う。</a:t>
+              <a:t>現在の日付と時刻を表示する機能の実装</a:t>
+            </a:r>
+            <a:r>
+              <a:rPr lang="ja-JP" altLang="en-US" dirty="0" smtClean="0"/>
+              <a:t>。</a:t>
+            </a:r>
+            <a:endParaRPr lang="en-US" altLang="ja-JP" dirty="0" smtClean="0"/>
+          </a:p>
+          <a:p>
+            <a:endParaRPr kumimoji="1" lang="en-US" altLang="ja-JP" dirty="0" smtClean="0"/>
+          </a:p>
+          <a:p>
+            <a:r>
+              <a:rPr kumimoji="1" lang="ja-JP" altLang="en-US" dirty="0" smtClean="0"/>
+              <a:t>完成例</a:t>
             </a:r>
             <a:endParaRPr kumimoji="1" lang="ja-JP" altLang="en-US" dirty="0"/>
-          </a:p>
-        </p:txBody>
-      </p:sp>
-      <p:sp>
-        <p:nvSpPr>
-          <p:cNvPr id="8" name="コンテンツ プレースホルダ 6"/>
-          <p:cNvSpPr txBox="1">
-            <a:spLocks/>
-          </p:cNvSpPr>
-          <p:nvPr/>
-        </p:nvSpPr>
-        <p:spPr>
-          <a:xfrm>
-            <a:off x="429455" y="1881748"/>
-            <a:ext cx="11379201" cy="551963"/>
-          </a:xfrm>
-          <a:prstGeom prst="rect">
-            <a:avLst/>
-          </a:prstGeom>
-          <a:solidFill>
-            <a:schemeClr val="accent1">
-              <a:lumMod val="20000"/>
-              <a:lumOff val="80000"/>
-            </a:schemeClr>
-          </a:solidFill>
-          <a:ln w="12700" cap="flat" cmpd="sng" algn="ctr">
-            <a:solidFill>
-              <a:schemeClr val="accent1"/>
-            </a:solidFill>
-            <a:prstDash val="solid"/>
-            <a:miter lim="800000"/>
-          </a:ln>
-          <a:effectLst/>
-        </p:spPr>
-        <p:txBody>
-          <a:bodyPr vert="horz" lIns="91440" tIns="45720" rIns="91440" bIns="45720" rtlCol="0">
-            <a:normAutofit/>
-          </a:bodyPr>
-          <a:lstStyle/>
-          <a:p>
-            <a:pPr marL="228600" marR="0" lvl="0" indent="-228600" algn="l" defTabSz="914400" rtl="0" eaLnBrk="1" fontAlgn="auto" latinLnBrk="0" hangingPunct="1">
-              <a:lnSpc>
-                <a:spcPct val="90000"/>
-              </a:lnSpc>
-              <a:spcBef>
-                <a:spcPts val="1000"/>
-              </a:spcBef>
-              <a:spcAft>
-                <a:spcPts val="0"/>
-              </a:spcAft>
-              <a:buClrTx/>
-              <a:buSzTx/>
-              <a:buFont typeface="Arial" panose="020B0604020202020204" pitchFamily="34" charset="0"/>
-              <a:buChar char="•"/>
-              <a:tabLst/>
-              <a:defRPr/>
-            </a:pPr>
-            <a:r>
-              <a:rPr lang="ja-JP" altLang="en-US" sz="2000" dirty="0" smtClean="0">
-                <a:latin typeface="Meiryo UI" panose="020B0604030504040204" pitchFamily="50" charset="-128"/>
-                <a:ea typeface="Meiryo UI" panose="020B0604030504040204" pitchFamily="50" charset="-128"/>
-              </a:rPr>
-              <a:t>完成例</a:t>
-            </a:r>
-            <a:endParaRPr kumimoji="1" lang="ja-JP" altLang="en-US" sz="2000" b="0" i="0" u="none" strike="noStrike" kern="1200" cap="none" spc="0" normalizeH="0" baseline="0" noProof="0" dirty="0">
-              <a:ln>
-                <a:noFill/>
-              </a:ln>
-              <a:solidFill>
-                <a:schemeClr val="tx1"/>
-              </a:solidFill>
-              <a:effectLst/>
-              <a:uLnTx/>
-              <a:uFillTx/>
-              <a:latin typeface="Meiryo UI" panose="020B0604030504040204" pitchFamily="50" charset="-128"/>
-              <a:ea typeface="Meiryo UI" panose="020B0604030504040204" pitchFamily="50" charset="-128"/>
-              <a:cs typeface="+mn-cs"/>
-            </a:endParaRPr>
           </a:p>
         </p:txBody>
       </p:sp>
@@ -3908,19 +4785,11 @@
           <a:p>
             <a:r>
               <a:rPr lang="en-US" altLang="ja-JP" dirty="0" smtClean="0"/>
-              <a:t>2-6</a:t>
-            </a:r>
-            <a:r>
-              <a:rPr lang="en-US" altLang="ja-JP" dirty="0" smtClean="0"/>
-              <a:t>. </a:t>
-            </a:r>
-            <a:r>
-              <a:rPr lang="ja-JP" altLang="en-US" dirty="0" smtClean="0"/>
-              <a:t>簡単</a:t>
-            </a:r>
-            <a:r>
-              <a:rPr lang="ja-JP" altLang="en-US" dirty="0" smtClean="0"/>
-              <a:t>なサンプルソース　～時計～</a:t>
+              <a:t>2-5.</a:t>
+            </a:r>
+            <a:r>
+              <a:rPr lang="ja-JP" altLang="en-US" dirty="0" smtClean="0"/>
+              <a:t>簡単なサンプルソース　～時計～</a:t>
             </a:r>
             <a:endParaRPr kumimoji="1" lang="ja-JP" altLang="en-US" dirty="0"/>
           </a:p>
@@ -3965,39 +4834,19 @@
             </a:r>
             <a:r>
               <a:rPr lang="ja-JP" altLang="en-US" dirty="0" smtClean="0"/>
-              <a:t>を初期化する。</a:t>
+              <a:t>を</a:t>
+            </a:r>
+            <a:r>
+              <a:rPr lang="ja-JP" altLang="en-US" dirty="0" smtClean="0"/>
+              <a:t>初期化します。</a:t>
             </a:r>
             <a:endParaRPr lang="en-US" altLang="ja-JP" dirty="0" smtClean="0"/>
           </a:p>
         </p:txBody>
       </p:sp>
-      <p:pic>
-        <p:nvPicPr>
-          <p:cNvPr id="6" name="図 5" descr="props.png"/>
-          <p:cNvPicPr>
-            <a:picLocks noChangeAspect="1"/>
-          </p:cNvPicPr>
-          <p:nvPr/>
-        </p:nvPicPr>
-        <p:blipFill>
-          <a:blip r:embed="rId2" cstate="print"/>
-          <a:stretch>
-            <a:fillRect/>
-          </a:stretch>
-        </p:blipFill>
-        <p:spPr>
-          <a:xfrm>
-            <a:off x="510100" y="2112940"/>
-            <a:ext cx="5674291" cy="1800000"/>
-          </a:xfrm>
-          <a:prstGeom prst="rect">
-            <a:avLst/>
-          </a:prstGeom>
-        </p:spPr>
-      </p:pic>
-      <p:sp>
-        <p:nvSpPr>
-          <p:cNvPr id="7" name="コンテンツ プレースホルダ 2"/>
+      <p:sp>
+        <p:nvSpPr>
+          <p:cNvPr id="9" name="コンテンツ プレースホルダー 3"/>
           <p:cNvSpPr txBox="1">
             <a:spLocks/>
           </p:cNvSpPr>
@@ -4005,102 +4854,382 @@
         </p:nvSpPr>
         <p:spPr>
           <a:xfrm>
-            <a:off x="443522" y="4216986"/>
-            <a:ext cx="11379201" cy="800099"/>
+            <a:off x="450167" y="2067952"/>
+            <a:ext cx="4860000" cy="3132000"/>
           </a:xfrm>
           <a:prstGeom prst="rect">
             <a:avLst/>
           </a:prstGeom>
           <a:solidFill>
-            <a:schemeClr val="accent1">
-              <a:lumMod val="20000"/>
-              <a:lumOff val="80000"/>
-            </a:schemeClr>
+            <a:srgbClr val="333F50"/>
           </a:solidFill>
-          <a:ln w="12700" cap="flat" cmpd="sng" algn="ctr">
+          <a:ln>
             <a:solidFill>
-              <a:schemeClr val="accent1"/>
+              <a:schemeClr val="bg1">
+                <a:lumMod val="95000"/>
+              </a:schemeClr>
             </a:solidFill>
-            <a:prstDash val="solid"/>
-            <a:miter lim="800000"/>
           </a:ln>
-          <a:effectLst/>
         </p:spPr>
         <p:txBody>
-          <a:bodyPr vert="horz" lIns="91440" tIns="45720" rIns="91440" bIns="45720" rtlCol="0">
-            <a:normAutofit/>
-          </a:bodyPr>
-          <a:lstStyle/>
-          <a:p>
-            <a:pPr marL="228600" marR="0" lvl="0" indent="-228600" algn="l" defTabSz="914400" rtl="0" eaLnBrk="1" fontAlgn="auto" latinLnBrk="0" hangingPunct="1">
+          <a:bodyPr anchor="ctr"/>
+          <a:lstStyle>
+            <a:lvl1pPr marL="228600" indent="-228600" algn="l" defTabSz="914400" rtl="0" eaLnBrk="1" latinLnBrk="0" hangingPunct="1">
               <a:lnSpc>
                 <a:spcPct val="90000"/>
               </a:lnSpc>
               <a:spcBef>
                 <a:spcPts val="1000"/>
               </a:spcBef>
-              <a:spcAft>
-                <a:spcPts val="0"/>
-              </a:spcAft>
-              <a:buClrTx/>
-              <a:buSzTx/>
               <a:buFont typeface="Arial" panose="020B0604020202020204" pitchFamily="34" charset="0"/>
-              <a:buNone/>
-              <a:tabLst/>
-              <a:defRPr/>
-            </a:pPr>
-            <a:r>
-              <a:rPr kumimoji="1" lang="ja-JP" altLang="en-US" sz="2000" b="0" i="0" u="none" strike="noStrike" kern="1200" cap="none" spc="0" normalizeH="0" baseline="0" noProof="0" dirty="0" smtClean="0">
-                <a:ln>
-                  <a:noFill/>
-                </a:ln>
-                <a:solidFill>
-                  <a:schemeClr val="tx1"/>
-                </a:solidFill>
-                <a:effectLst/>
-                <a:uLnTx/>
-                <a:uFillTx/>
+              <a:buChar char="•"/>
+              <a:defRPr kumimoji="1" sz="2000" kern="1200">
+                <a:solidFill>
+                  <a:schemeClr val="tx1"/>
+                </a:solidFill>
                 <a:latin typeface="Meiryo UI" panose="020B0604030504040204" pitchFamily="50" charset="-128"/>
                 <a:ea typeface="Meiryo UI" panose="020B0604030504040204" pitchFamily="50" charset="-128"/>
                 <a:cs typeface="+mn-cs"/>
-              </a:rPr>
-              <a:t>　初期化</a:t>
-            </a:r>
-            <a:r>
-              <a:rPr lang="ja-JP" altLang="en-US" sz="2000" noProof="0" dirty="0" smtClean="0">
+              </a:defRPr>
+            </a:lvl1pPr>
+            <a:lvl2pPr marL="685800" indent="-228600" algn="l" defTabSz="914400" rtl="0" eaLnBrk="1" latinLnBrk="0" hangingPunct="1">
+              <a:lnSpc>
+                <a:spcPct val="90000"/>
+              </a:lnSpc>
+              <a:spcBef>
+                <a:spcPts val="500"/>
+              </a:spcBef>
+              <a:buFont typeface="Arial" panose="020B0604020202020204" pitchFamily="34" charset="0"/>
+              <a:buChar char="•"/>
+              <a:defRPr kumimoji="1" sz="1800" kern="1200">
+                <a:solidFill>
+                  <a:schemeClr val="tx1"/>
+                </a:solidFill>
                 <a:latin typeface="Meiryo UI" panose="020B0604030504040204" pitchFamily="50" charset="-128"/>
                 <a:ea typeface="Meiryo UI" panose="020B0604030504040204" pitchFamily="50" charset="-128"/>
-              </a:rPr>
-              <a:t>した</a:t>
-            </a:r>
-            <a:r>
-              <a:rPr lang="en-US" altLang="ja-JP" sz="2000" noProof="0" dirty="0" smtClean="0">
+                <a:cs typeface="+mn-cs"/>
+              </a:defRPr>
+            </a:lvl2pPr>
+            <a:lvl3pPr marL="1143000" indent="-228600" algn="l" defTabSz="914400" rtl="0" eaLnBrk="1" latinLnBrk="0" hangingPunct="1">
+              <a:lnSpc>
+                <a:spcPct val="90000"/>
+              </a:lnSpc>
+              <a:spcBef>
+                <a:spcPts val="500"/>
+              </a:spcBef>
+              <a:buFont typeface="Arial" panose="020B0604020202020204" pitchFamily="34" charset="0"/>
+              <a:buChar char="•"/>
+              <a:defRPr kumimoji="1" sz="1600" kern="1200">
+                <a:solidFill>
+                  <a:schemeClr val="tx1"/>
+                </a:solidFill>
                 <a:latin typeface="Meiryo UI" panose="020B0604030504040204" pitchFamily="50" charset="-128"/>
                 <a:ea typeface="Meiryo UI" panose="020B0604030504040204" pitchFamily="50" charset="-128"/>
-              </a:rPr>
-              <a:t>state</a:t>
-            </a:r>
-            <a:r>
-              <a:rPr lang="ja-JP" altLang="en-US" sz="2000" dirty="0" smtClean="0">
+                <a:cs typeface="+mn-cs"/>
+              </a:defRPr>
+            </a:lvl3pPr>
+            <a:lvl4pPr marL="1600200" indent="-228600" algn="l" defTabSz="914400" rtl="0" eaLnBrk="1" latinLnBrk="0" hangingPunct="1">
+              <a:lnSpc>
+                <a:spcPct val="90000"/>
+              </a:lnSpc>
+              <a:spcBef>
+                <a:spcPts val="500"/>
+              </a:spcBef>
+              <a:buFont typeface="Arial" panose="020B0604020202020204" pitchFamily="34" charset="0"/>
+              <a:buChar char="•"/>
+              <a:defRPr kumimoji="1" sz="1400" kern="1200">
+                <a:solidFill>
+                  <a:schemeClr val="tx1"/>
+                </a:solidFill>
                 <a:latin typeface="Meiryo UI" panose="020B0604030504040204" pitchFamily="50" charset="-128"/>
                 <a:ea typeface="Meiryo UI" panose="020B0604030504040204" pitchFamily="50" charset="-128"/>
-              </a:rPr>
-              <a:t>は後の処理で更新されていく。</a:t>
-            </a:r>
-            <a:endParaRPr kumimoji="1" lang="en-US" altLang="ja-JP" sz="2000" b="0" i="0" u="none" strike="noStrike" kern="1200" cap="none" spc="0" normalizeH="0" baseline="0" noProof="0" dirty="0" smtClean="0">
-              <a:ln>
-                <a:noFill/>
-              </a:ln>
+                <a:cs typeface="+mn-cs"/>
+              </a:defRPr>
+            </a:lvl4pPr>
+            <a:lvl5pPr marL="2057400" indent="-228600" algn="l" defTabSz="914400" rtl="0" eaLnBrk="1" latinLnBrk="0" hangingPunct="1">
+              <a:lnSpc>
+                <a:spcPct val="90000"/>
+              </a:lnSpc>
+              <a:spcBef>
+                <a:spcPts val="500"/>
+              </a:spcBef>
+              <a:buFont typeface="Arial" panose="020B0604020202020204" pitchFamily="34" charset="0"/>
+              <a:buChar char="•"/>
+              <a:defRPr kumimoji="1" sz="1200" kern="1200">
+                <a:solidFill>
+                  <a:schemeClr val="tx1"/>
+                </a:solidFill>
+                <a:latin typeface="Meiryo UI" panose="020B0604030504040204" pitchFamily="50" charset="-128"/>
+                <a:ea typeface="Meiryo UI" panose="020B0604030504040204" pitchFamily="50" charset="-128"/>
+                <a:cs typeface="+mn-cs"/>
+              </a:defRPr>
+            </a:lvl5pPr>
+            <a:lvl6pPr marL="2514600" indent="-228600" algn="l" defTabSz="914400" rtl="0" eaLnBrk="1" latinLnBrk="0" hangingPunct="1">
+              <a:lnSpc>
+                <a:spcPct val="90000"/>
+              </a:lnSpc>
+              <a:spcBef>
+                <a:spcPts val="500"/>
+              </a:spcBef>
+              <a:buFont typeface="Arial" panose="020B0604020202020204" pitchFamily="34" charset="0"/>
+              <a:buChar char="•"/>
+              <a:defRPr kumimoji="1" sz="1800" kern="1200">
+                <a:solidFill>
+                  <a:schemeClr val="tx1"/>
+                </a:solidFill>
+                <a:latin typeface="+mn-lt"/>
+                <a:ea typeface="+mn-ea"/>
+                <a:cs typeface="+mn-cs"/>
+              </a:defRPr>
+            </a:lvl6pPr>
+            <a:lvl7pPr marL="2971800" indent="-228600" algn="l" defTabSz="914400" rtl="0" eaLnBrk="1" latinLnBrk="0" hangingPunct="1">
+              <a:lnSpc>
+                <a:spcPct val="90000"/>
+              </a:lnSpc>
+              <a:spcBef>
+                <a:spcPts val="500"/>
+              </a:spcBef>
+              <a:buFont typeface="Arial" panose="020B0604020202020204" pitchFamily="34" charset="0"/>
+              <a:buChar char="•"/>
+              <a:defRPr kumimoji="1" sz="1800" kern="1200">
+                <a:solidFill>
+                  <a:schemeClr val="tx1"/>
+                </a:solidFill>
+                <a:latin typeface="+mn-lt"/>
+                <a:ea typeface="+mn-ea"/>
+                <a:cs typeface="+mn-cs"/>
+              </a:defRPr>
+            </a:lvl7pPr>
+            <a:lvl8pPr marL="3429000" indent="-228600" algn="l" defTabSz="914400" rtl="0" eaLnBrk="1" latinLnBrk="0" hangingPunct="1">
+              <a:lnSpc>
+                <a:spcPct val="90000"/>
+              </a:lnSpc>
+              <a:spcBef>
+                <a:spcPts val="500"/>
+              </a:spcBef>
+              <a:buFont typeface="Arial" panose="020B0604020202020204" pitchFamily="34" charset="0"/>
+              <a:buChar char="•"/>
+              <a:defRPr kumimoji="1" sz="1800" kern="1200">
+                <a:solidFill>
+                  <a:schemeClr val="tx1"/>
+                </a:solidFill>
+                <a:latin typeface="+mn-lt"/>
+                <a:ea typeface="+mn-ea"/>
+                <a:cs typeface="+mn-cs"/>
+              </a:defRPr>
+            </a:lvl8pPr>
+            <a:lvl9pPr marL="3886200" indent="-228600" algn="l" defTabSz="914400" rtl="0" eaLnBrk="1" latinLnBrk="0" hangingPunct="1">
+              <a:lnSpc>
+                <a:spcPct val="90000"/>
+              </a:lnSpc>
+              <a:spcBef>
+                <a:spcPts val="500"/>
+              </a:spcBef>
+              <a:buFont typeface="Arial" panose="020B0604020202020204" pitchFamily="34" charset="0"/>
+              <a:buChar char="•"/>
+              <a:defRPr kumimoji="1" sz="1800" kern="1200">
+                <a:solidFill>
+                  <a:schemeClr val="tx1"/>
+                </a:solidFill>
+                <a:latin typeface="+mn-lt"/>
+                <a:ea typeface="+mn-ea"/>
+                <a:cs typeface="+mn-cs"/>
+              </a:defRPr>
+            </a:lvl9pPr>
+          </a:lstStyle>
+          <a:p>
+            <a:pPr>
+              <a:buNone/>
+            </a:pPr>
+            <a:r>
+              <a:rPr lang="en-US" altLang="ja-JP" sz="1800" dirty="0" smtClean="0">
+                <a:solidFill>
+                  <a:schemeClr val="bg1"/>
+                </a:solidFill>
+                <a:latin typeface="ＭＳ Ｐゴシック" panose="020B0600070205080204" pitchFamily="50" charset="-128"/>
+                <a:ea typeface="ＭＳ Ｐゴシック" panose="020B0600070205080204" pitchFamily="50" charset="-128"/>
+              </a:rPr>
+              <a:t>Constructor(props){</a:t>
+            </a:r>
+          </a:p>
+          <a:p>
+            <a:pPr>
+              <a:buNone/>
+            </a:pPr>
+            <a:r>
+              <a:rPr lang="en-US" altLang="ja-JP" sz="1800" dirty="0" smtClean="0">
+                <a:solidFill>
+                  <a:schemeClr val="bg1"/>
+                </a:solidFill>
+                <a:latin typeface="ＭＳ Ｐゴシック" panose="020B0600070205080204" pitchFamily="50" charset="-128"/>
+                <a:ea typeface="ＭＳ Ｐゴシック" panose="020B0600070205080204" pitchFamily="50" charset="-128"/>
+              </a:rPr>
+              <a:t>	super(props);</a:t>
+            </a:r>
+          </a:p>
+          <a:p>
+            <a:pPr>
+              <a:buNone/>
+            </a:pPr>
+            <a:r>
+              <a:rPr lang="en-US" altLang="ja-JP" sz="1800" dirty="0" smtClean="0">
+                <a:solidFill>
+                  <a:schemeClr val="bg1"/>
+                </a:solidFill>
+                <a:latin typeface="ＭＳ Ｐゴシック" panose="020B0600070205080204" pitchFamily="50" charset="-128"/>
+                <a:ea typeface="ＭＳ Ｐゴシック" panose="020B0600070205080204" pitchFamily="50" charset="-128"/>
+              </a:rPr>
+              <a:t>	</a:t>
+            </a:r>
+            <a:r>
+              <a:rPr lang="en-US" altLang="ja-JP" sz="1800" dirty="0" smtClean="0">
+                <a:solidFill>
+                  <a:schemeClr val="bg1"/>
+                </a:solidFill>
+                <a:latin typeface="ＭＳ Ｐゴシック" panose="020B0600070205080204" pitchFamily="50" charset="-128"/>
+                <a:ea typeface="ＭＳ Ｐゴシック" panose="020B0600070205080204" pitchFamily="50" charset="-128"/>
+              </a:rPr>
+              <a:t>this.state = {date: new Date()};</a:t>
+            </a:r>
+          </a:p>
+          <a:p>
+            <a:pPr>
+              <a:buNone/>
+            </a:pPr>
+            <a:r>
+              <a:rPr lang="en-US" altLang="ja-JP" sz="1800" dirty="0" smtClean="0">
+                <a:solidFill>
+                  <a:schemeClr val="bg1"/>
+                </a:solidFill>
+                <a:latin typeface="ＭＳ Ｐゴシック" panose="020B0600070205080204" pitchFamily="50" charset="-128"/>
+                <a:ea typeface="ＭＳ Ｐゴシック" panose="020B0600070205080204" pitchFamily="50" charset="-128"/>
+              </a:rPr>
+              <a:t>}</a:t>
+            </a:r>
+          </a:p>
+        </p:txBody>
+      </p:sp>
+      <p:sp>
+        <p:nvSpPr>
+          <p:cNvPr id="11" name="線吹き出し 2 (枠付き) 10"/>
+          <p:cNvSpPr/>
+          <p:nvPr/>
+        </p:nvSpPr>
+        <p:spPr>
+          <a:xfrm>
+            <a:off x="5870187" y="2844687"/>
+            <a:ext cx="5285492" cy="1333419"/>
+          </a:xfrm>
+          <a:prstGeom prst="borderCallout2">
+            <a:avLst>
+              <a:gd name="adj1" fmla="val 17750"/>
+              <a:gd name="adj2" fmla="val 413"/>
+              <a:gd name="adj3" fmla="val 18750"/>
+              <a:gd name="adj4" fmla="val -16667"/>
+              <a:gd name="adj5" fmla="val 72940"/>
+              <a:gd name="adj6" fmla="val -41103"/>
+            </a:avLst>
+          </a:prstGeom>
+          <a:solidFill>
+            <a:schemeClr val="bg1"/>
+          </a:solidFill>
+          <a:ln w="28575">
+            <a:solidFill>
+              <a:srgbClr val="3399FF"/>
+            </a:solidFill>
+          </a:ln>
+        </p:spPr>
+        <p:style>
+          <a:lnRef idx="2">
+            <a:schemeClr val="accent1">
+              <a:shade val="50000"/>
+            </a:schemeClr>
+          </a:lnRef>
+          <a:fillRef idx="1">
+            <a:schemeClr val="accent1"/>
+          </a:fillRef>
+          <a:effectRef idx="0">
+            <a:schemeClr val="accent1"/>
+          </a:effectRef>
+          <a:fontRef idx="minor">
+            <a:schemeClr val="lt1"/>
+          </a:fontRef>
+        </p:style>
+        <p:txBody>
+          <a:bodyPr rtlCol="0" anchor="ctr"/>
+          <a:lstStyle/>
+          <a:p>
+            <a:r>
+              <a:rPr lang="ja-JP" altLang="en-US" dirty="0">
+                <a:solidFill>
+                  <a:schemeClr val="tx1"/>
+                </a:solidFill>
+              </a:rPr>
+              <a:t>コンストラクタにて</a:t>
+            </a:r>
+            <a:r>
+              <a:rPr lang="en-US" altLang="ja-JP" dirty="0">
+                <a:solidFill>
+                  <a:schemeClr val="tx1"/>
+                </a:solidFill>
+              </a:rPr>
+              <a:t>state</a:t>
+            </a:r>
+            <a:r>
+              <a:rPr lang="ja-JP" altLang="en-US" dirty="0">
+                <a:solidFill>
+                  <a:schemeClr val="tx1"/>
+                </a:solidFill>
+              </a:rPr>
+              <a:t>の</a:t>
+            </a:r>
+            <a:r>
+              <a:rPr lang="ja-JP" altLang="en-US" dirty="0" smtClean="0">
+                <a:solidFill>
+                  <a:schemeClr val="tx1"/>
+                </a:solidFill>
+              </a:rPr>
+              <a:t>値を初期化します。</a:t>
+            </a:r>
+            <a:endParaRPr lang="en-US" altLang="ja-JP" dirty="0" smtClean="0">
               <a:solidFill>
                 <a:schemeClr val="tx1"/>
               </a:solidFill>
-              <a:effectLst/>
-              <a:uLnTx/>
-              <a:uFillTx/>
-              <a:latin typeface="Meiryo UI" panose="020B0604030504040204" pitchFamily="50" charset="-128"/>
-              <a:ea typeface="Meiryo UI" panose="020B0604030504040204" pitchFamily="50" charset="-128"/>
-              <a:cs typeface="+mn-cs"/>
             </a:endParaRPr>
+          </a:p>
+        </p:txBody>
+      </p:sp>
+      <p:sp>
+        <p:nvSpPr>
+          <p:cNvPr id="12" name="テキスト ボックス 11"/>
+          <p:cNvSpPr txBox="1"/>
+          <p:nvPr/>
+        </p:nvSpPr>
+        <p:spPr>
+          <a:xfrm>
+            <a:off x="3854548" y="5247249"/>
+            <a:ext cx="1414170" cy="307777"/>
+          </a:xfrm>
+          <a:prstGeom prst="rect">
+            <a:avLst/>
+          </a:prstGeom>
+          <a:noFill/>
+        </p:spPr>
+        <p:txBody>
+          <a:bodyPr wrap="none" rtlCol="0">
+            <a:spAutoFit/>
+          </a:bodyPr>
+          <a:lstStyle/>
+          <a:p>
+            <a:r>
+              <a:rPr kumimoji="1" lang="en-US" altLang="ja-JP" sz="1400" dirty="0" smtClean="0"/>
+              <a:t>※App.js</a:t>
+            </a:r>
+            <a:r>
+              <a:rPr kumimoji="1" lang="ja-JP" altLang="en-US" sz="1400" dirty="0" smtClean="0"/>
+              <a:t>に記載</a:t>
+            </a:r>
+            <a:endParaRPr kumimoji="1" lang="ja-JP" altLang="en-US" sz="1400" dirty="0"/>
           </a:p>
         </p:txBody>
       </p:sp>
@@ -4146,19 +5275,11 @@
           <a:p>
             <a:r>
               <a:rPr lang="en-US" altLang="ja-JP" dirty="0" smtClean="0"/>
-              <a:t>2-6</a:t>
-            </a:r>
-            <a:r>
-              <a:rPr lang="en-US" altLang="ja-JP" dirty="0" smtClean="0"/>
-              <a:t>. </a:t>
-            </a:r>
-            <a:r>
-              <a:rPr lang="ja-JP" altLang="en-US" dirty="0" smtClean="0"/>
-              <a:t>簡単</a:t>
-            </a:r>
-            <a:r>
-              <a:rPr lang="ja-JP" altLang="en-US" dirty="0" smtClean="0"/>
-              <a:t>なサンプルソース　～時計～</a:t>
+              <a:t>2-5.</a:t>
+            </a:r>
+            <a:r>
+              <a:rPr lang="ja-JP" altLang="en-US" dirty="0" smtClean="0"/>
+              <a:t>簡単なサンプルソース　～時計～</a:t>
             </a:r>
             <a:endParaRPr kumimoji="1" lang="ja-JP" altLang="en-US" dirty="0"/>
           </a:p>
@@ -4201,44 +5322,24 @@
               <a:t>　</a:t>
             </a:r>
             <a:r>
-              <a:rPr lang="en-US" altLang="ja-JP" dirty="0" smtClean="0"/>
-              <a:t>clock</a:t>
-            </a:r>
-            <a:r>
-              <a:rPr lang="ja-JP" altLang="en-US" dirty="0" smtClean="0"/>
-              <a:t>関数を呼び出す間隔を設定している。</a:t>
+              <a:rPr lang="ja-JP" altLang="en-US" dirty="0" smtClean="0"/>
+              <a:t>時刻を更新する間隔</a:t>
+            </a:r>
+            <a:r>
+              <a:rPr lang="ja-JP" altLang="en-US" dirty="0" smtClean="0"/>
+              <a:t>を</a:t>
+            </a:r>
+            <a:r>
+              <a:rPr lang="ja-JP" altLang="en-US" dirty="0" smtClean="0"/>
+              <a:t>設定します。</a:t>
             </a:r>
             <a:endParaRPr lang="en-US" altLang="ja-JP" dirty="0" smtClean="0"/>
           </a:p>
         </p:txBody>
       </p:sp>
-      <p:pic>
-        <p:nvPicPr>
-          <p:cNvPr id="4" name="図 3" descr="clock.png"/>
-          <p:cNvPicPr>
-            <a:picLocks noChangeAspect="1"/>
-          </p:cNvPicPr>
-          <p:nvPr/>
-        </p:nvPicPr>
-        <p:blipFill>
-          <a:blip r:embed="rId2" cstate="print"/>
-          <a:stretch>
-            <a:fillRect/>
-          </a:stretch>
-        </p:blipFill>
-        <p:spPr>
-          <a:xfrm>
-            <a:off x="546762" y="2019115"/>
-            <a:ext cx="5621538" cy="2340000"/>
-          </a:xfrm>
-          <a:prstGeom prst="rect">
-            <a:avLst/>
-          </a:prstGeom>
-        </p:spPr>
-      </p:pic>
-      <p:sp>
-        <p:nvSpPr>
-          <p:cNvPr id="6" name="コンテンツ プレースホルダ 2"/>
+      <p:sp>
+        <p:nvSpPr>
+          <p:cNvPr id="7" name="コンテンツ プレースホルダー 3"/>
           <p:cNvSpPr txBox="1">
             <a:spLocks/>
           </p:cNvSpPr>
@@ -4246,173 +5347,742 @@
         </p:nvSpPr>
         <p:spPr>
           <a:xfrm>
-            <a:off x="570131" y="4568678"/>
-            <a:ext cx="11379201" cy="1238934"/>
+            <a:off x="450164" y="2067953"/>
+            <a:ext cx="4860000" cy="3132000"/>
           </a:xfrm>
           <a:prstGeom prst="rect">
             <a:avLst/>
           </a:prstGeom>
           <a:solidFill>
-            <a:schemeClr val="accent1">
-              <a:lumMod val="20000"/>
-              <a:lumOff val="80000"/>
-            </a:schemeClr>
+            <a:srgbClr val="333F50"/>
           </a:solidFill>
-          <a:ln w="12700" cap="flat" cmpd="sng" algn="ctr">
+          <a:ln>
             <a:solidFill>
-              <a:schemeClr val="accent1"/>
+              <a:schemeClr val="bg1">
+                <a:lumMod val="95000"/>
+              </a:schemeClr>
             </a:solidFill>
-            <a:prstDash val="solid"/>
-            <a:miter lim="800000"/>
           </a:ln>
-          <a:effectLst/>
         </p:spPr>
         <p:txBody>
-          <a:bodyPr vert="horz" lIns="91440" tIns="45720" rIns="91440" bIns="45720" rtlCol="0">
-            <a:normAutofit/>
-          </a:bodyPr>
-          <a:lstStyle/>
-          <a:p>
-            <a:pPr marL="228600" marR="0" lvl="0" indent="-228600" algn="l" defTabSz="914400" rtl="0" eaLnBrk="1" fontAlgn="auto" latinLnBrk="0" hangingPunct="1">
+          <a:bodyPr anchor="ctr"/>
+          <a:lstStyle>
+            <a:lvl1pPr marL="228600" indent="-228600" algn="l" defTabSz="914400" rtl="0" eaLnBrk="1" latinLnBrk="0" hangingPunct="1">
               <a:lnSpc>
                 <a:spcPct val="90000"/>
               </a:lnSpc>
               <a:spcBef>
                 <a:spcPts val="1000"/>
               </a:spcBef>
-              <a:spcAft>
-                <a:spcPts val="0"/>
-              </a:spcAft>
-              <a:buClrTx/>
-              <a:buSzTx/>
               <a:buFont typeface="Arial" panose="020B0604020202020204" pitchFamily="34" charset="0"/>
-              <a:buNone/>
-              <a:tabLst/>
-              <a:defRPr/>
-            </a:pPr>
-            <a:r>
-              <a:rPr kumimoji="1" lang="en-US" altLang="ja-JP" sz="2000" b="0" i="0" u="none" strike="noStrike" kern="1200" cap="none" spc="0" normalizeH="0" baseline="0" noProof="0" dirty="0" err="1" smtClean="0">
-                <a:ln>
-                  <a:noFill/>
-                </a:ln>
-                <a:solidFill>
-                  <a:schemeClr val="tx1"/>
-                </a:solidFill>
-                <a:effectLst/>
-                <a:uLnTx/>
-                <a:uFillTx/>
+              <a:buChar char="•"/>
+              <a:defRPr kumimoji="1" sz="2000" kern="1200">
+                <a:solidFill>
+                  <a:schemeClr val="tx1"/>
+                </a:solidFill>
                 <a:latin typeface="Meiryo UI" panose="020B0604030504040204" pitchFamily="50" charset="-128"/>
                 <a:ea typeface="Meiryo UI" panose="020B0604030504040204" pitchFamily="50" charset="-128"/>
                 <a:cs typeface="+mn-cs"/>
-              </a:rPr>
-              <a:t>componentDidMount</a:t>
-            </a:r>
-            <a:r>
-              <a:rPr kumimoji="1" lang="ja-JP" altLang="en-US" sz="2000" b="0" i="0" u="none" strike="noStrike" kern="1200" cap="none" spc="0" normalizeH="0" baseline="0" noProof="0" dirty="0" smtClean="0">
-                <a:ln>
-                  <a:noFill/>
-                </a:ln>
-                <a:solidFill>
-                  <a:schemeClr val="tx1"/>
-                </a:solidFill>
-                <a:effectLst/>
-                <a:uLnTx/>
-                <a:uFillTx/>
+              </a:defRPr>
+            </a:lvl1pPr>
+            <a:lvl2pPr marL="685800" indent="-228600" algn="l" defTabSz="914400" rtl="0" eaLnBrk="1" latinLnBrk="0" hangingPunct="1">
+              <a:lnSpc>
+                <a:spcPct val="90000"/>
+              </a:lnSpc>
+              <a:spcBef>
+                <a:spcPts val="500"/>
+              </a:spcBef>
+              <a:buFont typeface="Arial" panose="020B0604020202020204" pitchFamily="34" charset="0"/>
+              <a:buChar char="•"/>
+              <a:defRPr kumimoji="1" sz="1800" kern="1200">
+                <a:solidFill>
+                  <a:schemeClr val="tx1"/>
+                </a:solidFill>
                 <a:latin typeface="Meiryo UI" panose="020B0604030504040204" pitchFamily="50" charset="-128"/>
                 <a:ea typeface="Meiryo UI" panose="020B0604030504040204" pitchFamily="50" charset="-128"/>
                 <a:cs typeface="+mn-cs"/>
-              </a:rPr>
-              <a:t>メソッドはマウントされたときに実行されるメソッド。</a:t>
-            </a:r>
-            <a:endParaRPr kumimoji="1" lang="en-US" altLang="ja-JP" sz="2000" b="0" i="0" u="none" strike="noStrike" kern="1200" cap="none" spc="0" normalizeH="0" baseline="0" noProof="0" dirty="0" smtClean="0">
-              <a:ln>
-                <a:noFill/>
-              </a:ln>
+              </a:defRPr>
+            </a:lvl2pPr>
+            <a:lvl3pPr marL="1143000" indent="-228600" algn="l" defTabSz="914400" rtl="0" eaLnBrk="1" latinLnBrk="0" hangingPunct="1">
+              <a:lnSpc>
+                <a:spcPct val="90000"/>
+              </a:lnSpc>
+              <a:spcBef>
+                <a:spcPts val="500"/>
+              </a:spcBef>
+              <a:buFont typeface="Arial" panose="020B0604020202020204" pitchFamily="34" charset="0"/>
+              <a:buChar char="•"/>
+              <a:defRPr kumimoji="1" sz="1600" kern="1200">
+                <a:solidFill>
+                  <a:schemeClr val="tx1"/>
+                </a:solidFill>
+                <a:latin typeface="Meiryo UI" panose="020B0604030504040204" pitchFamily="50" charset="-128"/>
+                <a:ea typeface="Meiryo UI" panose="020B0604030504040204" pitchFamily="50" charset="-128"/>
+                <a:cs typeface="+mn-cs"/>
+              </a:defRPr>
+            </a:lvl3pPr>
+            <a:lvl4pPr marL="1600200" indent="-228600" algn="l" defTabSz="914400" rtl="0" eaLnBrk="1" latinLnBrk="0" hangingPunct="1">
+              <a:lnSpc>
+                <a:spcPct val="90000"/>
+              </a:lnSpc>
+              <a:spcBef>
+                <a:spcPts val="500"/>
+              </a:spcBef>
+              <a:buFont typeface="Arial" panose="020B0604020202020204" pitchFamily="34" charset="0"/>
+              <a:buChar char="•"/>
+              <a:defRPr kumimoji="1" sz="1400" kern="1200">
+                <a:solidFill>
+                  <a:schemeClr val="tx1"/>
+                </a:solidFill>
+                <a:latin typeface="Meiryo UI" panose="020B0604030504040204" pitchFamily="50" charset="-128"/>
+                <a:ea typeface="Meiryo UI" panose="020B0604030504040204" pitchFamily="50" charset="-128"/>
+                <a:cs typeface="+mn-cs"/>
+              </a:defRPr>
+            </a:lvl4pPr>
+            <a:lvl5pPr marL="2057400" indent="-228600" algn="l" defTabSz="914400" rtl="0" eaLnBrk="1" latinLnBrk="0" hangingPunct="1">
+              <a:lnSpc>
+                <a:spcPct val="90000"/>
+              </a:lnSpc>
+              <a:spcBef>
+                <a:spcPts val="500"/>
+              </a:spcBef>
+              <a:buFont typeface="Arial" panose="020B0604020202020204" pitchFamily="34" charset="0"/>
+              <a:buChar char="•"/>
+              <a:defRPr kumimoji="1" sz="1200" kern="1200">
+                <a:solidFill>
+                  <a:schemeClr val="tx1"/>
+                </a:solidFill>
+                <a:latin typeface="Meiryo UI" panose="020B0604030504040204" pitchFamily="50" charset="-128"/>
+                <a:ea typeface="Meiryo UI" panose="020B0604030504040204" pitchFamily="50" charset="-128"/>
+                <a:cs typeface="+mn-cs"/>
+              </a:defRPr>
+            </a:lvl5pPr>
+            <a:lvl6pPr marL="2514600" indent="-228600" algn="l" defTabSz="914400" rtl="0" eaLnBrk="1" latinLnBrk="0" hangingPunct="1">
+              <a:lnSpc>
+                <a:spcPct val="90000"/>
+              </a:lnSpc>
+              <a:spcBef>
+                <a:spcPts val="500"/>
+              </a:spcBef>
+              <a:buFont typeface="Arial" panose="020B0604020202020204" pitchFamily="34" charset="0"/>
+              <a:buChar char="•"/>
+              <a:defRPr kumimoji="1" sz="1800" kern="1200">
+                <a:solidFill>
+                  <a:schemeClr val="tx1"/>
+                </a:solidFill>
+                <a:latin typeface="+mn-lt"/>
+                <a:ea typeface="+mn-ea"/>
+                <a:cs typeface="+mn-cs"/>
+              </a:defRPr>
+            </a:lvl6pPr>
+            <a:lvl7pPr marL="2971800" indent="-228600" algn="l" defTabSz="914400" rtl="0" eaLnBrk="1" latinLnBrk="0" hangingPunct="1">
+              <a:lnSpc>
+                <a:spcPct val="90000"/>
+              </a:lnSpc>
+              <a:spcBef>
+                <a:spcPts val="500"/>
+              </a:spcBef>
+              <a:buFont typeface="Arial" panose="020B0604020202020204" pitchFamily="34" charset="0"/>
+              <a:buChar char="•"/>
+              <a:defRPr kumimoji="1" sz="1800" kern="1200">
+                <a:solidFill>
+                  <a:schemeClr val="tx1"/>
+                </a:solidFill>
+                <a:latin typeface="+mn-lt"/>
+                <a:ea typeface="+mn-ea"/>
+                <a:cs typeface="+mn-cs"/>
+              </a:defRPr>
+            </a:lvl7pPr>
+            <a:lvl8pPr marL="3429000" indent="-228600" algn="l" defTabSz="914400" rtl="0" eaLnBrk="1" latinLnBrk="0" hangingPunct="1">
+              <a:lnSpc>
+                <a:spcPct val="90000"/>
+              </a:lnSpc>
+              <a:spcBef>
+                <a:spcPts val="500"/>
+              </a:spcBef>
+              <a:buFont typeface="Arial" panose="020B0604020202020204" pitchFamily="34" charset="0"/>
+              <a:buChar char="•"/>
+              <a:defRPr kumimoji="1" sz="1800" kern="1200">
+                <a:solidFill>
+                  <a:schemeClr val="tx1"/>
+                </a:solidFill>
+                <a:latin typeface="+mn-lt"/>
+                <a:ea typeface="+mn-ea"/>
+                <a:cs typeface="+mn-cs"/>
+              </a:defRPr>
+            </a:lvl8pPr>
+            <a:lvl9pPr marL="3886200" indent="-228600" algn="l" defTabSz="914400" rtl="0" eaLnBrk="1" latinLnBrk="0" hangingPunct="1">
+              <a:lnSpc>
+                <a:spcPct val="90000"/>
+              </a:lnSpc>
+              <a:spcBef>
+                <a:spcPts val="500"/>
+              </a:spcBef>
+              <a:buFont typeface="Arial" panose="020B0604020202020204" pitchFamily="34" charset="0"/>
+              <a:buChar char="•"/>
+              <a:defRPr kumimoji="1" sz="1800" kern="1200">
+                <a:solidFill>
+                  <a:schemeClr val="tx1"/>
+                </a:solidFill>
+                <a:latin typeface="+mn-lt"/>
+                <a:ea typeface="+mn-ea"/>
+                <a:cs typeface="+mn-cs"/>
+              </a:defRPr>
+            </a:lvl9pPr>
+          </a:lstStyle>
+          <a:p>
+            <a:pPr>
+              <a:buNone/>
+            </a:pPr>
+            <a:r>
+              <a:rPr lang="en-US" altLang="ja-JP" sz="1800" dirty="0" err="1" smtClean="0">
+                <a:solidFill>
+                  <a:schemeClr val="bg1"/>
+                </a:solidFill>
+                <a:latin typeface="ＭＳ Ｐゴシック" panose="020B0600070205080204" pitchFamily="50" charset="-128"/>
+                <a:ea typeface="ＭＳ Ｐゴシック" panose="020B0600070205080204" pitchFamily="50" charset="-128"/>
+              </a:rPr>
+              <a:t>componentDidMount</a:t>
+            </a:r>
+            <a:r>
+              <a:rPr lang="en-US" altLang="ja-JP" sz="1800" dirty="0" smtClean="0">
+                <a:solidFill>
+                  <a:schemeClr val="bg1"/>
+                </a:solidFill>
+                <a:latin typeface="ＭＳ Ｐゴシック" panose="020B0600070205080204" pitchFamily="50" charset="-128"/>
+                <a:ea typeface="ＭＳ Ｐゴシック" panose="020B0600070205080204" pitchFamily="50" charset="-128"/>
+              </a:rPr>
+              <a:t>() </a:t>
+            </a:r>
+            <a:r>
+              <a:rPr lang="en-US" altLang="ja-JP" sz="1800" dirty="0" smtClean="0">
+                <a:solidFill>
+                  <a:schemeClr val="bg1"/>
+                </a:solidFill>
+                <a:latin typeface="ＭＳ Ｐゴシック" panose="020B0600070205080204" pitchFamily="50" charset="-128"/>
+                <a:ea typeface="ＭＳ Ｐゴシック" panose="020B0600070205080204" pitchFamily="50" charset="-128"/>
+              </a:rPr>
+              <a:t>{</a:t>
+            </a:r>
+          </a:p>
+          <a:p>
+            <a:pPr>
+              <a:buNone/>
+            </a:pPr>
+            <a:r>
+              <a:rPr lang="en-US" altLang="ja-JP" sz="1800" dirty="0" smtClean="0">
+                <a:solidFill>
+                  <a:schemeClr val="bg1"/>
+                </a:solidFill>
+                <a:latin typeface="ＭＳ Ｐゴシック" panose="020B0600070205080204" pitchFamily="50" charset="-128"/>
+                <a:ea typeface="ＭＳ Ｐゴシック" panose="020B0600070205080204" pitchFamily="50" charset="-128"/>
+              </a:rPr>
+              <a:t>  </a:t>
+            </a:r>
+            <a:r>
+              <a:rPr lang="en-US" altLang="ja-JP" sz="1800" dirty="0" err="1" smtClean="0">
+                <a:solidFill>
+                  <a:schemeClr val="bg1"/>
+                </a:solidFill>
+                <a:latin typeface="ＭＳ Ｐゴシック" panose="020B0600070205080204" pitchFamily="50" charset="-128"/>
+                <a:ea typeface="ＭＳ Ｐゴシック" panose="020B0600070205080204" pitchFamily="50" charset="-128"/>
+              </a:rPr>
+              <a:t>this.interval</a:t>
+            </a:r>
+            <a:r>
+              <a:rPr lang="en-US" altLang="ja-JP" sz="1800" dirty="0" smtClean="0">
+                <a:solidFill>
+                  <a:schemeClr val="bg1"/>
+                </a:solidFill>
+                <a:latin typeface="ＭＳ Ｐゴシック" panose="020B0600070205080204" pitchFamily="50" charset="-128"/>
+                <a:ea typeface="ＭＳ Ｐゴシック" panose="020B0600070205080204" pitchFamily="50" charset="-128"/>
+              </a:rPr>
+              <a:t> </a:t>
+            </a:r>
+            <a:r>
+              <a:rPr lang="en-US" altLang="ja-JP" sz="1800" dirty="0" smtClean="0">
+                <a:solidFill>
+                  <a:schemeClr val="bg1"/>
+                </a:solidFill>
+                <a:latin typeface="ＭＳ Ｐゴシック" panose="020B0600070205080204" pitchFamily="50" charset="-128"/>
+                <a:ea typeface="ＭＳ Ｐゴシック" panose="020B0600070205080204" pitchFamily="50" charset="-128"/>
+              </a:rPr>
+              <a:t>= </a:t>
+            </a:r>
+            <a:r>
+              <a:rPr lang="en-US" altLang="ja-JP" sz="1800" dirty="0" err="1" smtClean="0">
+                <a:solidFill>
+                  <a:schemeClr val="bg1"/>
+                </a:solidFill>
+                <a:latin typeface="ＭＳ Ｐゴシック" panose="020B0600070205080204" pitchFamily="50" charset="-128"/>
+                <a:ea typeface="ＭＳ Ｐゴシック" panose="020B0600070205080204" pitchFamily="50" charset="-128"/>
+              </a:rPr>
+              <a:t>setInterval</a:t>
+            </a:r>
+            <a:r>
+              <a:rPr lang="en-US" altLang="ja-JP" sz="1800" dirty="0" smtClean="0">
+                <a:solidFill>
+                  <a:schemeClr val="bg1"/>
+                </a:solidFill>
+                <a:latin typeface="ＭＳ Ｐゴシック" panose="020B0600070205080204" pitchFamily="50" charset="-128"/>
+                <a:ea typeface="ＭＳ Ｐゴシック" panose="020B0600070205080204" pitchFamily="50" charset="-128"/>
+              </a:rPr>
+              <a:t>(</a:t>
+            </a:r>
+          </a:p>
+          <a:p>
+            <a:pPr>
+              <a:buNone/>
+            </a:pPr>
+            <a:r>
+              <a:rPr lang="en-US" altLang="ja-JP" sz="1800" dirty="0" smtClean="0">
+                <a:solidFill>
+                  <a:schemeClr val="bg1"/>
+                </a:solidFill>
+                <a:latin typeface="ＭＳ Ｐゴシック" panose="020B0600070205080204" pitchFamily="50" charset="-128"/>
+                <a:ea typeface="ＭＳ Ｐゴシック" panose="020B0600070205080204" pitchFamily="50" charset="-128"/>
+              </a:rPr>
+              <a:t>    () </a:t>
+            </a:r>
+            <a:r>
+              <a:rPr lang="en-US" altLang="ja-JP" sz="1800" dirty="0" smtClean="0">
+                <a:solidFill>
+                  <a:schemeClr val="bg1"/>
+                </a:solidFill>
+                <a:latin typeface="ＭＳ Ｐゴシック" panose="020B0600070205080204" pitchFamily="50" charset="-128"/>
+                <a:ea typeface="ＭＳ Ｐゴシック" panose="020B0600070205080204" pitchFamily="50" charset="-128"/>
+              </a:rPr>
+              <a:t>=&gt; </a:t>
+            </a:r>
+            <a:r>
+              <a:rPr lang="en-US" altLang="ja-JP" sz="1800" dirty="0" err="1" smtClean="0">
+                <a:solidFill>
+                  <a:schemeClr val="bg1"/>
+                </a:solidFill>
+                <a:latin typeface="ＭＳ Ｐゴシック" panose="020B0600070205080204" pitchFamily="50" charset="-128"/>
+                <a:ea typeface="ＭＳ Ｐゴシック" panose="020B0600070205080204" pitchFamily="50" charset="-128"/>
+              </a:rPr>
+              <a:t>this.clock</a:t>
+            </a:r>
+            <a:r>
+              <a:rPr lang="en-US" altLang="ja-JP" sz="1800" dirty="0" smtClean="0">
+                <a:solidFill>
+                  <a:schemeClr val="bg1"/>
+                </a:solidFill>
+                <a:latin typeface="ＭＳ Ｐゴシック" panose="020B0600070205080204" pitchFamily="50" charset="-128"/>
+                <a:ea typeface="ＭＳ Ｐゴシック" panose="020B0600070205080204" pitchFamily="50" charset="-128"/>
+              </a:rPr>
+              <a:t>(),</a:t>
+            </a:r>
+          </a:p>
+          <a:p>
+            <a:pPr>
+              <a:buNone/>
+            </a:pPr>
+            <a:r>
+              <a:rPr lang="en-US" altLang="ja-JP" sz="1800" dirty="0" smtClean="0">
+                <a:solidFill>
+                  <a:schemeClr val="bg1"/>
+                </a:solidFill>
+                <a:latin typeface="ＭＳ Ｐゴシック" panose="020B0600070205080204" pitchFamily="50" charset="-128"/>
+                <a:ea typeface="ＭＳ Ｐゴシック" panose="020B0600070205080204" pitchFamily="50" charset="-128"/>
+              </a:rPr>
+              <a:t>    1000</a:t>
+            </a:r>
+          </a:p>
+          <a:p>
+            <a:pPr>
+              <a:buNone/>
+            </a:pPr>
+            <a:r>
+              <a:rPr lang="en-US" altLang="ja-JP" sz="1800" dirty="0" smtClean="0">
+                <a:solidFill>
+                  <a:schemeClr val="bg1"/>
+                </a:solidFill>
+                <a:latin typeface="ＭＳ Ｐゴシック" panose="020B0600070205080204" pitchFamily="50" charset="-128"/>
+                <a:ea typeface="ＭＳ Ｐゴシック" panose="020B0600070205080204" pitchFamily="50" charset="-128"/>
+              </a:rPr>
+              <a:t> </a:t>
+            </a:r>
+            <a:r>
+              <a:rPr lang="en-US" altLang="ja-JP" sz="1800" dirty="0" smtClean="0">
+                <a:solidFill>
+                  <a:schemeClr val="bg1"/>
+                </a:solidFill>
+                <a:latin typeface="ＭＳ Ｐゴシック" panose="020B0600070205080204" pitchFamily="50" charset="-128"/>
+                <a:ea typeface="ＭＳ Ｐゴシック" panose="020B0600070205080204" pitchFamily="50" charset="-128"/>
+              </a:rPr>
+              <a:t> ); </a:t>
+            </a:r>
+          </a:p>
+          <a:p>
+            <a:pPr>
+              <a:buNone/>
+            </a:pPr>
+            <a:r>
+              <a:rPr lang="en-US" altLang="ja-JP" sz="1800" dirty="0" smtClean="0">
+                <a:solidFill>
+                  <a:schemeClr val="bg1"/>
+                </a:solidFill>
+                <a:latin typeface="ＭＳ Ｐゴシック" panose="020B0600070205080204" pitchFamily="50" charset="-128"/>
+                <a:ea typeface="ＭＳ Ｐゴシック" panose="020B0600070205080204" pitchFamily="50" charset="-128"/>
+              </a:rPr>
+              <a:t>}</a:t>
+            </a:r>
+            <a:endParaRPr lang="en-US" altLang="ja-JP" sz="1800" dirty="0" smtClean="0">
               <a:solidFill>
-                <a:schemeClr val="tx1"/>
+                <a:schemeClr val="bg1"/>
               </a:solidFill>
-              <a:effectLst/>
-              <a:uLnTx/>
-              <a:uFillTx/>
-              <a:latin typeface="Meiryo UI" panose="020B0604030504040204" pitchFamily="50" charset="-128"/>
-              <a:ea typeface="Meiryo UI" panose="020B0604030504040204" pitchFamily="50" charset="-128"/>
-              <a:cs typeface="+mn-cs"/>
+              <a:latin typeface="ＭＳ Ｐゴシック" panose="020B0600070205080204" pitchFamily="50" charset="-128"/>
+              <a:ea typeface="ＭＳ Ｐゴシック" panose="020B0600070205080204" pitchFamily="50" charset="-128"/>
             </a:endParaRPr>
           </a:p>
-          <a:p>
-            <a:pPr marL="228600" marR="0" lvl="0" indent="-228600" algn="l" defTabSz="914400" rtl="0" eaLnBrk="1" fontAlgn="auto" latinLnBrk="0" hangingPunct="1">
+        </p:txBody>
+      </p:sp>
+      <p:sp>
+        <p:nvSpPr>
+          <p:cNvPr id="8" name="線吹き出し 2 (枠付き) 7"/>
+          <p:cNvSpPr/>
+          <p:nvPr/>
+        </p:nvSpPr>
+        <p:spPr>
+          <a:xfrm>
+            <a:off x="5514535" y="2155371"/>
+            <a:ext cx="6316393" cy="1769516"/>
+          </a:xfrm>
+          <a:prstGeom prst="borderCallout2">
+            <a:avLst>
+              <a:gd name="adj1" fmla="val 17750"/>
+              <a:gd name="adj2" fmla="val 413"/>
+              <a:gd name="adj3" fmla="val 1826"/>
+              <a:gd name="adj4" fmla="val -17979"/>
+              <a:gd name="adj5" fmla="val 30351"/>
+              <a:gd name="adj6" fmla="val -40701"/>
+            </a:avLst>
+          </a:prstGeom>
+          <a:solidFill>
+            <a:schemeClr val="bg1"/>
+          </a:solidFill>
+          <a:ln w="28575">
+            <a:solidFill>
+              <a:srgbClr val="3399FF"/>
+            </a:solidFill>
+          </a:ln>
+        </p:spPr>
+        <p:style>
+          <a:lnRef idx="2">
+            <a:schemeClr val="accent1">
+              <a:shade val="50000"/>
+            </a:schemeClr>
+          </a:lnRef>
+          <a:fillRef idx="1">
+            <a:schemeClr val="accent1"/>
+          </a:fillRef>
+          <a:effectRef idx="0">
+            <a:schemeClr val="accent1"/>
+          </a:effectRef>
+          <a:fontRef idx="minor">
+            <a:schemeClr val="lt1"/>
+          </a:fontRef>
+        </p:style>
+        <p:txBody>
+          <a:bodyPr rtlCol="0" anchor="ctr"/>
+          <a:lstStyle/>
+          <a:p>
+            <a:pPr marL="228600" lvl="0" indent="-228600">
               <a:lnSpc>
                 <a:spcPct val="90000"/>
               </a:lnSpc>
               <a:spcBef>
                 <a:spcPts val="1000"/>
               </a:spcBef>
-              <a:spcAft>
-                <a:spcPts val="0"/>
-              </a:spcAft>
-              <a:buClrTx/>
-              <a:buSzTx/>
-              <a:buFont typeface="Arial" panose="020B0604020202020204" pitchFamily="34" charset="0"/>
-              <a:buNone/>
-              <a:tabLst/>
               <a:defRPr/>
             </a:pPr>
             <a:r>
-              <a:rPr lang="ja-JP" altLang="en-US" sz="2000" dirty="0" smtClean="0">
+              <a:rPr lang="en-US" altLang="ja-JP" dirty="0" err="1" smtClean="0">
+                <a:solidFill>
+                  <a:schemeClr val="tx1"/>
+                </a:solidFill>
                 <a:latin typeface="Meiryo UI" panose="020B0604030504040204" pitchFamily="50" charset="-128"/>
                 <a:ea typeface="Meiryo UI" panose="020B0604030504040204" pitchFamily="50" charset="-128"/>
               </a:rPr>
-              <a:t>→</a:t>
-            </a:r>
-            <a:r>
-              <a:rPr lang="en-US" altLang="ja-JP" sz="2000" dirty="0" smtClean="0">
+              <a:t>componentDidMount</a:t>
+            </a:r>
+            <a:r>
+              <a:rPr lang="ja-JP" altLang="en-US" dirty="0" smtClean="0">
+                <a:solidFill>
+                  <a:schemeClr val="tx1"/>
+                </a:solidFill>
                 <a:latin typeface="Meiryo UI" panose="020B0604030504040204" pitchFamily="50" charset="-128"/>
                 <a:ea typeface="Meiryo UI" panose="020B0604030504040204" pitchFamily="50" charset="-128"/>
               </a:rPr>
-              <a:t>DOM</a:t>
-            </a:r>
-            <a:r>
-              <a:rPr lang="ja-JP" altLang="en-US" sz="2000" dirty="0" smtClean="0">
+              <a:t>メソッドは</a:t>
+            </a:r>
+            <a:r>
+              <a:rPr lang="ja-JP" altLang="en-US" dirty="0" smtClean="0">
+                <a:solidFill>
+                  <a:schemeClr val="tx1"/>
+                </a:solidFill>
                 <a:latin typeface="Meiryo UI" panose="020B0604030504040204" pitchFamily="50" charset="-128"/>
                 <a:ea typeface="Meiryo UI" panose="020B0604030504040204" pitchFamily="50" charset="-128"/>
               </a:rPr>
-              <a:t>に初めてレンダリングされるタイミングを「マウント」、生成された</a:t>
-            </a:r>
-            <a:r>
-              <a:rPr lang="en-US" altLang="ja-JP" sz="2000" dirty="0" smtClean="0">
+              <a:t>マウント後に実行</a:t>
+            </a:r>
+            <a:r>
+              <a:rPr lang="ja-JP" altLang="en-US" dirty="0" smtClean="0">
+                <a:solidFill>
+                  <a:schemeClr val="tx1"/>
+                </a:solidFill>
                 <a:latin typeface="Meiryo UI" panose="020B0604030504040204" pitchFamily="50" charset="-128"/>
                 <a:ea typeface="Meiryo UI" panose="020B0604030504040204" pitchFamily="50" charset="-128"/>
               </a:rPr>
-              <a:t>DOM</a:t>
-            </a:r>
-            <a:r>
-              <a:rPr lang="ja-JP" altLang="en-US" sz="2000" dirty="0" err="1" smtClean="0">
+              <a:t>されるメソッド</a:t>
+            </a:r>
+            <a:r>
+              <a:rPr lang="ja-JP" altLang="en-US" dirty="0" smtClean="0">
+                <a:solidFill>
+                  <a:schemeClr val="tx1"/>
+                </a:solidFill>
                 <a:latin typeface="Meiryo UI" panose="020B0604030504040204" pitchFamily="50" charset="-128"/>
                 <a:ea typeface="Meiryo UI" panose="020B0604030504040204" pitchFamily="50" charset="-128"/>
               </a:rPr>
-              <a:t>が削</a:t>
-            </a:r>
-            <a:r>
-              <a:rPr lang="ja-JP" altLang="en-US" sz="2000" dirty="0" smtClean="0">
-                <a:latin typeface="Meiryo UI" panose="020B0604030504040204" pitchFamily="50" charset="-128"/>
-                <a:ea typeface="Meiryo UI" panose="020B0604030504040204" pitchFamily="50" charset="-128"/>
-              </a:rPr>
-              <a:t>除されるタイミングを「アンマウント」と呼ぶ。</a:t>
-            </a:r>
-            <a:endParaRPr kumimoji="1" lang="en-US" altLang="ja-JP" sz="2000" b="0" i="0" u="none" strike="noStrike" kern="1200" cap="none" spc="0" normalizeH="0" baseline="0" noProof="0" dirty="0" smtClean="0">
-              <a:ln>
-                <a:noFill/>
-              </a:ln>
+              <a:t>。</a:t>
+            </a:r>
+            <a:endParaRPr lang="en-US" altLang="ja-JP" dirty="0" smtClean="0">
               <a:solidFill>
                 <a:schemeClr val="tx1"/>
               </a:solidFill>
-              <a:effectLst/>
-              <a:uLnTx/>
-              <a:uFillTx/>
               <a:latin typeface="Meiryo UI" panose="020B0604030504040204" pitchFamily="50" charset="-128"/>
               <a:ea typeface="Meiryo UI" panose="020B0604030504040204" pitchFamily="50" charset="-128"/>
-              <a:cs typeface="+mn-cs"/>
             </a:endParaRPr>
+          </a:p>
+          <a:p>
+            <a:pPr marL="228600" lvl="0" indent="-228600">
+              <a:lnSpc>
+                <a:spcPct val="90000"/>
+              </a:lnSpc>
+              <a:spcBef>
+                <a:spcPts val="1000"/>
+              </a:spcBef>
+              <a:defRPr/>
+            </a:pPr>
+            <a:r>
+              <a:rPr lang="ja-JP" altLang="en-US" dirty="0" smtClean="0">
+                <a:solidFill>
+                  <a:schemeClr val="tx1"/>
+                </a:solidFill>
+                <a:latin typeface="Meiryo UI" panose="020B0604030504040204" pitchFamily="50" charset="-128"/>
+                <a:ea typeface="Meiryo UI" panose="020B0604030504040204" pitchFamily="50" charset="-128"/>
+              </a:rPr>
+              <a:t>⇒</a:t>
+            </a:r>
+            <a:r>
+              <a:rPr lang="en-US" altLang="ja-JP" dirty="0" smtClean="0">
+                <a:solidFill>
+                  <a:schemeClr val="tx1"/>
+                </a:solidFill>
+                <a:latin typeface="Meiryo UI" panose="020B0604030504040204" pitchFamily="50" charset="-128"/>
+                <a:ea typeface="Meiryo UI" panose="020B0604030504040204" pitchFamily="50" charset="-128"/>
+              </a:rPr>
+              <a:t> DOM</a:t>
+            </a:r>
+            <a:r>
+              <a:rPr lang="ja-JP" altLang="en-US" dirty="0" smtClean="0">
+                <a:solidFill>
+                  <a:schemeClr val="tx1"/>
+                </a:solidFill>
+                <a:latin typeface="Meiryo UI" panose="020B0604030504040204" pitchFamily="50" charset="-128"/>
+                <a:ea typeface="Meiryo UI" panose="020B0604030504040204" pitchFamily="50" charset="-128"/>
+              </a:rPr>
+              <a:t>に初めてレンダリングされるタイミングを「マウント」、生成された</a:t>
+            </a:r>
+            <a:r>
+              <a:rPr lang="en-US" altLang="ja-JP" dirty="0" smtClean="0">
+                <a:solidFill>
+                  <a:schemeClr val="tx1"/>
+                </a:solidFill>
+                <a:latin typeface="Meiryo UI" panose="020B0604030504040204" pitchFamily="50" charset="-128"/>
+                <a:ea typeface="Meiryo UI" panose="020B0604030504040204" pitchFamily="50" charset="-128"/>
+              </a:rPr>
+              <a:t>DOM</a:t>
+            </a:r>
+            <a:r>
+              <a:rPr lang="ja-JP" altLang="en-US" dirty="0" err="1" smtClean="0">
+                <a:solidFill>
+                  <a:schemeClr val="tx1"/>
+                </a:solidFill>
+                <a:latin typeface="Meiryo UI" panose="020B0604030504040204" pitchFamily="50" charset="-128"/>
+                <a:ea typeface="Meiryo UI" panose="020B0604030504040204" pitchFamily="50" charset="-128"/>
+              </a:rPr>
+              <a:t>が削</a:t>
+            </a:r>
+            <a:r>
+              <a:rPr lang="ja-JP" altLang="en-US" dirty="0" smtClean="0">
+                <a:solidFill>
+                  <a:schemeClr val="tx1"/>
+                </a:solidFill>
+                <a:latin typeface="Meiryo UI" panose="020B0604030504040204" pitchFamily="50" charset="-128"/>
+                <a:ea typeface="Meiryo UI" panose="020B0604030504040204" pitchFamily="50" charset="-128"/>
+              </a:rPr>
+              <a:t>除されるタイミングを「アンマウント」と呼ぶ。</a:t>
+            </a:r>
+            <a:endParaRPr lang="en-US" altLang="ja-JP" dirty="0" smtClean="0">
+              <a:solidFill>
+                <a:schemeClr val="tx1"/>
+              </a:solidFill>
+              <a:latin typeface="Meiryo UI" panose="020B0604030504040204" pitchFamily="50" charset="-128"/>
+              <a:ea typeface="Meiryo UI" panose="020B0604030504040204" pitchFamily="50" charset="-128"/>
+            </a:endParaRPr>
+          </a:p>
+        </p:txBody>
+      </p:sp>
+      <p:sp>
+        <p:nvSpPr>
+          <p:cNvPr id="10" name="線吹き出し 2 (枠付き) 9"/>
+          <p:cNvSpPr/>
+          <p:nvPr/>
+        </p:nvSpPr>
+        <p:spPr>
+          <a:xfrm>
+            <a:off x="5670896" y="4291315"/>
+            <a:ext cx="5555122" cy="831273"/>
+          </a:xfrm>
+          <a:prstGeom prst="borderCallout2">
+            <a:avLst>
+              <a:gd name="adj1" fmla="val 17750"/>
+              <a:gd name="adj2" fmla="val 413"/>
+              <a:gd name="adj3" fmla="val 49212"/>
+              <a:gd name="adj4" fmla="val -18635"/>
+              <a:gd name="adj5" fmla="val -75452"/>
+              <a:gd name="adj6" fmla="val -67536"/>
+            </a:avLst>
+          </a:prstGeom>
+          <a:solidFill>
+            <a:schemeClr val="bg1"/>
+          </a:solidFill>
+          <a:ln w="28575">
+            <a:solidFill>
+              <a:srgbClr val="3399FF"/>
+            </a:solidFill>
+          </a:ln>
+        </p:spPr>
+        <p:style>
+          <a:lnRef idx="2">
+            <a:schemeClr val="accent1">
+              <a:shade val="50000"/>
+            </a:schemeClr>
+          </a:lnRef>
+          <a:fillRef idx="1">
+            <a:schemeClr val="accent1"/>
+          </a:fillRef>
+          <a:effectRef idx="0">
+            <a:schemeClr val="accent1"/>
+          </a:effectRef>
+          <a:fontRef idx="minor">
+            <a:schemeClr val="lt1"/>
+          </a:fontRef>
+        </p:style>
+        <p:txBody>
+          <a:bodyPr rtlCol="0" anchor="ctr"/>
+          <a:lstStyle/>
+          <a:p>
+            <a:r>
+              <a:rPr lang="en-US" altLang="ja-JP" dirty="0" smtClean="0">
+                <a:solidFill>
+                  <a:schemeClr val="tx1">
+                    <a:lumMod val="85000"/>
+                    <a:lumOff val="15000"/>
+                  </a:schemeClr>
+                </a:solidFill>
+              </a:rPr>
+              <a:t>clock</a:t>
+            </a:r>
+            <a:r>
+              <a:rPr lang="ja-JP" altLang="en-US" dirty="0" smtClean="0">
+                <a:solidFill>
+                  <a:schemeClr val="tx1">
+                    <a:lumMod val="85000"/>
+                    <a:lumOff val="15000"/>
+                  </a:schemeClr>
+                </a:solidFill>
+              </a:rPr>
+              <a:t>メソッド</a:t>
+            </a:r>
+            <a:r>
+              <a:rPr lang="ja-JP" altLang="en-US" dirty="0" smtClean="0">
+                <a:solidFill>
+                  <a:schemeClr val="tx1">
+                    <a:lumMod val="85000"/>
+                    <a:lumOff val="15000"/>
+                  </a:schemeClr>
+                </a:solidFill>
+              </a:rPr>
+              <a:t>を</a:t>
+            </a:r>
+            <a:r>
+              <a:rPr lang="en-US" altLang="ja-JP" dirty="0" smtClean="0">
+                <a:solidFill>
+                  <a:schemeClr val="tx1">
+                    <a:lumMod val="85000"/>
+                    <a:lumOff val="15000"/>
+                  </a:schemeClr>
+                </a:solidFill>
+              </a:rPr>
+              <a:t>1</a:t>
+            </a:r>
+            <a:r>
+              <a:rPr lang="ja-JP" altLang="en-US" dirty="0" smtClean="0">
+                <a:solidFill>
+                  <a:schemeClr val="tx1">
+                    <a:lumMod val="85000"/>
+                    <a:lumOff val="15000"/>
+                  </a:schemeClr>
+                </a:solidFill>
+              </a:rPr>
+              <a:t>秒間隔で呼び出すように設定します。</a:t>
+            </a:r>
+            <a:endParaRPr lang="en-US" altLang="ja-JP" dirty="0" smtClean="0">
+              <a:solidFill>
+                <a:schemeClr val="tx1">
+                  <a:lumMod val="85000"/>
+                  <a:lumOff val="15000"/>
+                </a:schemeClr>
+              </a:solidFill>
+            </a:endParaRPr>
+          </a:p>
+        </p:txBody>
+      </p:sp>
+      <p:sp>
+        <p:nvSpPr>
+          <p:cNvPr id="11" name="テキスト ボックス 10"/>
+          <p:cNvSpPr txBox="1"/>
+          <p:nvPr/>
+        </p:nvSpPr>
+        <p:spPr>
+          <a:xfrm>
+            <a:off x="3854548" y="5247249"/>
+            <a:ext cx="1414170" cy="307777"/>
+          </a:xfrm>
+          <a:prstGeom prst="rect">
+            <a:avLst/>
+          </a:prstGeom>
+          <a:noFill/>
+        </p:spPr>
+        <p:txBody>
+          <a:bodyPr wrap="none" rtlCol="0">
+            <a:spAutoFit/>
+          </a:bodyPr>
+          <a:lstStyle/>
+          <a:p>
+            <a:r>
+              <a:rPr kumimoji="1" lang="en-US" altLang="ja-JP" sz="1400" dirty="0" smtClean="0"/>
+              <a:t>※App.js</a:t>
+            </a:r>
+            <a:r>
+              <a:rPr kumimoji="1" lang="ja-JP" altLang="en-US" sz="1400" dirty="0" smtClean="0"/>
+              <a:t>に記載</a:t>
+            </a:r>
+            <a:endParaRPr kumimoji="1" lang="ja-JP" altLang="en-US" sz="1400" dirty="0"/>
           </a:p>
         </p:txBody>
       </p:sp>
@@ -4458,19 +6128,11 @@
           <a:p>
             <a:r>
               <a:rPr lang="en-US" altLang="ja-JP" dirty="0" smtClean="0"/>
-              <a:t>2-6</a:t>
-            </a:r>
-            <a:r>
-              <a:rPr lang="en-US" altLang="ja-JP" dirty="0" smtClean="0"/>
-              <a:t>. </a:t>
-            </a:r>
-            <a:r>
-              <a:rPr lang="ja-JP" altLang="en-US" dirty="0" smtClean="0"/>
-              <a:t>簡単</a:t>
-            </a:r>
-            <a:r>
-              <a:rPr lang="ja-JP" altLang="en-US" dirty="0" smtClean="0"/>
-              <a:t>なサンプルソース　～時計～</a:t>
+              <a:t>2-5.</a:t>
+            </a:r>
+            <a:r>
+              <a:rPr lang="ja-JP" altLang="en-US" dirty="0" smtClean="0"/>
+              <a:t>簡単なサンプルソース　～時計～</a:t>
             </a:r>
             <a:endParaRPr kumimoji="1" lang="ja-JP" altLang="en-US" dirty="0"/>
           </a:p>
@@ -4492,40 +6154,24 @@
           <a:lstStyle/>
           <a:p>
             <a:r>
+              <a:rPr lang="ja-JP" altLang="en-US" dirty="0" smtClean="0"/>
+              <a:t>時刻</a:t>
+            </a:r>
+            <a:r>
               <a:rPr kumimoji="1" lang="ja-JP" altLang="en-US" dirty="0" smtClean="0"/>
-              <a:t>日付の更新</a:t>
+              <a:t>の</a:t>
+            </a:r>
+            <a:r>
+              <a:rPr kumimoji="1" lang="ja-JP" altLang="en-US" dirty="0" smtClean="0"/>
+              <a:t>更新</a:t>
             </a:r>
             <a:endParaRPr kumimoji="1" lang="ja-JP" altLang="en-US" dirty="0"/>
           </a:p>
         </p:txBody>
       </p:sp>
-      <p:pic>
-        <p:nvPicPr>
-          <p:cNvPr id="4" name="図 3" descr="date.png"/>
-          <p:cNvPicPr>
-            <a:picLocks noChangeAspect="1"/>
-          </p:cNvPicPr>
-          <p:nvPr/>
-        </p:nvPicPr>
-        <p:blipFill>
-          <a:blip r:embed="rId2" cstate="print"/>
-          <a:stretch>
-            <a:fillRect/>
-          </a:stretch>
-        </p:blipFill>
-        <p:spPr>
-          <a:xfrm>
-            <a:off x="533355" y="1975253"/>
-            <a:ext cx="4176552" cy="1980000"/>
-          </a:xfrm>
-          <a:prstGeom prst="rect">
-            <a:avLst/>
-          </a:prstGeom>
-        </p:spPr>
-      </p:pic>
-      <p:sp>
-        <p:nvSpPr>
-          <p:cNvPr id="5" name="コンテンツ プレースホルダ 2"/>
+      <p:sp>
+        <p:nvSpPr>
+          <p:cNvPr id="6" name="コンテンツ プレースホルダー 3"/>
           <p:cNvSpPr txBox="1">
             <a:spLocks/>
           </p:cNvSpPr>
@@ -4533,167 +6179,642 @@
         </p:nvSpPr>
         <p:spPr>
           <a:xfrm>
-            <a:off x="541996" y="4132581"/>
-            <a:ext cx="11379201" cy="800099"/>
+            <a:off x="436099" y="1997616"/>
+            <a:ext cx="4860000" cy="3132000"/>
           </a:xfrm>
           <a:prstGeom prst="rect">
             <a:avLst/>
           </a:prstGeom>
           <a:solidFill>
-            <a:schemeClr val="accent1">
-              <a:lumMod val="20000"/>
-              <a:lumOff val="80000"/>
-            </a:schemeClr>
+            <a:srgbClr val="333F50"/>
           </a:solidFill>
-          <a:ln w="12700" cap="flat" cmpd="sng" algn="ctr">
+          <a:ln>
             <a:solidFill>
-              <a:schemeClr val="accent1"/>
+              <a:schemeClr val="bg1">
+                <a:lumMod val="95000"/>
+              </a:schemeClr>
             </a:solidFill>
-            <a:prstDash val="solid"/>
-            <a:miter lim="800000"/>
           </a:ln>
-          <a:effectLst/>
         </p:spPr>
         <p:txBody>
-          <a:bodyPr vert="horz" lIns="91440" tIns="45720" rIns="91440" bIns="45720" rtlCol="0">
-            <a:normAutofit/>
-          </a:bodyPr>
-          <a:lstStyle/>
-          <a:p>
-            <a:pPr marL="228600" marR="0" lvl="0" indent="-228600" algn="l" defTabSz="914400" rtl="0" eaLnBrk="1" fontAlgn="auto" latinLnBrk="0" hangingPunct="1">
+          <a:bodyPr anchor="ctr"/>
+          <a:lstStyle>
+            <a:lvl1pPr marL="228600" indent="-228600" algn="l" defTabSz="914400" rtl="0" eaLnBrk="1" latinLnBrk="0" hangingPunct="1">
               <a:lnSpc>
                 <a:spcPct val="90000"/>
               </a:lnSpc>
               <a:spcBef>
                 <a:spcPts val="1000"/>
               </a:spcBef>
-              <a:spcAft>
-                <a:spcPts val="0"/>
-              </a:spcAft>
-              <a:buClrTx/>
-              <a:buSzTx/>
               <a:buFont typeface="Arial" panose="020B0604020202020204" pitchFamily="34" charset="0"/>
               <a:buChar char="•"/>
-              <a:tabLst/>
-              <a:defRPr/>
-            </a:pPr>
-            <a:r>
-              <a:rPr lang="en-US" altLang="ja-JP" sz="2000" dirty="0" smtClean="0">
+              <a:defRPr kumimoji="1" sz="2000" kern="1200">
+                <a:solidFill>
+                  <a:schemeClr val="tx1"/>
+                </a:solidFill>
                 <a:latin typeface="Meiryo UI" panose="020B0604030504040204" pitchFamily="50" charset="-128"/>
                 <a:ea typeface="Meiryo UI" panose="020B0604030504040204" pitchFamily="50" charset="-128"/>
-              </a:rPr>
-              <a:t>Interval</a:t>
-            </a:r>
-            <a:r>
-              <a:rPr lang="ja-JP" altLang="en-US" sz="2000" dirty="0" smtClean="0">
-                <a:latin typeface="Meiryo UI" panose="020B0604030504040204" pitchFamily="50" charset="-128"/>
-                <a:ea typeface="Meiryo UI" panose="020B0604030504040204" pitchFamily="50" charset="-128"/>
-              </a:rPr>
-              <a:t>に設定した間隔で呼び出され、日付を更新する。</a:t>
-            </a:r>
-            <a:endParaRPr lang="en-US" altLang="ja-JP" sz="2000" dirty="0" smtClean="0">
-              <a:latin typeface="Meiryo UI" panose="020B0604030504040204" pitchFamily="50" charset="-128"/>
-              <a:ea typeface="Meiryo UI" panose="020B0604030504040204" pitchFamily="50" charset="-128"/>
-            </a:endParaRPr>
-          </a:p>
-          <a:p>
-            <a:pPr marL="228600" marR="0" lvl="0" indent="-228600" algn="l" defTabSz="914400" rtl="0" eaLnBrk="1" fontAlgn="auto" latinLnBrk="0" hangingPunct="1">
+                <a:cs typeface="+mn-cs"/>
+              </a:defRPr>
+            </a:lvl1pPr>
+            <a:lvl2pPr marL="685800" indent="-228600" algn="l" defTabSz="914400" rtl="0" eaLnBrk="1" latinLnBrk="0" hangingPunct="1">
               <a:lnSpc>
                 <a:spcPct val="90000"/>
               </a:lnSpc>
               <a:spcBef>
-                <a:spcPts val="1000"/>
+                <a:spcPts val="500"/>
               </a:spcBef>
-              <a:spcAft>
-                <a:spcPts val="0"/>
-              </a:spcAft>
-              <a:buClrTx/>
-              <a:buSzTx/>
-              <a:tabLst/>
-              <a:defRPr/>
-            </a:pPr>
-            <a:r>
-              <a:rPr kumimoji="1" lang="ja-JP" altLang="en-US" sz="2000" b="0" i="0" u="none" strike="noStrike" kern="1200" cap="none" spc="0" normalizeH="0" baseline="0" noProof="0" dirty="0" smtClean="0">
-                <a:ln>
-                  <a:noFill/>
-                </a:ln>
-                <a:solidFill>
-                  <a:schemeClr val="tx1"/>
-                </a:solidFill>
-                <a:effectLst/>
-                <a:uLnTx/>
-                <a:uFillTx/>
+              <a:buFont typeface="Arial" panose="020B0604020202020204" pitchFamily="34" charset="0"/>
+              <a:buChar char="•"/>
+              <a:defRPr kumimoji="1" sz="1800" kern="1200">
+                <a:solidFill>
+                  <a:schemeClr val="tx1"/>
+                </a:solidFill>
                 <a:latin typeface="Meiryo UI" panose="020B0604030504040204" pitchFamily="50" charset="-128"/>
                 <a:ea typeface="Meiryo UI" panose="020B0604030504040204" pitchFamily="50" charset="-128"/>
                 <a:cs typeface="+mn-cs"/>
-              </a:rPr>
-              <a:t>→</a:t>
-            </a:r>
-            <a:r>
-              <a:rPr kumimoji="1" lang="en-US" altLang="ja-JP" sz="2000" b="0" i="0" u="none" strike="noStrike" kern="1200" cap="none" spc="0" normalizeH="0" baseline="0" noProof="0" dirty="0" err="1" smtClean="0">
-                <a:ln>
-                  <a:noFill/>
-                </a:ln>
-                <a:solidFill>
-                  <a:schemeClr val="tx1"/>
-                </a:solidFill>
-                <a:effectLst/>
-                <a:uLnTx/>
-                <a:uFillTx/>
+              </a:defRPr>
+            </a:lvl2pPr>
+            <a:lvl3pPr marL="1143000" indent="-228600" algn="l" defTabSz="914400" rtl="0" eaLnBrk="1" latinLnBrk="0" hangingPunct="1">
+              <a:lnSpc>
+                <a:spcPct val="90000"/>
+              </a:lnSpc>
+              <a:spcBef>
+                <a:spcPts val="500"/>
+              </a:spcBef>
+              <a:buFont typeface="Arial" panose="020B0604020202020204" pitchFamily="34" charset="0"/>
+              <a:buChar char="•"/>
+              <a:defRPr kumimoji="1" sz="1600" kern="1200">
+                <a:solidFill>
+                  <a:schemeClr val="tx1"/>
+                </a:solidFill>
                 <a:latin typeface="Meiryo UI" panose="020B0604030504040204" pitchFamily="50" charset="-128"/>
                 <a:ea typeface="Meiryo UI" panose="020B0604030504040204" pitchFamily="50" charset="-128"/>
                 <a:cs typeface="+mn-cs"/>
-              </a:rPr>
-              <a:t>setState</a:t>
-            </a:r>
-            <a:r>
-              <a:rPr kumimoji="1" lang="en-US" altLang="ja-JP" sz="2000" b="0" i="0" u="none" strike="noStrike" kern="1200" cap="none" spc="0" normalizeH="0" baseline="0" noProof="0" dirty="0" smtClean="0">
-                <a:ln>
-                  <a:noFill/>
-                </a:ln>
-                <a:solidFill>
-                  <a:schemeClr val="tx1"/>
-                </a:solidFill>
-                <a:effectLst/>
-                <a:uLnTx/>
-                <a:uFillTx/>
+              </a:defRPr>
+            </a:lvl3pPr>
+            <a:lvl4pPr marL="1600200" indent="-228600" algn="l" defTabSz="914400" rtl="0" eaLnBrk="1" latinLnBrk="0" hangingPunct="1">
+              <a:lnSpc>
+                <a:spcPct val="90000"/>
+              </a:lnSpc>
+              <a:spcBef>
+                <a:spcPts val="500"/>
+              </a:spcBef>
+              <a:buFont typeface="Arial" panose="020B0604020202020204" pitchFamily="34" charset="0"/>
+              <a:buChar char="•"/>
+              <a:defRPr kumimoji="1" sz="1400" kern="1200">
+                <a:solidFill>
+                  <a:schemeClr val="tx1"/>
+                </a:solidFill>
                 <a:latin typeface="Meiryo UI" panose="020B0604030504040204" pitchFamily="50" charset="-128"/>
                 <a:ea typeface="Meiryo UI" panose="020B0604030504040204" pitchFamily="50" charset="-128"/>
                 <a:cs typeface="+mn-cs"/>
-              </a:rPr>
-              <a:t>()</a:t>
-            </a:r>
-            <a:r>
-              <a:rPr kumimoji="1" lang="ja-JP" altLang="en-US" sz="2000" b="0" i="0" u="none" strike="noStrike" kern="1200" cap="none" spc="0" normalizeH="0" baseline="0" noProof="0" dirty="0" smtClean="0">
-                <a:ln>
-                  <a:noFill/>
-                </a:ln>
-                <a:solidFill>
-                  <a:schemeClr val="tx1"/>
-                </a:solidFill>
-                <a:effectLst/>
-                <a:uLnTx/>
-                <a:uFillTx/>
+              </a:defRPr>
+            </a:lvl4pPr>
+            <a:lvl5pPr marL="2057400" indent="-228600" algn="l" defTabSz="914400" rtl="0" eaLnBrk="1" latinLnBrk="0" hangingPunct="1">
+              <a:lnSpc>
+                <a:spcPct val="90000"/>
+              </a:lnSpc>
+              <a:spcBef>
+                <a:spcPts val="500"/>
+              </a:spcBef>
+              <a:buFont typeface="Arial" panose="020B0604020202020204" pitchFamily="34" charset="0"/>
+              <a:buChar char="•"/>
+              <a:defRPr kumimoji="1" sz="1200" kern="1200">
+                <a:solidFill>
+                  <a:schemeClr val="tx1"/>
+                </a:solidFill>
                 <a:latin typeface="Meiryo UI" panose="020B0604030504040204" pitchFamily="50" charset="-128"/>
                 <a:ea typeface="Meiryo UI" panose="020B0604030504040204" pitchFamily="50" charset="-128"/>
                 <a:cs typeface="+mn-cs"/>
-              </a:rPr>
-              <a:t>に現在の時刻を渡している。</a:t>
-            </a:r>
-            <a:endParaRPr kumimoji="1" lang="ja-JP" altLang="en-US" sz="2000" b="0" i="0" u="none" strike="noStrike" kern="1200" cap="none" spc="0" normalizeH="0" baseline="0" noProof="0" dirty="0">
-              <a:ln>
-                <a:noFill/>
-              </a:ln>
+              </a:defRPr>
+            </a:lvl5pPr>
+            <a:lvl6pPr marL="2514600" indent="-228600" algn="l" defTabSz="914400" rtl="0" eaLnBrk="1" latinLnBrk="0" hangingPunct="1">
+              <a:lnSpc>
+                <a:spcPct val="90000"/>
+              </a:lnSpc>
+              <a:spcBef>
+                <a:spcPts val="500"/>
+              </a:spcBef>
+              <a:buFont typeface="Arial" panose="020B0604020202020204" pitchFamily="34" charset="0"/>
+              <a:buChar char="•"/>
+              <a:defRPr kumimoji="1" sz="1800" kern="1200">
+                <a:solidFill>
+                  <a:schemeClr val="tx1"/>
+                </a:solidFill>
+                <a:latin typeface="+mn-lt"/>
+                <a:ea typeface="+mn-ea"/>
+                <a:cs typeface="+mn-cs"/>
+              </a:defRPr>
+            </a:lvl6pPr>
+            <a:lvl7pPr marL="2971800" indent="-228600" algn="l" defTabSz="914400" rtl="0" eaLnBrk="1" latinLnBrk="0" hangingPunct="1">
+              <a:lnSpc>
+                <a:spcPct val="90000"/>
+              </a:lnSpc>
+              <a:spcBef>
+                <a:spcPts val="500"/>
+              </a:spcBef>
+              <a:buFont typeface="Arial" panose="020B0604020202020204" pitchFamily="34" charset="0"/>
+              <a:buChar char="•"/>
+              <a:defRPr kumimoji="1" sz="1800" kern="1200">
+                <a:solidFill>
+                  <a:schemeClr val="tx1"/>
+                </a:solidFill>
+                <a:latin typeface="+mn-lt"/>
+                <a:ea typeface="+mn-ea"/>
+                <a:cs typeface="+mn-cs"/>
+              </a:defRPr>
+            </a:lvl7pPr>
+            <a:lvl8pPr marL="3429000" indent="-228600" algn="l" defTabSz="914400" rtl="0" eaLnBrk="1" latinLnBrk="0" hangingPunct="1">
+              <a:lnSpc>
+                <a:spcPct val="90000"/>
+              </a:lnSpc>
+              <a:spcBef>
+                <a:spcPts val="500"/>
+              </a:spcBef>
+              <a:buFont typeface="Arial" panose="020B0604020202020204" pitchFamily="34" charset="0"/>
+              <a:buChar char="•"/>
+              <a:defRPr kumimoji="1" sz="1800" kern="1200">
+                <a:solidFill>
+                  <a:schemeClr val="tx1"/>
+                </a:solidFill>
+                <a:latin typeface="+mn-lt"/>
+                <a:ea typeface="+mn-ea"/>
+                <a:cs typeface="+mn-cs"/>
+              </a:defRPr>
+            </a:lvl8pPr>
+            <a:lvl9pPr marL="3886200" indent="-228600" algn="l" defTabSz="914400" rtl="0" eaLnBrk="1" latinLnBrk="0" hangingPunct="1">
+              <a:lnSpc>
+                <a:spcPct val="90000"/>
+              </a:lnSpc>
+              <a:spcBef>
+                <a:spcPts val="500"/>
+              </a:spcBef>
+              <a:buFont typeface="Arial" panose="020B0604020202020204" pitchFamily="34" charset="0"/>
+              <a:buChar char="•"/>
+              <a:defRPr kumimoji="1" sz="1800" kern="1200">
+                <a:solidFill>
+                  <a:schemeClr val="tx1"/>
+                </a:solidFill>
+                <a:latin typeface="+mn-lt"/>
+                <a:ea typeface="+mn-ea"/>
+                <a:cs typeface="+mn-cs"/>
+              </a:defRPr>
+            </a:lvl9pPr>
+          </a:lstStyle>
+          <a:p>
+            <a:pPr>
+              <a:buNone/>
+            </a:pPr>
+            <a:r>
+              <a:rPr lang="en-US" altLang="ja-JP" sz="1800" dirty="0" smtClean="0">
+                <a:solidFill>
+                  <a:schemeClr val="bg1"/>
+                </a:solidFill>
+                <a:latin typeface="ＭＳ Ｐゴシック" panose="020B0600070205080204" pitchFamily="50" charset="-128"/>
+                <a:ea typeface="ＭＳ Ｐゴシック" panose="020B0600070205080204" pitchFamily="50" charset="-128"/>
+              </a:rPr>
+              <a:t>clock = () =&gt; </a:t>
+            </a:r>
+            <a:r>
+              <a:rPr lang="en-US" altLang="ja-JP" sz="1800" dirty="0" smtClean="0">
+                <a:solidFill>
+                  <a:schemeClr val="bg1"/>
+                </a:solidFill>
+                <a:latin typeface="ＭＳ Ｐゴシック" panose="020B0600070205080204" pitchFamily="50" charset="-128"/>
+                <a:ea typeface="ＭＳ Ｐゴシック" panose="020B0600070205080204" pitchFamily="50" charset="-128"/>
+              </a:rPr>
+              <a:t>{</a:t>
+            </a:r>
+          </a:p>
+          <a:p>
+            <a:pPr>
+              <a:buNone/>
+            </a:pPr>
+            <a:r>
+              <a:rPr lang="en-US" altLang="ja-JP" sz="1800" dirty="0" smtClean="0">
+                <a:solidFill>
+                  <a:schemeClr val="bg1"/>
+                </a:solidFill>
+                <a:latin typeface="ＭＳ Ｐゴシック" panose="020B0600070205080204" pitchFamily="50" charset="-128"/>
+                <a:ea typeface="ＭＳ Ｐゴシック" panose="020B0600070205080204" pitchFamily="50" charset="-128"/>
+              </a:rPr>
+              <a:t> </a:t>
+            </a:r>
+            <a:r>
+              <a:rPr lang="en-US" altLang="ja-JP" sz="1800" dirty="0" smtClean="0">
+                <a:solidFill>
+                  <a:schemeClr val="bg1"/>
+                </a:solidFill>
+                <a:latin typeface="ＭＳ Ｐゴシック" panose="020B0600070205080204" pitchFamily="50" charset="-128"/>
+                <a:ea typeface="ＭＳ Ｐゴシック" panose="020B0600070205080204" pitchFamily="50" charset="-128"/>
+              </a:rPr>
+              <a:t> </a:t>
+            </a:r>
+            <a:r>
+              <a:rPr lang="en-US" altLang="ja-JP" sz="1800" dirty="0" err="1" smtClean="0">
+                <a:solidFill>
+                  <a:schemeClr val="bg1"/>
+                </a:solidFill>
+                <a:latin typeface="ＭＳ Ｐゴシック" panose="020B0600070205080204" pitchFamily="50" charset="-128"/>
+                <a:ea typeface="ＭＳ Ｐゴシック" panose="020B0600070205080204" pitchFamily="50" charset="-128"/>
+              </a:rPr>
+              <a:t>this.setState</a:t>
+            </a:r>
+            <a:r>
+              <a:rPr lang="en-US" altLang="ja-JP" sz="1800" dirty="0" smtClean="0">
+                <a:solidFill>
+                  <a:schemeClr val="bg1"/>
+                </a:solidFill>
+                <a:latin typeface="ＭＳ Ｐゴシック" panose="020B0600070205080204" pitchFamily="50" charset="-128"/>
+                <a:ea typeface="ＭＳ Ｐゴシック" panose="020B0600070205080204" pitchFamily="50" charset="-128"/>
+              </a:rPr>
+              <a:t>({</a:t>
+            </a:r>
+          </a:p>
+          <a:p>
+            <a:pPr>
+              <a:buNone/>
+            </a:pPr>
+            <a:r>
+              <a:rPr lang="en-US" altLang="ja-JP" sz="1800" dirty="0" smtClean="0">
+                <a:solidFill>
+                  <a:schemeClr val="bg1"/>
+                </a:solidFill>
+                <a:latin typeface="ＭＳ Ｐゴシック" panose="020B0600070205080204" pitchFamily="50" charset="-128"/>
+                <a:ea typeface="ＭＳ Ｐゴシック" panose="020B0600070205080204" pitchFamily="50" charset="-128"/>
+              </a:rPr>
+              <a:t> </a:t>
+            </a:r>
+            <a:r>
+              <a:rPr lang="en-US" altLang="ja-JP" sz="1800" dirty="0" smtClean="0">
+                <a:solidFill>
+                  <a:schemeClr val="bg1"/>
+                </a:solidFill>
+                <a:latin typeface="ＭＳ Ｐゴシック" panose="020B0600070205080204" pitchFamily="50" charset="-128"/>
+                <a:ea typeface="ＭＳ Ｐゴシック" panose="020B0600070205080204" pitchFamily="50" charset="-128"/>
+              </a:rPr>
+              <a:t>   date</a:t>
+            </a:r>
+            <a:r>
+              <a:rPr lang="en-US" altLang="ja-JP" sz="1800" dirty="0" smtClean="0">
+                <a:solidFill>
+                  <a:schemeClr val="bg1"/>
+                </a:solidFill>
+                <a:latin typeface="ＭＳ Ｐゴシック" panose="020B0600070205080204" pitchFamily="50" charset="-128"/>
+                <a:ea typeface="ＭＳ Ｐゴシック" panose="020B0600070205080204" pitchFamily="50" charset="-128"/>
+              </a:rPr>
+              <a:t>: new Date</a:t>
+            </a:r>
+            <a:r>
+              <a:rPr lang="en-US" altLang="ja-JP" sz="1800" dirty="0" smtClean="0">
+                <a:solidFill>
+                  <a:schemeClr val="bg1"/>
+                </a:solidFill>
+                <a:latin typeface="ＭＳ Ｐゴシック" panose="020B0600070205080204" pitchFamily="50" charset="-128"/>
+                <a:ea typeface="ＭＳ Ｐゴシック" panose="020B0600070205080204" pitchFamily="50" charset="-128"/>
+              </a:rPr>
+              <a:t>()</a:t>
+            </a:r>
+          </a:p>
+          <a:p>
+            <a:pPr>
+              <a:buNone/>
+            </a:pPr>
+            <a:r>
+              <a:rPr lang="en-US" altLang="ja-JP" sz="1800" dirty="0" smtClean="0">
+                <a:solidFill>
+                  <a:schemeClr val="bg1"/>
+                </a:solidFill>
+                <a:latin typeface="ＭＳ Ｐゴシック" panose="020B0600070205080204" pitchFamily="50" charset="-128"/>
+                <a:ea typeface="ＭＳ Ｐゴシック" panose="020B0600070205080204" pitchFamily="50" charset="-128"/>
+              </a:rPr>
+              <a:t> </a:t>
+            </a:r>
+            <a:r>
+              <a:rPr lang="en-US" altLang="ja-JP" sz="1800" dirty="0" smtClean="0">
+                <a:solidFill>
+                  <a:schemeClr val="bg1"/>
+                </a:solidFill>
+                <a:latin typeface="ＭＳ Ｐゴシック" panose="020B0600070205080204" pitchFamily="50" charset="-128"/>
+                <a:ea typeface="ＭＳ Ｐゴシック" panose="020B0600070205080204" pitchFamily="50" charset="-128"/>
+              </a:rPr>
+              <a:t> });</a:t>
+            </a:r>
+          </a:p>
+          <a:p>
+            <a:pPr>
+              <a:buNone/>
+            </a:pPr>
+            <a:r>
+              <a:rPr lang="en-US" altLang="ja-JP" sz="1800" dirty="0" smtClean="0">
+                <a:solidFill>
+                  <a:schemeClr val="bg1"/>
+                </a:solidFill>
+                <a:latin typeface="ＭＳ Ｐゴシック" panose="020B0600070205080204" pitchFamily="50" charset="-128"/>
+                <a:ea typeface="ＭＳ Ｐゴシック" panose="020B0600070205080204" pitchFamily="50" charset="-128"/>
+              </a:rPr>
+              <a:t>}</a:t>
+            </a:r>
+            <a:endParaRPr lang="en-US" altLang="ja-JP" sz="1800" dirty="0" smtClean="0">
+              <a:solidFill>
+                <a:schemeClr val="bg1"/>
+              </a:solidFill>
+              <a:latin typeface="ＭＳ Ｐゴシック" panose="020B0600070205080204" pitchFamily="50" charset="-128"/>
+              <a:ea typeface="ＭＳ Ｐゴシック" panose="020B0600070205080204" pitchFamily="50" charset="-128"/>
+            </a:endParaRPr>
+          </a:p>
+        </p:txBody>
+      </p:sp>
+      <p:sp>
+        <p:nvSpPr>
+          <p:cNvPr id="7" name="線吹き出し 2 (枠付き) 6"/>
+          <p:cNvSpPr/>
+          <p:nvPr/>
+        </p:nvSpPr>
+        <p:spPr>
+          <a:xfrm>
+            <a:off x="5699032" y="2026417"/>
+            <a:ext cx="5555122" cy="831273"/>
+          </a:xfrm>
+          <a:prstGeom prst="borderCallout2">
+            <a:avLst>
+              <a:gd name="adj1" fmla="val 17750"/>
+              <a:gd name="adj2" fmla="val 413"/>
+              <a:gd name="adj3" fmla="val 6904"/>
+              <a:gd name="adj4" fmla="val -20914"/>
+              <a:gd name="adj5" fmla="val 95472"/>
+              <a:gd name="adj6" fmla="val -67283"/>
+            </a:avLst>
+          </a:prstGeom>
+          <a:solidFill>
+            <a:schemeClr val="bg1"/>
+          </a:solidFill>
+          <a:ln w="28575">
+            <a:solidFill>
+              <a:srgbClr val="3399FF"/>
+            </a:solidFill>
+          </a:ln>
+        </p:spPr>
+        <p:style>
+          <a:lnRef idx="2">
+            <a:schemeClr val="accent1">
+              <a:shade val="50000"/>
+            </a:schemeClr>
+          </a:lnRef>
+          <a:fillRef idx="1">
+            <a:schemeClr val="accent1"/>
+          </a:fillRef>
+          <a:effectRef idx="0">
+            <a:schemeClr val="accent1"/>
+          </a:effectRef>
+          <a:fontRef idx="minor">
+            <a:schemeClr val="lt1"/>
+          </a:fontRef>
+        </p:style>
+        <p:txBody>
+          <a:bodyPr rtlCol="0" anchor="ctr"/>
+          <a:lstStyle/>
+          <a:p>
+            <a:r>
+              <a:rPr lang="en-US" altLang="ja-JP" dirty="0" smtClean="0">
+                <a:solidFill>
+                  <a:schemeClr val="tx1">
+                    <a:lumMod val="85000"/>
+                    <a:lumOff val="15000"/>
+                  </a:schemeClr>
+                </a:solidFill>
+              </a:rPr>
+              <a:t>interval</a:t>
+            </a:r>
+            <a:r>
+              <a:rPr lang="ja-JP" altLang="en-US" dirty="0" smtClean="0">
+                <a:solidFill>
+                  <a:schemeClr val="tx1">
+                    <a:lumMod val="85000"/>
+                    <a:lumOff val="15000"/>
+                  </a:schemeClr>
+                </a:solidFill>
+              </a:rPr>
+              <a:t>で設定した間隔で呼び出されます。</a:t>
+            </a:r>
+            <a:endParaRPr lang="en-US" altLang="ja-JP" dirty="0" smtClean="0">
+              <a:solidFill>
+                <a:schemeClr val="tx1">
+                  <a:lumMod val="85000"/>
+                  <a:lumOff val="15000"/>
+                </a:schemeClr>
+              </a:solidFill>
+            </a:endParaRPr>
+          </a:p>
+        </p:txBody>
+      </p:sp>
+      <p:sp>
+        <p:nvSpPr>
+          <p:cNvPr id="8" name="線吹き出し 2 (枠付き) 7"/>
+          <p:cNvSpPr/>
+          <p:nvPr/>
+        </p:nvSpPr>
+        <p:spPr>
+          <a:xfrm>
+            <a:off x="5654485" y="3388639"/>
+            <a:ext cx="5555122" cy="1647595"/>
+          </a:xfrm>
+          <a:prstGeom prst="borderCallout2">
+            <a:avLst>
+              <a:gd name="adj1" fmla="val 17750"/>
+              <a:gd name="adj2" fmla="val 413"/>
+              <a:gd name="adj3" fmla="val 23127"/>
+              <a:gd name="adj4" fmla="val -22687"/>
+              <a:gd name="adj5" fmla="val -10183"/>
+              <a:gd name="adj6" fmla="val -62978"/>
+            </a:avLst>
+          </a:prstGeom>
+          <a:solidFill>
+            <a:schemeClr val="bg1"/>
+          </a:solidFill>
+          <a:ln w="28575">
+            <a:solidFill>
+              <a:srgbClr val="3399FF"/>
+            </a:solidFill>
+          </a:ln>
+        </p:spPr>
+        <p:style>
+          <a:lnRef idx="2">
+            <a:schemeClr val="accent1">
+              <a:shade val="50000"/>
+            </a:schemeClr>
+          </a:lnRef>
+          <a:fillRef idx="1">
+            <a:schemeClr val="accent1"/>
+          </a:fillRef>
+          <a:effectRef idx="0">
+            <a:schemeClr val="accent1"/>
+          </a:effectRef>
+          <a:fontRef idx="minor">
+            <a:schemeClr val="lt1"/>
+          </a:fontRef>
+        </p:style>
+        <p:txBody>
+          <a:bodyPr rtlCol="0" anchor="ctr"/>
+          <a:lstStyle/>
+          <a:p>
+            <a:endParaRPr lang="en-US" altLang="ja-JP" dirty="0" smtClean="0">
               <a:solidFill>
                 <a:schemeClr val="tx1"/>
               </a:solidFill>
-              <a:effectLst/>
-              <a:uLnTx/>
-              <a:uFillTx/>
-              <a:latin typeface="Meiryo UI" panose="020B0604030504040204" pitchFamily="50" charset="-128"/>
-              <a:ea typeface="Meiryo UI" panose="020B0604030504040204" pitchFamily="50" charset="-128"/>
-              <a:cs typeface="+mn-cs"/>
             </a:endParaRPr>
+          </a:p>
+          <a:p>
+            <a:r>
+              <a:rPr lang="en-US" altLang="ja-JP" dirty="0" err="1" smtClean="0">
+                <a:solidFill>
+                  <a:schemeClr val="tx1"/>
+                </a:solidFill>
+              </a:rPr>
+              <a:t>setState</a:t>
+            </a:r>
+            <a:r>
+              <a:rPr lang="en-US" altLang="ja-JP" dirty="0" smtClean="0">
+                <a:solidFill>
+                  <a:schemeClr val="tx1"/>
+                </a:solidFill>
+              </a:rPr>
+              <a:t>()</a:t>
+            </a:r>
+            <a:r>
+              <a:rPr lang="ja-JP" altLang="en-US" dirty="0" smtClean="0">
+                <a:solidFill>
+                  <a:schemeClr val="tx1"/>
+                </a:solidFill>
+              </a:rPr>
+              <a:t>に現在の時刻を渡し、</a:t>
+            </a:r>
+            <a:r>
+              <a:rPr lang="en-US" altLang="ja-JP" dirty="0" smtClean="0">
+                <a:solidFill>
+                  <a:schemeClr val="tx1"/>
+                </a:solidFill>
+              </a:rPr>
+              <a:t>date</a:t>
+            </a:r>
+            <a:r>
+              <a:rPr lang="ja-JP" altLang="en-US" dirty="0" smtClean="0">
+                <a:solidFill>
+                  <a:schemeClr val="tx1"/>
+                </a:solidFill>
+              </a:rPr>
+              <a:t>を更新します。</a:t>
+            </a:r>
+            <a:endParaRPr lang="en-US" altLang="ja-JP" dirty="0" smtClean="0">
+              <a:solidFill>
+                <a:schemeClr val="tx1"/>
+              </a:solidFill>
+            </a:endParaRPr>
+          </a:p>
+          <a:p>
+            <a:endParaRPr lang="en-US" altLang="ja-JP" dirty="0" smtClean="0">
+              <a:solidFill>
+                <a:schemeClr val="tx1"/>
+              </a:solidFill>
+            </a:endParaRPr>
+          </a:p>
+          <a:p>
+            <a:r>
+              <a:rPr lang="en-US" altLang="ja-JP" dirty="0" smtClean="0">
+                <a:solidFill>
+                  <a:schemeClr val="tx1"/>
+                </a:solidFill>
+              </a:rPr>
+              <a:t>※</a:t>
+            </a:r>
+            <a:r>
+              <a:rPr lang="en-US" altLang="ja-JP" dirty="0" smtClean="0">
+                <a:solidFill>
+                  <a:schemeClr val="tx1"/>
+                </a:solidFill>
+              </a:rPr>
+              <a:t>s</a:t>
+            </a:r>
+            <a:r>
+              <a:rPr lang="en-US" altLang="ja-JP" dirty="0" smtClean="0">
+                <a:solidFill>
+                  <a:schemeClr val="tx1"/>
+                </a:solidFill>
+              </a:rPr>
+              <a:t>tate</a:t>
+            </a:r>
+            <a:r>
+              <a:rPr lang="ja-JP" altLang="en-US" dirty="0" smtClean="0">
+                <a:solidFill>
+                  <a:schemeClr val="tx1"/>
+                </a:solidFill>
+              </a:rPr>
+              <a:t>の状態を変える時には必ず</a:t>
+            </a:r>
+            <a:r>
+              <a:rPr lang="en-US" altLang="ja-JP" dirty="0" err="1" smtClean="0">
+                <a:solidFill>
+                  <a:schemeClr val="tx1"/>
+                </a:solidFill>
+              </a:rPr>
+              <a:t>setState</a:t>
+            </a:r>
+            <a:r>
+              <a:rPr lang="ja-JP" altLang="en-US" dirty="0" smtClean="0">
+                <a:solidFill>
+                  <a:schemeClr val="tx1"/>
+                </a:solidFill>
+              </a:rPr>
+              <a:t>メソッドを使って変える必要があります</a:t>
+            </a:r>
+            <a:r>
+              <a:rPr lang="ja-JP" altLang="en-US" dirty="0" smtClean="0">
+                <a:solidFill>
+                  <a:schemeClr val="tx1"/>
+                </a:solidFill>
+              </a:rPr>
+              <a:t>。</a:t>
+            </a:r>
+            <a:endParaRPr lang="en-US" altLang="ja-JP" dirty="0" smtClean="0">
+              <a:solidFill>
+                <a:schemeClr val="tx1"/>
+              </a:solidFill>
+            </a:endParaRPr>
+          </a:p>
+        </p:txBody>
+      </p:sp>
+      <p:sp>
+        <p:nvSpPr>
+          <p:cNvPr id="9" name="テキスト ボックス 8"/>
+          <p:cNvSpPr txBox="1"/>
+          <p:nvPr/>
+        </p:nvSpPr>
+        <p:spPr>
+          <a:xfrm>
+            <a:off x="3854548" y="5247249"/>
+            <a:ext cx="1414170" cy="307777"/>
+          </a:xfrm>
+          <a:prstGeom prst="rect">
+            <a:avLst/>
+          </a:prstGeom>
+          <a:noFill/>
+        </p:spPr>
+        <p:txBody>
+          <a:bodyPr wrap="none" rtlCol="0">
+            <a:spAutoFit/>
+          </a:bodyPr>
+          <a:lstStyle/>
+          <a:p>
+            <a:r>
+              <a:rPr kumimoji="1" lang="en-US" altLang="ja-JP" sz="1400" dirty="0" smtClean="0"/>
+              <a:t>※App.js</a:t>
+            </a:r>
+            <a:r>
+              <a:rPr kumimoji="1" lang="ja-JP" altLang="en-US" sz="1400" dirty="0" smtClean="0"/>
+              <a:t>に記載</a:t>
+            </a:r>
+            <a:endParaRPr kumimoji="1" lang="ja-JP" altLang="en-US" sz="1400" dirty="0"/>
           </a:p>
         </p:txBody>
       </p:sp>
@@ -4739,19 +6860,11 @@
           <a:p>
             <a:r>
               <a:rPr lang="en-US" altLang="ja-JP" dirty="0" smtClean="0"/>
-              <a:t>2-6</a:t>
-            </a:r>
-            <a:r>
-              <a:rPr lang="en-US" altLang="ja-JP" dirty="0" smtClean="0"/>
-              <a:t>. </a:t>
-            </a:r>
-            <a:r>
-              <a:rPr lang="ja-JP" altLang="en-US" dirty="0" smtClean="0"/>
-              <a:t>簡単</a:t>
-            </a:r>
-            <a:r>
-              <a:rPr lang="ja-JP" altLang="en-US" dirty="0" smtClean="0"/>
-              <a:t>なサンプルソース　～時計～</a:t>
+              <a:t>2-5.</a:t>
+            </a:r>
+            <a:r>
+              <a:rPr lang="ja-JP" altLang="en-US" dirty="0" smtClean="0"/>
+              <a:t>簡単なサンプルソース　～時計～</a:t>
             </a:r>
             <a:endParaRPr kumimoji="1" lang="ja-JP" altLang="en-US" dirty="0"/>
           </a:p>
@@ -4776,37 +6889,17 @@
               <a:rPr kumimoji="1" lang="ja-JP" altLang="en-US" dirty="0" smtClean="0"/>
               <a:t>レンダリング</a:t>
             </a:r>
+            <a:r>
+              <a:rPr kumimoji="1" lang="en-US" altLang="ja-JP" dirty="0" smtClean="0"/>
+              <a:t>1</a:t>
+            </a:r>
             <a:endParaRPr kumimoji="1" lang="ja-JP" altLang="en-US" dirty="0"/>
           </a:p>
         </p:txBody>
       </p:sp>
-      <p:pic>
-        <p:nvPicPr>
-          <p:cNvPr id="4" name="図 3" descr="render.png"/>
-          <p:cNvPicPr>
-            <a:picLocks noChangeAspect="1"/>
-          </p:cNvPicPr>
-          <p:nvPr/>
-        </p:nvPicPr>
-        <p:blipFill>
-          <a:blip r:embed="rId2" cstate="print"/>
-          <a:stretch>
-            <a:fillRect/>
-          </a:stretch>
-        </p:blipFill>
-        <p:spPr>
-          <a:xfrm>
-            <a:off x="514851" y="1942458"/>
-            <a:ext cx="6029527" cy="2520000"/>
-          </a:xfrm>
-          <a:prstGeom prst="rect">
-            <a:avLst/>
-          </a:prstGeom>
-        </p:spPr>
-      </p:pic>
-      <p:sp>
-        <p:nvSpPr>
-          <p:cNvPr id="5" name="コンテンツ プレースホルダ 2"/>
+      <p:sp>
+        <p:nvSpPr>
+          <p:cNvPr id="6" name="コンテンツ プレースホルダー 3"/>
           <p:cNvSpPr txBox="1">
             <a:spLocks/>
           </p:cNvSpPr>
@@ -4814,141 +6907,894 @@
         </p:nvSpPr>
         <p:spPr>
           <a:xfrm>
-            <a:off x="485725" y="4639017"/>
-            <a:ext cx="11379201" cy="800099"/>
+            <a:off x="436098" y="2039822"/>
+            <a:ext cx="5261317" cy="4192166"/>
           </a:xfrm>
           <a:prstGeom prst="rect">
             <a:avLst/>
           </a:prstGeom>
           <a:solidFill>
-            <a:schemeClr val="accent1">
-              <a:lumMod val="20000"/>
-              <a:lumOff val="80000"/>
-            </a:schemeClr>
+            <a:srgbClr val="333F50"/>
           </a:solidFill>
-          <a:ln w="12700" cap="flat" cmpd="sng" algn="ctr">
+          <a:ln>
             <a:solidFill>
-              <a:schemeClr val="accent1"/>
+              <a:schemeClr val="bg1">
+                <a:lumMod val="95000"/>
+              </a:schemeClr>
             </a:solidFill>
-            <a:prstDash val="solid"/>
-            <a:miter lim="800000"/>
           </a:ln>
-          <a:effectLst/>
         </p:spPr>
         <p:txBody>
-          <a:bodyPr vert="horz" lIns="91440" tIns="45720" rIns="91440" bIns="45720" rtlCol="0">
-            <a:normAutofit/>
-          </a:bodyPr>
-          <a:lstStyle/>
-          <a:p>
-            <a:pPr marL="228600" marR="0" lvl="0" indent="-228600" algn="l" defTabSz="914400" rtl="0" eaLnBrk="1" fontAlgn="auto" latinLnBrk="0" hangingPunct="1">
+          <a:bodyPr anchor="ctr"/>
+          <a:lstStyle>
+            <a:lvl1pPr marL="228600" indent="-228600" algn="l" defTabSz="914400" rtl="0" eaLnBrk="1" latinLnBrk="0" hangingPunct="1">
               <a:lnSpc>
                 <a:spcPct val="90000"/>
               </a:lnSpc>
               <a:spcBef>
                 <a:spcPts val="1000"/>
               </a:spcBef>
-              <a:spcAft>
-                <a:spcPts val="0"/>
-              </a:spcAft>
-              <a:buClrTx/>
-              <a:buSzTx/>
               <a:buFont typeface="Arial" panose="020B0604020202020204" pitchFamily="34" charset="0"/>
               <a:buChar char="•"/>
-              <a:tabLst/>
-              <a:defRPr/>
-            </a:pPr>
-            <a:r>
-              <a:rPr lang="en-US" altLang="ja-JP" sz="2000" dirty="0" err="1" smtClean="0">
-                <a:latin typeface="Meiryo UI" panose="020B0604030504040204" pitchFamily="50" charset="-128"/>
-                <a:ea typeface="Meiryo UI" panose="020B0604030504040204" pitchFamily="50" charset="-128"/>
-              </a:rPr>
-              <a:t>cl</a:t>
-            </a:r>
-            <a:r>
-              <a:rPr kumimoji="1" lang="en-US" altLang="ja-JP" sz="2000" b="0" i="0" u="none" strike="noStrike" kern="1200" cap="none" spc="0" normalizeH="0" baseline="0" noProof="0" dirty="0" err="1" smtClean="0">
-                <a:ln>
-                  <a:noFill/>
-                </a:ln>
-                <a:solidFill>
-                  <a:schemeClr val="tx1"/>
-                </a:solidFill>
-                <a:effectLst/>
-                <a:uLnTx/>
-                <a:uFillTx/>
+              <a:defRPr kumimoji="1" sz="2000" kern="1200">
+                <a:solidFill>
+                  <a:schemeClr val="tx1"/>
+                </a:solidFill>
                 <a:latin typeface="Meiryo UI" panose="020B0604030504040204" pitchFamily="50" charset="-128"/>
                 <a:ea typeface="Meiryo UI" panose="020B0604030504040204" pitchFamily="50" charset="-128"/>
                 <a:cs typeface="+mn-cs"/>
-              </a:rPr>
-              <a:t>ock</a:t>
-            </a:r>
-            <a:r>
-              <a:rPr lang="ja-JP" altLang="en-US" sz="2000" noProof="0" dirty="0" smtClean="0">
+              </a:defRPr>
+            </a:lvl1pPr>
+            <a:lvl2pPr marL="685800" indent="-228600" algn="l" defTabSz="914400" rtl="0" eaLnBrk="1" latinLnBrk="0" hangingPunct="1">
+              <a:lnSpc>
+                <a:spcPct val="90000"/>
+              </a:lnSpc>
+              <a:spcBef>
+                <a:spcPts val="500"/>
+              </a:spcBef>
+              <a:buFont typeface="Arial" panose="020B0604020202020204" pitchFamily="34" charset="0"/>
+              <a:buChar char="•"/>
+              <a:defRPr kumimoji="1" sz="1800" kern="1200">
+                <a:solidFill>
+                  <a:schemeClr val="tx1"/>
+                </a:solidFill>
                 <a:latin typeface="Meiryo UI" panose="020B0604030504040204" pitchFamily="50" charset="-128"/>
                 <a:ea typeface="Meiryo UI" panose="020B0604030504040204" pitchFamily="50" charset="-128"/>
-              </a:rPr>
-              <a:t>関数で</a:t>
-            </a:r>
-            <a:r>
-              <a:rPr lang="en-US" altLang="ja-JP" sz="2000" noProof="0" dirty="0" err="1" smtClean="0">
+                <a:cs typeface="+mn-cs"/>
+              </a:defRPr>
+            </a:lvl2pPr>
+            <a:lvl3pPr marL="1143000" indent="-228600" algn="l" defTabSz="914400" rtl="0" eaLnBrk="1" latinLnBrk="0" hangingPunct="1">
+              <a:lnSpc>
+                <a:spcPct val="90000"/>
+              </a:lnSpc>
+              <a:spcBef>
+                <a:spcPts val="500"/>
+              </a:spcBef>
+              <a:buFont typeface="Arial" panose="020B0604020202020204" pitchFamily="34" charset="0"/>
+              <a:buChar char="•"/>
+              <a:defRPr kumimoji="1" sz="1600" kern="1200">
+                <a:solidFill>
+                  <a:schemeClr val="tx1"/>
+                </a:solidFill>
                 <a:latin typeface="Meiryo UI" panose="020B0604030504040204" pitchFamily="50" charset="-128"/>
                 <a:ea typeface="Meiryo UI" panose="020B0604030504040204" pitchFamily="50" charset="-128"/>
-              </a:rPr>
-              <a:t>setState</a:t>
-            </a:r>
-            <a:r>
-              <a:rPr lang="en-US" altLang="ja-JP" sz="2000" noProof="0" dirty="0" smtClean="0">
+                <a:cs typeface="+mn-cs"/>
+              </a:defRPr>
+            </a:lvl3pPr>
+            <a:lvl4pPr marL="1600200" indent="-228600" algn="l" defTabSz="914400" rtl="0" eaLnBrk="1" latinLnBrk="0" hangingPunct="1">
+              <a:lnSpc>
+                <a:spcPct val="90000"/>
+              </a:lnSpc>
+              <a:spcBef>
+                <a:spcPts val="500"/>
+              </a:spcBef>
+              <a:buFont typeface="Arial" panose="020B0604020202020204" pitchFamily="34" charset="0"/>
+              <a:buChar char="•"/>
+              <a:defRPr kumimoji="1" sz="1400" kern="1200">
+                <a:solidFill>
+                  <a:schemeClr val="tx1"/>
+                </a:solidFill>
                 <a:latin typeface="Meiryo UI" panose="020B0604030504040204" pitchFamily="50" charset="-128"/>
                 <a:ea typeface="Meiryo UI" panose="020B0604030504040204" pitchFamily="50" charset="-128"/>
-              </a:rPr>
-              <a:t>()</a:t>
-            </a:r>
-            <a:r>
-              <a:rPr lang="ja-JP" altLang="en-US" sz="2000" noProof="0" dirty="0" smtClean="0">
+                <a:cs typeface="+mn-cs"/>
+              </a:defRPr>
+            </a:lvl4pPr>
+            <a:lvl5pPr marL="2057400" indent="-228600" algn="l" defTabSz="914400" rtl="0" eaLnBrk="1" latinLnBrk="0" hangingPunct="1">
+              <a:lnSpc>
+                <a:spcPct val="90000"/>
+              </a:lnSpc>
+              <a:spcBef>
+                <a:spcPts val="500"/>
+              </a:spcBef>
+              <a:buFont typeface="Arial" panose="020B0604020202020204" pitchFamily="34" charset="0"/>
+              <a:buChar char="•"/>
+              <a:defRPr kumimoji="1" sz="1200" kern="1200">
+                <a:solidFill>
+                  <a:schemeClr val="tx1"/>
+                </a:solidFill>
                 <a:latin typeface="Meiryo UI" panose="020B0604030504040204" pitchFamily="50" charset="-128"/>
                 <a:ea typeface="Meiryo UI" panose="020B0604030504040204" pitchFamily="50" charset="-128"/>
-              </a:rPr>
-              <a:t>が更新さ</a:t>
-            </a:r>
-            <a:r>
-              <a:rPr lang="ja-JP" altLang="en-US" sz="2000" dirty="0" err="1" smtClean="0">
+                <a:cs typeface="+mn-cs"/>
+              </a:defRPr>
+            </a:lvl5pPr>
+            <a:lvl6pPr marL="2514600" indent="-228600" algn="l" defTabSz="914400" rtl="0" eaLnBrk="1" latinLnBrk="0" hangingPunct="1">
+              <a:lnSpc>
+                <a:spcPct val="90000"/>
+              </a:lnSpc>
+              <a:spcBef>
+                <a:spcPts val="500"/>
+              </a:spcBef>
+              <a:buFont typeface="Arial" panose="020B0604020202020204" pitchFamily="34" charset="0"/>
+              <a:buChar char="•"/>
+              <a:defRPr kumimoji="1" sz="1800" kern="1200">
+                <a:solidFill>
+                  <a:schemeClr val="tx1"/>
+                </a:solidFill>
+                <a:latin typeface="+mn-lt"/>
+                <a:ea typeface="+mn-ea"/>
+                <a:cs typeface="+mn-cs"/>
+              </a:defRPr>
+            </a:lvl6pPr>
+            <a:lvl7pPr marL="2971800" indent="-228600" algn="l" defTabSz="914400" rtl="0" eaLnBrk="1" latinLnBrk="0" hangingPunct="1">
+              <a:lnSpc>
+                <a:spcPct val="90000"/>
+              </a:lnSpc>
+              <a:spcBef>
+                <a:spcPts val="500"/>
+              </a:spcBef>
+              <a:buFont typeface="Arial" panose="020B0604020202020204" pitchFamily="34" charset="0"/>
+              <a:buChar char="•"/>
+              <a:defRPr kumimoji="1" sz="1800" kern="1200">
+                <a:solidFill>
+                  <a:schemeClr val="tx1"/>
+                </a:solidFill>
+                <a:latin typeface="+mn-lt"/>
+                <a:ea typeface="+mn-ea"/>
+                <a:cs typeface="+mn-cs"/>
+              </a:defRPr>
+            </a:lvl7pPr>
+            <a:lvl8pPr marL="3429000" indent="-228600" algn="l" defTabSz="914400" rtl="0" eaLnBrk="1" latinLnBrk="0" hangingPunct="1">
+              <a:lnSpc>
+                <a:spcPct val="90000"/>
+              </a:lnSpc>
+              <a:spcBef>
+                <a:spcPts val="500"/>
+              </a:spcBef>
+              <a:buFont typeface="Arial" panose="020B0604020202020204" pitchFamily="34" charset="0"/>
+              <a:buChar char="•"/>
+              <a:defRPr kumimoji="1" sz="1800" kern="1200">
+                <a:solidFill>
+                  <a:schemeClr val="tx1"/>
+                </a:solidFill>
+                <a:latin typeface="+mn-lt"/>
+                <a:ea typeface="+mn-ea"/>
+                <a:cs typeface="+mn-cs"/>
+              </a:defRPr>
+            </a:lvl8pPr>
+            <a:lvl9pPr marL="3886200" indent="-228600" algn="l" defTabSz="914400" rtl="0" eaLnBrk="1" latinLnBrk="0" hangingPunct="1">
+              <a:lnSpc>
+                <a:spcPct val="90000"/>
+              </a:lnSpc>
+              <a:spcBef>
+                <a:spcPts val="500"/>
+              </a:spcBef>
+              <a:buFont typeface="Arial" panose="020B0604020202020204" pitchFamily="34" charset="0"/>
+              <a:buChar char="•"/>
+              <a:defRPr kumimoji="1" sz="1800" kern="1200">
+                <a:solidFill>
+                  <a:schemeClr val="tx1"/>
+                </a:solidFill>
+                <a:latin typeface="+mn-lt"/>
+                <a:ea typeface="+mn-ea"/>
+                <a:cs typeface="+mn-cs"/>
+              </a:defRPr>
+            </a:lvl9pPr>
+          </a:lstStyle>
+          <a:p>
+            <a:pPr>
+              <a:buNone/>
+            </a:pPr>
+            <a:r>
+              <a:rPr lang="en-US" altLang="ja-JP" sz="1800" dirty="0" smtClean="0">
+                <a:solidFill>
+                  <a:schemeClr val="bg1"/>
+                </a:solidFill>
+                <a:latin typeface="ＭＳ Ｐゴシック" panose="020B0600070205080204" pitchFamily="50" charset="-128"/>
+                <a:ea typeface="ＭＳ Ｐゴシック" panose="020B0600070205080204" pitchFamily="50" charset="-128"/>
+              </a:rPr>
+              <a:t>render() </a:t>
+            </a:r>
+            <a:r>
+              <a:rPr lang="en-US" altLang="ja-JP" sz="1800" dirty="0" smtClean="0">
+                <a:solidFill>
+                  <a:schemeClr val="bg1"/>
+                </a:solidFill>
+                <a:latin typeface="ＭＳ Ｐゴシック" panose="020B0600070205080204" pitchFamily="50" charset="-128"/>
+                <a:ea typeface="ＭＳ Ｐゴシック" panose="020B0600070205080204" pitchFamily="50" charset="-128"/>
+              </a:rPr>
+              <a:t>{</a:t>
+            </a:r>
+          </a:p>
+          <a:p>
+            <a:pPr>
+              <a:buNone/>
+            </a:pPr>
+            <a:r>
+              <a:rPr lang="en-US" altLang="ja-JP" sz="1800" dirty="0" smtClean="0">
+                <a:solidFill>
+                  <a:schemeClr val="bg1"/>
+                </a:solidFill>
+                <a:latin typeface="ＭＳ Ｐゴシック" panose="020B0600070205080204" pitchFamily="50" charset="-128"/>
+                <a:ea typeface="ＭＳ Ｐゴシック" panose="020B0600070205080204" pitchFamily="50" charset="-128"/>
+              </a:rPr>
+              <a:t>  return (</a:t>
+            </a:r>
+          </a:p>
+          <a:p>
+            <a:pPr>
+              <a:buNone/>
+            </a:pPr>
+            <a:r>
+              <a:rPr lang="en-US" altLang="ja-JP" sz="1800" dirty="0" smtClean="0">
+                <a:solidFill>
+                  <a:schemeClr val="bg1"/>
+                </a:solidFill>
+                <a:latin typeface="ＭＳ Ｐゴシック" panose="020B0600070205080204" pitchFamily="50" charset="-128"/>
+                <a:ea typeface="ＭＳ Ｐゴシック" panose="020B0600070205080204" pitchFamily="50" charset="-128"/>
+              </a:rPr>
+              <a:t> </a:t>
+            </a:r>
+            <a:r>
+              <a:rPr lang="en-US" altLang="ja-JP" sz="1800" dirty="0" smtClean="0">
+                <a:solidFill>
+                  <a:schemeClr val="bg1"/>
+                </a:solidFill>
+                <a:latin typeface="ＭＳ Ｐゴシック" panose="020B0600070205080204" pitchFamily="50" charset="-128"/>
+                <a:ea typeface="ＭＳ Ｐゴシック" panose="020B0600070205080204" pitchFamily="50" charset="-128"/>
+              </a:rPr>
+              <a:t>   &lt;</a:t>
+            </a:r>
+            <a:r>
+              <a:rPr lang="en-US" altLang="ja-JP" sz="1800" dirty="0" smtClean="0">
+                <a:solidFill>
+                  <a:schemeClr val="bg1"/>
+                </a:solidFill>
+                <a:latin typeface="ＭＳ Ｐゴシック" panose="020B0600070205080204" pitchFamily="50" charset="-128"/>
+                <a:ea typeface="ＭＳ Ｐゴシック" panose="020B0600070205080204" pitchFamily="50" charset="-128"/>
+              </a:rPr>
+              <a:t>div </a:t>
+            </a:r>
+            <a:r>
+              <a:rPr lang="en-US" altLang="ja-JP" sz="1800" dirty="0" err="1" smtClean="0">
+                <a:solidFill>
+                  <a:schemeClr val="bg1"/>
+                </a:solidFill>
+                <a:latin typeface="ＭＳ Ｐゴシック" panose="020B0600070205080204" pitchFamily="50" charset="-128"/>
+                <a:ea typeface="ＭＳ Ｐゴシック" panose="020B0600070205080204" pitchFamily="50" charset="-128"/>
+              </a:rPr>
+              <a:t>className</a:t>
+            </a:r>
+            <a:r>
+              <a:rPr lang="en-US" altLang="ja-JP" sz="1800" dirty="0" smtClean="0">
+                <a:solidFill>
+                  <a:schemeClr val="bg1"/>
+                </a:solidFill>
+                <a:latin typeface="ＭＳ Ｐゴシック" panose="020B0600070205080204" pitchFamily="50" charset="-128"/>
+                <a:ea typeface="ＭＳ Ｐゴシック" panose="020B0600070205080204" pitchFamily="50" charset="-128"/>
+              </a:rPr>
+              <a:t>="main</a:t>
+            </a:r>
+            <a:r>
+              <a:rPr lang="en-US" altLang="ja-JP" sz="1800" dirty="0" smtClean="0">
+                <a:solidFill>
+                  <a:schemeClr val="bg1"/>
+                </a:solidFill>
+                <a:latin typeface="ＭＳ Ｐゴシック" panose="020B0600070205080204" pitchFamily="50" charset="-128"/>
+                <a:ea typeface="ＭＳ Ｐゴシック" panose="020B0600070205080204" pitchFamily="50" charset="-128"/>
+              </a:rPr>
+              <a:t>"&gt;</a:t>
+            </a:r>
+          </a:p>
+          <a:p>
+            <a:pPr>
+              <a:buNone/>
+            </a:pPr>
+            <a:r>
+              <a:rPr lang="en-US" altLang="ja-JP" sz="1800" dirty="0" smtClean="0">
+                <a:solidFill>
+                  <a:schemeClr val="bg1"/>
+                </a:solidFill>
+                <a:latin typeface="ＭＳ Ｐゴシック" panose="020B0600070205080204" pitchFamily="50" charset="-128"/>
+                <a:ea typeface="ＭＳ Ｐゴシック" panose="020B0600070205080204" pitchFamily="50" charset="-128"/>
+              </a:rPr>
+              <a:t>      &lt;</a:t>
+            </a:r>
+            <a:r>
+              <a:rPr lang="en-US" altLang="ja-JP" sz="1800" dirty="0" smtClean="0">
+                <a:solidFill>
+                  <a:schemeClr val="bg1"/>
+                </a:solidFill>
+                <a:latin typeface="ＭＳ Ｐゴシック" panose="020B0600070205080204" pitchFamily="50" charset="-128"/>
+                <a:ea typeface="ＭＳ Ｐゴシック" panose="020B0600070205080204" pitchFamily="50" charset="-128"/>
+              </a:rPr>
+              <a:t>p&gt;</a:t>
+            </a:r>
+            <a:r>
+              <a:rPr lang="ja-JP" altLang="en-US" sz="1800" dirty="0" smtClean="0">
+                <a:solidFill>
+                  <a:schemeClr val="bg1"/>
+                </a:solidFill>
+                <a:latin typeface="ＭＳ Ｐゴシック" panose="020B0600070205080204" pitchFamily="50" charset="-128"/>
+                <a:ea typeface="ＭＳ Ｐゴシック" panose="020B0600070205080204" pitchFamily="50" charset="-128"/>
+              </a:rPr>
+              <a:t>現在の日付</a:t>
+            </a:r>
+            <a:r>
+              <a:rPr lang="en-US" altLang="ja-JP" sz="1800" dirty="0" smtClean="0">
+                <a:solidFill>
+                  <a:schemeClr val="bg1"/>
+                </a:solidFill>
+                <a:latin typeface="ＭＳ Ｐゴシック" panose="020B0600070205080204" pitchFamily="50" charset="-128"/>
+                <a:ea typeface="ＭＳ Ｐゴシック" panose="020B0600070205080204" pitchFamily="50" charset="-128"/>
+              </a:rPr>
+              <a:t>&lt;/p</a:t>
+            </a:r>
+            <a:r>
+              <a:rPr lang="en-US" altLang="ja-JP" sz="1800" dirty="0" smtClean="0">
+                <a:solidFill>
+                  <a:schemeClr val="bg1"/>
+                </a:solidFill>
+                <a:latin typeface="ＭＳ Ｐゴシック" panose="020B0600070205080204" pitchFamily="50" charset="-128"/>
+                <a:ea typeface="ＭＳ Ｐゴシック" panose="020B0600070205080204" pitchFamily="50" charset="-128"/>
+              </a:rPr>
+              <a:t>&gt;</a:t>
+            </a:r>
+          </a:p>
+          <a:p>
+            <a:pPr>
+              <a:buNone/>
+            </a:pPr>
+            <a:r>
+              <a:rPr lang="en-US" altLang="ja-JP" sz="1800" dirty="0" smtClean="0">
+                <a:solidFill>
+                  <a:schemeClr val="bg1"/>
+                </a:solidFill>
+                <a:latin typeface="ＭＳ Ｐゴシック" panose="020B0600070205080204" pitchFamily="50" charset="-128"/>
+                <a:ea typeface="ＭＳ Ｐゴシック" panose="020B0600070205080204" pitchFamily="50" charset="-128"/>
+              </a:rPr>
+              <a:t>      &lt;</a:t>
+            </a:r>
+            <a:r>
+              <a:rPr lang="en-US" altLang="ja-JP" sz="1800" dirty="0" smtClean="0">
+                <a:solidFill>
+                  <a:schemeClr val="bg1"/>
+                </a:solidFill>
+                <a:latin typeface="ＭＳ Ｐゴシック" panose="020B0600070205080204" pitchFamily="50" charset="-128"/>
+                <a:ea typeface="ＭＳ Ｐゴシック" panose="020B0600070205080204" pitchFamily="50" charset="-128"/>
+              </a:rPr>
+              <a:t>p</a:t>
+            </a:r>
+            <a:r>
+              <a:rPr lang="en-US" altLang="ja-JP" sz="1800" dirty="0" smtClean="0">
+                <a:solidFill>
+                  <a:schemeClr val="bg1"/>
+                </a:solidFill>
+                <a:latin typeface="ＭＳ Ｐゴシック" panose="020B0600070205080204" pitchFamily="50" charset="-128"/>
+                <a:ea typeface="ＭＳ Ｐゴシック" panose="020B0600070205080204" pitchFamily="50" charset="-128"/>
+              </a:rPr>
+              <a:t>&gt;{</a:t>
+            </a:r>
+            <a:r>
+              <a:rPr lang="en-US" altLang="ja-JP" sz="1800" dirty="0" err="1" smtClean="0">
+                <a:solidFill>
+                  <a:schemeClr val="bg1"/>
+                </a:solidFill>
+                <a:latin typeface="ＭＳ Ｐゴシック" panose="020B0600070205080204" pitchFamily="50" charset="-128"/>
+                <a:ea typeface="ＭＳ Ｐゴシック" panose="020B0600070205080204" pitchFamily="50" charset="-128"/>
+              </a:rPr>
+              <a:t>this.state.date.toLocaleDateString</a:t>
+            </a:r>
+            <a:r>
+              <a:rPr lang="en-US" altLang="ja-JP" sz="1800" dirty="0" smtClean="0">
+                <a:solidFill>
+                  <a:schemeClr val="bg1"/>
+                </a:solidFill>
+                <a:latin typeface="ＭＳ Ｐゴシック" panose="020B0600070205080204" pitchFamily="50" charset="-128"/>
+                <a:ea typeface="ＭＳ Ｐゴシック" panose="020B0600070205080204" pitchFamily="50" charset="-128"/>
+              </a:rPr>
+              <a:t>()}.&lt;/p&gt;        </a:t>
+            </a:r>
+            <a:r>
+              <a:rPr lang="en-US" altLang="ja-JP" sz="1800" dirty="0" smtClean="0">
+                <a:solidFill>
+                  <a:schemeClr val="bg1"/>
+                </a:solidFill>
+                <a:latin typeface="ＭＳ Ｐゴシック" panose="020B0600070205080204" pitchFamily="50" charset="-128"/>
+                <a:ea typeface="ＭＳ Ｐゴシック" panose="020B0600070205080204" pitchFamily="50" charset="-128"/>
+              </a:rPr>
+              <a:t>  </a:t>
+            </a:r>
+          </a:p>
+          <a:p>
+            <a:pPr>
+              <a:buNone/>
+            </a:pPr>
+            <a:r>
+              <a:rPr lang="en-US" altLang="ja-JP" sz="1800" dirty="0" smtClean="0">
+                <a:solidFill>
+                  <a:schemeClr val="bg1"/>
+                </a:solidFill>
+                <a:latin typeface="ＭＳ Ｐゴシック" panose="020B0600070205080204" pitchFamily="50" charset="-128"/>
+                <a:ea typeface="ＭＳ Ｐゴシック" panose="020B0600070205080204" pitchFamily="50" charset="-128"/>
+              </a:rPr>
+              <a:t> </a:t>
+            </a:r>
+            <a:r>
+              <a:rPr lang="en-US" altLang="ja-JP" sz="1800" dirty="0" smtClean="0">
+                <a:solidFill>
+                  <a:schemeClr val="bg1"/>
+                </a:solidFill>
+                <a:latin typeface="ＭＳ Ｐゴシック" panose="020B0600070205080204" pitchFamily="50" charset="-128"/>
+                <a:ea typeface="ＭＳ Ｐゴシック" panose="020B0600070205080204" pitchFamily="50" charset="-128"/>
+              </a:rPr>
+              <a:t>     &lt;</a:t>
+            </a:r>
+            <a:r>
+              <a:rPr lang="en-US" altLang="ja-JP" sz="1800" dirty="0" smtClean="0">
+                <a:solidFill>
+                  <a:schemeClr val="bg1"/>
+                </a:solidFill>
+                <a:latin typeface="ＭＳ Ｐゴシック" panose="020B0600070205080204" pitchFamily="50" charset="-128"/>
+                <a:ea typeface="ＭＳ Ｐゴシック" panose="020B0600070205080204" pitchFamily="50" charset="-128"/>
+              </a:rPr>
+              <a:t>p&gt;</a:t>
+            </a:r>
+            <a:r>
+              <a:rPr lang="ja-JP" altLang="en-US" sz="1800" dirty="0" smtClean="0">
+                <a:solidFill>
+                  <a:schemeClr val="bg1"/>
+                </a:solidFill>
+                <a:latin typeface="ＭＳ Ｐゴシック" panose="020B0600070205080204" pitchFamily="50" charset="-128"/>
+                <a:ea typeface="ＭＳ Ｐゴシック" panose="020B0600070205080204" pitchFamily="50" charset="-128"/>
+              </a:rPr>
+              <a:t>現在の時刻</a:t>
+            </a:r>
+            <a:r>
+              <a:rPr lang="en-US" altLang="ja-JP" sz="1800" dirty="0" smtClean="0">
+                <a:solidFill>
+                  <a:schemeClr val="bg1"/>
+                </a:solidFill>
+                <a:latin typeface="ＭＳ Ｐゴシック" panose="020B0600070205080204" pitchFamily="50" charset="-128"/>
+                <a:ea typeface="ＭＳ Ｐゴシック" panose="020B0600070205080204" pitchFamily="50" charset="-128"/>
+              </a:rPr>
+              <a:t>&lt;/p</a:t>
+            </a:r>
+            <a:r>
+              <a:rPr lang="en-US" altLang="ja-JP" sz="1800" dirty="0" smtClean="0">
+                <a:solidFill>
+                  <a:schemeClr val="bg1"/>
+                </a:solidFill>
+                <a:latin typeface="ＭＳ Ｐゴシック" panose="020B0600070205080204" pitchFamily="50" charset="-128"/>
+                <a:ea typeface="ＭＳ Ｐゴシック" panose="020B0600070205080204" pitchFamily="50" charset="-128"/>
+              </a:rPr>
+              <a:t>&gt;</a:t>
+            </a:r>
+          </a:p>
+          <a:p>
+            <a:pPr>
+              <a:buNone/>
+            </a:pPr>
+            <a:r>
+              <a:rPr lang="en-US" altLang="ja-JP" sz="1800" dirty="0" smtClean="0">
+                <a:solidFill>
+                  <a:schemeClr val="bg1"/>
+                </a:solidFill>
+                <a:latin typeface="ＭＳ Ｐゴシック" panose="020B0600070205080204" pitchFamily="50" charset="-128"/>
+                <a:ea typeface="ＭＳ Ｐゴシック" panose="020B0600070205080204" pitchFamily="50" charset="-128"/>
+              </a:rPr>
+              <a:t>      &lt;</a:t>
+            </a:r>
+            <a:r>
+              <a:rPr lang="en-US" altLang="ja-JP" sz="1800" dirty="0" smtClean="0">
+                <a:solidFill>
+                  <a:schemeClr val="bg1"/>
+                </a:solidFill>
+                <a:latin typeface="ＭＳ Ｐゴシック" panose="020B0600070205080204" pitchFamily="50" charset="-128"/>
+                <a:ea typeface="ＭＳ Ｐゴシック" panose="020B0600070205080204" pitchFamily="50" charset="-128"/>
+              </a:rPr>
+              <a:t>p&gt; {</a:t>
+            </a:r>
+            <a:r>
+              <a:rPr lang="en-US" altLang="ja-JP" sz="1800" dirty="0" err="1" smtClean="0">
+                <a:solidFill>
+                  <a:schemeClr val="bg1"/>
+                </a:solidFill>
+                <a:latin typeface="ＭＳ Ｐゴシック" panose="020B0600070205080204" pitchFamily="50" charset="-128"/>
+                <a:ea typeface="ＭＳ Ｐゴシック" panose="020B0600070205080204" pitchFamily="50" charset="-128"/>
+              </a:rPr>
+              <a:t>this.state.date.toLocaleTimeString</a:t>
+            </a:r>
+            <a:r>
+              <a:rPr lang="en-US" altLang="ja-JP" sz="1800" dirty="0" smtClean="0">
+                <a:solidFill>
+                  <a:schemeClr val="bg1"/>
+                </a:solidFill>
+                <a:latin typeface="ＭＳ Ｐゴシック" panose="020B0600070205080204" pitchFamily="50" charset="-128"/>
+                <a:ea typeface="ＭＳ Ｐゴシック" panose="020B0600070205080204" pitchFamily="50" charset="-128"/>
+              </a:rPr>
+              <a:t>()}.&lt;/p&gt;    </a:t>
+            </a:r>
+            <a:endParaRPr lang="en-US" altLang="ja-JP" sz="1800" dirty="0" smtClean="0">
+              <a:solidFill>
+                <a:schemeClr val="bg1"/>
+              </a:solidFill>
+              <a:latin typeface="ＭＳ Ｐゴシック" panose="020B0600070205080204" pitchFamily="50" charset="-128"/>
+              <a:ea typeface="ＭＳ Ｐゴシック" panose="020B0600070205080204" pitchFamily="50" charset="-128"/>
+            </a:endParaRPr>
+          </a:p>
+          <a:p>
+            <a:pPr>
+              <a:buNone/>
+            </a:pPr>
+            <a:r>
+              <a:rPr lang="en-US" altLang="ja-JP" sz="1800" dirty="0" smtClean="0">
+                <a:solidFill>
+                  <a:schemeClr val="bg1"/>
+                </a:solidFill>
+                <a:latin typeface="ＭＳ Ｐゴシック" panose="020B0600070205080204" pitchFamily="50" charset="-128"/>
+                <a:ea typeface="ＭＳ Ｐゴシック" panose="020B0600070205080204" pitchFamily="50" charset="-128"/>
+              </a:rPr>
+              <a:t> </a:t>
+            </a:r>
+            <a:r>
+              <a:rPr lang="en-US" altLang="ja-JP" sz="1800" dirty="0" smtClean="0">
+                <a:solidFill>
+                  <a:schemeClr val="bg1"/>
+                </a:solidFill>
+                <a:latin typeface="ＭＳ Ｐゴシック" panose="020B0600070205080204" pitchFamily="50" charset="-128"/>
+                <a:ea typeface="ＭＳ Ｐゴシック" panose="020B0600070205080204" pitchFamily="50" charset="-128"/>
+              </a:rPr>
+              <a:t>   &lt;/</a:t>
+            </a:r>
+            <a:r>
+              <a:rPr lang="en-US" altLang="ja-JP" sz="1800" dirty="0" smtClean="0">
+                <a:solidFill>
+                  <a:schemeClr val="bg1"/>
+                </a:solidFill>
+                <a:latin typeface="ＭＳ Ｐゴシック" panose="020B0600070205080204" pitchFamily="50" charset="-128"/>
+                <a:ea typeface="ＭＳ Ｐゴシック" panose="020B0600070205080204" pitchFamily="50" charset="-128"/>
+              </a:rPr>
+              <a:t>div</a:t>
+            </a:r>
+            <a:r>
+              <a:rPr lang="en-US" altLang="ja-JP" sz="1800" dirty="0" smtClean="0">
+                <a:solidFill>
+                  <a:schemeClr val="bg1"/>
+                </a:solidFill>
+                <a:latin typeface="ＭＳ Ｐゴシック" panose="020B0600070205080204" pitchFamily="50" charset="-128"/>
+                <a:ea typeface="ＭＳ Ｐゴシック" panose="020B0600070205080204" pitchFamily="50" charset="-128"/>
+              </a:rPr>
+              <a:t>&gt;</a:t>
+            </a:r>
+          </a:p>
+          <a:p>
+            <a:pPr>
+              <a:buNone/>
+            </a:pPr>
+            <a:r>
+              <a:rPr lang="en-US" altLang="ja-JP" sz="1800" dirty="0" smtClean="0">
+                <a:solidFill>
+                  <a:schemeClr val="bg1"/>
+                </a:solidFill>
+                <a:latin typeface="ＭＳ Ｐゴシック" panose="020B0600070205080204" pitchFamily="50" charset="-128"/>
+                <a:ea typeface="ＭＳ Ｐゴシック" panose="020B0600070205080204" pitchFamily="50" charset="-128"/>
+              </a:rPr>
+              <a:t> </a:t>
+            </a:r>
+            <a:r>
+              <a:rPr lang="en-US" altLang="ja-JP" sz="1800" dirty="0" smtClean="0">
+                <a:solidFill>
+                  <a:schemeClr val="bg1"/>
+                </a:solidFill>
+                <a:latin typeface="ＭＳ Ｐゴシック" panose="020B0600070205080204" pitchFamily="50" charset="-128"/>
+                <a:ea typeface="ＭＳ Ｐゴシック" panose="020B0600070205080204" pitchFamily="50" charset="-128"/>
+              </a:rPr>
+              <a:t> );</a:t>
+            </a:r>
+          </a:p>
+          <a:p>
+            <a:pPr>
+              <a:buNone/>
+            </a:pPr>
+            <a:r>
+              <a:rPr lang="en-US" altLang="ja-JP" sz="1800" dirty="0" smtClean="0">
+                <a:solidFill>
+                  <a:schemeClr val="bg1"/>
+                </a:solidFill>
+                <a:latin typeface="ＭＳ Ｐゴシック" panose="020B0600070205080204" pitchFamily="50" charset="-128"/>
+                <a:ea typeface="ＭＳ Ｐゴシック" panose="020B0600070205080204" pitchFamily="50" charset="-128"/>
+              </a:rPr>
+              <a:t>}</a:t>
+            </a:r>
+            <a:endParaRPr lang="en-US" altLang="ja-JP" sz="1800" dirty="0" smtClean="0">
+              <a:solidFill>
+                <a:schemeClr val="bg1"/>
+              </a:solidFill>
+              <a:latin typeface="ＭＳ Ｐゴシック" panose="020B0600070205080204" pitchFamily="50" charset="-128"/>
+              <a:ea typeface="ＭＳ Ｐゴシック" panose="020B0600070205080204" pitchFamily="50" charset="-128"/>
+            </a:endParaRPr>
+          </a:p>
+        </p:txBody>
+      </p:sp>
+      <p:sp>
+        <p:nvSpPr>
+          <p:cNvPr id="7" name="線吹き出し 2 (枠付き) 6"/>
+          <p:cNvSpPr/>
+          <p:nvPr/>
+        </p:nvSpPr>
+        <p:spPr>
+          <a:xfrm>
+            <a:off x="5781822" y="2178818"/>
+            <a:ext cx="6063175" cy="1141157"/>
+          </a:xfrm>
+          <a:prstGeom prst="borderCallout2">
+            <a:avLst>
+              <a:gd name="adj1" fmla="val 17750"/>
+              <a:gd name="adj2" fmla="val 413"/>
+              <a:gd name="adj3" fmla="val 1781"/>
+              <a:gd name="adj4" fmla="val -22434"/>
+              <a:gd name="adj5" fmla="val 46727"/>
+              <a:gd name="adj6" fmla="val -68599"/>
+            </a:avLst>
+          </a:prstGeom>
+          <a:solidFill>
+            <a:schemeClr val="bg1"/>
+          </a:solidFill>
+          <a:ln w="28575">
+            <a:solidFill>
+              <a:srgbClr val="3399FF"/>
+            </a:solidFill>
+          </a:ln>
+        </p:spPr>
+        <p:style>
+          <a:lnRef idx="2">
+            <a:schemeClr val="accent1">
+              <a:shade val="50000"/>
+            </a:schemeClr>
+          </a:lnRef>
+          <a:fillRef idx="1">
+            <a:schemeClr val="accent1"/>
+          </a:fillRef>
+          <a:effectRef idx="0">
+            <a:schemeClr val="accent1"/>
+          </a:effectRef>
+          <a:fontRef idx="minor">
+            <a:schemeClr val="lt1"/>
+          </a:fontRef>
+        </p:style>
+        <p:txBody>
+          <a:bodyPr rtlCol="0" anchor="ctr"/>
+          <a:lstStyle/>
+          <a:p>
+            <a:pPr marL="228600" lvl="0" indent="-228600">
+              <a:lnSpc>
+                <a:spcPct val="90000"/>
+              </a:lnSpc>
+              <a:spcBef>
+                <a:spcPts val="1000"/>
+              </a:spcBef>
+              <a:defRPr/>
+            </a:pPr>
+            <a:r>
+              <a:rPr lang="en-US" altLang="ja-JP" dirty="0" err="1" smtClean="0">
+                <a:solidFill>
+                  <a:schemeClr val="tx1"/>
+                </a:solidFill>
                 <a:latin typeface="Meiryo UI" panose="020B0604030504040204" pitchFamily="50" charset="-128"/>
                 <a:ea typeface="Meiryo UI" panose="020B0604030504040204" pitchFamily="50" charset="-128"/>
               </a:rPr>
-              <a:t>れるたびに</a:t>
-            </a:r>
-            <a:r>
-              <a:rPr lang="en-US" altLang="ja-JP" sz="2000" dirty="0" smtClean="0">
+              <a:t>setState</a:t>
+            </a:r>
+            <a:r>
+              <a:rPr lang="en-US" altLang="ja-JP" dirty="0" smtClean="0">
+                <a:solidFill>
+                  <a:schemeClr val="tx1"/>
+                </a:solidFill>
                 <a:latin typeface="Meiryo UI" panose="020B0604030504040204" pitchFamily="50" charset="-128"/>
                 <a:ea typeface="Meiryo UI" panose="020B0604030504040204" pitchFamily="50" charset="-128"/>
               </a:rPr>
-              <a:t>render()</a:t>
-            </a:r>
-            <a:r>
-              <a:rPr lang="ja-JP" altLang="en-US" sz="2000" dirty="0" smtClean="0">
+              <a:t>()</a:t>
+            </a:r>
+            <a:r>
+              <a:rPr lang="ja-JP" altLang="en-US" dirty="0" smtClean="0">
+                <a:solidFill>
+                  <a:schemeClr val="tx1"/>
+                </a:solidFill>
                 <a:latin typeface="Meiryo UI" panose="020B0604030504040204" pitchFamily="50" charset="-128"/>
                 <a:ea typeface="Meiryo UI" panose="020B0604030504040204" pitchFamily="50" charset="-128"/>
               </a:rPr>
-              <a:t>が呼び出され、</a:t>
-            </a:r>
-            <a:r>
-              <a:rPr lang="en-US" altLang="ja-JP" sz="2000" dirty="0" err="1" smtClean="0">
+              <a:t>が更新されるたびに</a:t>
+            </a:r>
+            <a:r>
+              <a:rPr lang="en-US" altLang="ja-JP" dirty="0" smtClean="0">
+                <a:solidFill>
+                  <a:schemeClr val="tx1"/>
+                </a:solidFill>
                 <a:latin typeface="Meiryo UI" panose="020B0604030504040204" pitchFamily="50" charset="-128"/>
                 <a:ea typeface="Meiryo UI" panose="020B0604030504040204" pitchFamily="50" charset="-128"/>
               </a:rPr>
-              <a:t>this.state.date</a:t>
-            </a:r>
-            <a:r>
-              <a:rPr lang="ja-JP" altLang="en-US" sz="2000" dirty="0" smtClean="0">
+              <a:t>render()</a:t>
+            </a:r>
+            <a:r>
+              <a:rPr lang="ja-JP" altLang="en-US" dirty="0" smtClean="0">
+                <a:solidFill>
+                  <a:schemeClr val="tx1"/>
+                </a:solidFill>
                 <a:latin typeface="Meiryo UI" panose="020B0604030504040204" pitchFamily="50" charset="-128"/>
                 <a:ea typeface="Meiryo UI" panose="020B0604030504040204" pitchFamily="50" charset="-128"/>
               </a:rPr>
-              <a:t>が更新されて出力される。</a:t>
-            </a:r>
-            <a:endParaRPr lang="en-US" altLang="ja-JP" sz="2000" noProof="0" dirty="0" smtClean="0">
+              <a:t>が</a:t>
+            </a:r>
+            <a:r>
+              <a:rPr lang="ja-JP" altLang="en-US" dirty="0" smtClean="0">
+                <a:solidFill>
+                  <a:schemeClr val="tx1"/>
+                </a:solidFill>
+                <a:latin typeface="Meiryo UI" panose="020B0604030504040204" pitchFamily="50" charset="-128"/>
+                <a:ea typeface="Meiryo UI" panose="020B0604030504040204" pitchFamily="50" charset="-128"/>
+              </a:rPr>
+              <a:t>呼び出されます。</a:t>
+            </a:r>
+            <a:endParaRPr lang="en-US" altLang="ja-JP" dirty="0" smtClean="0">
+              <a:solidFill>
+                <a:schemeClr val="tx1"/>
+              </a:solidFill>
               <a:latin typeface="Meiryo UI" panose="020B0604030504040204" pitchFamily="50" charset="-128"/>
               <a:ea typeface="Meiryo UI" panose="020B0604030504040204" pitchFamily="50" charset="-128"/>
             </a:endParaRPr>
+          </a:p>
+        </p:txBody>
+      </p:sp>
+      <p:sp>
+        <p:nvSpPr>
+          <p:cNvPr id="8" name="線吹き出し 2 (枠付き) 7"/>
+          <p:cNvSpPr/>
+          <p:nvPr/>
+        </p:nvSpPr>
+        <p:spPr>
+          <a:xfrm>
+            <a:off x="5793545" y="4117815"/>
+            <a:ext cx="6063175" cy="1185705"/>
+          </a:xfrm>
+          <a:prstGeom prst="borderCallout2">
+            <a:avLst>
+              <a:gd name="adj1" fmla="val 17750"/>
+              <a:gd name="adj2" fmla="val 413"/>
+              <a:gd name="adj3" fmla="val 9898"/>
+              <a:gd name="adj4" fmla="val -11298"/>
+              <a:gd name="adj5" fmla="val 37643"/>
+              <a:gd name="adj6" fmla="val -36348"/>
+            </a:avLst>
+          </a:prstGeom>
+          <a:solidFill>
+            <a:schemeClr val="bg1"/>
+          </a:solidFill>
+          <a:ln w="28575">
+            <a:solidFill>
+              <a:srgbClr val="3399FF"/>
+            </a:solidFill>
+          </a:ln>
+        </p:spPr>
+        <p:style>
+          <a:lnRef idx="2">
+            <a:schemeClr val="accent1">
+              <a:shade val="50000"/>
+            </a:schemeClr>
+          </a:lnRef>
+          <a:fillRef idx="1">
+            <a:schemeClr val="accent1"/>
+          </a:fillRef>
+          <a:effectRef idx="0">
+            <a:schemeClr val="accent1"/>
+          </a:effectRef>
+          <a:fontRef idx="minor">
+            <a:schemeClr val="lt1"/>
+          </a:fontRef>
+        </p:style>
+        <p:txBody>
+          <a:bodyPr rtlCol="0" anchor="ctr"/>
+          <a:lstStyle/>
+          <a:p>
+            <a:pPr marL="228600" lvl="0" indent="-228600">
+              <a:lnSpc>
+                <a:spcPct val="90000"/>
+              </a:lnSpc>
+              <a:spcBef>
+                <a:spcPts val="1000"/>
+              </a:spcBef>
+              <a:defRPr/>
+            </a:pPr>
+            <a:r>
+              <a:rPr lang="en-US" altLang="ja-JP" dirty="0" err="1" smtClean="0">
+                <a:solidFill>
+                  <a:schemeClr val="tx1"/>
+                </a:solidFill>
+                <a:latin typeface="Meiryo UI" panose="020B0604030504040204" pitchFamily="50" charset="-128"/>
+                <a:ea typeface="Meiryo UI" panose="020B0604030504040204" pitchFamily="50" charset="-128"/>
+              </a:rPr>
+              <a:t>this.state.date</a:t>
+            </a:r>
+            <a:r>
+              <a:rPr lang="ja-JP" altLang="en-US" dirty="0" smtClean="0">
+                <a:solidFill>
+                  <a:schemeClr val="tx1"/>
+                </a:solidFill>
+                <a:latin typeface="Meiryo UI" panose="020B0604030504040204" pitchFamily="50" charset="-128"/>
+                <a:ea typeface="Meiryo UI" panose="020B0604030504040204" pitchFamily="50" charset="-128"/>
+              </a:rPr>
+              <a:t>が変更されているため、</a:t>
+            </a:r>
+            <a:r>
+              <a:rPr lang="en-US" altLang="ja-JP" dirty="0" smtClean="0">
+                <a:solidFill>
+                  <a:schemeClr val="tx1"/>
+                </a:solidFill>
+                <a:latin typeface="Meiryo UI" panose="020B0604030504040204" pitchFamily="50" charset="-128"/>
+                <a:ea typeface="Meiryo UI" panose="020B0604030504040204" pitchFamily="50" charset="-128"/>
+              </a:rPr>
+              <a:t>DOM</a:t>
+            </a:r>
+            <a:r>
+              <a:rPr lang="ja-JP" altLang="en-US" dirty="0" smtClean="0">
+                <a:solidFill>
+                  <a:schemeClr val="tx1"/>
+                </a:solidFill>
+                <a:latin typeface="Meiryo UI" panose="020B0604030504040204" pitchFamily="50" charset="-128"/>
+                <a:ea typeface="Meiryo UI" panose="020B0604030504040204" pitchFamily="50" charset="-128"/>
+              </a:rPr>
+              <a:t>が更新される。</a:t>
+            </a:r>
+            <a:endParaRPr lang="en-US" altLang="ja-JP" dirty="0" smtClean="0">
+              <a:solidFill>
+                <a:schemeClr val="tx1"/>
+              </a:solidFill>
+              <a:latin typeface="Meiryo UI" panose="020B0604030504040204" pitchFamily="50" charset="-128"/>
+              <a:ea typeface="Meiryo UI" panose="020B0604030504040204" pitchFamily="50" charset="-128"/>
+            </a:endParaRPr>
+          </a:p>
+        </p:txBody>
+      </p:sp>
+      <p:sp>
+        <p:nvSpPr>
+          <p:cNvPr id="9" name="テキスト ボックス 8"/>
+          <p:cNvSpPr txBox="1"/>
+          <p:nvPr/>
+        </p:nvSpPr>
+        <p:spPr>
+          <a:xfrm>
+            <a:off x="4234375" y="6260121"/>
+            <a:ext cx="1414170" cy="307777"/>
+          </a:xfrm>
+          <a:prstGeom prst="rect">
+            <a:avLst/>
+          </a:prstGeom>
+          <a:noFill/>
+        </p:spPr>
+        <p:txBody>
+          <a:bodyPr wrap="none" rtlCol="0">
+            <a:spAutoFit/>
+          </a:bodyPr>
+          <a:lstStyle/>
+          <a:p>
+            <a:r>
+              <a:rPr kumimoji="1" lang="en-US" altLang="ja-JP" sz="1400" dirty="0" smtClean="0"/>
+              <a:t>※App.js</a:t>
+            </a:r>
+            <a:r>
+              <a:rPr kumimoji="1" lang="ja-JP" altLang="en-US" sz="1400" dirty="0" smtClean="0"/>
+              <a:t>に記載</a:t>
+            </a:r>
+            <a:endParaRPr kumimoji="1" lang="ja-JP" altLang="en-US" sz="1400" dirty="0"/>
           </a:p>
         </p:txBody>
       </p:sp>
@@ -5155,7 +8001,7 @@
   <a:extraClrSchemeLst/>
   <a:extLst>
     <a:ext uri="{05A4C25C-085E-4340-85A3-A5531E510DB2}">
-      <thm15:themeFamily xmlns:thm15="http://schemas.microsoft.com/office/thememl/2012/main" name="Office Theme" id="{62F939B6-93AF-4DB8-9C6B-D6C7DFDC589F}" vid="{4A3C46E8-61CC-4603-A589-7422A47A8E4A}"/>
+      <thm15:themeFamily xmlns:thm15="http://schemas.microsoft.com/office/thememl/2012/main" xmlns="" name="Office Theme" id="{62F939B6-93AF-4DB8-9C6B-D6C7DFDC589F}" vid="{4A3C46E8-61CC-4603-A589-7422A47A8E4A}"/>
     </a:ext>
   </a:extLst>
 </a:theme>
@@ -5416,7 +8262,7 @@
   <a:extraClrSchemeLst/>
   <a:extLst>
     <a:ext uri="{05A4C25C-085E-4340-85A3-A5531E510DB2}">
-      <thm15:themeFamily xmlns:thm15="http://schemas.microsoft.com/office/thememl/2012/main" name="Office Theme" id="{62F939B6-93AF-4DB8-9C6B-D6C7DFDC589F}" vid="{4A3C46E8-61CC-4603-A589-7422A47A8E4A}"/>
+      <thm15:themeFamily xmlns:thm15="http://schemas.microsoft.com/office/thememl/2012/main" xmlns="" name="Office Theme" id="{62F939B6-93AF-4DB8-9C6B-D6C7DFDC589F}" vid="{4A3C46E8-61CC-4603-A589-7422A47A8E4A}"/>
     </a:ext>
   </a:extLst>
 </a:theme>

--- a/doc/02_SlideShare/01.ネタ/２_Reactの基礎/2-6_簡単なサンプルソース.pptx
+++ b/doc/02_SlideShare/01.ネタ/２_Reactの基礎/2-6_簡単なサンプルソース.pptx
@@ -5,20 +5,21 @@
     <p:sldMasterId id="2147483648" r:id="rId1"/>
   </p:sldMasterIdLst>
   <p:notesMasterIdLst>
-    <p:notesMasterId r:id="rId13"/>
+    <p:notesMasterId r:id="rId14"/>
   </p:notesMasterIdLst>
   <p:sldIdLst>
     <p:sldId id="283" r:id="rId2"/>
     <p:sldId id="280" r:id="rId3"/>
     <p:sldId id="281" r:id="rId4"/>
     <p:sldId id="282" r:id="rId5"/>
-    <p:sldId id="272" r:id="rId6"/>
-    <p:sldId id="273" r:id="rId7"/>
-    <p:sldId id="274" r:id="rId8"/>
-    <p:sldId id="275" r:id="rId9"/>
-    <p:sldId id="276" r:id="rId10"/>
-    <p:sldId id="285" r:id="rId11"/>
-    <p:sldId id="284" r:id="rId12"/>
+    <p:sldId id="286" r:id="rId6"/>
+    <p:sldId id="272" r:id="rId7"/>
+    <p:sldId id="273" r:id="rId8"/>
+    <p:sldId id="274" r:id="rId9"/>
+    <p:sldId id="275" r:id="rId10"/>
+    <p:sldId id="276" r:id="rId11"/>
+    <p:sldId id="285" r:id="rId12"/>
+    <p:sldId id="284" r:id="rId13"/>
   </p:sldIdLst>
   <p:sldSz cx="12192000" cy="6858000"/>
   <p:notesSz cx="6858000" cy="9144000"/>
@@ -119,7 +120,7 @@
   </p:defaultTextStyle>
   <p:extLst>
     <p:ext uri="{EFAFB233-063F-42B5-8137-9DF3F51BA10A}">
-      <p15:sldGuideLst xmlns:p15="http://schemas.microsoft.com/office/powerpoint/2012/main" xmlns="">
+      <p15:sldGuideLst xmlns="" xmlns:p15="http://schemas.microsoft.com/office/powerpoint/2012/main">
         <p15:guide id="1" orient="horz" pos="2160">
           <p15:clr>
             <a:srgbClr val="A4A3A4"/>
@@ -133,7 +134,7 @@
       </p15:sldGuideLst>
     </p:ext>
     <p:ext uri="{2D200454-40CA-4A62-9FC3-DE9A4176ACB9}">
-      <p15:notesGuideLst xmlns:p15="http://schemas.microsoft.com/office/powerpoint/2012/main" xmlns="">
+      <p15:notesGuideLst xmlns="" xmlns:p15="http://schemas.microsoft.com/office/powerpoint/2012/main">
         <p15:guide id="1" orient="horz" pos="2880">
           <p15:clr>
             <a:srgbClr val="A4A3A4"/>
@@ -233,7 +234,7 @@
             <a:fld id="{CF62E18D-AE12-454F-A1D6-19B685DC3579}" type="datetimeFigureOut">
               <a:rPr kumimoji="1" lang="ja-JP" altLang="en-US" smtClean="0"/>
               <a:pPr/>
-              <a:t>2019/3/4</a:t>
+              <a:t>2019/3/8</a:t>
             </a:fld>
             <a:endParaRPr kumimoji="1" lang="ja-JP" altLang="en-US"/>
           </a:p>
@@ -434,7 +435,7 @@
     </p:spTree>
     <p:extLst>
       <p:ext uri="{BB962C8B-B14F-4D97-AF65-F5344CB8AC3E}">
-        <p14:creationId xmlns:p14="http://schemas.microsoft.com/office/powerpoint/2010/main" xmlns="" val="2439157943"/>
+        <p14:creationId xmlns="" xmlns:p14="http://schemas.microsoft.com/office/powerpoint/2010/main" val="2439157943"/>
       </p:ext>
     </p:extLst>
   </p:cSld>
@@ -611,7 +612,7 @@
     </p:spTree>
     <p:extLst>
       <p:ext uri="{BB962C8B-B14F-4D97-AF65-F5344CB8AC3E}">
-        <p14:creationId xmlns:p14="http://schemas.microsoft.com/office/powerpoint/2010/main" xmlns="" val="3790659166"/>
+        <p14:creationId xmlns="" xmlns:p14="http://schemas.microsoft.com/office/powerpoint/2010/main" val="3790659166"/>
       </p:ext>
     </p:extLst>
   </p:cSld>
@@ -698,7 +699,7 @@
     </p:spTree>
     <p:extLst>
       <p:ext uri="{BB962C8B-B14F-4D97-AF65-F5344CB8AC3E}">
-        <p14:creationId xmlns:p14="http://schemas.microsoft.com/office/powerpoint/2010/main" xmlns="" val="604867123"/>
+        <p14:creationId xmlns="" xmlns:p14="http://schemas.microsoft.com/office/powerpoint/2010/main" val="604867123"/>
       </p:ext>
     </p:extLst>
   </p:cSld>
@@ -798,7 +799,7 @@
             <a:fld id="{2FA7D4A1-D6E2-4B97-8DF5-43A2A6E9364B}" type="datetimeFigureOut">
               <a:rPr kumimoji="1" lang="ja-JP" altLang="en-US" smtClean="0"/>
               <a:pPr/>
-              <a:t>2019/3/4</a:t>
+              <a:t>2019/3/8</a:t>
             </a:fld>
             <a:endParaRPr kumimoji="1" lang="ja-JP" altLang="en-US"/>
           </a:p>
@@ -1092,7 +1093,7 @@
           <a:blip r:embed="rId2" cstate="print">
             <a:extLst>
               <a:ext uri="{28A0092B-C50C-407E-A947-70E740481C1C}">
-                <a14:useLocalDpi xmlns:a14="http://schemas.microsoft.com/office/drawing/2010/main" xmlns="" val="0"/>
+                <a14:useLocalDpi xmlns="" xmlns:a14="http://schemas.microsoft.com/office/drawing/2010/main" val="0"/>
               </a:ext>
             </a:extLst>
           </a:blip>
@@ -1113,7 +1114,7 @@
     </p:spTree>
     <p:extLst>
       <p:ext uri="{BB962C8B-B14F-4D97-AF65-F5344CB8AC3E}">
-        <p14:creationId xmlns:p14="http://schemas.microsoft.com/office/powerpoint/2010/main" xmlns="" val="2810891602"/>
+        <p14:creationId xmlns="" xmlns:p14="http://schemas.microsoft.com/office/powerpoint/2010/main" val="2810891602"/>
       </p:ext>
     </p:extLst>
   </p:cSld>
@@ -1268,7 +1269,7 @@
             <a:fld id="{2FA7D4A1-D6E2-4B97-8DF5-43A2A6E9364B}" type="datetimeFigureOut">
               <a:rPr kumimoji="1" lang="ja-JP" altLang="en-US" smtClean="0"/>
               <a:pPr/>
-              <a:t>2019/3/4</a:t>
+              <a:t>2019/3/8</a:t>
             </a:fld>
             <a:endParaRPr kumimoji="1" lang="ja-JP" altLang="en-US"/>
           </a:p>
@@ -1456,7 +1457,7 @@
     </p:spTree>
     <p:extLst>
       <p:ext uri="{BB962C8B-B14F-4D97-AF65-F5344CB8AC3E}">
-        <p14:creationId xmlns:p14="http://schemas.microsoft.com/office/powerpoint/2010/main" xmlns="" val="3557137448"/>
+        <p14:creationId xmlns="" xmlns:p14="http://schemas.microsoft.com/office/powerpoint/2010/main" val="3557137448"/>
       </p:ext>
     </p:extLst>
   </p:cSld>
@@ -1699,7 +1700,7 @@
             <a:fld id="{2FA7D4A1-D6E2-4B97-8DF5-43A2A6E9364B}" type="datetimeFigureOut">
               <a:rPr kumimoji="1" lang="ja-JP" altLang="en-US" smtClean="0"/>
               <a:pPr/>
-              <a:t>2019/3/4</a:t>
+              <a:t>2019/3/8</a:t>
             </a:fld>
             <a:endParaRPr kumimoji="1" lang="ja-JP" altLang="en-US"/>
           </a:p>
@@ -1751,7 +1752,7 @@
     </p:spTree>
     <p:extLst>
       <p:ext uri="{BB962C8B-B14F-4D97-AF65-F5344CB8AC3E}">
-        <p14:creationId xmlns:p14="http://schemas.microsoft.com/office/powerpoint/2010/main" xmlns="" val="3739881455"/>
+        <p14:creationId xmlns="" xmlns:p14="http://schemas.microsoft.com/office/powerpoint/2010/main" val="3739881455"/>
       </p:ext>
     </p:extLst>
   </p:cSld>
@@ -1818,7 +1819,7 @@
             <a:fld id="{2FA7D4A1-D6E2-4B97-8DF5-43A2A6E9364B}" type="datetimeFigureOut">
               <a:rPr kumimoji="1" lang="ja-JP" altLang="en-US" smtClean="0"/>
               <a:pPr/>
-              <a:t>2019/3/4</a:t>
+              <a:t>2019/3/8</a:t>
             </a:fld>
             <a:endParaRPr kumimoji="1" lang="ja-JP" altLang="en-US"/>
           </a:p>
@@ -1976,7 +1977,7 @@
     </p:spTree>
     <p:extLst>
       <p:ext uri="{BB962C8B-B14F-4D97-AF65-F5344CB8AC3E}">
-        <p14:creationId xmlns:p14="http://schemas.microsoft.com/office/powerpoint/2010/main" xmlns="" val="2041532408"/>
+        <p14:creationId xmlns="" xmlns:p14="http://schemas.microsoft.com/office/powerpoint/2010/main" val="2041532408"/>
       </p:ext>
     </p:extLst>
   </p:cSld>
@@ -2043,7 +2044,7 @@
             <a:fld id="{2FA7D4A1-D6E2-4B97-8DF5-43A2A6E9364B}" type="datetimeFigureOut">
               <a:rPr kumimoji="1" lang="ja-JP" altLang="en-US" smtClean="0"/>
               <a:pPr/>
-              <a:t>2019/3/4</a:t>
+              <a:t>2019/3/8</a:t>
             </a:fld>
             <a:endParaRPr kumimoji="1" lang="ja-JP" altLang="en-US"/>
           </a:p>
@@ -2221,7 +2222,7 @@
     </p:spTree>
     <p:extLst>
       <p:ext uri="{BB962C8B-B14F-4D97-AF65-F5344CB8AC3E}">
-        <p14:creationId xmlns:p14="http://schemas.microsoft.com/office/powerpoint/2010/main" xmlns="" val="1665381159"/>
+        <p14:creationId xmlns="" xmlns:p14="http://schemas.microsoft.com/office/powerpoint/2010/main" val="1665381159"/>
       </p:ext>
     </p:extLst>
   </p:cSld>
@@ -2414,7 +2415,7 @@
             <a:fld id="{2FA7D4A1-D6E2-4B97-8DF5-43A2A6E9364B}" type="datetimeFigureOut">
               <a:rPr kumimoji="1" lang="ja-JP" altLang="en-US" smtClean="0"/>
               <a:pPr/>
-              <a:t>2019/3/4</a:t>
+              <a:t>2019/3/8</a:t>
             </a:fld>
             <a:endParaRPr kumimoji="1" lang="ja-JP" altLang="en-US"/>
           </a:p>
@@ -2541,7 +2542,7 @@
           <a:blip r:embed="rId7" cstate="print">
             <a:extLst>
               <a:ext uri="{28A0092B-C50C-407E-A947-70E740481C1C}">
-                <a14:useLocalDpi xmlns:a14="http://schemas.microsoft.com/office/drawing/2010/main" xmlns="" val="0"/>
+                <a14:useLocalDpi xmlns="" xmlns:a14="http://schemas.microsoft.com/office/drawing/2010/main" val="0"/>
               </a:ext>
             </a:extLst>
           </a:blip>
@@ -2562,7 +2563,7 @@
     </p:spTree>
     <p:extLst>
       <p:ext uri="{BB962C8B-B14F-4D97-AF65-F5344CB8AC3E}">
-        <p14:creationId xmlns:p14="http://schemas.microsoft.com/office/powerpoint/2010/main" xmlns="" val="1816818280"/>
+        <p14:creationId xmlns="" xmlns:p14="http://schemas.microsoft.com/office/powerpoint/2010/main" val="1816818280"/>
       </p:ext>
     </p:extLst>
   </p:cSld>
@@ -2903,7 +2904,7 @@
       </p:sp>
       <p:sp>
         <p:nvSpPr>
-          <p:cNvPr id="3" name="コンテンツ プレースホルダ 2"/>
+          <p:cNvPr id="4" name="コンテンツ プレースホルダ 3"/>
           <p:cNvSpPr>
             <a:spLocks noGrp="1"/>
           </p:cNvSpPr>
@@ -2911,65 +2912,128 @@
             <p:ph sz="quarter" idx="13"/>
           </p:nvPr>
         </p:nvSpPr>
+        <p:spPr/>
+        <p:txBody>
+          <a:bodyPr/>
+          <a:lstStyle/>
+          <a:p>
+            <a:r>
+              <a:rPr lang="ja-JP" altLang="en-US" dirty="0" smtClean="0"/>
+              <a:t>本章で</a:t>
+            </a:r>
+            <a:r>
+              <a:rPr lang="ja-JP" altLang="en-US" dirty="0" smtClean="0"/>
+              <a:t>は、前章</a:t>
+            </a:r>
+            <a:r>
+              <a:rPr lang="ja-JP" altLang="en-US" dirty="0" smtClean="0"/>
+              <a:t>までで学んだ知識を活用</a:t>
+            </a:r>
+            <a:r>
+              <a:rPr lang="ja-JP" altLang="en-US" dirty="0" smtClean="0"/>
+              <a:t>して実装</a:t>
+            </a:r>
+            <a:r>
+              <a:rPr lang="ja-JP" altLang="en-US" dirty="0" smtClean="0"/>
+              <a:t>できるアプリケーションに</a:t>
+            </a:r>
+            <a:r>
+              <a:rPr lang="ja-JP" altLang="en-US" dirty="0" smtClean="0"/>
+              <a:t>ついて説明していきます。</a:t>
+            </a:r>
+            <a:endParaRPr lang="en-US" altLang="ja-JP" dirty="0" smtClean="0"/>
+          </a:p>
+        </p:txBody>
+      </p:sp>
+      <p:sp>
+        <p:nvSpPr>
+          <p:cNvPr id="5" name="テキスト ボックス 4"/>
+          <p:cNvSpPr txBox="1"/>
+          <p:nvPr/>
+        </p:nvSpPr>
         <p:spPr>
           <a:xfrm>
-            <a:off x="431799" y="1054100"/>
-            <a:ext cx="11379201" cy="2237740"/>
+            <a:off x="456746" y="2198104"/>
+            <a:ext cx="3251850" cy="461665"/>
           </a:xfrm>
+          <a:prstGeom prst="rect">
+            <a:avLst/>
+          </a:prstGeom>
+          <a:noFill/>
         </p:spPr>
         <p:txBody>
-          <a:bodyPr>
-            <a:normAutofit/>
+          <a:bodyPr wrap="square" rtlCol="0">
+            <a:spAutoFit/>
           </a:bodyPr>
-          <a:lstStyle/>
-          <a:p>
-            <a:r>
-              <a:rPr lang="ja-JP" altLang="en-US" dirty="0" smtClean="0"/>
-              <a:t>当該章では前章までで学んだ知識を活用し、実装できる以下のアプリケーションについて記載します。</a:t>
-            </a:r>
-            <a:endParaRPr lang="en-US" altLang="ja-JP" dirty="0" smtClean="0"/>
-          </a:p>
-          <a:p>
-            <a:pPr>
-              <a:buNone/>
-            </a:pPr>
-            <a:endParaRPr lang="en-US" altLang="ja-JP" dirty="0" smtClean="0"/>
-          </a:p>
-          <a:p>
-            <a:pPr>
-              <a:buNone/>
-            </a:pPr>
-            <a:r>
-              <a:rPr lang="en-US" altLang="ja-JP" dirty="0" smtClean="0"/>
-              <a:t>	1</a:t>
-            </a:r>
-            <a:r>
-              <a:rPr lang="ja-JP" altLang="en-US" dirty="0" smtClean="0"/>
-              <a:t>）</a:t>
-            </a:r>
+          <a:lstStyle>
+            <a:defPPr>
+              <a:defRPr lang="ja-JP"/>
+            </a:defPPr>
+            <a:lvl1pPr marL="342900" indent="-342900">
+              <a:buClr>
+                <a:schemeClr val="accent2"/>
+              </a:buClr>
+              <a:buFont typeface="Wingdings" panose="05000000000000000000" pitchFamily="2" charset="2"/>
+              <a:buChar char="Ø"/>
+              <a:defRPr sz="2400" b="0">
+                <a:solidFill>
+                  <a:prstClr val="black"/>
+                </a:solidFill>
+                <a:latin typeface="+mn-ea"/>
+              </a:defRPr>
+            </a:lvl1pPr>
+          </a:lstStyle>
+          <a:p>
             <a:r>
               <a:rPr lang="en-US" altLang="ja-JP" dirty="0" smtClean="0"/>
               <a:t>Hello World</a:t>
             </a:r>
           </a:p>
-          <a:p>
-            <a:pPr>
-              <a:buNone/>
-            </a:pPr>
-            <a:r>
-              <a:rPr lang="en-US" altLang="ja-JP" dirty="0" smtClean="0"/>
-              <a:t> 	2</a:t>
-            </a:r>
+        </p:txBody>
+      </p:sp>
+      <p:sp>
+        <p:nvSpPr>
+          <p:cNvPr id="7" name="テキスト ボックス 6"/>
+          <p:cNvSpPr txBox="1"/>
+          <p:nvPr/>
+        </p:nvSpPr>
+        <p:spPr>
+          <a:xfrm>
+            <a:off x="454398" y="2800680"/>
+            <a:ext cx="3251850" cy="461665"/>
+          </a:xfrm>
+          <a:prstGeom prst="rect">
+            <a:avLst/>
+          </a:prstGeom>
+          <a:noFill/>
+        </p:spPr>
+        <p:txBody>
+          <a:bodyPr wrap="square" rtlCol="0">
+            <a:spAutoFit/>
+          </a:bodyPr>
+          <a:lstStyle>
+            <a:defPPr>
+              <a:defRPr lang="ja-JP"/>
+            </a:defPPr>
+            <a:lvl1pPr marL="342900" indent="-342900">
+              <a:buClr>
+                <a:schemeClr val="accent2"/>
+              </a:buClr>
+              <a:buFont typeface="Wingdings" panose="05000000000000000000" pitchFamily="2" charset="2"/>
+              <a:buChar char="Ø"/>
+              <a:defRPr sz="2400" b="0">
+                <a:solidFill>
+                  <a:prstClr val="black"/>
+                </a:solidFill>
+                <a:latin typeface="+mn-ea"/>
+              </a:defRPr>
+            </a:lvl1pPr>
+          </a:lstStyle>
+          <a:p>
             <a:r>
               <a:rPr lang="ja-JP" altLang="en-US" dirty="0" smtClean="0"/>
-              <a:t>）時計</a:t>
-            </a:r>
-            <a:endParaRPr lang="en-US" altLang="ja-JP" dirty="0" smtClean="0"/>
-          </a:p>
-          <a:p>
-            <a:pPr>
-              <a:buNone/>
-            </a:pPr>
+              <a:t>時計</a:t>
+            </a:r>
             <a:endParaRPr lang="en-US" altLang="ja-JP" dirty="0" smtClean="0"/>
           </a:p>
         </p:txBody>
@@ -3014,7 +3078,15 @@
           <a:bodyPr/>
           <a:lstStyle/>
           <a:p>
-            <a:endParaRPr kumimoji="1" lang="ja-JP" altLang="en-US"/>
+            <a:r>
+              <a:rPr lang="en-US" altLang="ja-JP" dirty="0" smtClean="0"/>
+              <a:t>2-5.</a:t>
+            </a:r>
+            <a:r>
+              <a:rPr lang="ja-JP" altLang="en-US" dirty="0" smtClean="0"/>
+              <a:t>簡単なサンプルソース　～時計～</a:t>
+            </a:r>
+            <a:endParaRPr kumimoji="1" lang="ja-JP" altLang="en-US" dirty="0"/>
           </a:p>
         </p:txBody>
       </p:sp>
@@ -3037,9 +3109,787 @@
               <a:rPr kumimoji="1" lang="ja-JP" altLang="en-US" dirty="0" smtClean="0"/>
               <a:t>レンダリング</a:t>
             </a:r>
-            <a:r>
-              <a:rPr kumimoji="1" lang="en-US" altLang="ja-JP" dirty="0" smtClean="0"/>
-              <a:t>2</a:t>
+            <a:endParaRPr kumimoji="1" lang="ja-JP" altLang="en-US" dirty="0"/>
+          </a:p>
+        </p:txBody>
+      </p:sp>
+      <p:sp>
+        <p:nvSpPr>
+          <p:cNvPr id="6" name="コンテンツ プレースホルダー 3"/>
+          <p:cNvSpPr txBox="1">
+            <a:spLocks/>
+          </p:cNvSpPr>
+          <p:nvPr/>
+        </p:nvSpPr>
+        <p:spPr>
+          <a:xfrm>
+            <a:off x="436098" y="2039822"/>
+            <a:ext cx="5261317" cy="4192166"/>
+          </a:xfrm>
+          <a:prstGeom prst="rect">
+            <a:avLst/>
+          </a:prstGeom>
+          <a:solidFill>
+            <a:srgbClr val="333F50"/>
+          </a:solidFill>
+          <a:ln>
+            <a:solidFill>
+              <a:schemeClr val="bg1">
+                <a:lumMod val="95000"/>
+              </a:schemeClr>
+            </a:solidFill>
+          </a:ln>
+        </p:spPr>
+        <p:txBody>
+          <a:bodyPr anchor="ctr"/>
+          <a:lstStyle>
+            <a:lvl1pPr marL="228600" indent="-228600" algn="l" defTabSz="914400" rtl="0" eaLnBrk="1" latinLnBrk="0" hangingPunct="1">
+              <a:lnSpc>
+                <a:spcPct val="90000"/>
+              </a:lnSpc>
+              <a:spcBef>
+                <a:spcPts val="1000"/>
+              </a:spcBef>
+              <a:buFont typeface="Arial" panose="020B0604020202020204" pitchFamily="34" charset="0"/>
+              <a:buChar char="•"/>
+              <a:defRPr kumimoji="1" sz="2000" kern="1200">
+                <a:solidFill>
+                  <a:schemeClr val="tx1"/>
+                </a:solidFill>
+                <a:latin typeface="Meiryo UI" panose="020B0604030504040204" pitchFamily="50" charset="-128"/>
+                <a:ea typeface="Meiryo UI" panose="020B0604030504040204" pitchFamily="50" charset="-128"/>
+                <a:cs typeface="+mn-cs"/>
+              </a:defRPr>
+            </a:lvl1pPr>
+            <a:lvl2pPr marL="685800" indent="-228600" algn="l" defTabSz="914400" rtl="0" eaLnBrk="1" latinLnBrk="0" hangingPunct="1">
+              <a:lnSpc>
+                <a:spcPct val="90000"/>
+              </a:lnSpc>
+              <a:spcBef>
+                <a:spcPts val="500"/>
+              </a:spcBef>
+              <a:buFont typeface="Arial" panose="020B0604020202020204" pitchFamily="34" charset="0"/>
+              <a:buChar char="•"/>
+              <a:defRPr kumimoji="1" sz="1800" kern="1200">
+                <a:solidFill>
+                  <a:schemeClr val="tx1"/>
+                </a:solidFill>
+                <a:latin typeface="Meiryo UI" panose="020B0604030504040204" pitchFamily="50" charset="-128"/>
+                <a:ea typeface="Meiryo UI" panose="020B0604030504040204" pitchFamily="50" charset="-128"/>
+                <a:cs typeface="+mn-cs"/>
+              </a:defRPr>
+            </a:lvl2pPr>
+            <a:lvl3pPr marL="1143000" indent="-228600" algn="l" defTabSz="914400" rtl="0" eaLnBrk="1" latinLnBrk="0" hangingPunct="1">
+              <a:lnSpc>
+                <a:spcPct val="90000"/>
+              </a:lnSpc>
+              <a:spcBef>
+                <a:spcPts val="500"/>
+              </a:spcBef>
+              <a:buFont typeface="Arial" panose="020B0604020202020204" pitchFamily="34" charset="0"/>
+              <a:buChar char="•"/>
+              <a:defRPr kumimoji="1" sz="1600" kern="1200">
+                <a:solidFill>
+                  <a:schemeClr val="tx1"/>
+                </a:solidFill>
+                <a:latin typeface="Meiryo UI" panose="020B0604030504040204" pitchFamily="50" charset="-128"/>
+                <a:ea typeface="Meiryo UI" panose="020B0604030504040204" pitchFamily="50" charset="-128"/>
+                <a:cs typeface="+mn-cs"/>
+              </a:defRPr>
+            </a:lvl3pPr>
+            <a:lvl4pPr marL="1600200" indent="-228600" algn="l" defTabSz="914400" rtl="0" eaLnBrk="1" latinLnBrk="0" hangingPunct="1">
+              <a:lnSpc>
+                <a:spcPct val="90000"/>
+              </a:lnSpc>
+              <a:spcBef>
+                <a:spcPts val="500"/>
+              </a:spcBef>
+              <a:buFont typeface="Arial" panose="020B0604020202020204" pitchFamily="34" charset="0"/>
+              <a:buChar char="•"/>
+              <a:defRPr kumimoji="1" sz="1400" kern="1200">
+                <a:solidFill>
+                  <a:schemeClr val="tx1"/>
+                </a:solidFill>
+                <a:latin typeface="Meiryo UI" panose="020B0604030504040204" pitchFamily="50" charset="-128"/>
+                <a:ea typeface="Meiryo UI" panose="020B0604030504040204" pitchFamily="50" charset="-128"/>
+                <a:cs typeface="+mn-cs"/>
+              </a:defRPr>
+            </a:lvl4pPr>
+            <a:lvl5pPr marL="2057400" indent="-228600" algn="l" defTabSz="914400" rtl="0" eaLnBrk="1" latinLnBrk="0" hangingPunct="1">
+              <a:lnSpc>
+                <a:spcPct val="90000"/>
+              </a:lnSpc>
+              <a:spcBef>
+                <a:spcPts val="500"/>
+              </a:spcBef>
+              <a:buFont typeface="Arial" panose="020B0604020202020204" pitchFamily="34" charset="0"/>
+              <a:buChar char="•"/>
+              <a:defRPr kumimoji="1" sz="1200" kern="1200">
+                <a:solidFill>
+                  <a:schemeClr val="tx1"/>
+                </a:solidFill>
+                <a:latin typeface="Meiryo UI" panose="020B0604030504040204" pitchFamily="50" charset="-128"/>
+                <a:ea typeface="Meiryo UI" panose="020B0604030504040204" pitchFamily="50" charset="-128"/>
+                <a:cs typeface="+mn-cs"/>
+              </a:defRPr>
+            </a:lvl5pPr>
+            <a:lvl6pPr marL="2514600" indent="-228600" algn="l" defTabSz="914400" rtl="0" eaLnBrk="1" latinLnBrk="0" hangingPunct="1">
+              <a:lnSpc>
+                <a:spcPct val="90000"/>
+              </a:lnSpc>
+              <a:spcBef>
+                <a:spcPts val="500"/>
+              </a:spcBef>
+              <a:buFont typeface="Arial" panose="020B0604020202020204" pitchFamily="34" charset="0"/>
+              <a:buChar char="•"/>
+              <a:defRPr kumimoji="1" sz="1800" kern="1200">
+                <a:solidFill>
+                  <a:schemeClr val="tx1"/>
+                </a:solidFill>
+                <a:latin typeface="+mn-lt"/>
+                <a:ea typeface="+mn-ea"/>
+                <a:cs typeface="+mn-cs"/>
+              </a:defRPr>
+            </a:lvl6pPr>
+            <a:lvl7pPr marL="2971800" indent="-228600" algn="l" defTabSz="914400" rtl="0" eaLnBrk="1" latinLnBrk="0" hangingPunct="1">
+              <a:lnSpc>
+                <a:spcPct val="90000"/>
+              </a:lnSpc>
+              <a:spcBef>
+                <a:spcPts val="500"/>
+              </a:spcBef>
+              <a:buFont typeface="Arial" panose="020B0604020202020204" pitchFamily="34" charset="0"/>
+              <a:buChar char="•"/>
+              <a:defRPr kumimoji="1" sz="1800" kern="1200">
+                <a:solidFill>
+                  <a:schemeClr val="tx1"/>
+                </a:solidFill>
+                <a:latin typeface="+mn-lt"/>
+                <a:ea typeface="+mn-ea"/>
+                <a:cs typeface="+mn-cs"/>
+              </a:defRPr>
+            </a:lvl7pPr>
+            <a:lvl8pPr marL="3429000" indent="-228600" algn="l" defTabSz="914400" rtl="0" eaLnBrk="1" latinLnBrk="0" hangingPunct="1">
+              <a:lnSpc>
+                <a:spcPct val="90000"/>
+              </a:lnSpc>
+              <a:spcBef>
+                <a:spcPts val="500"/>
+              </a:spcBef>
+              <a:buFont typeface="Arial" panose="020B0604020202020204" pitchFamily="34" charset="0"/>
+              <a:buChar char="•"/>
+              <a:defRPr kumimoji="1" sz="1800" kern="1200">
+                <a:solidFill>
+                  <a:schemeClr val="tx1"/>
+                </a:solidFill>
+                <a:latin typeface="+mn-lt"/>
+                <a:ea typeface="+mn-ea"/>
+                <a:cs typeface="+mn-cs"/>
+              </a:defRPr>
+            </a:lvl8pPr>
+            <a:lvl9pPr marL="3886200" indent="-228600" algn="l" defTabSz="914400" rtl="0" eaLnBrk="1" latinLnBrk="0" hangingPunct="1">
+              <a:lnSpc>
+                <a:spcPct val="90000"/>
+              </a:lnSpc>
+              <a:spcBef>
+                <a:spcPts val="500"/>
+              </a:spcBef>
+              <a:buFont typeface="Arial" panose="020B0604020202020204" pitchFamily="34" charset="0"/>
+              <a:buChar char="•"/>
+              <a:defRPr kumimoji="1" sz="1800" kern="1200">
+                <a:solidFill>
+                  <a:schemeClr val="tx1"/>
+                </a:solidFill>
+                <a:latin typeface="+mn-lt"/>
+                <a:ea typeface="+mn-ea"/>
+                <a:cs typeface="+mn-cs"/>
+              </a:defRPr>
+            </a:lvl9pPr>
+          </a:lstStyle>
+          <a:p>
+            <a:pPr>
+              <a:buNone/>
+            </a:pPr>
+            <a:r>
+              <a:rPr lang="en-US" altLang="ja-JP" sz="1800" dirty="0" smtClean="0">
+                <a:solidFill>
+                  <a:schemeClr val="bg1"/>
+                </a:solidFill>
+                <a:latin typeface="ＭＳ Ｐゴシック" panose="020B0600070205080204" pitchFamily="50" charset="-128"/>
+                <a:ea typeface="ＭＳ Ｐゴシック" panose="020B0600070205080204" pitchFamily="50" charset="-128"/>
+              </a:rPr>
+              <a:t>render() {</a:t>
+            </a:r>
+          </a:p>
+          <a:p>
+            <a:pPr>
+              <a:buNone/>
+            </a:pPr>
+            <a:r>
+              <a:rPr lang="en-US" altLang="ja-JP" sz="1800" dirty="0" smtClean="0">
+                <a:solidFill>
+                  <a:schemeClr val="bg1"/>
+                </a:solidFill>
+                <a:latin typeface="ＭＳ Ｐゴシック" panose="020B0600070205080204" pitchFamily="50" charset="-128"/>
+                <a:ea typeface="ＭＳ Ｐゴシック" panose="020B0600070205080204" pitchFamily="50" charset="-128"/>
+              </a:rPr>
+              <a:t>  return (</a:t>
+            </a:r>
+          </a:p>
+          <a:p>
+            <a:pPr>
+              <a:buNone/>
+            </a:pPr>
+            <a:r>
+              <a:rPr lang="en-US" altLang="ja-JP" sz="1800" dirty="0" smtClean="0">
+                <a:solidFill>
+                  <a:schemeClr val="bg1"/>
+                </a:solidFill>
+                <a:latin typeface="ＭＳ Ｐゴシック" panose="020B0600070205080204" pitchFamily="50" charset="-128"/>
+                <a:ea typeface="ＭＳ Ｐゴシック" panose="020B0600070205080204" pitchFamily="50" charset="-128"/>
+              </a:rPr>
+              <a:t>    &lt;div </a:t>
+            </a:r>
+            <a:r>
+              <a:rPr lang="en-US" altLang="ja-JP" sz="1800" dirty="0" err="1" smtClean="0">
+                <a:solidFill>
+                  <a:schemeClr val="bg1"/>
+                </a:solidFill>
+                <a:latin typeface="ＭＳ Ｐゴシック" panose="020B0600070205080204" pitchFamily="50" charset="-128"/>
+                <a:ea typeface="ＭＳ Ｐゴシック" panose="020B0600070205080204" pitchFamily="50" charset="-128"/>
+              </a:rPr>
+              <a:t>className</a:t>
+            </a:r>
+            <a:r>
+              <a:rPr lang="en-US" altLang="ja-JP" sz="1800" dirty="0" smtClean="0">
+                <a:solidFill>
+                  <a:schemeClr val="bg1"/>
+                </a:solidFill>
+                <a:latin typeface="ＭＳ Ｐゴシック" panose="020B0600070205080204" pitchFamily="50" charset="-128"/>
+                <a:ea typeface="ＭＳ Ｐゴシック" panose="020B0600070205080204" pitchFamily="50" charset="-128"/>
+              </a:rPr>
+              <a:t>="main"&gt;</a:t>
+            </a:r>
+          </a:p>
+          <a:p>
+            <a:pPr>
+              <a:buNone/>
+            </a:pPr>
+            <a:r>
+              <a:rPr lang="en-US" altLang="ja-JP" sz="1800" dirty="0" smtClean="0">
+                <a:solidFill>
+                  <a:schemeClr val="bg1"/>
+                </a:solidFill>
+                <a:latin typeface="ＭＳ Ｐゴシック" panose="020B0600070205080204" pitchFamily="50" charset="-128"/>
+                <a:ea typeface="ＭＳ Ｐゴシック" panose="020B0600070205080204" pitchFamily="50" charset="-128"/>
+              </a:rPr>
+              <a:t>      &lt;p&gt;</a:t>
+            </a:r>
+            <a:r>
+              <a:rPr lang="ja-JP" altLang="en-US" sz="1800" dirty="0" smtClean="0">
+                <a:solidFill>
+                  <a:schemeClr val="bg1"/>
+                </a:solidFill>
+                <a:latin typeface="ＭＳ Ｐゴシック" panose="020B0600070205080204" pitchFamily="50" charset="-128"/>
+                <a:ea typeface="ＭＳ Ｐゴシック" panose="020B0600070205080204" pitchFamily="50" charset="-128"/>
+              </a:rPr>
+              <a:t>現在の日付</a:t>
+            </a:r>
+            <a:r>
+              <a:rPr lang="en-US" altLang="ja-JP" sz="1800" dirty="0" smtClean="0">
+                <a:solidFill>
+                  <a:schemeClr val="bg1"/>
+                </a:solidFill>
+                <a:latin typeface="ＭＳ Ｐゴシック" panose="020B0600070205080204" pitchFamily="50" charset="-128"/>
+                <a:ea typeface="ＭＳ Ｐゴシック" panose="020B0600070205080204" pitchFamily="50" charset="-128"/>
+              </a:rPr>
+              <a:t>&lt;/p&gt;</a:t>
+            </a:r>
+          </a:p>
+          <a:p>
+            <a:pPr>
+              <a:buNone/>
+            </a:pPr>
+            <a:r>
+              <a:rPr lang="en-US" altLang="ja-JP" sz="1800" dirty="0" smtClean="0">
+                <a:solidFill>
+                  <a:schemeClr val="bg1"/>
+                </a:solidFill>
+                <a:latin typeface="ＭＳ Ｐゴシック" panose="020B0600070205080204" pitchFamily="50" charset="-128"/>
+                <a:ea typeface="ＭＳ Ｐゴシック" panose="020B0600070205080204" pitchFamily="50" charset="-128"/>
+              </a:rPr>
+              <a:t>      &lt;p&gt;{</a:t>
+            </a:r>
+            <a:r>
+              <a:rPr lang="en-US" altLang="ja-JP" sz="1800" dirty="0" err="1" smtClean="0">
+                <a:solidFill>
+                  <a:schemeClr val="bg1"/>
+                </a:solidFill>
+                <a:latin typeface="ＭＳ Ｐゴシック" panose="020B0600070205080204" pitchFamily="50" charset="-128"/>
+                <a:ea typeface="ＭＳ Ｐゴシック" panose="020B0600070205080204" pitchFamily="50" charset="-128"/>
+              </a:rPr>
+              <a:t>this.state.date.toLocaleDateString</a:t>
+            </a:r>
+            <a:r>
+              <a:rPr lang="en-US" altLang="ja-JP" sz="1800" dirty="0" smtClean="0">
+                <a:solidFill>
+                  <a:schemeClr val="bg1"/>
+                </a:solidFill>
+                <a:latin typeface="ＭＳ Ｐゴシック" panose="020B0600070205080204" pitchFamily="50" charset="-128"/>
+                <a:ea typeface="ＭＳ Ｐゴシック" panose="020B0600070205080204" pitchFamily="50" charset="-128"/>
+              </a:rPr>
+              <a:t>()}.&lt;/p&gt;          </a:t>
+            </a:r>
+          </a:p>
+          <a:p>
+            <a:pPr>
+              <a:buNone/>
+            </a:pPr>
+            <a:r>
+              <a:rPr lang="en-US" altLang="ja-JP" sz="1800" dirty="0" smtClean="0">
+                <a:solidFill>
+                  <a:schemeClr val="bg1"/>
+                </a:solidFill>
+                <a:latin typeface="ＭＳ Ｐゴシック" panose="020B0600070205080204" pitchFamily="50" charset="-128"/>
+                <a:ea typeface="ＭＳ Ｐゴシック" panose="020B0600070205080204" pitchFamily="50" charset="-128"/>
+              </a:rPr>
+              <a:t>      &lt;p&gt;</a:t>
+            </a:r>
+            <a:r>
+              <a:rPr lang="ja-JP" altLang="en-US" sz="1800" dirty="0" smtClean="0">
+                <a:solidFill>
+                  <a:schemeClr val="bg1"/>
+                </a:solidFill>
+                <a:latin typeface="ＭＳ Ｐゴシック" panose="020B0600070205080204" pitchFamily="50" charset="-128"/>
+                <a:ea typeface="ＭＳ Ｐゴシック" panose="020B0600070205080204" pitchFamily="50" charset="-128"/>
+              </a:rPr>
+              <a:t>現在の時刻</a:t>
+            </a:r>
+            <a:r>
+              <a:rPr lang="en-US" altLang="ja-JP" sz="1800" dirty="0" smtClean="0">
+                <a:solidFill>
+                  <a:schemeClr val="bg1"/>
+                </a:solidFill>
+                <a:latin typeface="ＭＳ Ｐゴシック" panose="020B0600070205080204" pitchFamily="50" charset="-128"/>
+                <a:ea typeface="ＭＳ Ｐゴシック" panose="020B0600070205080204" pitchFamily="50" charset="-128"/>
+              </a:rPr>
+              <a:t>&lt;/p&gt;</a:t>
+            </a:r>
+          </a:p>
+          <a:p>
+            <a:pPr>
+              <a:buNone/>
+            </a:pPr>
+            <a:r>
+              <a:rPr lang="en-US" altLang="ja-JP" sz="1800" dirty="0" smtClean="0">
+                <a:solidFill>
+                  <a:schemeClr val="bg1"/>
+                </a:solidFill>
+                <a:latin typeface="ＭＳ Ｐゴシック" panose="020B0600070205080204" pitchFamily="50" charset="-128"/>
+                <a:ea typeface="ＭＳ Ｐゴシック" panose="020B0600070205080204" pitchFamily="50" charset="-128"/>
+              </a:rPr>
+              <a:t>      &lt;p&gt; {</a:t>
+            </a:r>
+            <a:r>
+              <a:rPr lang="en-US" altLang="ja-JP" sz="1800" dirty="0" err="1" smtClean="0">
+                <a:solidFill>
+                  <a:schemeClr val="bg1"/>
+                </a:solidFill>
+                <a:latin typeface="ＭＳ Ｐゴシック" panose="020B0600070205080204" pitchFamily="50" charset="-128"/>
+                <a:ea typeface="ＭＳ Ｐゴシック" panose="020B0600070205080204" pitchFamily="50" charset="-128"/>
+              </a:rPr>
+              <a:t>this.state.date.toLocaleTimeString</a:t>
+            </a:r>
+            <a:r>
+              <a:rPr lang="en-US" altLang="ja-JP" sz="1800" dirty="0" smtClean="0">
+                <a:solidFill>
+                  <a:schemeClr val="bg1"/>
+                </a:solidFill>
+                <a:latin typeface="ＭＳ Ｐゴシック" panose="020B0600070205080204" pitchFamily="50" charset="-128"/>
+                <a:ea typeface="ＭＳ Ｐゴシック" panose="020B0600070205080204" pitchFamily="50" charset="-128"/>
+              </a:rPr>
+              <a:t>()}.&lt;/p&gt;    </a:t>
+            </a:r>
+          </a:p>
+          <a:p>
+            <a:pPr>
+              <a:buNone/>
+            </a:pPr>
+            <a:r>
+              <a:rPr lang="en-US" altLang="ja-JP" sz="1800" dirty="0" smtClean="0">
+                <a:solidFill>
+                  <a:schemeClr val="bg1"/>
+                </a:solidFill>
+                <a:latin typeface="ＭＳ Ｐゴシック" panose="020B0600070205080204" pitchFamily="50" charset="-128"/>
+                <a:ea typeface="ＭＳ Ｐゴシック" panose="020B0600070205080204" pitchFamily="50" charset="-128"/>
+              </a:rPr>
+              <a:t>    &lt;/div&gt;</a:t>
+            </a:r>
+          </a:p>
+          <a:p>
+            <a:pPr>
+              <a:buNone/>
+            </a:pPr>
+            <a:r>
+              <a:rPr lang="en-US" altLang="ja-JP" sz="1800" dirty="0" smtClean="0">
+                <a:solidFill>
+                  <a:schemeClr val="bg1"/>
+                </a:solidFill>
+                <a:latin typeface="ＭＳ Ｐゴシック" panose="020B0600070205080204" pitchFamily="50" charset="-128"/>
+                <a:ea typeface="ＭＳ Ｐゴシック" panose="020B0600070205080204" pitchFamily="50" charset="-128"/>
+              </a:rPr>
+              <a:t>  );</a:t>
+            </a:r>
+          </a:p>
+          <a:p>
+            <a:pPr>
+              <a:buNone/>
+            </a:pPr>
+            <a:r>
+              <a:rPr lang="en-US" altLang="ja-JP" sz="1800" dirty="0" smtClean="0">
+                <a:solidFill>
+                  <a:schemeClr val="bg1"/>
+                </a:solidFill>
+                <a:latin typeface="ＭＳ Ｐゴシック" panose="020B0600070205080204" pitchFamily="50" charset="-128"/>
+                <a:ea typeface="ＭＳ Ｐゴシック" panose="020B0600070205080204" pitchFamily="50" charset="-128"/>
+              </a:rPr>
+              <a:t>}</a:t>
+            </a:r>
+          </a:p>
+        </p:txBody>
+      </p:sp>
+      <p:sp>
+        <p:nvSpPr>
+          <p:cNvPr id="7" name="線吹き出し 2 (枠付き) 6"/>
+          <p:cNvSpPr/>
+          <p:nvPr/>
+        </p:nvSpPr>
+        <p:spPr>
+          <a:xfrm>
+            <a:off x="5781822" y="2178818"/>
+            <a:ext cx="6063175" cy="1141157"/>
+          </a:xfrm>
+          <a:prstGeom prst="borderCallout2">
+            <a:avLst>
+              <a:gd name="adj1" fmla="val 17750"/>
+              <a:gd name="adj2" fmla="val 413"/>
+              <a:gd name="adj3" fmla="val 1781"/>
+              <a:gd name="adj4" fmla="val -22434"/>
+              <a:gd name="adj5" fmla="val 28236"/>
+              <a:gd name="adj6" fmla="val -70687"/>
+            </a:avLst>
+          </a:prstGeom>
+          <a:solidFill>
+            <a:schemeClr val="bg1"/>
+          </a:solidFill>
+          <a:ln w="28575">
+            <a:solidFill>
+              <a:srgbClr val="3399FF"/>
+            </a:solidFill>
+          </a:ln>
+        </p:spPr>
+        <p:style>
+          <a:lnRef idx="2">
+            <a:schemeClr val="accent1">
+              <a:shade val="50000"/>
+            </a:schemeClr>
+          </a:lnRef>
+          <a:fillRef idx="1">
+            <a:schemeClr val="accent1"/>
+          </a:fillRef>
+          <a:effectRef idx="0">
+            <a:schemeClr val="accent1"/>
+          </a:effectRef>
+          <a:fontRef idx="minor">
+            <a:schemeClr val="lt1"/>
+          </a:fontRef>
+        </p:style>
+        <p:txBody>
+          <a:bodyPr rtlCol="0" anchor="ctr"/>
+          <a:lstStyle/>
+          <a:p>
+            <a:pPr marL="228600" lvl="0" indent="-228600">
+              <a:lnSpc>
+                <a:spcPct val="90000"/>
+              </a:lnSpc>
+              <a:spcBef>
+                <a:spcPts val="1000"/>
+              </a:spcBef>
+              <a:defRPr/>
+            </a:pPr>
+            <a:r>
+              <a:rPr lang="en-US" altLang="ja-JP" dirty="0" err="1" smtClean="0">
+                <a:solidFill>
+                  <a:schemeClr val="tx1"/>
+                </a:solidFill>
+                <a:latin typeface="Meiryo UI" panose="020B0604030504040204" pitchFamily="50" charset="-128"/>
+                <a:ea typeface="Meiryo UI" panose="020B0604030504040204" pitchFamily="50" charset="-128"/>
+              </a:rPr>
+              <a:t>setState</a:t>
+            </a:r>
+            <a:r>
+              <a:rPr lang="en-US" altLang="ja-JP" dirty="0" smtClean="0">
+                <a:solidFill>
+                  <a:schemeClr val="tx1"/>
+                </a:solidFill>
+                <a:latin typeface="Meiryo UI" panose="020B0604030504040204" pitchFamily="50" charset="-128"/>
+                <a:ea typeface="Meiryo UI" panose="020B0604030504040204" pitchFamily="50" charset="-128"/>
+              </a:rPr>
+              <a:t>()</a:t>
+            </a:r>
+            <a:r>
+              <a:rPr lang="ja-JP" altLang="en-US" dirty="0" smtClean="0">
+                <a:solidFill>
+                  <a:schemeClr val="tx1"/>
+                </a:solidFill>
+                <a:latin typeface="Meiryo UI" panose="020B0604030504040204" pitchFamily="50" charset="-128"/>
+                <a:ea typeface="Meiryo UI" panose="020B0604030504040204" pitchFamily="50" charset="-128"/>
+              </a:rPr>
+              <a:t>が更新されるたびに</a:t>
+            </a:r>
+            <a:r>
+              <a:rPr lang="en-US" altLang="ja-JP" dirty="0" smtClean="0">
+                <a:solidFill>
+                  <a:schemeClr val="tx1"/>
+                </a:solidFill>
+                <a:latin typeface="Meiryo UI" panose="020B0604030504040204" pitchFamily="50" charset="-128"/>
+                <a:ea typeface="Meiryo UI" panose="020B0604030504040204" pitchFamily="50" charset="-128"/>
+              </a:rPr>
+              <a:t>render()</a:t>
+            </a:r>
+            <a:r>
+              <a:rPr lang="ja-JP" altLang="en-US" dirty="0" smtClean="0">
+                <a:solidFill>
+                  <a:schemeClr val="tx1"/>
+                </a:solidFill>
+                <a:latin typeface="Meiryo UI" panose="020B0604030504040204" pitchFamily="50" charset="-128"/>
+                <a:ea typeface="Meiryo UI" panose="020B0604030504040204" pitchFamily="50" charset="-128"/>
+              </a:rPr>
+              <a:t>が呼び出されます。</a:t>
+            </a:r>
+            <a:endParaRPr lang="en-US" altLang="ja-JP" dirty="0" smtClean="0">
+              <a:solidFill>
+                <a:schemeClr val="tx1"/>
+              </a:solidFill>
+              <a:latin typeface="Meiryo UI" panose="020B0604030504040204" pitchFamily="50" charset="-128"/>
+              <a:ea typeface="Meiryo UI" panose="020B0604030504040204" pitchFamily="50" charset="-128"/>
+            </a:endParaRPr>
+          </a:p>
+        </p:txBody>
+      </p:sp>
+      <p:sp>
+        <p:nvSpPr>
+          <p:cNvPr id="8" name="線吹き出し 2 (枠付き) 7"/>
+          <p:cNvSpPr/>
+          <p:nvPr/>
+        </p:nvSpPr>
+        <p:spPr>
+          <a:xfrm>
+            <a:off x="5793545" y="4117815"/>
+            <a:ext cx="6063175" cy="1185705"/>
+          </a:xfrm>
+          <a:prstGeom prst="borderCallout2">
+            <a:avLst>
+              <a:gd name="adj1" fmla="val 17750"/>
+              <a:gd name="adj2" fmla="val 413"/>
+              <a:gd name="adj3" fmla="val 9898"/>
+              <a:gd name="adj4" fmla="val -11298"/>
+              <a:gd name="adj5" fmla="val 37643"/>
+              <a:gd name="adj6" fmla="val -36348"/>
+            </a:avLst>
+          </a:prstGeom>
+          <a:solidFill>
+            <a:schemeClr val="bg1"/>
+          </a:solidFill>
+          <a:ln w="28575">
+            <a:solidFill>
+              <a:srgbClr val="3399FF"/>
+            </a:solidFill>
+          </a:ln>
+        </p:spPr>
+        <p:style>
+          <a:lnRef idx="2">
+            <a:schemeClr val="accent1">
+              <a:shade val="50000"/>
+            </a:schemeClr>
+          </a:lnRef>
+          <a:fillRef idx="1">
+            <a:schemeClr val="accent1"/>
+          </a:fillRef>
+          <a:effectRef idx="0">
+            <a:schemeClr val="accent1"/>
+          </a:effectRef>
+          <a:fontRef idx="minor">
+            <a:schemeClr val="lt1"/>
+          </a:fontRef>
+        </p:style>
+        <p:txBody>
+          <a:bodyPr rtlCol="0" anchor="ctr"/>
+          <a:lstStyle/>
+          <a:p>
+            <a:pPr marL="228600" lvl="0" indent="-228600">
+              <a:lnSpc>
+                <a:spcPct val="90000"/>
+              </a:lnSpc>
+              <a:spcBef>
+                <a:spcPts val="1000"/>
+              </a:spcBef>
+              <a:defRPr/>
+            </a:pPr>
+            <a:r>
+              <a:rPr lang="en-US" altLang="ja-JP" dirty="0" err="1" smtClean="0">
+                <a:solidFill>
+                  <a:schemeClr val="tx1"/>
+                </a:solidFill>
+                <a:latin typeface="Meiryo UI" panose="020B0604030504040204" pitchFamily="50" charset="-128"/>
+                <a:ea typeface="Meiryo UI" panose="020B0604030504040204" pitchFamily="50" charset="-128"/>
+              </a:rPr>
+              <a:t>this.state.date</a:t>
+            </a:r>
+            <a:r>
+              <a:rPr lang="ja-JP" altLang="en-US" dirty="0" smtClean="0">
+                <a:solidFill>
+                  <a:schemeClr val="tx1"/>
+                </a:solidFill>
+                <a:latin typeface="Meiryo UI" panose="020B0604030504040204" pitchFamily="50" charset="-128"/>
+                <a:ea typeface="Meiryo UI" panose="020B0604030504040204" pitchFamily="50" charset="-128"/>
+              </a:rPr>
+              <a:t>が変更されているため、</a:t>
+            </a:r>
+            <a:r>
+              <a:rPr lang="en-US" altLang="ja-JP" dirty="0" smtClean="0">
+                <a:solidFill>
+                  <a:schemeClr val="tx1"/>
+                </a:solidFill>
+                <a:latin typeface="Meiryo UI" panose="020B0604030504040204" pitchFamily="50" charset="-128"/>
+                <a:ea typeface="Meiryo UI" panose="020B0604030504040204" pitchFamily="50" charset="-128"/>
+              </a:rPr>
+              <a:t>DOM</a:t>
+            </a:r>
+            <a:r>
+              <a:rPr lang="ja-JP" altLang="en-US" dirty="0" smtClean="0">
+                <a:solidFill>
+                  <a:schemeClr val="tx1"/>
+                </a:solidFill>
+                <a:latin typeface="Meiryo UI" panose="020B0604030504040204" pitchFamily="50" charset="-128"/>
+                <a:ea typeface="Meiryo UI" panose="020B0604030504040204" pitchFamily="50" charset="-128"/>
+              </a:rPr>
+              <a:t>が更新される。</a:t>
+            </a:r>
+            <a:endParaRPr lang="en-US" altLang="ja-JP" dirty="0" smtClean="0">
+              <a:solidFill>
+                <a:schemeClr val="tx1"/>
+              </a:solidFill>
+              <a:latin typeface="Meiryo UI" panose="020B0604030504040204" pitchFamily="50" charset="-128"/>
+              <a:ea typeface="Meiryo UI" panose="020B0604030504040204" pitchFamily="50" charset="-128"/>
+            </a:endParaRPr>
+          </a:p>
+        </p:txBody>
+      </p:sp>
+      <p:sp>
+        <p:nvSpPr>
+          <p:cNvPr id="9" name="テキスト ボックス 8"/>
+          <p:cNvSpPr txBox="1"/>
+          <p:nvPr/>
+        </p:nvSpPr>
+        <p:spPr>
+          <a:xfrm>
+            <a:off x="4234375" y="6260121"/>
+            <a:ext cx="1414170" cy="307777"/>
+          </a:xfrm>
+          <a:prstGeom prst="rect">
+            <a:avLst/>
+          </a:prstGeom>
+          <a:noFill/>
+        </p:spPr>
+        <p:txBody>
+          <a:bodyPr wrap="none" rtlCol="0">
+            <a:spAutoFit/>
+          </a:bodyPr>
+          <a:lstStyle/>
+          <a:p>
+            <a:r>
+              <a:rPr kumimoji="1" lang="en-US" altLang="ja-JP" sz="1400" dirty="0" smtClean="0"/>
+              <a:t>※App.js</a:t>
+            </a:r>
+            <a:r>
+              <a:rPr kumimoji="1" lang="ja-JP" altLang="en-US" sz="1400" dirty="0" smtClean="0"/>
+              <a:t>に記載</a:t>
+            </a:r>
+            <a:endParaRPr kumimoji="1" lang="ja-JP" altLang="en-US" sz="1400" dirty="0"/>
+          </a:p>
+        </p:txBody>
+      </p:sp>
+    </p:spTree>
+  </p:cSld>
+  <p:clrMapOvr>
+    <a:masterClrMapping/>
+  </p:clrMapOvr>
+</p:sld>
+</file>
+
+<file path=ppt/slides/slide11.xml><?xml version="1.0" encoding="utf-8"?>
+<p:sld xmlns:a="http://schemas.openxmlformats.org/drawingml/2006/main" xmlns:r="http://schemas.openxmlformats.org/officeDocument/2006/relationships" xmlns:p="http://schemas.openxmlformats.org/presentationml/2006/main">
+  <p:cSld>
+    <p:spTree>
+      <p:nvGrpSpPr>
+        <p:cNvPr id="1" name=""/>
+        <p:cNvGrpSpPr/>
+        <p:nvPr/>
+      </p:nvGrpSpPr>
+      <p:grpSpPr>
+        <a:xfrm>
+          <a:off x="0" y="0"/>
+          <a:ext cx="0" cy="0"/>
+          <a:chOff x="0" y="0"/>
+          <a:chExt cx="0" cy="0"/>
+        </a:xfrm>
+      </p:grpSpPr>
+      <p:sp>
+        <p:nvSpPr>
+          <p:cNvPr id="2" name="タイトル 1"/>
+          <p:cNvSpPr>
+            <a:spLocks noGrp="1"/>
+          </p:cNvSpPr>
+          <p:nvPr>
+            <p:ph type="title"/>
+          </p:nvPr>
+        </p:nvSpPr>
+        <p:spPr/>
+        <p:txBody>
+          <a:bodyPr/>
+          <a:lstStyle/>
+          <a:p>
+            <a:r>
+              <a:rPr lang="en-US" altLang="ja-JP" dirty="0" smtClean="0"/>
+              <a:t>2-5.</a:t>
+            </a:r>
+            <a:r>
+              <a:rPr lang="ja-JP" altLang="en-US" dirty="0" smtClean="0"/>
+              <a:t>簡単なサンプルソース　～時計～</a:t>
+            </a:r>
+            <a:endParaRPr kumimoji="1" lang="ja-JP" altLang="en-US" dirty="0"/>
+          </a:p>
+        </p:txBody>
+      </p:sp>
+      <p:sp>
+        <p:nvSpPr>
+          <p:cNvPr id="3" name="コンテンツ プレースホルダ 2"/>
+          <p:cNvSpPr>
+            <a:spLocks noGrp="1"/>
+          </p:cNvSpPr>
+          <p:nvPr>
+            <p:ph sz="quarter" idx="13"/>
+          </p:nvPr>
+        </p:nvSpPr>
+        <p:spPr/>
+        <p:txBody>
+          <a:bodyPr/>
+          <a:lstStyle/>
+          <a:p>
+            <a:r>
+              <a:rPr kumimoji="1" lang="ja-JP" altLang="en-US" dirty="0" smtClean="0"/>
+              <a:t>コンポーネントの描画をします。</a:t>
             </a:r>
             <a:endParaRPr kumimoji="1" lang="ja-JP" altLang="en-US" dirty="0"/>
           </a:p>
@@ -3349,69 +4199,47 @@
                 <a:solidFill>
                   <a:schemeClr val="tx1"/>
                 </a:solidFill>
-              </a:rPr>
-              <a:t>React</a:t>
+                <a:latin typeface="Meiryo UI" panose="020B0604030504040204" pitchFamily="50" charset="-128"/>
+                <a:ea typeface="Meiryo UI" panose="020B0604030504040204" pitchFamily="50" charset="-128"/>
+              </a:rPr>
+              <a:t>r</a:t>
+            </a:r>
+            <a:r>
+              <a:rPr lang="en-US" altLang="ja-JP" dirty="0" smtClean="0">
+                <a:solidFill>
+                  <a:schemeClr val="tx1"/>
+                </a:solidFill>
+                <a:latin typeface="Meiryo UI" panose="020B0604030504040204" pitchFamily="50" charset="-128"/>
+                <a:ea typeface="Meiryo UI" panose="020B0604030504040204" pitchFamily="50" charset="-128"/>
+              </a:rPr>
+              <a:t>ender()</a:t>
             </a:r>
             <a:r>
               <a:rPr lang="ja-JP" altLang="en-US" dirty="0" smtClean="0">
                 <a:solidFill>
                   <a:schemeClr val="tx1"/>
                 </a:solidFill>
-              </a:rPr>
-              <a:t>要素を指定</a:t>
+                <a:latin typeface="Meiryo UI" panose="020B0604030504040204" pitchFamily="50" charset="-128"/>
+                <a:ea typeface="Meiryo UI" panose="020B0604030504040204" pitchFamily="50" charset="-128"/>
+              </a:rPr>
+              <a:t>メソッド</a:t>
             </a:r>
             <a:r>
               <a:rPr lang="ja-JP" altLang="en-US" dirty="0" smtClean="0">
                 <a:solidFill>
                   <a:schemeClr val="tx1"/>
                 </a:solidFill>
-              </a:rPr>
-              <a:t>された</a:t>
-            </a:r>
-            <a:r>
-              <a:rPr lang="en-US" altLang="ja-JP" dirty="0" smtClean="0">
-                <a:solidFill>
-                  <a:schemeClr val="tx1"/>
-                </a:solidFill>
-              </a:rPr>
-              <a:t>document</a:t>
-            </a:r>
-            <a:r>
-              <a:rPr lang="ja-JP" altLang="en-US" dirty="0" smtClean="0">
-                <a:solidFill>
-                  <a:schemeClr val="tx1"/>
-                </a:solidFill>
-              </a:rPr>
-              <a:t>の</a:t>
-            </a:r>
-            <a:r>
-              <a:rPr lang="ja-JP" altLang="en-US" dirty="0" smtClean="0">
-                <a:solidFill>
-                  <a:schemeClr val="tx1"/>
-                </a:solidFill>
-              </a:rPr>
-              <a:t>中の</a:t>
-            </a:r>
-            <a:r>
-              <a:rPr lang="en-US" altLang="ja-JP" dirty="0" smtClean="0">
-                <a:solidFill>
-                  <a:schemeClr val="tx1"/>
-                </a:solidFill>
-              </a:rPr>
-              <a:t>DOM</a:t>
-            </a:r>
-            <a:r>
-              <a:rPr lang="ja-JP" altLang="en-US" dirty="0" smtClean="0">
-                <a:solidFill>
-                  <a:schemeClr val="tx1"/>
-                </a:solidFill>
-              </a:rPr>
-              <a:t>に</a:t>
+                <a:latin typeface="Meiryo UI" panose="020B0604030504040204" pitchFamily="50" charset="-128"/>
+                <a:ea typeface="Meiryo UI" panose="020B0604030504040204" pitchFamily="50" charset="-128"/>
+              </a:rPr>
+              <a:t>で返された時刻と日付を</a:t>
             </a:r>
             <a:endParaRPr lang="en-US" altLang="ja-JP" dirty="0" smtClean="0">
               <a:solidFill>
                 <a:schemeClr val="tx1"/>
               </a:solidFill>
+              <a:latin typeface="Meiryo UI" panose="020B0604030504040204" pitchFamily="50" charset="-128"/>
+              <a:ea typeface="Meiryo UI" panose="020B0604030504040204" pitchFamily="50" charset="-128"/>
             </a:endParaRPr>
           </a:p>
           <a:p>
@@ -3429,34 +4257,20 @@
                 <a:solidFill>
                   <a:schemeClr val="tx1"/>
                 </a:solidFill>
-              </a:rPr>
-              <a:t>レンダリング</a:t>
-            </a:r>
-            <a:r>
-              <a:rPr lang="ja-JP" altLang="en-US" dirty="0" smtClean="0">
-                <a:solidFill>
-                  <a:schemeClr val="tx1"/>
-                </a:solidFill>
-              </a:rPr>
-              <a:t>し、そのコンポーネントへの参照</a:t>
-            </a:r>
-            <a:r>
-              <a:rPr lang="ja-JP" altLang="en-US" dirty="0" smtClean="0">
-                <a:solidFill>
-                  <a:schemeClr val="tx1"/>
-                </a:solidFill>
-              </a:rPr>
-              <a:t>を返します</a:t>
-            </a:r>
-            <a:r>
-              <a:rPr lang="ja-JP" altLang="en-US" dirty="0" smtClean="0">
-                <a:solidFill>
-                  <a:schemeClr val="tx1"/>
-                </a:solidFill>
                 <a:latin typeface="Meiryo UI" panose="020B0604030504040204" pitchFamily="50" charset="-128"/>
                 <a:ea typeface="Meiryo UI" panose="020B0604030504040204" pitchFamily="50" charset="-128"/>
               </a:rPr>
-              <a:t>。</a:t>
+              <a:t>ブラウザ</a:t>
+            </a:r>
+            <a:r>
+              <a:rPr lang="ja-JP" altLang="en-US" dirty="0" smtClean="0">
+                <a:solidFill>
+                  <a:schemeClr val="tx1"/>
+                </a:solidFill>
+                <a:latin typeface="Meiryo UI" panose="020B0604030504040204" pitchFamily="50" charset="-128"/>
+                <a:ea typeface="Meiryo UI" panose="020B0604030504040204" pitchFamily="50" charset="-128"/>
+              </a:rPr>
+              <a:t>に表示します。</a:t>
             </a:r>
             <a:endParaRPr lang="en-US" altLang="ja-JP" dirty="0" smtClean="0">
               <a:solidFill>
@@ -3510,7 +4324,7 @@
 </p:sld>
 </file>
 
-<file path=ppt/slides/slide11.xml><?xml version="1.0" encoding="utf-8"?>
+<file path=ppt/slides/slide12.xml><?xml version="1.0" encoding="utf-8"?>
 <p:sld xmlns:a="http://schemas.openxmlformats.org/drawingml/2006/main" xmlns:r="http://schemas.openxmlformats.org/officeDocument/2006/relationships" xmlns:p="http://schemas.openxmlformats.org/presentationml/2006/main">
   <p:cSld>
     <p:spTree>
@@ -3592,11 +4406,7 @@
             </a:pPr>
             <a:r>
               <a:rPr lang="en-US" altLang="ja-JP" dirty="0" smtClean="0"/>
-              <a:t>&lt;App </a:t>
-            </a:r>
-            <a:r>
-              <a:rPr lang="en-US" altLang="ja-JP" dirty="0" smtClean="0"/>
-              <a:t>/&gt; </a:t>
+              <a:t>&lt;App /&gt; </a:t>
             </a:r>
             <a:r>
               <a:rPr lang="ja-JP" altLang="en-US" dirty="0" smtClean="0"/>
@@ -3628,15 +4438,7 @@
             </a:r>
             <a:r>
               <a:rPr lang="ja-JP" altLang="en-US" dirty="0" smtClean="0"/>
-              <a:t>コンポーネント</a:t>
-            </a:r>
-            <a:r>
-              <a:rPr lang="ja-JP" altLang="en-US" dirty="0" smtClean="0"/>
-              <a:t>のコンストラクタを呼びます</a:t>
-            </a:r>
-            <a:r>
-              <a:rPr lang="ja-JP" altLang="en-US" dirty="0" smtClean="0"/>
-              <a:t>。</a:t>
+              <a:t>コンポーネントのコンストラクタを呼びます。</a:t>
             </a:r>
             <a:r>
               <a:rPr lang="en-US" altLang="ja-JP" dirty="0" smtClean="0"/>
@@ -3644,11 +4446,7 @@
             </a:r>
             <a:r>
               <a:rPr lang="ja-JP" altLang="en-US" dirty="0" smtClean="0"/>
-              <a:t>は</a:t>
-            </a:r>
-            <a:r>
-              <a:rPr lang="ja-JP" altLang="en-US" dirty="0" smtClean="0"/>
-              <a:t>現在の時間を表示する必要があるので、自分の状態</a:t>
+              <a:t>は現在の時間を表示する必要があるので、自分の状態</a:t>
             </a:r>
             <a:r>
               <a:rPr lang="en-US" altLang="ja-JP" dirty="0" smtClean="0"/>
@@ -3656,11 +4454,7 @@
             </a:r>
             <a:r>
               <a:rPr lang="ja-JP" altLang="en-US" dirty="0" smtClean="0"/>
-              <a:t>を現在時間を含むオブジェクトで初期化します</a:t>
-            </a:r>
-            <a:r>
-              <a:rPr lang="ja-JP" altLang="en-US" dirty="0" smtClean="0"/>
-              <a:t>。</a:t>
+              <a:t>を現在時間を含むオブジェクトで初期化します。</a:t>
             </a:r>
             <a:endParaRPr lang="en-US" altLang="ja-JP" dirty="0" smtClean="0"/>
           </a:p>
@@ -3683,11 +4477,7 @@
             </a:r>
             <a:r>
               <a:rPr lang="ja-JP" altLang="en-US" dirty="0" smtClean="0"/>
-              <a:t>コンポーネント</a:t>
-            </a:r>
-            <a:r>
-              <a:rPr lang="ja-JP" altLang="en-US" dirty="0" smtClean="0"/>
-              <a:t>の</a:t>
+              <a:t>コンポーネントの</a:t>
             </a:r>
             <a:r>
               <a:rPr lang="en-US" altLang="ja-JP" dirty="0" smtClean="0"/>
@@ -3695,11 +4485,7 @@
             </a:r>
             <a:r>
               <a:rPr lang="ja-JP" altLang="en-US" dirty="0" smtClean="0"/>
-              <a:t>メソッドを呼びます。これ</a:t>
-            </a:r>
-            <a:r>
-              <a:rPr lang="ja-JP" altLang="en-US" dirty="0" smtClean="0"/>
-              <a:t>により</a:t>
+              <a:t>メソッドを呼びます。これにより</a:t>
             </a:r>
             <a:r>
               <a:rPr lang="en-US" altLang="ja-JP" dirty="0" smtClean="0"/>
@@ -3707,11 +4493,7 @@
             </a:r>
             <a:r>
               <a:rPr lang="ja-JP" altLang="en-US" dirty="0" smtClean="0"/>
-              <a:t>は画面に表示すべきもの</a:t>
-            </a:r>
-            <a:r>
-              <a:rPr lang="ja-JP" altLang="en-US" dirty="0" smtClean="0"/>
-              <a:t>を取得し、</a:t>
+              <a:t>は画面に表示すべきものを取得し、</a:t>
             </a:r>
             <a:r>
               <a:rPr lang="en-US" altLang="ja-JP" dirty="0" smtClean="0"/>
@@ -3719,11 +4501,7 @@
             </a:r>
             <a:r>
               <a:rPr lang="ja-JP" altLang="en-US" dirty="0" smtClean="0"/>
-              <a:t>出力に合致する</a:t>
-            </a:r>
-            <a:r>
-              <a:rPr lang="ja-JP" altLang="en-US" dirty="0" smtClean="0"/>
-              <a:t>ように</a:t>
+              <a:t>出力に合致するように</a:t>
             </a:r>
             <a:r>
               <a:rPr lang="en-US" altLang="ja-JP" dirty="0" smtClean="0"/>
@@ -3731,11 +4509,7 @@
             </a:r>
             <a:r>
               <a:rPr lang="ja-JP" altLang="en-US" dirty="0" smtClean="0"/>
-              <a:t>を更新します</a:t>
-            </a:r>
-            <a:r>
-              <a:rPr lang="ja-JP" altLang="en-US" dirty="0" smtClean="0"/>
-              <a:t>。</a:t>
+              <a:t>を更新します。</a:t>
             </a:r>
             <a:endParaRPr lang="en-US" altLang="ja-JP" dirty="0" smtClean="0"/>
           </a:p>
@@ -3750,11 +4524,7 @@
             </a:r>
             <a:r>
               <a:rPr lang="ja-JP" altLang="en-US" dirty="0" smtClean="0"/>
-              <a:t>コンポーネントの</a:t>
-            </a:r>
-            <a:r>
-              <a:rPr lang="ja-JP" altLang="en-US" dirty="0" smtClean="0"/>
-              <a:t>出力が</a:t>
+              <a:t>コンポーネントの出力が</a:t>
             </a:r>
             <a:r>
               <a:rPr lang="en-US" altLang="ja-JP" dirty="0" smtClean="0"/>
@@ -3762,11 +4532,7 @@
             </a:r>
             <a:r>
               <a:rPr lang="ja-JP" altLang="en-US" dirty="0" smtClean="0"/>
-              <a:t>に挿入されたとき</a:t>
-            </a:r>
-            <a:r>
-              <a:rPr lang="ja-JP" altLang="en-US" dirty="0" smtClean="0"/>
-              <a:t>、</a:t>
+              <a:t>に挿入されたとき、</a:t>
             </a:r>
             <a:r>
               <a:rPr lang="en-US" altLang="ja-JP" dirty="0" err="1" smtClean="0"/>
@@ -3778,11 +4544,7 @@
             </a:r>
             <a:r>
               <a:rPr lang="ja-JP" altLang="en-US" dirty="0" smtClean="0"/>
-              <a:t>メソッドを呼びます。その中</a:t>
-            </a:r>
-            <a:r>
-              <a:rPr lang="ja-JP" altLang="en-US" dirty="0" smtClean="0"/>
-              <a:t>で</a:t>
+              <a:t>メソッドを呼びます。その中で</a:t>
             </a:r>
             <a:r>
               <a:rPr lang="en-US" altLang="ja-JP" dirty="0" smtClean="0"/>
@@ -3790,11 +4552,7 @@
             </a:r>
             <a:r>
               <a:rPr lang="ja-JP" altLang="en-US" dirty="0" smtClean="0"/>
-              <a:t>メソッド</a:t>
-            </a:r>
-            <a:r>
-              <a:rPr lang="ja-JP" altLang="en-US" dirty="0" smtClean="0"/>
-              <a:t>を</a:t>
+              <a:t>メソッドを</a:t>
             </a:r>
             <a:r>
               <a:rPr lang="en-US" altLang="ja-JP" dirty="0" smtClean="0"/>
@@ -3802,15 +4560,7 @@
             </a:r>
             <a:r>
               <a:rPr lang="ja-JP" altLang="en-US" dirty="0" smtClean="0"/>
-              <a:t>秒</a:t>
-            </a:r>
-            <a:r>
-              <a:rPr lang="ja-JP" altLang="en-US" dirty="0" smtClean="0"/>
-              <a:t>間隔で</a:t>
-            </a:r>
-            <a:r>
-              <a:rPr lang="ja-JP" altLang="en-US" dirty="0" smtClean="0"/>
-              <a:t>呼び出すように設定します。</a:t>
+              <a:t>秒間隔で呼び出すように設定します。</a:t>
             </a:r>
             <a:endParaRPr lang="en-US" altLang="ja-JP" dirty="0" smtClean="0"/>
           </a:p>
@@ -3825,15 +4575,7 @@
             </a:r>
             <a:r>
               <a:rPr lang="ja-JP" altLang="en-US" dirty="0" smtClean="0"/>
-              <a:t>秒</a:t>
-            </a:r>
-            <a:r>
-              <a:rPr lang="ja-JP" altLang="en-US" dirty="0" smtClean="0"/>
-              <a:t>ごと</a:t>
-            </a:r>
-            <a:r>
-              <a:rPr lang="ja-JP" altLang="en-US" dirty="0" smtClean="0"/>
-              <a:t>に</a:t>
+              <a:t>秒ごとに</a:t>
             </a:r>
             <a:r>
               <a:rPr lang="en-US" altLang="ja-JP" dirty="0" smtClean="0"/>
@@ -3853,11 +4595,7 @@
             </a:r>
             <a:r>
               <a:rPr lang="ja-JP" altLang="en-US" dirty="0" smtClean="0"/>
-              <a:t>に現在時刻を</a:t>
-            </a:r>
-            <a:r>
-              <a:rPr lang="ja-JP" altLang="en-US" dirty="0" smtClean="0"/>
-              <a:t>渡して、</a:t>
+              <a:t>に現在時刻を渡して、</a:t>
             </a:r>
             <a:r>
               <a:rPr lang="en-US" altLang="ja-JP" dirty="0" err="1" smtClean="0"/>
@@ -3865,11 +4603,7 @@
             </a:r>
             <a:r>
               <a:rPr lang="ja-JP" altLang="en-US" dirty="0" smtClean="0"/>
-              <a:t>を更新します</a:t>
-            </a:r>
-            <a:r>
-              <a:rPr lang="ja-JP" altLang="en-US" dirty="0" smtClean="0"/>
-              <a:t>。</a:t>
+              <a:t>を更新します。</a:t>
             </a:r>
             <a:r>
               <a:rPr lang="en-US" altLang="ja-JP" dirty="0" err="1" smtClean="0"/>
@@ -3905,11 +4639,7 @@
             </a:r>
             <a:r>
               <a:rPr lang="ja-JP" altLang="en-US" dirty="0" smtClean="0"/>
-              <a:t>を</a:t>
-            </a:r>
-            <a:r>
-              <a:rPr lang="ja-JP" altLang="en-US" dirty="0" smtClean="0"/>
-              <a:t>再度呼びます。</a:t>
+              <a:t>を再度呼びます。</a:t>
             </a:r>
             <a:endParaRPr lang="en-US" altLang="ja-JP" dirty="0" smtClean="0"/>
           </a:p>
@@ -3924,11 +4654,7 @@
             </a:r>
             <a:r>
               <a:rPr lang="ja-JP" altLang="en-US" dirty="0" smtClean="0"/>
-              <a:t>メソッド内</a:t>
-            </a:r>
-            <a:r>
-              <a:rPr lang="ja-JP" altLang="en-US" dirty="0" smtClean="0"/>
-              <a:t>で</a:t>
+              <a:t>メソッド内で</a:t>
             </a:r>
             <a:r>
               <a:rPr lang="en-US" altLang="ja-JP" dirty="0" err="1" smtClean="0"/>
@@ -3936,26 +4662,14 @@
             </a:r>
             <a:r>
               <a:rPr lang="ja-JP" altLang="en-US" dirty="0" smtClean="0"/>
-              <a:t>が変化しているので</a:t>
-            </a:r>
-            <a:r>
-              <a:rPr lang="ja-JP" altLang="en-US" dirty="0" smtClean="0"/>
-              <a:t>、それ</a:t>
-            </a:r>
-            <a:r>
-              <a:rPr lang="ja-JP" altLang="en-US" dirty="0" smtClean="0"/>
-              <a:t>を</a:t>
-            </a:r>
-            <a:r>
-              <a:rPr lang="ja-JP" altLang="en-US" dirty="0" smtClean="0"/>
-              <a:t>反映させるため、</a:t>
+              <a:t>が変化しているので、それを反映させるため、</a:t>
             </a:r>
             <a:r>
               <a:rPr lang="en-US" altLang="ja-JP" dirty="0" smtClean="0"/>
               <a:t>DOM</a:t>
             </a:r>
             <a:r>
-              <a:rPr lang="ja-JP" altLang="en-US" smtClean="0"/>
+              <a:rPr lang="ja-JP" altLang="en-US" dirty="0" smtClean="0"/>
               <a:t>が更新されます。</a:t>
             </a:r>
             <a:endParaRPr lang="en-US" altLang="ja-JP" dirty="0" smtClean="0"/>
@@ -4040,7 +4754,7 @@
         <p:spPr>
           <a:xfrm>
             <a:off x="431799" y="1054099"/>
-            <a:ext cx="11379201" cy="1351475"/>
+            <a:ext cx="11379201" cy="690295"/>
           </a:xfrm>
         </p:spPr>
         <p:txBody>
@@ -4059,19 +4773,9 @@
             </a:r>
             <a:r>
               <a:rPr lang="ja-JP" altLang="en-US" dirty="0" smtClean="0"/>
-              <a:t>」を表示するアプリケーション</a:t>
+              <a:t>」と表示させるアプリケーションについて説明していきます。</a:t>
             </a:r>
             <a:endParaRPr lang="en-US" altLang="ja-JP" dirty="0" smtClean="0"/>
-          </a:p>
-          <a:p>
-            <a:endParaRPr lang="en-US" altLang="ja-JP" dirty="0" smtClean="0"/>
-          </a:p>
-          <a:p>
-            <a:r>
-              <a:rPr lang="ja-JP" altLang="en-US" dirty="0" smtClean="0"/>
-              <a:t>完成例</a:t>
-            </a:r>
-            <a:endParaRPr kumimoji="1" lang="ja-JP" altLang="en-US" dirty="0"/>
           </a:p>
         </p:txBody>
       </p:sp>
@@ -4092,7 +4796,7 @@
         </p:blipFill>
         <p:spPr>
           <a:xfrm>
-            <a:off x="1433554" y="2638817"/>
+            <a:off x="631696" y="2723223"/>
             <a:ext cx="6692452" cy="2889786"/>
           </a:xfrm>
           <a:prstGeom prst="rect">
@@ -4100,6 +4804,40 @@
           </a:prstGeom>
         </p:spPr>
       </p:pic>
+      <p:sp>
+        <p:nvSpPr>
+          <p:cNvPr id="5" name="テキスト ボックス 4"/>
+          <p:cNvSpPr txBox="1"/>
+          <p:nvPr/>
+        </p:nvSpPr>
+        <p:spPr>
+          <a:xfrm>
+            <a:off x="520504" y="2152357"/>
+            <a:ext cx="1786597" cy="369332"/>
+          </a:xfrm>
+          <a:prstGeom prst="rect">
+            <a:avLst/>
+          </a:prstGeom>
+          <a:noFill/>
+        </p:spPr>
+        <p:txBody>
+          <a:bodyPr wrap="square" rtlCol="0">
+            <a:spAutoFit/>
+          </a:bodyPr>
+          <a:lstStyle/>
+          <a:p>
+            <a:r>
+              <a:rPr kumimoji="1" lang="en-US" altLang="ja-JP" dirty="0" smtClean="0"/>
+              <a:t>※</a:t>
+            </a:r>
+            <a:r>
+              <a:rPr kumimoji="1" lang="ja-JP" altLang="en-US" dirty="0" smtClean="0"/>
+              <a:t>完成イメージ</a:t>
+            </a:r>
+            <a:endParaRPr kumimoji="1" lang="ja-JP" altLang="en-US" dirty="0"/>
+          </a:p>
+        </p:txBody>
+      </p:sp>
     </p:spTree>
   </p:cSld>
   <p:clrMapOvr>
@@ -4170,59 +4908,25 @@
             <p:ph sz="quarter" idx="13"/>
           </p:nvPr>
         </p:nvSpPr>
-        <p:spPr/>
+        <p:spPr>
+          <a:xfrm>
+            <a:off x="431799" y="1054100"/>
+            <a:ext cx="11379201" cy="605888"/>
+          </a:xfrm>
+        </p:spPr>
         <p:txBody>
           <a:bodyPr/>
           <a:lstStyle/>
           <a:p>
             <a:r>
               <a:rPr kumimoji="1" lang="ja-JP" altLang="en-US" dirty="0" smtClean="0"/>
-              <a:t>コンポーネントを定義する。</a:t>
+              <a:t>コンポーネントを</a:t>
+            </a:r>
+            <a:r>
+              <a:rPr kumimoji="1" lang="ja-JP" altLang="en-US" dirty="0" smtClean="0"/>
+              <a:t>定義します。</a:t>
             </a:r>
             <a:endParaRPr kumimoji="1" lang="ja-JP" altLang="en-US" dirty="0"/>
-          </a:p>
-        </p:txBody>
-      </p:sp>
-      <p:sp>
-        <p:nvSpPr>
-          <p:cNvPr id="12" name="右中かっこ 11"/>
-          <p:cNvSpPr/>
-          <p:nvPr/>
-        </p:nvSpPr>
-        <p:spPr>
-          <a:xfrm>
-            <a:off x="4051495" y="2307094"/>
-            <a:ext cx="295422" cy="1392699"/>
-          </a:xfrm>
-          <a:prstGeom prst="rightBrace">
-            <a:avLst/>
-          </a:prstGeom>
-          <a:ln w="28575">
-            <a:solidFill>
-              <a:srgbClr val="FF0000"/>
-            </a:solidFill>
-          </a:ln>
-        </p:spPr>
-        <p:style>
-          <a:lnRef idx="1">
-            <a:schemeClr val="accent1"/>
-          </a:lnRef>
-          <a:fillRef idx="0">
-            <a:schemeClr val="accent1"/>
-          </a:fillRef>
-          <a:effectRef idx="0">
-            <a:schemeClr val="accent1"/>
-          </a:effectRef>
-          <a:fontRef idx="minor">
-            <a:schemeClr val="tx1"/>
-          </a:fontRef>
-        </p:style>
-        <p:txBody>
-          <a:bodyPr rtlCol="0" anchor="ctr"/>
-          <a:lstStyle/>
-          <a:p>
-            <a:pPr algn="ctr"/>
-            <a:endParaRPr kumimoji="1" lang="ja-JP" altLang="en-US"/>
           </a:p>
         </p:txBody>
       </p:sp>
@@ -4266,57 +4970,641 @@
       </p:sp>
       <p:sp>
         <p:nvSpPr>
-          <p:cNvPr id="14" name="右中かっこ 13"/>
+          <p:cNvPr id="10" name="コンテンツ プレースホルダー 3"/>
+          <p:cNvSpPr txBox="1">
+            <a:spLocks/>
+          </p:cNvSpPr>
+          <p:nvPr/>
+        </p:nvSpPr>
+        <p:spPr>
+          <a:xfrm>
+            <a:off x="466966" y="1899140"/>
+            <a:ext cx="4860000" cy="3132000"/>
+          </a:xfrm>
+          <a:prstGeom prst="rect">
+            <a:avLst/>
+          </a:prstGeom>
+          <a:solidFill>
+            <a:srgbClr val="333F50"/>
+          </a:solidFill>
+          <a:ln>
+            <a:solidFill>
+              <a:schemeClr val="bg1">
+                <a:lumMod val="95000"/>
+              </a:schemeClr>
+            </a:solidFill>
+          </a:ln>
+        </p:spPr>
+        <p:txBody>
+          <a:bodyPr anchor="ctr"/>
+          <a:lstStyle>
+            <a:lvl1pPr marL="228600" indent="-228600" algn="l" defTabSz="914400" rtl="0" eaLnBrk="1" latinLnBrk="0" hangingPunct="1">
+              <a:lnSpc>
+                <a:spcPct val="90000"/>
+              </a:lnSpc>
+              <a:spcBef>
+                <a:spcPts val="1000"/>
+              </a:spcBef>
+              <a:buFont typeface="Arial" panose="020B0604020202020204" pitchFamily="34" charset="0"/>
+              <a:buChar char="•"/>
+              <a:defRPr kumimoji="1" sz="2000" kern="1200">
+                <a:solidFill>
+                  <a:schemeClr val="tx1"/>
+                </a:solidFill>
+                <a:latin typeface="Meiryo UI" panose="020B0604030504040204" pitchFamily="50" charset="-128"/>
+                <a:ea typeface="Meiryo UI" panose="020B0604030504040204" pitchFamily="50" charset="-128"/>
+                <a:cs typeface="+mn-cs"/>
+              </a:defRPr>
+            </a:lvl1pPr>
+            <a:lvl2pPr marL="685800" indent="-228600" algn="l" defTabSz="914400" rtl="0" eaLnBrk="1" latinLnBrk="0" hangingPunct="1">
+              <a:lnSpc>
+                <a:spcPct val="90000"/>
+              </a:lnSpc>
+              <a:spcBef>
+                <a:spcPts val="500"/>
+              </a:spcBef>
+              <a:buFont typeface="Arial" panose="020B0604020202020204" pitchFamily="34" charset="0"/>
+              <a:buChar char="•"/>
+              <a:defRPr kumimoji="1" sz="1800" kern="1200">
+                <a:solidFill>
+                  <a:schemeClr val="tx1"/>
+                </a:solidFill>
+                <a:latin typeface="Meiryo UI" panose="020B0604030504040204" pitchFamily="50" charset="-128"/>
+                <a:ea typeface="Meiryo UI" panose="020B0604030504040204" pitchFamily="50" charset="-128"/>
+                <a:cs typeface="+mn-cs"/>
+              </a:defRPr>
+            </a:lvl2pPr>
+            <a:lvl3pPr marL="1143000" indent="-228600" algn="l" defTabSz="914400" rtl="0" eaLnBrk="1" latinLnBrk="0" hangingPunct="1">
+              <a:lnSpc>
+                <a:spcPct val="90000"/>
+              </a:lnSpc>
+              <a:spcBef>
+                <a:spcPts val="500"/>
+              </a:spcBef>
+              <a:buFont typeface="Arial" panose="020B0604020202020204" pitchFamily="34" charset="0"/>
+              <a:buChar char="•"/>
+              <a:defRPr kumimoji="1" sz="1600" kern="1200">
+                <a:solidFill>
+                  <a:schemeClr val="tx1"/>
+                </a:solidFill>
+                <a:latin typeface="Meiryo UI" panose="020B0604030504040204" pitchFamily="50" charset="-128"/>
+                <a:ea typeface="Meiryo UI" panose="020B0604030504040204" pitchFamily="50" charset="-128"/>
+                <a:cs typeface="+mn-cs"/>
+              </a:defRPr>
+            </a:lvl3pPr>
+            <a:lvl4pPr marL="1600200" indent="-228600" algn="l" defTabSz="914400" rtl="0" eaLnBrk="1" latinLnBrk="0" hangingPunct="1">
+              <a:lnSpc>
+                <a:spcPct val="90000"/>
+              </a:lnSpc>
+              <a:spcBef>
+                <a:spcPts val="500"/>
+              </a:spcBef>
+              <a:buFont typeface="Arial" panose="020B0604020202020204" pitchFamily="34" charset="0"/>
+              <a:buChar char="•"/>
+              <a:defRPr kumimoji="1" sz="1400" kern="1200">
+                <a:solidFill>
+                  <a:schemeClr val="tx1"/>
+                </a:solidFill>
+                <a:latin typeface="Meiryo UI" panose="020B0604030504040204" pitchFamily="50" charset="-128"/>
+                <a:ea typeface="Meiryo UI" panose="020B0604030504040204" pitchFamily="50" charset="-128"/>
+                <a:cs typeface="+mn-cs"/>
+              </a:defRPr>
+            </a:lvl4pPr>
+            <a:lvl5pPr marL="2057400" indent="-228600" algn="l" defTabSz="914400" rtl="0" eaLnBrk="1" latinLnBrk="0" hangingPunct="1">
+              <a:lnSpc>
+                <a:spcPct val="90000"/>
+              </a:lnSpc>
+              <a:spcBef>
+                <a:spcPts val="500"/>
+              </a:spcBef>
+              <a:buFont typeface="Arial" panose="020B0604020202020204" pitchFamily="34" charset="0"/>
+              <a:buChar char="•"/>
+              <a:defRPr kumimoji="1" sz="1200" kern="1200">
+                <a:solidFill>
+                  <a:schemeClr val="tx1"/>
+                </a:solidFill>
+                <a:latin typeface="Meiryo UI" panose="020B0604030504040204" pitchFamily="50" charset="-128"/>
+                <a:ea typeface="Meiryo UI" panose="020B0604030504040204" pitchFamily="50" charset="-128"/>
+                <a:cs typeface="+mn-cs"/>
+              </a:defRPr>
+            </a:lvl5pPr>
+            <a:lvl6pPr marL="2514600" indent="-228600" algn="l" defTabSz="914400" rtl="0" eaLnBrk="1" latinLnBrk="0" hangingPunct="1">
+              <a:lnSpc>
+                <a:spcPct val="90000"/>
+              </a:lnSpc>
+              <a:spcBef>
+                <a:spcPts val="500"/>
+              </a:spcBef>
+              <a:buFont typeface="Arial" panose="020B0604020202020204" pitchFamily="34" charset="0"/>
+              <a:buChar char="•"/>
+              <a:defRPr kumimoji="1" sz="1800" kern="1200">
+                <a:solidFill>
+                  <a:schemeClr val="tx1"/>
+                </a:solidFill>
+                <a:latin typeface="+mn-lt"/>
+                <a:ea typeface="+mn-ea"/>
+                <a:cs typeface="+mn-cs"/>
+              </a:defRPr>
+            </a:lvl6pPr>
+            <a:lvl7pPr marL="2971800" indent="-228600" algn="l" defTabSz="914400" rtl="0" eaLnBrk="1" latinLnBrk="0" hangingPunct="1">
+              <a:lnSpc>
+                <a:spcPct val="90000"/>
+              </a:lnSpc>
+              <a:spcBef>
+                <a:spcPts val="500"/>
+              </a:spcBef>
+              <a:buFont typeface="Arial" panose="020B0604020202020204" pitchFamily="34" charset="0"/>
+              <a:buChar char="•"/>
+              <a:defRPr kumimoji="1" sz="1800" kern="1200">
+                <a:solidFill>
+                  <a:schemeClr val="tx1"/>
+                </a:solidFill>
+                <a:latin typeface="+mn-lt"/>
+                <a:ea typeface="+mn-ea"/>
+                <a:cs typeface="+mn-cs"/>
+              </a:defRPr>
+            </a:lvl7pPr>
+            <a:lvl8pPr marL="3429000" indent="-228600" algn="l" defTabSz="914400" rtl="0" eaLnBrk="1" latinLnBrk="0" hangingPunct="1">
+              <a:lnSpc>
+                <a:spcPct val="90000"/>
+              </a:lnSpc>
+              <a:spcBef>
+                <a:spcPts val="500"/>
+              </a:spcBef>
+              <a:buFont typeface="Arial" panose="020B0604020202020204" pitchFamily="34" charset="0"/>
+              <a:buChar char="•"/>
+              <a:defRPr kumimoji="1" sz="1800" kern="1200">
+                <a:solidFill>
+                  <a:schemeClr val="tx1"/>
+                </a:solidFill>
+                <a:latin typeface="+mn-lt"/>
+                <a:ea typeface="+mn-ea"/>
+                <a:cs typeface="+mn-cs"/>
+              </a:defRPr>
+            </a:lvl8pPr>
+            <a:lvl9pPr marL="3886200" indent="-228600" algn="l" defTabSz="914400" rtl="0" eaLnBrk="1" latinLnBrk="0" hangingPunct="1">
+              <a:lnSpc>
+                <a:spcPct val="90000"/>
+              </a:lnSpc>
+              <a:spcBef>
+                <a:spcPts val="500"/>
+              </a:spcBef>
+              <a:buFont typeface="Arial" panose="020B0604020202020204" pitchFamily="34" charset="0"/>
+              <a:buChar char="•"/>
+              <a:defRPr kumimoji="1" sz="1800" kern="1200">
+                <a:solidFill>
+                  <a:schemeClr val="tx1"/>
+                </a:solidFill>
+                <a:latin typeface="+mn-lt"/>
+                <a:ea typeface="+mn-ea"/>
+                <a:cs typeface="+mn-cs"/>
+              </a:defRPr>
+            </a:lvl9pPr>
+          </a:lstStyle>
+          <a:p>
+            <a:pPr>
+              <a:buNone/>
+            </a:pPr>
+            <a:r>
+              <a:rPr lang="en-US" altLang="ja-JP" sz="1800" dirty="0" err="1" smtClean="0">
+                <a:solidFill>
+                  <a:schemeClr val="bg1"/>
+                </a:solidFill>
+                <a:latin typeface="ＭＳ Ｐゴシック" panose="020B0600070205080204" pitchFamily="50" charset="-128"/>
+                <a:ea typeface="ＭＳ Ｐゴシック" panose="020B0600070205080204" pitchFamily="50" charset="-128"/>
+              </a:rPr>
+              <a:t>Clsss</a:t>
+            </a:r>
+            <a:r>
+              <a:rPr lang="en-US" altLang="ja-JP" sz="1800" dirty="0" smtClean="0">
+                <a:solidFill>
+                  <a:schemeClr val="bg1"/>
+                </a:solidFill>
+                <a:latin typeface="ＭＳ Ｐゴシック" panose="020B0600070205080204" pitchFamily="50" charset="-128"/>
+                <a:ea typeface="ＭＳ Ｐゴシック" panose="020B0600070205080204" pitchFamily="50" charset="-128"/>
+              </a:rPr>
+              <a:t> App extends Component {</a:t>
+            </a:r>
+          </a:p>
+          <a:p>
+            <a:pPr>
+              <a:buNone/>
+            </a:pPr>
+            <a:r>
+              <a:rPr lang="en-US" altLang="ja-JP" sz="1800" dirty="0" smtClean="0">
+                <a:solidFill>
+                  <a:schemeClr val="bg1"/>
+                </a:solidFill>
+                <a:latin typeface="ＭＳ Ｐゴシック" panose="020B0600070205080204" pitchFamily="50" charset="-128"/>
+                <a:ea typeface="ＭＳ Ｐゴシック" panose="020B0600070205080204" pitchFamily="50" charset="-128"/>
+              </a:rPr>
+              <a:t> </a:t>
+            </a:r>
+            <a:r>
+              <a:rPr lang="en-US" altLang="ja-JP" sz="1800" dirty="0" smtClean="0">
+                <a:solidFill>
+                  <a:schemeClr val="bg1"/>
+                </a:solidFill>
+                <a:latin typeface="ＭＳ Ｐゴシック" panose="020B0600070205080204" pitchFamily="50" charset="-128"/>
+                <a:ea typeface="ＭＳ Ｐゴシック" panose="020B0600070205080204" pitchFamily="50" charset="-128"/>
+              </a:rPr>
+              <a:t> render() {</a:t>
+            </a:r>
+          </a:p>
+          <a:p>
+            <a:pPr>
+              <a:buNone/>
+            </a:pPr>
+            <a:r>
+              <a:rPr lang="en-US" altLang="ja-JP" sz="1800" dirty="0" smtClean="0">
+                <a:solidFill>
+                  <a:schemeClr val="bg1"/>
+                </a:solidFill>
+                <a:latin typeface="ＭＳ Ｐゴシック" panose="020B0600070205080204" pitchFamily="50" charset="-128"/>
+                <a:ea typeface="ＭＳ Ｐゴシック" panose="020B0600070205080204" pitchFamily="50" charset="-128"/>
+              </a:rPr>
+              <a:t> </a:t>
+            </a:r>
+            <a:r>
+              <a:rPr lang="en-US" altLang="ja-JP" sz="1800" dirty="0" smtClean="0">
+                <a:solidFill>
+                  <a:schemeClr val="bg1"/>
+                </a:solidFill>
+                <a:latin typeface="ＭＳ Ｐゴシック" panose="020B0600070205080204" pitchFamily="50" charset="-128"/>
+                <a:ea typeface="ＭＳ Ｐゴシック" panose="020B0600070205080204" pitchFamily="50" charset="-128"/>
+              </a:rPr>
+              <a:t>   return (</a:t>
+            </a:r>
+          </a:p>
+          <a:p>
+            <a:pPr>
+              <a:buNone/>
+            </a:pPr>
+            <a:r>
+              <a:rPr lang="en-US" altLang="ja-JP" sz="1800" dirty="0" smtClean="0">
+                <a:solidFill>
+                  <a:schemeClr val="bg1"/>
+                </a:solidFill>
+                <a:latin typeface="ＭＳ Ｐゴシック" panose="020B0600070205080204" pitchFamily="50" charset="-128"/>
+                <a:ea typeface="ＭＳ Ｐゴシック" panose="020B0600070205080204" pitchFamily="50" charset="-128"/>
+              </a:rPr>
+              <a:t> </a:t>
+            </a:r>
+            <a:r>
+              <a:rPr lang="en-US" altLang="ja-JP" sz="1800" dirty="0" smtClean="0">
+                <a:solidFill>
+                  <a:schemeClr val="bg1"/>
+                </a:solidFill>
+                <a:latin typeface="ＭＳ Ｐゴシック" panose="020B0600070205080204" pitchFamily="50" charset="-128"/>
+                <a:ea typeface="ＭＳ Ｐゴシック" panose="020B0600070205080204" pitchFamily="50" charset="-128"/>
+              </a:rPr>
+              <a:t>     &lt;h1&gt;Hello world&lt;/h1&gt;</a:t>
+            </a:r>
+          </a:p>
+          <a:p>
+            <a:pPr>
+              <a:buNone/>
+            </a:pPr>
+            <a:r>
+              <a:rPr lang="en-US" altLang="ja-JP" sz="1800" dirty="0" smtClean="0">
+                <a:solidFill>
+                  <a:schemeClr val="bg1"/>
+                </a:solidFill>
+                <a:latin typeface="ＭＳ Ｐゴシック" panose="020B0600070205080204" pitchFamily="50" charset="-128"/>
+                <a:ea typeface="ＭＳ Ｐゴシック" panose="020B0600070205080204" pitchFamily="50" charset="-128"/>
+              </a:rPr>
+              <a:t> </a:t>
+            </a:r>
+            <a:r>
+              <a:rPr lang="en-US" altLang="ja-JP" sz="1800" dirty="0" smtClean="0">
+                <a:solidFill>
+                  <a:schemeClr val="bg1"/>
+                </a:solidFill>
+                <a:latin typeface="ＭＳ Ｐゴシック" panose="020B0600070205080204" pitchFamily="50" charset="-128"/>
+                <a:ea typeface="ＭＳ Ｐゴシック" panose="020B0600070205080204" pitchFamily="50" charset="-128"/>
+              </a:rPr>
+              <a:t>   );</a:t>
+            </a:r>
+          </a:p>
+          <a:p>
+            <a:pPr>
+              <a:buNone/>
+            </a:pPr>
+            <a:r>
+              <a:rPr lang="en-US" altLang="ja-JP" sz="1800" dirty="0" smtClean="0">
+                <a:solidFill>
+                  <a:schemeClr val="bg1"/>
+                </a:solidFill>
+                <a:latin typeface="ＭＳ Ｐゴシック" panose="020B0600070205080204" pitchFamily="50" charset="-128"/>
+                <a:ea typeface="ＭＳ Ｐゴシック" panose="020B0600070205080204" pitchFamily="50" charset="-128"/>
+              </a:rPr>
+              <a:t> </a:t>
+            </a:r>
+            <a:r>
+              <a:rPr lang="en-US" altLang="ja-JP" sz="1800" dirty="0" smtClean="0">
+                <a:solidFill>
+                  <a:schemeClr val="bg1"/>
+                </a:solidFill>
+                <a:latin typeface="ＭＳ Ｐゴシック" panose="020B0600070205080204" pitchFamily="50" charset="-128"/>
+                <a:ea typeface="ＭＳ Ｐゴシック" panose="020B0600070205080204" pitchFamily="50" charset="-128"/>
+              </a:rPr>
+              <a:t> }</a:t>
+            </a:r>
+          </a:p>
+          <a:p>
+            <a:pPr>
+              <a:buNone/>
+            </a:pPr>
+            <a:r>
+              <a:rPr lang="en-US" altLang="ja-JP" sz="1800" dirty="0" smtClean="0">
+                <a:solidFill>
+                  <a:schemeClr val="bg1"/>
+                </a:solidFill>
+                <a:latin typeface="ＭＳ Ｐゴシック" panose="020B0600070205080204" pitchFamily="50" charset="-128"/>
+                <a:ea typeface="ＭＳ Ｐゴシック" panose="020B0600070205080204" pitchFamily="50" charset="-128"/>
+              </a:rPr>
+              <a:t>}</a:t>
+            </a:r>
+          </a:p>
+        </p:txBody>
+      </p:sp>
+      <p:sp>
+        <p:nvSpPr>
+          <p:cNvPr id="11" name="線吹き出し 2 (枠付き) 10"/>
           <p:cNvSpPr/>
           <p:nvPr/>
         </p:nvSpPr>
         <p:spPr>
-          <a:xfrm rot="5400000">
-            <a:off x="3513408" y="1304772"/>
-            <a:ext cx="337623" cy="5268353"/>
+          <a:xfrm>
+            <a:off x="5743578" y="2253845"/>
+            <a:ext cx="5862268" cy="1108334"/>
           </a:xfrm>
-          <a:prstGeom prst="rightBrace">
-            <a:avLst/>
+          <a:prstGeom prst="borderCallout2">
+            <a:avLst>
+              <a:gd name="adj1" fmla="val 17750"/>
+              <a:gd name="adj2" fmla="val 413"/>
+              <a:gd name="adj3" fmla="val 13079"/>
+              <a:gd name="adj4" fmla="val -14748"/>
+              <a:gd name="adj5" fmla="val 39014"/>
+              <a:gd name="adj6" fmla="val -67789"/>
+            </a:avLst>
           </a:prstGeom>
+          <a:solidFill>
+            <a:schemeClr val="bg1"/>
+          </a:solidFill>
           <a:ln w="28575">
             <a:solidFill>
-              <a:srgbClr val="FF0000"/>
+              <a:srgbClr val="3399FF"/>
             </a:solidFill>
           </a:ln>
         </p:spPr>
         <p:style>
-          <a:lnRef idx="1">
-            <a:schemeClr val="accent1"/>
+          <a:lnRef idx="2">
+            <a:schemeClr val="accent1">
+              <a:shade val="50000"/>
+            </a:schemeClr>
           </a:lnRef>
-          <a:fillRef idx="0">
+          <a:fillRef idx="1">
             <a:schemeClr val="accent1"/>
           </a:fillRef>
           <a:effectRef idx="0">
             <a:schemeClr val="accent1"/>
           </a:effectRef>
           <a:fontRef idx="minor">
-            <a:schemeClr val="tx1"/>
+            <a:schemeClr val="lt1"/>
           </a:fontRef>
         </p:style>
         <p:txBody>
           <a:bodyPr rtlCol="0" anchor="ctr"/>
           <a:lstStyle/>
           <a:p>
-            <a:pPr algn="ctr"/>
-            <a:endParaRPr kumimoji="1" lang="ja-JP" altLang="en-US"/>
-          </a:p>
-        </p:txBody>
-      </p:sp>
-      <p:sp>
-        <p:nvSpPr>
-          <p:cNvPr id="15" name="テキスト ボックス 14"/>
+            <a:r>
+              <a:rPr lang="en-US" altLang="ja-JP" dirty="0" err="1" smtClean="0">
+                <a:solidFill>
+                  <a:schemeClr val="tx1"/>
+                </a:solidFill>
+              </a:rPr>
+              <a:t>React.Component</a:t>
+            </a:r>
+            <a:r>
+              <a:rPr lang="ja-JP" altLang="en-US" dirty="0" smtClean="0">
+                <a:solidFill>
+                  <a:schemeClr val="tx1"/>
+                </a:solidFill>
+              </a:rPr>
+              <a:t>の</a:t>
+            </a:r>
+            <a:r>
+              <a:rPr lang="en-US" altLang="ja-JP" dirty="0" smtClean="0">
+                <a:solidFill>
+                  <a:schemeClr val="tx1"/>
+                </a:solidFill>
+              </a:rPr>
+              <a:t>render()</a:t>
+            </a:r>
+            <a:r>
+              <a:rPr lang="ja-JP" altLang="en-US" dirty="0" smtClean="0">
+                <a:solidFill>
+                  <a:schemeClr val="tx1"/>
+                </a:solidFill>
+              </a:rPr>
+              <a:t>は</a:t>
+            </a:r>
+            <a:r>
+              <a:rPr lang="en-US" altLang="ja-JP" dirty="0" smtClean="0">
+                <a:solidFill>
+                  <a:schemeClr val="tx1"/>
+                </a:solidFill>
+              </a:rPr>
+              <a:t>Component</a:t>
+            </a:r>
+            <a:r>
+              <a:rPr lang="ja-JP" altLang="en-US" dirty="0" smtClean="0">
+                <a:solidFill>
+                  <a:schemeClr val="tx1"/>
+                </a:solidFill>
+              </a:rPr>
+              <a:t>のサブクラスで定義する必要のある唯一の</a:t>
+            </a:r>
+            <a:r>
+              <a:rPr lang="ja-JP" altLang="en-US" dirty="0" smtClean="0">
+                <a:solidFill>
+                  <a:schemeClr val="tx1"/>
+                </a:solidFill>
+              </a:rPr>
+              <a:t>メソッド</a:t>
+            </a:r>
+            <a:r>
+              <a:rPr lang="ja-JP" altLang="en-US" dirty="0" smtClean="0">
+                <a:solidFill>
+                  <a:schemeClr val="tx1"/>
+                </a:solidFill>
+              </a:rPr>
+              <a:t>です</a:t>
+            </a:r>
+            <a:r>
+              <a:rPr lang="ja-JP" altLang="en-US" dirty="0" smtClean="0">
+                <a:solidFill>
+                  <a:schemeClr val="tx1"/>
+                </a:solidFill>
+              </a:rPr>
+              <a:t>。</a:t>
+            </a:r>
+            <a:endParaRPr lang="en-US" altLang="ja-JP" dirty="0" smtClean="0">
+              <a:solidFill>
+                <a:schemeClr val="tx1"/>
+              </a:solidFill>
+            </a:endParaRPr>
+          </a:p>
+        </p:txBody>
+      </p:sp>
+      <p:sp>
+        <p:nvSpPr>
+          <p:cNvPr id="16" name="線吹き出し 2 (枠付き) 15"/>
+          <p:cNvSpPr/>
+          <p:nvPr/>
+        </p:nvSpPr>
+        <p:spPr>
+          <a:xfrm>
+            <a:off x="5727166" y="3545729"/>
+            <a:ext cx="5862268" cy="857459"/>
+          </a:xfrm>
+          <a:prstGeom prst="borderCallout2">
+            <a:avLst>
+              <a:gd name="adj1" fmla="val 17750"/>
+              <a:gd name="adj2" fmla="val 413"/>
+              <a:gd name="adj3" fmla="val 2925"/>
+              <a:gd name="adj4" fmla="val -11868"/>
+              <a:gd name="adj5" fmla="val -8286"/>
+              <a:gd name="adj6" fmla="val -44272"/>
+            </a:avLst>
+          </a:prstGeom>
+          <a:solidFill>
+            <a:schemeClr val="bg1"/>
+          </a:solidFill>
+          <a:ln w="28575">
+            <a:solidFill>
+              <a:srgbClr val="3399FF"/>
+            </a:solidFill>
+          </a:ln>
+        </p:spPr>
+        <p:style>
+          <a:lnRef idx="2">
+            <a:schemeClr val="accent1">
+              <a:shade val="50000"/>
+            </a:schemeClr>
+          </a:lnRef>
+          <a:fillRef idx="1">
+            <a:schemeClr val="accent1"/>
+          </a:fillRef>
+          <a:effectRef idx="0">
+            <a:schemeClr val="accent1"/>
+          </a:effectRef>
+          <a:fontRef idx="minor">
+            <a:schemeClr val="lt1"/>
+          </a:fontRef>
+        </p:style>
+        <p:txBody>
+          <a:bodyPr rtlCol="0" anchor="ctr"/>
+          <a:lstStyle/>
+          <a:p>
+            <a:r>
+              <a:rPr lang="en-US" altLang="ja-JP" dirty="0" smtClean="0">
+                <a:solidFill>
+                  <a:schemeClr val="tx1"/>
+                </a:solidFill>
+              </a:rPr>
+              <a:t>Component</a:t>
+            </a:r>
+            <a:r>
+              <a:rPr lang="ja-JP" altLang="en-US" dirty="0" smtClean="0">
+                <a:solidFill>
+                  <a:schemeClr val="tx1"/>
+                </a:solidFill>
+              </a:rPr>
+              <a:t>を</a:t>
+            </a:r>
+            <a:r>
+              <a:rPr lang="en-US" altLang="ja-JP" dirty="0" smtClean="0">
+                <a:solidFill>
+                  <a:schemeClr val="tx1"/>
+                </a:solidFill>
+              </a:rPr>
+              <a:t>1</a:t>
+            </a:r>
+            <a:r>
+              <a:rPr lang="ja-JP" altLang="en-US" dirty="0" smtClean="0">
+                <a:solidFill>
+                  <a:schemeClr val="tx1"/>
+                </a:solidFill>
+              </a:rPr>
+              <a:t>つ返す必要があります</a:t>
+            </a:r>
+            <a:r>
+              <a:rPr lang="ja-JP" altLang="en-US" dirty="0" smtClean="0">
+                <a:solidFill>
+                  <a:schemeClr val="tx1"/>
+                </a:solidFill>
+              </a:rPr>
+              <a:t>。</a:t>
+            </a:r>
+            <a:endParaRPr lang="en-US" altLang="ja-JP" dirty="0" smtClean="0">
+              <a:solidFill>
+                <a:schemeClr val="tx1"/>
+              </a:solidFill>
+            </a:endParaRPr>
+          </a:p>
+          <a:p>
+            <a:r>
+              <a:rPr lang="ja-JP" altLang="en-US" dirty="0" smtClean="0">
+                <a:solidFill>
+                  <a:schemeClr val="tx1"/>
+                </a:solidFill>
+              </a:rPr>
+              <a:t>なお</a:t>
+            </a:r>
+            <a:r>
+              <a:rPr lang="ja-JP" altLang="en-US" dirty="0" smtClean="0">
+                <a:solidFill>
+                  <a:schemeClr val="tx1"/>
+                </a:solidFill>
+              </a:rPr>
+              <a:t>、複数の</a:t>
+            </a:r>
+            <a:r>
+              <a:rPr lang="en-US" altLang="ja-JP" dirty="0" smtClean="0">
+                <a:solidFill>
+                  <a:schemeClr val="tx1"/>
+                </a:solidFill>
+              </a:rPr>
+              <a:t>Component</a:t>
+            </a:r>
+            <a:r>
+              <a:rPr lang="ja-JP" altLang="en-US" dirty="0" smtClean="0">
+                <a:solidFill>
+                  <a:schemeClr val="tx1"/>
+                </a:solidFill>
+              </a:rPr>
+              <a:t>は返せません。</a:t>
+            </a:r>
+            <a:endParaRPr lang="en-US" altLang="ja-JP" dirty="0" smtClean="0">
+              <a:solidFill>
+                <a:schemeClr val="tx1"/>
+              </a:solidFill>
+            </a:endParaRPr>
+          </a:p>
+        </p:txBody>
+      </p:sp>
+      <p:sp>
+        <p:nvSpPr>
+          <p:cNvPr id="17" name="テキスト ボックス 16"/>
           <p:cNvSpPr txBox="1"/>
           <p:nvPr/>
         </p:nvSpPr>
         <p:spPr>
           <a:xfrm>
-            <a:off x="2614245" y="4260154"/>
-            <a:ext cx="2300630" cy="369332"/>
+            <a:off x="3840481" y="5120640"/>
+            <a:ext cx="1414170" cy="307777"/>
           </a:xfrm>
           <a:prstGeom prst="rect">
             <a:avLst/>
@@ -4330,90 +5618,17 @@
           <a:lstStyle/>
           <a:p>
             <a:r>
-              <a:rPr kumimoji="1" lang="ja-JP" altLang="en-US" dirty="0" smtClean="0"/>
-              <a:t>②コンポーネントの描画</a:t>
-            </a:r>
-            <a:endParaRPr kumimoji="1" lang="ja-JP" altLang="en-US" dirty="0"/>
-          </a:p>
-        </p:txBody>
-      </p:sp>
-      <p:sp>
-        <p:nvSpPr>
-          <p:cNvPr id="21" name="テキスト ボックス 20"/>
-          <p:cNvSpPr txBox="1"/>
-          <p:nvPr/>
-        </p:nvSpPr>
-        <p:spPr>
-          <a:xfrm>
-            <a:off x="7295839" y="3586311"/>
-            <a:ext cx="4809141" cy="646331"/>
-          </a:xfrm>
-          <a:prstGeom prst="rect">
-            <a:avLst/>
-          </a:prstGeom>
-          <a:noFill/>
-        </p:spPr>
-        <p:txBody>
-          <a:bodyPr wrap="square" rtlCol="0">
-            <a:spAutoFit/>
-          </a:bodyPr>
-          <a:lstStyle/>
-          <a:p>
-            <a:r>
-              <a:rPr lang="en-US" altLang="ja-JP" dirty="0" smtClean="0"/>
-              <a:t>※HTML</a:t>
-            </a:r>
-            <a:r>
-              <a:rPr lang="ja-JP" altLang="en-US" dirty="0" smtClean="0"/>
-              <a:t>タグを直接</a:t>
-            </a:r>
-            <a:r>
-              <a:rPr lang="en-US" altLang="ja-JP" dirty="0" smtClean="0"/>
-              <a:t>return</a:t>
-            </a:r>
-            <a:r>
-              <a:rPr lang="ja-JP" altLang="en-US" dirty="0" smtClean="0"/>
-              <a:t>する書き方を</a:t>
-            </a:r>
-            <a:endParaRPr lang="en-US" altLang="ja-JP" dirty="0" smtClean="0"/>
-          </a:p>
-          <a:p>
-            <a:r>
-              <a:rPr lang="ja-JP" altLang="en-US" dirty="0" smtClean="0"/>
-              <a:t>実現しているのが</a:t>
-            </a:r>
-            <a:r>
-              <a:rPr lang="en-US" altLang="ja-JP" dirty="0" smtClean="0"/>
-              <a:t>JSX</a:t>
-            </a:r>
-            <a:endParaRPr kumimoji="1" lang="ja-JP" altLang="en-US" dirty="0"/>
-          </a:p>
-        </p:txBody>
-      </p:sp>
-      <p:pic>
-        <p:nvPicPr>
-          <p:cNvPr id="5" name="図 4"/>
-          <p:cNvPicPr>
-            <a:picLocks noChangeAspect="1"/>
-          </p:cNvPicPr>
-          <p:nvPr/>
-        </p:nvPicPr>
-        <p:blipFill>
-          <a:blip r:embed="rId3" cstate="print"/>
-          <a:stretch>
-            <a:fillRect/>
-          </a:stretch>
-        </p:blipFill>
-        <p:spPr>
-          <a:xfrm>
-            <a:off x="667481" y="2156345"/>
-            <a:ext cx="6135103" cy="4361447"/>
-          </a:xfrm>
-          <a:prstGeom prst="rect">
-            <a:avLst/>
-          </a:prstGeom>
-        </p:spPr>
-      </p:pic>
+              <a:rPr kumimoji="1" lang="en-US" altLang="ja-JP" sz="1400" dirty="0" smtClean="0"/>
+              <a:t>※App.js</a:t>
+            </a:r>
+            <a:r>
+              <a:rPr kumimoji="1" lang="ja-JP" altLang="en-US" sz="1400" dirty="0" smtClean="0"/>
+              <a:t>に記載</a:t>
+            </a:r>
+            <a:endParaRPr kumimoji="1" lang="ja-JP" altLang="en-US" sz="1400" dirty="0"/>
+          </a:p>
+        </p:txBody>
+      </p:sp>
     </p:spTree>
   </p:cSld>
   <p:clrMapOvr>
@@ -4498,11 +5713,15 @@
           <a:p>
             <a:r>
               <a:rPr kumimoji="1" lang="ja-JP" altLang="en-US" dirty="0" smtClean="0"/>
-              <a:t>コンポーネントを描画す</a:t>
+              <a:t>コンポーネントを</a:t>
+            </a:r>
+            <a:r>
+              <a:rPr kumimoji="1" lang="ja-JP" altLang="en-US" dirty="0" smtClean="0"/>
+              <a:t>描画</a:t>
             </a:r>
             <a:r>
               <a:rPr lang="ja-JP" altLang="en-US" dirty="0" smtClean="0"/>
-              <a:t>る</a:t>
+              <a:t>します</a:t>
             </a:r>
             <a:r>
               <a:rPr kumimoji="1" lang="ja-JP" altLang="en-US" dirty="0" smtClean="0"/>
@@ -4552,14 +5771,14 @@
       </p:sp>
       <p:sp>
         <p:nvSpPr>
-          <p:cNvPr id="21" name="テキスト ボックス 20"/>
+          <p:cNvPr id="7" name="テキスト ボックス 6"/>
           <p:cNvSpPr txBox="1"/>
           <p:nvPr/>
         </p:nvSpPr>
         <p:spPr>
           <a:xfrm>
-            <a:off x="9070048" y="3810844"/>
-            <a:ext cx="2980926" cy="369332"/>
+            <a:off x="5106573" y="4853353"/>
+            <a:ext cx="1544012" cy="307777"/>
           </a:xfrm>
           <a:prstGeom prst="rect">
             <a:avLst/>
@@ -4567,55 +5786,466 @@
           <a:noFill/>
         </p:spPr>
         <p:txBody>
-          <a:bodyPr wrap="square" rtlCol="0">
+          <a:bodyPr wrap="none" rtlCol="0">
             <a:spAutoFit/>
           </a:bodyPr>
           <a:lstStyle/>
           <a:p>
             <a:r>
-              <a:rPr lang="en-US" altLang="ja-JP" dirty="0" smtClean="0"/>
-              <a:t>※App.js</a:t>
-            </a:r>
-            <a:r>
-              <a:rPr lang="ja-JP" altLang="en-US" dirty="0" err="1" smtClean="0"/>
-              <a:t>を描</a:t>
-            </a:r>
-            <a:r>
-              <a:rPr lang="ja-JP" altLang="en-US" dirty="0" smtClean="0"/>
-              <a:t>画します</a:t>
-            </a:r>
-            <a:endParaRPr kumimoji="1" lang="ja-JP" altLang="en-US" dirty="0"/>
-          </a:p>
-        </p:txBody>
-      </p:sp>
-      <p:pic>
-        <p:nvPicPr>
-          <p:cNvPr id="3" name="図 2"/>
-          <p:cNvPicPr>
-            <a:picLocks noChangeAspect="1"/>
-          </p:cNvPicPr>
+              <a:rPr kumimoji="1" lang="en-US" altLang="ja-JP" sz="1400" dirty="0" smtClean="0"/>
+              <a:t>※index.js</a:t>
+            </a:r>
+            <a:r>
+              <a:rPr kumimoji="1" lang="ja-JP" altLang="en-US" sz="1400" dirty="0" smtClean="0"/>
+              <a:t>に記載</a:t>
+            </a:r>
+            <a:endParaRPr kumimoji="1" lang="ja-JP" altLang="en-US" sz="1400" dirty="0"/>
+          </a:p>
+        </p:txBody>
+      </p:sp>
+      <p:sp>
+        <p:nvSpPr>
+          <p:cNvPr id="8" name="コンテンツ プレースホルダー 3"/>
+          <p:cNvSpPr txBox="1">
+            <a:spLocks/>
+          </p:cNvSpPr>
           <p:nvPr/>
-        </p:nvPicPr>
-        <p:blipFill>
-          <a:blip r:embed="rId3" cstate="print"/>
-          <a:stretch>
-            <a:fillRect/>
-          </a:stretch>
-        </p:blipFill>
+        </p:nvSpPr>
         <p:spPr>
           <a:xfrm>
-            <a:off x="431799" y="2082863"/>
-            <a:ext cx="8452894" cy="3455962"/>
+            <a:off x="407965" y="2110157"/>
+            <a:ext cx="6231986" cy="2686926"/>
           </a:xfrm>
           <a:prstGeom prst="rect">
             <a:avLst/>
           </a:prstGeom>
+          <a:solidFill>
+            <a:srgbClr val="333F50"/>
+          </a:solidFill>
+          <a:ln>
+            <a:solidFill>
+              <a:schemeClr val="bg1">
+                <a:lumMod val="95000"/>
+              </a:schemeClr>
+            </a:solidFill>
+          </a:ln>
         </p:spPr>
-      </p:pic>
+        <p:txBody>
+          <a:bodyPr anchor="ctr"/>
+          <a:lstStyle>
+            <a:lvl1pPr marL="228600" indent="-228600" algn="l" defTabSz="914400" rtl="0" eaLnBrk="1" latinLnBrk="0" hangingPunct="1">
+              <a:lnSpc>
+                <a:spcPct val="90000"/>
+              </a:lnSpc>
+              <a:spcBef>
+                <a:spcPts val="1000"/>
+              </a:spcBef>
+              <a:buFont typeface="Arial" panose="020B0604020202020204" pitchFamily="34" charset="0"/>
+              <a:buChar char="•"/>
+              <a:defRPr kumimoji="1" sz="2000" kern="1200">
+                <a:solidFill>
+                  <a:schemeClr val="tx1"/>
+                </a:solidFill>
+                <a:latin typeface="Meiryo UI" panose="020B0604030504040204" pitchFamily="50" charset="-128"/>
+                <a:ea typeface="Meiryo UI" panose="020B0604030504040204" pitchFamily="50" charset="-128"/>
+                <a:cs typeface="+mn-cs"/>
+              </a:defRPr>
+            </a:lvl1pPr>
+            <a:lvl2pPr marL="685800" indent="-228600" algn="l" defTabSz="914400" rtl="0" eaLnBrk="1" latinLnBrk="0" hangingPunct="1">
+              <a:lnSpc>
+                <a:spcPct val="90000"/>
+              </a:lnSpc>
+              <a:spcBef>
+                <a:spcPts val="500"/>
+              </a:spcBef>
+              <a:buFont typeface="Arial" panose="020B0604020202020204" pitchFamily="34" charset="0"/>
+              <a:buChar char="•"/>
+              <a:defRPr kumimoji="1" sz="1800" kern="1200">
+                <a:solidFill>
+                  <a:schemeClr val="tx1"/>
+                </a:solidFill>
+                <a:latin typeface="Meiryo UI" panose="020B0604030504040204" pitchFamily="50" charset="-128"/>
+                <a:ea typeface="Meiryo UI" panose="020B0604030504040204" pitchFamily="50" charset="-128"/>
+                <a:cs typeface="+mn-cs"/>
+              </a:defRPr>
+            </a:lvl2pPr>
+            <a:lvl3pPr marL="1143000" indent="-228600" algn="l" defTabSz="914400" rtl="0" eaLnBrk="1" latinLnBrk="0" hangingPunct="1">
+              <a:lnSpc>
+                <a:spcPct val="90000"/>
+              </a:lnSpc>
+              <a:spcBef>
+                <a:spcPts val="500"/>
+              </a:spcBef>
+              <a:buFont typeface="Arial" panose="020B0604020202020204" pitchFamily="34" charset="0"/>
+              <a:buChar char="•"/>
+              <a:defRPr kumimoji="1" sz="1600" kern="1200">
+                <a:solidFill>
+                  <a:schemeClr val="tx1"/>
+                </a:solidFill>
+                <a:latin typeface="Meiryo UI" panose="020B0604030504040204" pitchFamily="50" charset="-128"/>
+                <a:ea typeface="Meiryo UI" panose="020B0604030504040204" pitchFamily="50" charset="-128"/>
+                <a:cs typeface="+mn-cs"/>
+              </a:defRPr>
+            </a:lvl3pPr>
+            <a:lvl4pPr marL="1600200" indent="-228600" algn="l" defTabSz="914400" rtl="0" eaLnBrk="1" latinLnBrk="0" hangingPunct="1">
+              <a:lnSpc>
+                <a:spcPct val="90000"/>
+              </a:lnSpc>
+              <a:spcBef>
+                <a:spcPts val="500"/>
+              </a:spcBef>
+              <a:buFont typeface="Arial" panose="020B0604020202020204" pitchFamily="34" charset="0"/>
+              <a:buChar char="•"/>
+              <a:defRPr kumimoji="1" sz="1400" kern="1200">
+                <a:solidFill>
+                  <a:schemeClr val="tx1"/>
+                </a:solidFill>
+                <a:latin typeface="Meiryo UI" panose="020B0604030504040204" pitchFamily="50" charset="-128"/>
+                <a:ea typeface="Meiryo UI" panose="020B0604030504040204" pitchFamily="50" charset="-128"/>
+                <a:cs typeface="+mn-cs"/>
+              </a:defRPr>
+            </a:lvl4pPr>
+            <a:lvl5pPr marL="2057400" indent="-228600" algn="l" defTabSz="914400" rtl="0" eaLnBrk="1" latinLnBrk="0" hangingPunct="1">
+              <a:lnSpc>
+                <a:spcPct val="90000"/>
+              </a:lnSpc>
+              <a:spcBef>
+                <a:spcPts val="500"/>
+              </a:spcBef>
+              <a:buFont typeface="Arial" panose="020B0604020202020204" pitchFamily="34" charset="0"/>
+              <a:buChar char="•"/>
+              <a:defRPr kumimoji="1" sz="1200" kern="1200">
+                <a:solidFill>
+                  <a:schemeClr val="tx1"/>
+                </a:solidFill>
+                <a:latin typeface="Meiryo UI" panose="020B0604030504040204" pitchFamily="50" charset="-128"/>
+                <a:ea typeface="Meiryo UI" panose="020B0604030504040204" pitchFamily="50" charset="-128"/>
+                <a:cs typeface="+mn-cs"/>
+              </a:defRPr>
+            </a:lvl5pPr>
+            <a:lvl6pPr marL="2514600" indent="-228600" algn="l" defTabSz="914400" rtl="0" eaLnBrk="1" latinLnBrk="0" hangingPunct="1">
+              <a:lnSpc>
+                <a:spcPct val="90000"/>
+              </a:lnSpc>
+              <a:spcBef>
+                <a:spcPts val="500"/>
+              </a:spcBef>
+              <a:buFont typeface="Arial" panose="020B0604020202020204" pitchFamily="34" charset="0"/>
+              <a:buChar char="•"/>
+              <a:defRPr kumimoji="1" sz="1800" kern="1200">
+                <a:solidFill>
+                  <a:schemeClr val="tx1"/>
+                </a:solidFill>
+                <a:latin typeface="+mn-lt"/>
+                <a:ea typeface="+mn-ea"/>
+                <a:cs typeface="+mn-cs"/>
+              </a:defRPr>
+            </a:lvl6pPr>
+            <a:lvl7pPr marL="2971800" indent="-228600" algn="l" defTabSz="914400" rtl="0" eaLnBrk="1" latinLnBrk="0" hangingPunct="1">
+              <a:lnSpc>
+                <a:spcPct val="90000"/>
+              </a:lnSpc>
+              <a:spcBef>
+                <a:spcPts val="500"/>
+              </a:spcBef>
+              <a:buFont typeface="Arial" panose="020B0604020202020204" pitchFamily="34" charset="0"/>
+              <a:buChar char="•"/>
+              <a:defRPr kumimoji="1" sz="1800" kern="1200">
+                <a:solidFill>
+                  <a:schemeClr val="tx1"/>
+                </a:solidFill>
+                <a:latin typeface="+mn-lt"/>
+                <a:ea typeface="+mn-ea"/>
+                <a:cs typeface="+mn-cs"/>
+              </a:defRPr>
+            </a:lvl7pPr>
+            <a:lvl8pPr marL="3429000" indent="-228600" algn="l" defTabSz="914400" rtl="0" eaLnBrk="1" latinLnBrk="0" hangingPunct="1">
+              <a:lnSpc>
+                <a:spcPct val="90000"/>
+              </a:lnSpc>
+              <a:spcBef>
+                <a:spcPts val="500"/>
+              </a:spcBef>
+              <a:buFont typeface="Arial" panose="020B0604020202020204" pitchFamily="34" charset="0"/>
+              <a:buChar char="•"/>
+              <a:defRPr kumimoji="1" sz="1800" kern="1200">
+                <a:solidFill>
+                  <a:schemeClr val="tx1"/>
+                </a:solidFill>
+                <a:latin typeface="+mn-lt"/>
+                <a:ea typeface="+mn-ea"/>
+                <a:cs typeface="+mn-cs"/>
+              </a:defRPr>
+            </a:lvl8pPr>
+            <a:lvl9pPr marL="3886200" indent="-228600" algn="l" defTabSz="914400" rtl="0" eaLnBrk="1" latinLnBrk="0" hangingPunct="1">
+              <a:lnSpc>
+                <a:spcPct val="90000"/>
+              </a:lnSpc>
+              <a:spcBef>
+                <a:spcPts val="500"/>
+              </a:spcBef>
+              <a:buFont typeface="Arial" panose="020B0604020202020204" pitchFamily="34" charset="0"/>
+              <a:buChar char="•"/>
+              <a:defRPr kumimoji="1" sz="1800" kern="1200">
+                <a:solidFill>
+                  <a:schemeClr val="tx1"/>
+                </a:solidFill>
+                <a:latin typeface="+mn-lt"/>
+                <a:ea typeface="+mn-ea"/>
+                <a:cs typeface="+mn-cs"/>
+              </a:defRPr>
+            </a:lvl9pPr>
+          </a:lstStyle>
+          <a:p>
+            <a:pPr>
+              <a:buNone/>
+            </a:pPr>
+            <a:r>
+              <a:rPr lang="en-US" altLang="ja-JP" sz="1800" dirty="0" err="1" smtClean="0">
+                <a:solidFill>
+                  <a:schemeClr val="bg1"/>
+                </a:solidFill>
+                <a:latin typeface="ＭＳ Ｐゴシック" panose="020B0600070205080204" pitchFamily="50" charset="-128"/>
+                <a:ea typeface="ＭＳ Ｐゴシック" panose="020B0600070205080204" pitchFamily="50" charset="-128"/>
+              </a:rPr>
+              <a:t>ReactDOM.render</a:t>
+            </a:r>
+            <a:r>
+              <a:rPr lang="en-US" altLang="ja-JP" sz="1800" dirty="0" smtClean="0">
+                <a:solidFill>
+                  <a:schemeClr val="bg1"/>
+                </a:solidFill>
+                <a:latin typeface="ＭＳ Ｐゴシック" panose="020B0600070205080204" pitchFamily="50" charset="-128"/>
+                <a:ea typeface="ＭＳ Ｐゴシック" panose="020B0600070205080204" pitchFamily="50" charset="-128"/>
+              </a:rPr>
+              <a:t>(&lt;App /&gt;, </a:t>
+            </a:r>
+            <a:r>
+              <a:rPr lang="en-US" altLang="ja-JP" sz="1800" dirty="0" err="1" smtClean="0">
+                <a:solidFill>
+                  <a:schemeClr val="bg1"/>
+                </a:solidFill>
+                <a:latin typeface="ＭＳ Ｐゴシック" panose="020B0600070205080204" pitchFamily="50" charset="-128"/>
+                <a:ea typeface="ＭＳ Ｐゴシック" panose="020B0600070205080204" pitchFamily="50" charset="-128"/>
+              </a:rPr>
+              <a:t>document.getElementById</a:t>
+            </a:r>
+            <a:r>
+              <a:rPr lang="en-US" altLang="ja-JP" sz="1800" dirty="0" smtClean="0">
+                <a:solidFill>
+                  <a:schemeClr val="bg1"/>
+                </a:solidFill>
+                <a:latin typeface="ＭＳ Ｐゴシック" panose="020B0600070205080204" pitchFamily="50" charset="-128"/>
+                <a:ea typeface="ＭＳ Ｐゴシック" panose="020B0600070205080204" pitchFamily="50" charset="-128"/>
+              </a:rPr>
+              <a:t>('root'));</a:t>
+            </a:r>
+          </a:p>
+        </p:txBody>
+      </p:sp>
+      <p:sp>
+        <p:nvSpPr>
+          <p:cNvPr id="9" name="線吹き出し 2 (枠付き) 8"/>
+          <p:cNvSpPr/>
+          <p:nvPr/>
+        </p:nvSpPr>
+        <p:spPr>
+          <a:xfrm>
+            <a:off x="6752492" y="2206953"/>
+            <a:ext cx="5092504" cy="1746069"/>
+          </a:xfrm>
+          <a:prstGeom prst="borderCallout2">
+            <a:avLst>
+              <a:gd name="adj1" fmla="val 17750"/>
+              <a:gd name="adj2" fmla="val 413"/>
+              <a:gd name="adj3" fmla="val 15253"/>
+              <a:gd name="adj4" fmla="val -19948"/>
+              <a:gd name="adj5" fmla="val 60393"/>
+              <a:gd name="adj6" fmla="val -65937"/>
+            </a:avLst>
+          </a:prstGeom>
+          <a:solidFill>
+            <a:schemeClr val="bg1"/>
+          </a:solidFill>
+          <a:ln w="28575">
+            <a:solidFill>
+              <a:srgbClr val="3399FF"/>
+            </a:solidFill>
+          </a:ln>
+        </p:spPr>
+        <p:style>
+          <a:lnRef idx="2">
+            <a:schemeClr val="accent1">
+              <a:shade val="50000"/>
+            </a:schemeClr>
+          </a:lnRef>
+          <a:fillRef idx="1">
+            <a:schemeClr val="accent1"/>
+          </a:fillRef>
+          <a:effectRef idx="0">
+            <a:schemeClr val="accent1"/>
+          </a:effectRef>
+          <a:fontRef idx="minor">
+            <a:schemeClr val="lt1"/>
+          </a:fontRef>
+        </p:style>
+        <p:txBody>
+          <a:bodyPr rtlCol="0" anchor="ctr"/>
+          <a:lstStyle/>
+          <a:p>
+            <a:pPr marL="228600" lvl="0" indent="-228600">
+              <a:lnSpc>
+                <a:spcPct val="90000"/>
+              </a:lnSpc>
+              <a:spcBef>
+                <a:spcPts val="1000"/>
+              </a:spcBef>
+              <a:defRPr/>
+            </a:pPr>
+            <a:r>
+              <a:rPr lang="en-US" altLang="ja-JP" dirty="0" err="1" smtClean="0">
+                <a:solidFill>
+                  <a:schemeClr val="tx1"/>
+                </a:solidFill>
+              </a:rPr>
+              <a:t>ReactDOM</a:t>
+            </a:r>
+            <a:r>
+              <a:rPr lang="ja-JP" altLang="en-US" dirty="0" smtClean="0">
+                <a:solidFill>
+                  <a:schemeClr val="tx1"/>
+                </a:solidFill>
+              </a:rPr>
+              <a:t>の</a:t>
+            </a:r>
+            <a:r>
+              <a:rPr lang="en-US" altLang="ja-JP" dirty="0" smtClean="0">
+                <a:solidFill>
+                  <a:schemeClr val="tx1"/>
+                </a:solidFill>
+              </a:rPr>
+              <a:t>render()</a:t>
+            </a:r>
+            <a:r>
+              <a:rPr lang="ja-JP" altLang="en-US" dirty="0" smtClean="0">
+                <a:solidFill>
+                  <a:schemeClr val="tx1"/>
+                </a:solidFill>
+              </a:rPr>
+              <a:t>は</a:t>
+            </a:r>
+            <a:endParaRPr lang="en-US" altLang="ja-JP" dirty="0" smtClean="0">
+              <a:solidFill>
+                <a:schemeClr val="tx1"/>
+              </a:solidFill>
+            </a:endParaRPr>
+          </a:p>
+          <a:p>
+            <a:pPr marL="228600" lvl="0" indent="-228600">
+              <a:lnSpc>
+                <a:spcPct val="90000"/>
+              </a:lnSpc>
+              <a:spcBef>
+                <a:spcPts val="1000"/>
+              </a:spcBef>
+              <a:defRPr/>
+            </a:pPr>
+            <a:r>
+              <a:rPr lang="en-US" altLang="ja-JP" dirty="0" smtClean="0">
+                <a:solidFill>
+                  <a:schemeClr val="tx1"/>
+                </a:solidFill>
+              </a:rPr>
+              <a:t>React</a:t>
+            </a:r>
+            <a:r>
+              <a:rPr lang="ja-JP" altLang="en-US" dirty="0" smtClean="0">
+                <a:solidFill>
+                  <a:schemeClr val="tx1"/>
+                </a:solidFill>
+              </a:rPr>
+              <a:t>要素を指定された</a:t>
+            </a:r>
+            <a:r>
+              <a:rPr lang="en-US" altLang="ja-JP" dirty="0" smtClean="0">
+                <a:solidFill>
+                  <a:schemeClr val="tx1"/>
+                </a:solidFill>
+              </a:rPr>
+              <a:t>document</a:t>
+            </a:r>
+            <a:r>
+              <a:rPr lang="ja-JP" altLang="en-US" dirty="0" smtClean="0">
+                <a:solidFill>
+                  <a:schemeClr val="tx1"/>
+                </a:solidFill>
+              </a:rPr>
+              <a:t>の中の</a:t>
+            </a:r>
+            <a:r>
+              <a:rPr lang="en-US" altLang="ja-JP" dirty="0" smtClean="0">
+                <a:solidFill>
+                  <a:schemeClr val="tx1"/>
+                </a:solidFill>
+              </a:rPr>
+              <a:t>DOM</a:t>
+            </a:r>
+            <a:r>
+              <a:rPr lang="ja-JP" altLang="en-US" dirty="0" smtClean="0">
+                <a:solidFill>
+                  <a:schemeClr val="tx1"/>
+                </a:solidFill>
+              </a:rPr>
+              <a:t>に</a:t>
+            </a:r>
+            <a:endParaRPr lang="en-US" altLang="ja-JP" dirty="0" smtClean="0">
+              <a:solidFill>
+                <a:schemeClr val="tx1"/>
+              </a:solidFill>
+            </a:endParaRPr>
+          </a:p>
+          <a:p>
+            <a:pPr marL="228600" lvl="0" indent="-228600">
+              <a:lnSpc>
+                <a:spcPct val="90000"/>
+              </a:lnSpc>
+              <a:spcBef>
+                <a:spcPts val="1000"/>
+              </a:spcBef>
+              <a:defRPr/>
+            </a:pPr>
+            <a:r>
+              <a:rPr lang="ja-JP" altLang="en-US" dirty="0" smtClean="0">
+                <a:solidFill>
+                  <a:schemeClr val="tx1"/>
+                </a:solidFill>
+              </a:rPr>
+              <a:t>レンダリングし、そのコンポーネントへの参照を返します</a:t>
+            </a:r>
+            <a:r>
+              <a:rPr lang="ja-JP" altLang="en-US" dirty="0" smtClean="0">
+                <a:solidFill>
+                  <a:schemeClr val="tx1"/>
+                </a:solidFill>
+                <a:latin typeface="Meiryo UI" panose="020B0604030504040204" pitchFamily="50" charset="-128"/>
+                <a:ea typeface="Meiryo UI" panose="020B0604030504040204" pitchFamily="50" charset="-128"/>
+              </a:rPr>
+              <a:t>。</a:t>
+            </a:r>
+            <a:endParaRPr lang="en-US" altLang="ja-JP" dirty="0" smtClean="0">
+              <a:solidFill>
+                <a:schemeClr val="tx1"/>
+              </a:solidFill>
+              <a:latin typeface="Meiryo UI" panose="020B0604030504040204" pitchFamily="50" charset="-128"/>
+              <a:ea typeface="Meiryo UI" panose="020B0604030504040204" pitchFamily="50" charset="-128"/>
+            </a:endParaRPr>
+          </a:p>
+        </p:txBody>
+      </p:sp>
     </p:spTree>
     <p:extLst>
       <p:ext uri="{BB962C8B-B14F-4D97-AF65-F5344CB8AC3E}">
-        <p14:creationId xmlns:p14="http://schemas.microsoft.com/office/powerpoint/2010/main" xmlns="" val="1742985703"/>
+        <p14:creationId xmlns="" xmlns:p14="http://schemas.microsoft.com/office/powerpoint/2010/main" val="1742985703"/>
       </p:ext>
     </p:extLst>
   </p:cSld>
@@ -4651,7 +6281,7 @@
       </p:grpSpPr>
       <p:sp>
         <p:nvSpPr>
-          <p:cNvPr id="6" name="タイトル 5"/>
+          <p:cNvPr id="2" name="タイトル 1"/>
           <p:cNvSpPr>
             <a:spLocks noGrp="1"/>
           </p:cNvSpPr>
@@ -4665,12 +6295,20 @@
           <a:lstStyle/>
           <a:p>
             <a:r>
-              <a:rPr kumimoji="1" lang="en-US" altLang="ja-JP" dirty="0" smtClean="0"/>
+              <a:rPr lang="en-US" altLang="ja-JP" dirty="0" smtClean="0"/>
               <a:t>2-5.</a:t>
             </a:r>
             <a:r>
               <a:rPr lang="ja-JP" altLang="en-US" dirty="0" smtClean="0"/>
-              <a:t>簡単なサンプルソース　～時計～</a:t>
+              <a:t>簡単なサンプルソース　～</a:t>
+            </a:r>
+            <a:r>
+              <a:rPr lang="en-US" altLang="ja-JP" dirty="0" smtClean="0"/>
+              <a:t>Hello World</a:t>
+            </a:r>
+            <a:r>
+              <a:rPr lang="ja-JP" altLang="en-US" dirty="0" smtClean="0"/>
+              <a:t>～</a:t>
             </a:r>
             <a:endParaRPr kumimoji="1" lang="ja-JP" altLang="en-US" dirty="0"/>
           </a:p>
@@ -4678,7 +6316,7 @@
       </p:sp>
       <p:sp>
         <p:nvSpPr>
-          <p:cNvPr id="7" name="コンテンツ プレースホルダ 6"/>
+          <p:cNvPr id="4" name="コンテンツ プレースホルダ 3"/>
           <p:cNvSpPr>
             <a:spLocks noGrp="1"/>
           </p:cNvSpPr>
@@ -4688,8 +6326,8 @@
         </p:nvSpPr>
         <p:spPr>
           <a:xfrm>
-            <a:off x="431799" y="1054101"/>
-            <a:ext cx="11379201" cy="1309272"/>
+            <a:off x="417731" y="1054100"/>
+            <a:ext cx="11379201" cy="3799254"/>
           </a:xfrm>
         </p:spPr>
         <p:txBody>
@@ -4698,51 +6336,150 @@
           <a:p>
             <a:r>
               <a:rPr lang="ja-JP" altLang="en-US" dirty="0" smtClean="0"/>
-              <a:t>現在の日付と時刻を表示する機能の実装</a:t>
+              <a:t>まとめ</a:t>
+            </a:r>
+            <a:endParaRPr lang="en-US" altLang="ja-JP" dirty="0" smtClean="0"/>
+          </a:p>
+          <a:p>
+            <a:endParaRPr lang="en-US" altLang="ja-JP" dirty="0" smtClean="0"/>
+          </a:p>
+          <a:p>
+            <a:pPr marL="457200" indent="-457200">
+              <a:buFont typeface="+mj-lt"/>
+              <a:buAutoNum type="arabicPeriod"/>
+            </a:pPr>
+            <a:r>
+              <a:rPr lang="en-US" altLang="ja-JP" dirty="0" smtClean="0"/>
+              <a:t>r</a:t>
+            </a:r>
+            <a:r>
+              <a:rPr lang="en-US" altLang="ja-JP" dirty="0" smtClean="0"/>
+              <a:t>ender()</a:t>
             </a:r>
             <a:r>
               <a:rPr lang="ja-JP" altLang="en-US" dirty="0" smtClean="0"/>
-              <a:t>。</a:t>
+              <a:t>は</a:t>
+            </a:r>
+            <a:r>
+              <a:rPr lang="en-US" altLang="ja-JP" dirty="0" err="1" smtClean="0"/>
+              <a:t>React.Component</a:t>
+            </a:r>
+            <a:r>
+              <a:rPr lang="ja-JP" altLang="en-US" dirty="0" smtClean="0"/>
+              <a:t>のと</a:t>
+            </a:r>
+            <a:r>
+              <a:rPr lang="en-US" altLang="ja-JP" dirty="0" err="1" smtClean="0"/>
+              <a:t>ReactDOM</a:t>
+            </a:r>
+            <a:r>
+              <a:rPr lang="ja-JP" altLang="en-US" dirty="0" smtClean="0"/>
+              <a:t>の</a:t>
+            </a:r>
+            <a:r>
+              <a:rPr lang="en-US" altLang="ja-JP" dirty="0" smtClean="0"/>
+              <a:t>2</a:t>
+            </a:r>
+            <a:r>
+              <a:rPr lang="ja-JP" altLang="en-US" dirty="0" smtClean="0"/>
+              <a:t>種類あります。</a:t>
             </a:r>
             <a:endParaRPr lang="en-US" altLang="ja-JP" dirty="0" smtClean="0"/>
           </a:p>
           <a:p>
+            <a:pPr marL="457200" indent="-457200">
+              <a:buFont typeface="+mj-lt"/>
+              <a:buAutoNum type="arabicPeriod"/>
+            </a:pPr>
+            <a:r>
+              <a:rPr lang="en-US" altLang="ja-JP" dirty="0" err="1" smtClean="0"/>
+              <a:t>React.Component</a:t>
+            </a:r>
+            <a:r>
+              <a:rPr lang="ja-JP" altLang="en-US" dirty="0" smtClean="0"/>
+              <a:t>の</a:t>
+            </a:r>
+            <a:r>
+              <a:rPr lang="en-US" altLang="ja-JP" dirty="0" smtClean="0"/>
+              <a:t>render()</a:t>
+            </a:r>
+            <a:r>
+              <a:rPr lang="ja-JP" altLang="en-US" dirty="0" smtClean="0"/>
+              <a:t>は</a:t>
+            </a:r>
+            <a:r>
+              <a:rPr lang="en-US" altLang="ja-JP" dirty="0" err="1" smtClean="0"/>
+              <a:t>this.props</a:t>
+            </a:r>
+            <a:r>
+              <a:rPr lang="ja-JP" altLang="en-US" dirty="0" smtClean="0"/>
+              <a:t>と</a:t>
+            </a:r>
+            <a:r>
+              <a:rPr lang="en-US" altLang="ja-JP" dirty="0" err="1" smtClean="0"/>
+              <a:t>this.state</a:t>
+            </a:r>
+            <a:r>
+              <a:rPr lang="ja-JP" altLang="en-US" dirty="0" smtClean="0"/>
+              <a:t>を参照した後に、</a:t>
+            </a:r>
+            <a:r>
+              <a:rPr lang="en-US" altLang="ja-JP" dirty="0" smtClean="0"/>
+              <a:t>React</a:t>
+            </a:r>
+            <a:r>
+              <a:rPr lang="ja-JP" altLang="en-US" dirty="0" smtClean="0"/>
+              <a:t>要素などを返して</a:t>
+            </a:r>
+            <a:r>
+              <a:rPr lang="ja-JP" altLang="en-US" dirty="0" smtClean="0"/>
+              <a:t>います。</a:t>
+            </a:r>
+            <a:endParaRPr lang="en-US" altLang="ja-JP" dirty="0" smtClean="0"/>
+          </a:p>
+          <a:p>
+            <a:pPr marL="457200" indent="-457200">
+              <a:buFont typeface="+mj-lt"/>
+              <a:buAutoNum type="arabicPeriod"/>
+            </a:pPr>
+            <a:r>
+              <a:rPr lang="en-US" altLang="ja-JP" dirty="0" smtClean="0"/>
+              <a:t>React.DOM</a:t>
+            </a:r>
+            <a:r>
+              <a:rPr lang="ja-JP" altLang="en-US" dirty="0" smtClean="0"/>
+              <a:t>の</a:t>
+            </a:r>
+            <a:r>
+              <a:rPr lang="en-US" altLang="ja-JP" dirty="0" smtClean="0"/>
+              <a:t>render()</a:t>
+            </a:r>
+            <a:r>
+              <a:rPr lang="ja-JP" altLang="en-US" dirty="0" smtClean="0"/>
+              <a:t>は実際の</a:t>
+            </a:r>
+            <a:r>
+              <a:rPr lang="en-US" altLang="ja-JP" dirty="0" smtClean="0"/>
+              <a:t>DOM</a:t>
+            </a:r>
+            <a:r>
+              <a:rPr lang="ja-JP" altLang="en-US" dirty="0" smtClean="0"/>
+              <a:t>要素にレンダリングを行なっています。</a:t>
+            </a:r>
+            <a:endParaRPr lang="en-US" altLang="ja-JP" dirty="0" smtClean="0"/>
+          </a:p>
+          <a:p>
+            <a:pPr marL="457200" indent="-457200">
+              <a:buFont typeface="+mj-lt"/>
+              <a:buAutoNum type="arabicPeriod"/>
+            </a:pPr>
+            <a:endParaRPr lang="en-US" altLang="ja-JP" dirty="0" smtClean="0"/>
+          </a:p>
+          <a:p>
             <a:endParaRPr kumimoji="1" lang="en-US" altLang="ja-JP" dirty="0" smtClean="0"/>
           </a:p>
-          <a:p>
-            <a:r>
-              <a:rPr kumimoji="1" lang="ja-JP" altLang="en-US" dirty="0" smtClean="0"/>
-              <a:t>完成例</a:t>
-            </a:r>
-            <a:endParaRPr kumimoji="1" lang="ja-JP" altLang="en-US" dirty="0"/>
-          </a:p>
-        </p:txBody>
-      </p:sp>
-      <p:pic>
-        <p:nvPicPr>
-          <p:cNvPr id="9" name="図 8" descr="whatch.png"/>
-          <p:cNvPicPr>
-            <a:picLocks noChangeAspect="1"/>
-          </p:cNvPicPr>
-          <p:nvPr/>
-        </p:nvPicPr>
-        <p:blipFill>
-          <a:blip r:embed="rId2" cstate="print"/>
-          <a:srcRect r="59534" b="60381"/>
-          <a:stretch>
-            <a:fillRect/>
-          </a:stretch>
-        </p:blipFill>
-        <p:spPr>
-          <a:xfrm>
-            <a:off x="815794" y="2642027"/>
-            <a:ext cx="6830429" cy="3564000"/>
-          </a:xfrm>
-          <a:prstGeom prst="rect">
-            <a:avLst/>
-          </a:prstGeom>
-        </p:spPr>
-      </p:pic>
+        </p:txBody>
+      </p:sp>
     </p:spTree>
   </p:cSld>
   <p:clrMapOvr>
@@ -4770,6 +6507,153 @@
       </p:grpSpPr>
       <p:sp>
         <p:nvSpPr>
+          <p:cNvPr id="6" name="タイトル 5"/>
+          <p:cNvSpPr>
+            <a:spLocks noGrp="1"/>
+          </p:cNvSpPr>
+          <p:nvPr>
+            <p:ph type="title"/>
+          </p:nvPr>
+        </p:nvSpPr>
+        <p:spPr/>
+        <p:txBody>
+          <a:bodyPr/>
+          <a:lstStyle/>
+          <a:p>
+            <a:r>
+              <a:rPr kumimoji="1" lang="en-US" altLang="ja-JP" dirty="0" smtClean="0"/>
+              <a:t>2-5.</a:t>
+            </a:r>
+            <a:r>
+              <a:rPr lang="ja-JP" altLang="en-US" dirty="0" smtClean="0"/>
+              <a:t>簡単なサンプルソース　～時計～</a:t>
+            </a:r>
+            <a:endParaRPr kumimoji="1" lang="ja-JP" altLang="en-US" dirty="0"/>
+          </a:p>
+        </p:txBody>
+      </p:sp>
+      <p:sp>
+        <p:nvSpPr>
+          <p:cNvPr id="7" name="コンテンツ プレースホルダ 6"/>
+          <p:cNvSpPr>
+            <a:spLocks noGrp="1"/>
+          </p:cNvSpPr>
+          <p:nvPr>
+            <p:ph sz="quarter" idx="13"/>
+          </p:nvPr>
+        </p:nvSpPr>
+        <p:spPr>
+          <a:xfrm>
+            <a:off x="431799" y="1054101"/>
+            <a:ext cx="11379201" cy="521481"/>
+          </a:xfrm>
+        </p:spPr>
+        <p:txBody>
+          <a:bodyPr/>
+          <a:lstStyle/>
+          <a:p>
+            <a:r>
+              <a:rPr lang="ja-JP" altLang="en-US" dirty="0" smtClean="0"/>
+              <a:t>現在の日付と時刻を表示</a:t>
+            </a:r>
+            <a:r>
+              <a:rPr lang="ja-JP" altLang="en-US" dirty="0" smtClean="0"/>
+              <a:t>する</a:t>
+            </a:r>
+            <a:r>
+              <a:rPr lang="ja-JP" altLang="en-US" dirty="0" smtClean="0"/>
+              <a:t>アプリケーションについて説明していきます。</a:t>
+            </a:r>
+            <a:endParaRPr lang="en-US" altLang="ja-JP" dirty="0" smtClean="0"/>
+          </a:p>
+        </p:txBody>
+      </p:sp>
+      <p:pic>
+        <p:nvPicPr>
+          <p:cNvPr id="9" name="図 8" descr="whatch.png"/>
+          <p:cNvPicPr>
+            <a:picLocks noChangeAspect="1"/>
+          </p:cNvPicPr>
+          <p:nvPr/>
+        </p:nvPicPr>
+        <p:blipFill>
+          <a:blip r:embed="rId2" cstate="print"/>
+          <a:srcRect r="59534" b="60381"/>
+          <a:stretch>
+            <a:fillRect/>
+          </a:stretch>
+        </p:blipFill>
+        <p:spPr>
+          <a:xfrm>
+            <a:off x="703253" y="2332538"/>
+            <a:ext cx="6830429" cy="3564000"/>
+          </a:xfrm>
+          <a:prstGeom prst="rect">
+            <a:avLst/>
+          </a:prstGeom>
+        </p:spPr>
+      </p:pic>
+      <p:sp>
+        <p:nvSpPr>
+          <p:cNvPr id="5" name="テキスト ボックス 4"/>
+          <p:cNvSpPr txBox="1"/>
+          <p:nvPr/>
+        </p:nvSpPr>
+        <p:spPr>
+          <a:xfrm>
+            <a:off x="492368" y="1786597"/>
+            <a:ext cx="1786597" cy="369332"/>
+          </a:xfrm>
+          <a:prstGeom prst="rect">
+            <a:avLst/>
+          </a:prstGeom>
+          <a:noFill/>
+        </p:spPr>
+        <p:txBody>
+          <a:bodyPr wrap="square" rtlCol="0">
+            <a:spAutoFit/>
+          </a:bodyPr>
+          <a:lstStyle/>
+          <a:p>
+            <a:r>
+              <a:rPr kumimoji="1" lang="en-US" altLang="ja-JP" dirty="0" smtClean="0"/>
+              <a:t>※</a:t>
+            </a:r>
+            <a:r>
+              <a:rPr kumimoji="1" lang="ja-JP" altLang="en-US" dirty="0" smtClean="0"/>
+              <a:t>完成イメージ</a:t>
+            </a:r>
+            <a:endParaRPr kumimoji="1" lang="ja-JP" altLang="en-US" dirty="0"/>
+          </a:p>
+        </p:txBody>
+      </p:sp>
+    </p:spTree>
+  </p:cSld>
+  <p:clrMapOvr>
+    <a:masterClrMapping/>
+  </p:clrMapOvr>
+</p:sld>
+</file>
+
+<file path=ppt/slides/slide7.xml><?xml version="1.0" encoding="utf-8"?>
+<p:sld xmlns:a="http://schemas.openxmlformats.org/drawingml/2006/main" xmlns:r="http://schemas.openxmlformats.org/officeDocument/2006/relationships" xmlns:p="http://schemas.openxmlformats.org/presentationml/2006/main">
+  <p:cSld>
+    <p:spTree>
+      <p:nvGrpSpPr>
+        <p:cNvPr id="1" name=""/>
+        <p:cNvGrpSpPr/>
+        <p:nvPr/>
+      </p:nvGrpSpPr>
+      <p:grpSpPr>
+        <a:xfrm>
+          <a:off x="0" y="0"/>
+          <a:ext cx="0" cy="0"/>
+          <a:chOff x="0" y="0"/>
+          <a:chExt cx="0" cy="0"/>
+        </a:xfrm>
+      </p:grpSpPr>
+      <p:sp>
+        <p:nvSpPr>
           <p:cNvPr id="2" name="タイトル 1"/>
           <p:cNvSpPr>
             <a:spLocks noGrp="1"/>
@@ -4834,11 +6718,7 @@
             </a:r>
             <a:r>
               <a:rPr lang="ja-JP" altLang="en-US" dirty="0" smtClean="0"/>
-              <a:t>を</a:t>
-            </a:r>
-            <a:r>
-              <a:rPr lang="ja-JP" altLang="en-US" dirty="0" smtClean="0"/>
-              <a:t>初期化します。</a:t>
+              <a:t>を初期化します。</a:t>
             </a:r>
             <a:endParaRPr lang="en-US" altLang="ja-JP" dirty="0" smtClean="0"/>
           </a:p>
@@ -5079,17 +6959,7 @@
                 <a:latin typeface="ＭＳ Ｐゴシック" panose="020B0600070205080204" pitchFamily="50" charset="-128"/>
                 <a:ea typeface="ＭＳ Ｐゴシック" panose="020B0600070205080204" pitchFamily="50" charset="-128"/>
               </a:rPr>
-              <a:t>	</a:t>
-            </a:r>
-            <a:r>
-              <a:rPr lang="en-US" altLang="ja-JP" sz="1800" dirty="0" smtClean="0">
-                <a:solidFill>
-                  <a:schemeClr val="bg1"/>
-                </a:solidFill>
-                <a:latin typeface="ＭＳ Ｐゴシック" panose="020B0600070205080204" pitchFamily="50" charset="-128"/>
-                <a:ea typeface="ＭＳ Ｐゴシック" panose="020B0600070205080204" pitchFamily="50" charset="-128"/>
-              </a:rPr>
-              <a:t>this.state = {date: new Date()};</a:t>
+              <a:t>	this.state = {date: new Date()};</a:t>
             </a:r>
           </a:p>
           <a:p>
@@ -5241,7 +7111,7 @@
 </p:sld>
 </file>
 
-<file path=ppt/slides/slide7.xml><?xml version="1.0" encoding="utf-8"?>
+<file path=ppt/slides/slide8.xml><?xml version="1.0" encoding="utf-8"?>
 <p:sld xmlns:a="http://schemas.openxmlformats.org/drawingml/2006/main" xmlns:r="http://schemas.openxmlformats.org/officeDocument/2006/relationships" xmlns:p="http://schemas.openxmlformats.org/presentationml/2006/main">
   <p:cSld>
     <p:spTree>
@@ -5319,19 +7189,7 @@
             </a:pPr>
             <a:r>
               <a:rPr lang="ja-JP" altLang="en-US" dirty="0" smtClean="0"/>
-              <a:t>　</a:t>
-            </a:r>
-            <a:r>
-              <a:rPr lang="ja-JP" altLang="en-US" dirty="0" smtClean="0"/>
-              <a:t>時刻を更新する間隔</a:t>
-            </a:r>
-            <a:r>
-              <a:rPr lang="ja-JP" altLang="en-US" dirty="0" smtClean="0"/>
-              <a:t>を</a:t>
-            </a:r>
-            <a:r>
-              <a:rPr lang="ja-JP" altLang="en-US" dirty="0" smtClean="0"/>
-              <a:t>設定します。</a:t>
+              <a:t>　時刻を更新する間隔を設定します。</a:t>
             </a:r>
             <a:endParaRPr lang="en-US" altLang="ja-JP" dirty="0" smtClean="0"/>
           </a:p>
@@ -5552,17 +7410,7 @@
                 <a:latin typeface="ＭＳ Ｐゴシック" panose="020B0600070205080204" pitchFamily="50" charset="-128"/>
                 <a:ea typeface="ＭＳ Ｐゴシック" panose="020B0600070205080204" pitchFamily="50" charset="-128"/>
               </a:rPr>
-              <a:t>() </a:t>
-            </a:r>
-            <a:r>
-              <a:rPr lang="en-US" altLang="ja-JP" sz="1800" dirty="0" smtClean="0">
-                <a:solidFill>
-                  <a:schemeClr val="bg1"/>
-                </a:solidFill>
-                <a:latin typeface="ＭＳ Ｐゴシック" panose="020B0600070205080204" pitchFamily="50" charset="-128"/>
-                <a:ea typeface="ＭＳ Ｐゴシック" panose="020B0600070205080204" pitchFamily="50" charset="-128"/>
-              </a:rPr>
-              <a:t>{</a:t>
+              <a:t>() {</a:t>
             </a:r>
           </a:p>
           <a:p>
@@ -5597,17 +7445,7 @@
                 <a:latin typeface="ＭＳ Ｐゴシック" panose="020B0600070205080204" pitchFamily="50" charset="-128"/>
                 <a:ea typeface="ＭＳ Ｐゴシック" panose="020B0600070205080204" pitchFamily="50" charset="-128"/>
               </a:rPr>
-              <a:t> </a:t>
-            </a:r>
-            <a:r>
-              <a:rPr lang="en-US" altLang="ja-JP" sz="1800" dirty="0" smtClean="0">
-                <a:solidFill>
-                  <a:schemeClr val="bg1"/>
-                </a:solidFill>
-                <a:latin typeface="ＭＳ Ｐゴシック" panose="020B0600070205080204" pitchFamily="50" charset="-128"/>
-                <a:ea typeface="ＭＳ Ｐゴシック" panose="020B0600070205080204" pitchFamily="50" charset="-128"/>
-              </a:rPr>
-              <a:t>= </a:t>
+              <a:t> = </a:t>
             </a:r>
             <a:r>
               <a:rPr lang="en-US" altLang="ja-JP" sz="1800" dirty="0" err="1" smtClean="0">
@@ -5642,17 +7480,7 @@
                 <a:latin typeface="ＭＳ Ｐゴシック" panose="020B0600070205080204" pitchFamily="50" charset="-128"/>
                 <a:ea typeface="ＭＳ Ｐゴシック" panose="020B0600070205080204" pitchFamily="50" charset="-128"/>
               </a:rPr>
-              <a:t>    () </a:t>
-            </a:r>
-            <a:r>
-              <a:rPr lang="en-US" altLang="ja-JP" sz="1800" dirty="0" smtClean="0">
-                <a:solidFill>
-                  <a:schemeClr val="bg1"/>
-                </a:solidFill>
-                <a:latin typeface="ＭＳ Ｐゴシック" panose="020B0600070205080204" pitchFamily="50" charset="-128"/>
-                <a:ea typeface="ＭＳ Ｐゴシック" panose="020B0600070205080204" pitchFamily="50" charset="-128"/>
-              </a:rPr>
-              <a:t>=&gt; </a:t>
+              <a:t>    () =&gt; </a:t>
             </a:r>
             <a:r>
               <a:rPr lang="en-US" altLang="ja-JP" sz="1800" dirty="0" err="1" smtClean="0">
@@ -5702,17 +7530,7 @@
                 <a:latin typeface="ＭＳ Ｐゴシック" panose="020B0600070205080204" pitchFamily="50" charset="-128"/>
                 <a:ea typeface="ＭＳ Ｐゴシック" panose="020B0600070205080204" pitchFamily="50" charset="-128"/>
               </a:rPr>
-              <a:t> </a:t>
-            </a:r>
-            <a:r>
-              <a:rPr lang="en-US" altLang="ja-JP" sz="1800" dirty="0" smtClean="0">
-                <a:solidFill>
-                  <a:schemeClr val="bg1"/>
-                </a:solidFill>
-                <a:latin typeface="ＭＳ Ｐゴシック" panose="020B0600070205080204" pitchFamily="50" charset="-128"/>
-                <a:ea typeface="ＭＳ Ｐゴシック" panose="020B0600070205080204" pitchFamily="50" charset="-128"/>
-              </a:rPr>
-              <a:t> ); </a:t>
+              <a:t>  ); </a:t>
             </a:r>
           </a:p>
           <a:p>
@@ -5729,13 +7547,6 @@
               </a:rPr>
               <a:t>}</a:t>
             </a:r>
-            <a:endParaRPr lang="en-US" altLang="ja-JP" sz="1800" dirty="0" smtClean="0">
-              <a:solidFill>
-                <a:schemeClr val="bg1"/>
-              </a:solidFill>
-              <a:latin typeface="ＭＳ Ｐゴシック" panose="020B0600070205080204" pitchFamily="50" charset="-128"/>
-              <a:ea typeface="ＭＳ Ｐゴシック" panose="020B0600070205080204" pitchFamily="50" charset="-128"/>
-            </a:endParaRPr>
           </a:p>
         </p:txBody>
       </p:sp>
@@ -5816,37 +7627,7 @@
                 <a:latin typeface="Meiryo UI" panose="020B0604030504040204" pitchFamily="50" charset="-128"/>
                 <a:ea typeface="Meiryo UI" panose="020B0604030504040204" pitchFamily="50" charset="-128"/>
               </a:rPr>
-              <a:t>メソッドは</a:t>
-            </a:r>
-            <a:r>
-              <a:rPr lang="ja-JP" altLang="en-US" dirty="0" smtClean="0">
-                <a:solidFill>
-                  <a:schemeClr val="tx1"/>
-                </a:solidFill>
-                <a:latin typeface="Meiryo UI" panose="020B0604030504040204" pitchFamily="50" charset="-128"/>
-                <a:ea typeface="Meiryo UI" panose="020B0604030504040204" pitchFamily="50" charset="-128"/>
-              </a:rPr>
-              <a:t>マウント後に実行</a:t>
-            </a:r>
-            <a:r>
-              <a:rPr lang="ja-JP" altLang="en-US" dirty="0" smtClean="0">
-                <a:solidFill>
-                  <a:schemeClr val="tx1"/>
-                </a:solidFill>
-                <a:latin typeface="Meiryo UI" panose="020B0604030504040204" pitchFamily="50" charset="-128"/>
-                <a:ea typeface="Meiryo UI" panose="020B0604030504040204" pitchFamily="50" charset="-128"/>
-              </a:rPr>
-              <a:t>されるメソッド</a:t>
-            </a:r>
-            <a:r>
-              <a:rPr lang="ja-JP" altLang="en-US" dirty="0" smtClean="0">
-                <a:solidFill>
-                  <a:schemeClr val="tx1"/>
-                </a:solidFill>
-                <a:latin typeface="Meiryo UI" panose="020B0604030504040204" pitchFamily="50" charset="-128"/>
-                <a:ea typeface="Meiryo UI" panose="020B0604030504040204" pitchFamily="50" charset="-128"/>
-              </a:rPr>
-              <a:t>。</a:t>
+              <a:t>メソッドはマウント後に実行されるメソッド。</a:t>
             </a:r>
             <a:endParaRPr lang="en-US" altLang="ja-JP" dirty="0" smtClean="0">
               <a:solidFill>
@@ -6006,18 +7787,7 @@
                   </a:schemeClr>
                 </a:solidFill>
               </a:rPr>
-              <a:t>メソッド</a:t>
-            </a:r>
-            <a:r>
-              <a:rPr lang="ja-JP" altLang="en-US" dirty="0" smtClean="0">
-                <a:solidFill>
-                  <a:schemeClr val="tx1">
-                    <a:lumMod val="85000"/>
-                    <a:lumOff val="15000"/>
-                  </a:schemeClr>
-                </a:solidFill>
-              </a:rPr>
-              <a:t>を</a:t>
+              <a:t>メソッドを</a:t>
             </a:r>
             <a:r>
               <a:rPr lang="en-US" altLang="ja-JP" dirty="0" smtClean="0">
@@ -6094,7 +7864,7 @@
 </p:sld>
 </file>
 
-<file path=ppt/slides/slide8.xml><?xml version="1.0" encoding="utf-8"?>
+<file path=ppt/slides/slide9.xml><?xml version="1.0" encoding="utf-8"?>
 <p:sld xmlns:a="http://schemas.openxmlformats.org/drawingml/2006/main" xmlns:r="http://schemas.openxmlformats.org/officeDocument/2006/relationships" xmlns:p="http://schemas.openxmlformats.org/presentationml/2006/main">
   <p:cSld>
     <p:spTree>
@@ -6165,7 +7935,7 @@
               <a:rPr kumimoji="1" lang="ja-JP" altLang="en-US" dirty="0" smtClean="0"/>
               <a:t>更新</a:t>
             </a:r>
-            <a:endParaRPr kumimoji="1" lang="ja-JP" altLang="en-US" dirty="0"/>
+            <a:endParaRPr kumimoji="1" lang="en-US" altLang="ja-JP" dirty="0" smtClean="0"/>
           </a:p>
         </p:txBody>
       </p:sp>
@@ -6374,17 +8144,7 @@
                 <a:latin typeface="ＭＳ Ｐゴシック" panose="020B0600070205080204" pitchFamily="50" charset="-128"/>
                 <a:ea typeface="ＭＳ Ｐゴシック" panose="020B0600070205080204" pitchFamily="50" charset="-128"/>
               </a:rPr>
-              <a:t>clock = () =&gt; </a:t>
-            </a:r>
-            <a:r>
-              <a:rPr lang="en-US" altLang="ja-JP" sz="1800" dirty="0" smtClean="0">
-                <a:solidFill>
-                  <a:schemeClr val="bg1"/>
-                </a:solidFill>
-                <a:latin typeface="ＭＳ Ｐゴシック" panose="020B0600070205080204" pitchFamily="50" charset="-128"/>
-                <a:ea typeface="ＭＳ Ｐゴシック" panose="020B0600070205080204" pitchFamily="50" charset="-128"/>
-              </a:rPr>
-              <a:t>{</a:t>
+              <a:t>clock = () =&gt; {</a:t>
             </a:r>
           </a:p>
           <a:p>
@@ -6399,17 +8159,7 @@
                 <a:latin typeface="ＭＳ Ｐゴシック" panose="020B0600070205080204" pitchFamily="50" charset="-128"/>
                 <a:ea typeface="ＭＳ Ｐゴシック" panose="020B0600070205080204" pitchFamily="50" charset="-128"/>
               </a:rPr>
-              <a:t> </a:t>
-            </a:r>
-            <a:r>
-              <a:rPr lang="en-US" altLang="ja-JP" sz="1800" dirty="0" smtClean="0">
-                <a:solidFill>
-                  <a:schemeClr val="bg1"/>
-                </a:solidFill>
-                <a:latin typeface="ＭＳ Ｐゴシック" panose="020B0600070205080204" pitchFamily="50" charset="-128"/>
-                <a:ea typeface="ＭＳ Ｐゴシック" panose="020B0600070205080204" pitchFamily="50" charset="-128"/>
-              </a:rPr>
-              <a:t> </a:t>
+              <a:t>  </a:t>
             </a:r>
             <a:r>
               <a:rPr lang="en-US" altLang="ja-JP" sz="1800" dirty="0" err="1" smtClean="0">
@@ -6444,37 +8194,7 @@
                 <a:latin typeface="ＭＳ Ｐゴシック" panose="020B0600070205080204" pitchFamily="50" charset="-128"/>
                 <a:ea typeface="ＭＳ Ｐゴシック" panose="020B0600070205080204" pitchFamily="50" charset="-128"/>
               </a:rPr>
-              <a:t> </a:t>
-            </a:r>
-            <a:r>
-              <a:rPr lang="en-US" altLang="ja-JP" sz="1800" dirty="0" smtClean="0">
-                <a:solidFill>
-                  <a:schemeClr val="bg1"/>
-                </a:solidFill>
-                <a:latin typeface="ＭＳ Ｐゴシック" panose="020B0600070205080204" pitchFamily="50" charset="-128"/>
-                <a:ea typeface="ＭＳ Ｐゴシック" panose="020B0600070205080204" pitchFamily="50" charset="-128"/>
-              </a:rPr>
-              <a:t>   date</a:t>
-            </a:r>
-            <a:r>
-              <a:rPr lang="en-US" altLang="ja-JP" sz="1800" dirty="0" smtClean="0">
-                <a:solidFill>
-                  <a:schemeClr val="bg1"/>
-                </a:solidFill>
-                <a:latin typeface="ＭＳ Ｐゴシック" panose="020B0600070205080204" pitchFamily="50" charset="-128"/>
-                <a:ea typeface="ＭＳ Ｐゴシック" panose="020B0600070205080204" pitchFamily="50" charset="-128"/>
-              </a:rPr>
-              <a:t>: new Date</a:t>
-            </a:r>
-            <a:r>
-              <a:rPr lang="en-US" altLang="ja-JP" sz="1800" dirty="0" smtClean="0">
-                <a:solidFill>
-                  <a:schemeClr val="bg1"/>
-                </a:solidFill>
-                <a:latin typeface="ＭＳ Ｐゴシック" panose="020B0600070205080204" pitchFamily="50" charset="-128"/>
-                <a:ea typeface="ＭＳ Ｐゴシック" panose="020B0600070205080204" pitchFamily="50" charset="-128"/>
-              </a:rPr>
-              <a:t>()</a:t>
+              <a:t>    date: new Date()</a:t>
             </a:r>
           </a:p>
           <a:p>
@@ -6489,17 +8209,7 @@
                 <a:latin typeface="ＭＳ Ｐゴシック" panose="020B0600070205080204" pitchFamily="50" charset="-128"/>
                 <a:ea typeface="ＭＳ Ｐゴシック" panose="020B0600070205080204" pitchFamily="50" charset="-128"/>
               </a:rPr>
-              <a:t> </a:t>
-            </a:r>
-            <a:r>
-              <a:rPr lang="en-US" altLang="ja-JP" sz="1800" dirty="0" smtClean="0">
-                <a:solidFill>
-                  <a:schemeClr val="bg1"/>
-                </a:solidFill>
-                <a:latin typeface="ＭＳ Ｐゴシック" panose="020B0600070205080204" pitchFamily="50" charset="-128"/>
-                <a:ea typeface="ＭＳ Ｐゴシック" panose="020B0600070205080204" pitchFamily="50" charset="-128"/>
-              </a:rPr>
-              <a:t> });</a:t>
+              <a:t>  });</a:t>
             </a:r>
           </a:p>
           <a:p>
@@ -6516,13 +8226,6 @@
               </a:rPr>
               <a:t>}</a:t>
             </a:r>
-            <a:endParaRPr lang="en-US" altLang="ja-JP" sz="1800" dirty="0" smtClean="0">
-              <a:solidFill>
-                <a:schemeClr val="bg1"/>
-              </a:solidFill>
-              <a:latin typeface="ＭＳ Ｐゴシック" panose="020B0600070205080204" pitchFamily="50" charset="-128"/>
-              <a:ea typeface="ＭＳ Ｐゴシック" panose="020B0600070205080204" pitchFamily="50" charset="-128"/>
-            </a:endParaRPr>
           </a:p>
         </p:txBody>
       </p:sp>
@@ -6726,23 +8429,7 @@
                   <a:schemeClr val="tx1"/>
                 </a:solidFill>
               </a:rPr>
-              <a:t>※</a:t>
-            </a:r>
-            <a:r>
-              <a:rPr lang="en-US" altLang="ja-JP" dirty="0" smtClean="0">
-                <a:solidFill>
-                  <a:schemeClr val="tx1"/>
-                </a:solidFill>
-              </a:rPr>
-              <a:t>s</a:t>
-            </a:r>
-            <a:r>
-              <a:rPr lang="en-US" altLang="ja-JP" dirty="0" smtClean="0">
-                <a:solidFill>
-                  <a:schemeClr val="tx1"/>
-                </a:solidFill>
-              </a:rPr>
-              <a:t>tate</a:t>
+              <a:t>※state</a:t>
             </a:r>
             <a:r>
               <a:rPr lang="ja-JP" altLang="en-US" dirty="0" smtClean="0">
@@ -6766,15 +8453,7 @@
                   <a:schemeClr val="tx1"/>
                 </a:solidFill>
               </a:rPr>
-              <a:t>メソッドを使って変える必要があります</a:t>
-            </a:r>
-            <a:r>
-              <a:rPr lang="ja-JP" altLang="en-US" dirty="0" smtClean="0">
-                <a:solidFill>
-                  <a:schemeClr val="tx1"/>
-                </a:solidFill>
-              </a:rPr>
-              <a:t>。</a:t>
+              <a:t>メソッドを使って変える必要があります。</a:t>
             </a:r>
             <a:endParaRPr lang="en-US" altLang="ja-JP" dirty="0" smtClean="0">
               <a:solidFill>
@@ -6793,986 +8472,6 @@
         <p:spPr>
           <a:xfrm>
             <a:off x="3854548" y="5247249"/>
-            <a:ext cx="1414170" cy="307777"/>
-          </a:xfrm>
-          <a:prstGeom prst="rect">
-            <a:avLst/>
-          </a:prstGeom>
-          <a:noFill/>
-        </p:spPr>
-        <p:txBody>
-          <a:bodyPr wrap="none" rtlCol="0">
-            <a:spAutoFit/>
-          </a:bodyPr>
-          <a:lstStyle/>
-          <a:p>
-            <a:r>
-              <a:rPr kumimoji="1" lang="en-US" altLang="ja-JP" sz="1400" dirty="0" smtClean="0"/>
-              <a:t>※App.js</a:t>
-            </a:r>
-            <a:r>
-              <a:rPr kumimoji="1" lang="ja-JP" altLang="en-US" sz="1400" dirty="0" smtClean="0"/>
-              <a:t>に記載</a:t>
-            </a:r>
-            <a:endParaRPr kumimoji="1" lang="ja-JP" altLang="en-US" sz="1400" dirty="0"/>
-          </a:p>
-        </p:txBody>
-      </p:sp>
-    </p:spTree>
-  </p:cSld>
-  <p:clrMapOvr>
-    <a:masterClrMapping/>
-  </p:clrMapOvr>
-</p:sld>
-</file>
-
-<file path=ppt/slides/slide9.xml><?xml version="1.0" encoding="utf-8"?>
-<p:sld xmlns:a="http://schemas.openxmlformats.org/drawingml/2006/main" xmlns:r="http://schemas.openxmlformats.org/officeDocument/2006/relationships" xmlns:p="http://schemas.openxmlformats.org/presentationml/2006/main">
-  <p:cSld>
-    <p:spTree>
-      <p:nvGrpSpPr>
-        <p:cNvPr id="1" name=""/>
-        <p:cNvGrpSpPr/>
-        <p:nvPr/>
-      </p:nvGrpSpPr>
-      <p:grpSpPr>
-        <a:xfrm>
-          <a:off x="0" y="0"/>
-          <a:ext cx="0" cy="0"/>
-          <a:chOff x="0" y="0"/>
-          <a:chExt cx="0" cy="0"/>
-        </a:xfrm>
-      </p:grpSpPr>
-      <p:sp>
-        <p:nvSpPr>
-          <p:cNvPr id="2" name="タイトル 1"/>
-          <p:cNvSpPr>
-            <a:spLocks noGrp="1"/>
-          </p:cNvSpPr>
-          <p:nvPr>
-            <p:ph type="title"/>
-          </p:nvPr>
-        </p:nvSpPr>
-        <p:spPr/>
-        <p:txBody>
-          <a:bodyPr/>
-          <a:lstStyle/>
-          <a:p>
-            <a:r>
-              <a:rPr lang="en-US" altLang="ja-JP" dirty="0" smtClean="0"/>
-              <a:t>2-5.</a:t>
-            </a:r>
-            <a:r>
-              <a:rPr lang="ja-JP" altLang="en-US" dirty="0" smtClean="0"/>
-              <a:t>簡単なサンプルソース　～時計～</a:t>
-            </a:r>
-            <a:endParaRPr kumimoji="1" lang="ja-JP" altLang="en-US" dirty="0"/>
-          </a:p>
-        </p:txBody>
-      </p:sp>
-      <p:sp>
-        <p:nvSpPr>
-          <p:cNvPr id="3" name="コンテンツ プレースホルダ 2"/>
-          <p:cNvSpPr>
-            <a:spLocks noGrp="1"/>
-          </p:cNvSpPr>
-          <p:nvPr>
-            <p:ph sz="quarter" idx="13"/>
-          </p:nvPr>
-        </p:nvSpPr>
-        <p:spPr/>
-        <p:txBody>
-          <a:bodyPr/>
-          <a:lstStyle/>
-          <a:p>
-            <a:r>
-              <a:rPr kumimoji="1" lang="ja-JP" altLang="en-US" dirty="0" smtClean="0"/>
-              <a:t>レンダリング</a:t>
-            </a:r>
-            <a:r>
-              <a:rPr kumimoji="1" lang="en-US" altLang="ja-JP" dirty="0" smtClean="0"/>
-              <a:t>1</a:t>
-            </a:r>
-            <a:endParaRPr kumimoji="1" lang="ja-JP" altLang="en-US" dirty="0"/>
-          </a:p>
-        </p:txBody>
-      </p:sp>
-      <p:sp>
-        <p:nvSpPr>
-          <p:cNvPr id="6" name="コンテンツ プレースホルダー 3"/>
-          <p:cNvSpPr txBox="1">
-            <a:spLocks/>
-          </p:cNvSpPr>
-          <p:nvPr/>
-        </p:nvSpPr>
-        <p:spPr>
-          <a:xfrm>
-            <a:off x="436098" y="2039822"/>
-            <a:ext cx="5261317" cy="4192166"/>
-          </a:xfrm>
-          <a:prstGeom prst="rect">
-            <a:avLst/>
-          </a:prstGeom>
-          <a:solidFill>
-            <a:srgbClr val="333F50"/>
-          </a:solidFill>
-          <a:ln>
-            <a:solidFill>
-              <a:schemeClr val="bg1">
-                <a:lumMod val="95000"/>
-              </a:schemeClr>
-            </a:solidFill>
-          </a:ln>
-        </p:spPr>
-        <p:txBody>
-          <a:bodyPr anchor="ctr"/>
-          <a:lstStyle>
-            <a:lvl1pPr marL="228600" indent="-228600" algn="l" defTabSz="914400" rtl="0" eaLnBrk="1" latinLnBrk="0" hangingPunct="1">
-              <a:lnSpc>
-                <a:spcPct val="90000"/>
-              </a:lnSpc>
-              <a:spcBef>
-                <a:spcPts val="1000"/>
-              </a:spcBef>
-              <a:buFont typeface="Arial" panose="020B0604020202020204" pitchFamily="34" charset="0"/>
-              <a:buChar char="•"/>
-              <a:defRPr kumimoji="1" sz="2000" kern="1200">
-                <a:solidFill>
-                  <a:schemeClr val="tx1"/>
-                </a:solidFill>
-                <a:latin typeface="Meiryo UI" panose="020B0604030504040204" pitchFamily="50" charset="-128"/>
-                <a:ea typeface="Meiryo UI" panose="020B0604030504040204" pitchFamily="50" charset="-128"/>
-                <a:cs typeface="+mn-cs"/>
-              </a:defRPr>
-            </a:lvl1pPr>
-            <a:lvl2pPr marL="685800" indent="-228600" algn="l" defTabSz="914400" rtl="0" eaLnBrk="1" latinLnBrk="0" hangingPunct="1">
-              <a:lnSpc>
-                <a:spcPct val="90000"/>
-              </a:lnSpc>
-              <a:spcBef>
-                <a:spcPts val="500"/>
-              </a:spcBef>
-              <a:buFont typeface="Arial" panose="020B0604020202020204" pitchFamily="34" charset="0"/>
-              <a:buChar char="•"/>
-              <a:defRPr kumimoji="1" sz="1800" kern="1200">
-                <a:solidFill>
-                  <a:schemeClr val="tx1"/>
-                </a:solidFill>
-                <a:latin typeface="Meiryo UI" panose="020B0604030504040204" pitchFamily="50" charset="-128"/>
-                <a:ea typeface="Meiryo UI" panose="020B0604030504040204" pitchFamily="50" charset="-128"/>
-                <a:cs typeface="+mn-cs"/>
-              </a:defRPr>
-            </a:lvl2pPr>
-            <a:lvl3pPr marL="1143000" indent="-228600" algn="l" defTabSz="914400" rtl="0" eaLnBrk="1" latinLnBrk="0" hangingPunct="1">
-              <a:lnSpc>
-                <a:spcPct val="90000"/>
-              </a:lnSpc>
-              <a:spcBef>
-                <a:spcPts val="500"/>
-              </a:spcBef>
-              <a:buFont typeface="Arial" panose="020B0604020202020204" pitchFamily="34" charset="0"/>
-              <a:buChar char="•"/>
-              <a:defRPr kumimoji="1" sz="1600" kern="1200">
-                <a:solidFill>
-                  <a:schemeClr val="tx1"/>
-                </a:solidFill>
-                <a:latin typeface="Meiryo UI" panose="020B0604030504040204" pitchFamily="50" charset="-128"/>
-                <a:ea typeface="Meiryo UI" panose="020B0604030504040204" pitchFamily="50" charset="-128"/>
-                <a:cs typeface="+mn-cs"/>
-              </a:defRPr>
-            </a:lvl3pPr>
-            <a:lvl4pPr marL="1600200" indent="-228600" algn="l" defTabSz="914400" rtl="0" eaLnBrk="1" latinLnBrk="0" hangingPunct="1">
-              <a:lnSpc>
-                <a:spcPct val="90000"/>
-              </a:lnSpc>
-              <a:spcBef>
-                <a:spcPts val="500"/>
-              </a:spcBef>
-              <a:buFont typeface="Arial" panose="020B0604020202020204" pitchFamily="34" charset="0"/>
-              <a:buChar char="•"/>
-              <a:defRPr kumimoji="1" sz="1400" kern="1200">
-                <a:solidFill>
-                  <a:schemeClr val="tx1"/>
-                </a:solidFill>
-                <a:latin typeface="Meiryo UI" panose="020B0604030504040204" pitchFamily="50" charset="-128"/>
-                <a:ea typeface="Meiryo UI" panose="020B0604030504040204" pitchFamily="50" charset="-128"/>
-                <a:cs typeface="+mn-cs"/>
-              </a:defRPr>
-            </a:lvl4pPr>
-            <a:lvl5pPr marL="2057400" indent="-228600" algn="l" defTabSz="914400" rtl="0" eaLnBrk="1" latinLnBrk="0" hangingPunct="1">
-              <a:lnSpc>
-                <a:spcPct val="90000"/>
-              </a:lnSpc>
-              <a:spcBef>
-                <a:spcPts val="500"/>
-              </a:spcBef>
-              <a:buFont typeface="Arial" panose="020B0604020202020204" pitchFamily="34" charset="0"/>
-              <a:buChar char="•"/>
-              <a:defRPr kumimoji="1" sz="1200" kern="1200">
-                <a:solidFill>
-                  <a:schemeClr val="tx1"/>
-                </a:solidFill>
-                <a:latin typeface="Meiryo UI" panose="020B0604030504040204" pitchFamily="50" charset="-128"/>
-                <a:ea typeface="Meiryo UI" panose="020B0604030504040204" pitchFamily="50" charset="-128"/>
-                <a:cs typeface="+mn-cs"/>
-              </a:defRPr>
-            </a:lvl5pPr>
-            <a:lvl6pPr marL="2514600" indent="-228600" algn="l" defTabSz="914400" rtl="0" eaLnBrk="1" latinLnBrk="0" hangingPunct="1">
-              <a:lnSpc>
-                <a:spcPct val="90000"/>
-              </a:lnSpc>
-              <a:spcBef>
-                <a:spcPts val="500"/>
-              </a:spcBef>
-              <a:buFont typeface="Arial" panose="020B0604020202020204" pitchFamily="34" charset="0"/>
-              <a:buChar char="•"/>
-              <a:defRPr kumimoji="1" sz="1800" kern="1200">
-                <a:solidFill>
-                  <a:schemeClr val="tx1"/>
-                </a:solidFill>
-                <a:latin typeface="+mn-lt"/>
-                <a:ea typeface="+mn-ea"/>
-                <a:cs typeface="+mn-cs"/>
-              </a:defRPr>
-            </a:lvl6pPr>
-            <a:lvl7pPr marL="2971800" indent="-228600" algn="l" defTabSz="914400" rtl="0" eaLnBrk="1" latinLnBrk="0" hangingPunct="1">
-              <a:lnSpc>
-                <a:spcPct val="90000"/>
-              </a:lnSpc>
-              <a:spcBef>
-                <a:spcPts val="500"/>
-              </a:spcBef>
-              <a:buFont typeface="Arial" panose="020B0604020202020204" pitchFamily="34" charset="0"/>
-              <a:buChar char="•"/>
-              <a:defRPr kumimoji="1" sz="1800" kern="1200">
-                <a:solidFill>
-                  <a:schemeClr val="tx1"/>
-                </a:solidFill>
-                <a:latin typeface="+mn-lt"/>
-                <a:ea typeface="+mn-ea"/>
-                <a:cs typeface="+mn-cs"/>
-              </a:defRPr>
-            </a:lvl7pPr>
-            <a:lvl8pPr marL="3429000" indent="-228600" algn="l" defTabSz="914400" rtl="0" eaLnBrk="1" latinLnBrk="0" hangingPunct="1">
-              <a:lnSpc>
-                <a:spcPct val="90000"/>
-              </a:lnSpc>
-              <a:spcBef>
-                <a:spcPts val="500"/>
-              </a:spcBef>
-              <a:buFont typeface="Arial" panose="020B0604020202020204" pitchFamily="34" charset="0"/>
-              <a:buChar char="•"/>
-              <a:defRPr kumimoji="1" sz="1800" kern="1200">
-                <a:solidFill>
-                  <a:schemeClr val="tx1"/>
-                </a:solidFill>
-                <a:latin typeface="+mn-lt"/>
-                <a:ea typeface="+mn-ea"/>
-                <a:cs typeface="+mn-cs"/>
-              </a:defRPr>
-            </a:lvl8pPr>
-            <a:lvl9pPr marL="3886200" indent="-228600" algn="l" defTabSz="914400" rtl="0" eaLnBrk="1" latinLnBrk="0" hangingPunct="1">
-              <a:lnSpc>
-                <a:spcPct val="90000"/>
-              </a:lnSpc>
-              <a:spcBef>
-                <a:spcPts val="500"/>
-              </a:spcBef>
-              <a:buFont typeface="Arial" panose="020B0604020202020204" pitchFamily="34" charset="0"/>
-              <a:buChar char="•"/>
-              <a:defRPr kumimoji="1" sz="1800" kern="1200">
-                <a:solidFill>
-                  <a:schemeClr val="tx1"/>
-                </a:solidFill>
-                <a:latin typeface="+mn-lt"/>
-                <a:ea typeface="+mn-ea"/>
-                <a:cs typeface="+mn-cs"/>
-              </a:defRPr>
-            </a:lvl9pPr>
-          </a:lstStyle>
-          <a:p>
-            <a:pPr>
-              <a:buNone/>
-            </a:pPr>
-            <a:r>
-              <a:rPr lang="en-US" altLang="ja-JP" sz="1800" dirty="0" smtClean="0">
-                <a:solidFill>
-                  <a:schemeClr val="bg1"/>
-                </a:solidFill>
-                <a:latin typeface="ＭＳ Ｐゴシック" panose="020B0600070205080204" pitchFamily="50" charset="-128"/>
-                <a:ea typeface="ＭＳ Ｐゴシック" panose="020B0600070205080204" pitchFamily="50" charset="-128"/>
-              </a:rPr>
-              <a:t>render() </a:t>
-            </a:r>
-            <a:r>
-              <a:rPr lang="en-US" altLang="ja-JP" sz="1800" dirty="0" smtClean="0">
-                <a:solidFill>
-                  <a:schemeClr val="bg1"/>
-                </a:solidFill>
-                <a:latin typeface="ＭＳ Ｐゴシック" panose="020B0600070205080204" pitchFamily="50" charset="-128"/>
-                <a:ea typeface="ＭＳ Ｐゴシック" panose="020B0600070205080204" pitchFamily="50" charset="-128"/>
-              </a:rPr>
-              <a:t>{</a:t>
-            </a:r>
-          </a:p>
-          <a:p>
-            <a:pPr>
-              <a:buNone/>
-            </a:pPr>
-            <a:r>
-              <a:rPr lang="en-US" altLang="ja-JP" sz="1800" dirty="0" smtClean="0">
-                <a:solidFill>
-                  <a:schemeClr val="bg1"/>
-                </a:solidFill>
-                <a:latin typeface="ＭＳ Ｐゴシック" panose="020B0600070205080204" pitchFamily="50" charset="-128"/>
-                <a:ea typeface="ＭＳ Ｐゴシック" panose="020B0600070205080204" pitchFamily="50" charset="-128"/>
-              </a:rPr>
-              <a:t>  return (</a:t>
-            </a:r>
-          </a:p>
-          <a:p>
-            <a:pPr>
-              <a:buNone/>
-            </a:pPr>
-            <a:r>
-              <a:rPr lang="en-US" altLang="ja-JP" sz="1800" dirty="0" smtClean="0">
-                <a:solidFill>
-                  <a:schemeClr val="bg1"/>
-                </a:solidFill>
-                <a:latin typeface="ＭＳ Ｐゴシック" panose="020B0600070205080204" pitchFamily="50" charset="-128"/>
-                <a:ea typeface="ＭＳ Ｐゴシック" panose="020B0600070205080204" pitchFamily="50" charset="-128"/>
-              </a:rPr>
-              <a:t> </a:t>
-            </a:r>
-            <a:r>
-              <a:rPr lang="en-US" altLang="ja-JP" sz="1800" dirty="0" smtClean="0">
-                <a:solidFill>
-                  <a:schemeClr val="bg1"/>
-                </a:solidFill>
-                <a:latin typeface="ＭＳ Ｐゴシック" panose="020B0600070205080204" pitchFamily="50" charset="-128"/>
-                <a:ea typeface="ＭＳ Ｐゴシック" panose="020B0600070205080204" pitchFamily="50" charset="-128"/>
-              </a:rPr>
-              <a:t>   &lt;</a:t>
-            </a:r>
-            <a:r>
-              <a:rPr lang="en-US" altLang="ja-JP" sz="1800" dirty="0" smtClean="0">
-                <a:solidFill>
-                  <a:schemeClr val="bg1"/>
-                </a:solidFill>
-                <a:latin typeface="ＭＳ Ｐゴシック" panose="020B0600070205080204" pitchFamily="50" charset="-128"/>
-                <a:ea typeface="ＭＳ Ｐゴシック" panose="020B0600070205080204" pitchFamily="50" charset="-128"/>
-              </a:rPr>
-              <a:t>div </a:t>
-            </a:r>
-            <a:r>
-              <a:rPr lang="en-US" altLang="ja-JP" sz="1800" dirty="0" err="1" smtClean="0">
-                <a:solidFill>
-                  <a:schemeClr val="bg1"/>
-                </a:solidFill>
-                <a:latin typeface="ＭＳ Ｐゴシック" panose="020B0600070205080204" pitchFamily="50" charset="-128"/>
-                <a:ea typeface="ＭＳ Ｐゴシック" panose="020B0600070205080204" pitchFamily="50" charset="-128"/>
-              </a:rPr>
-              <a:t>className</a:t>
-            </a:r>
-            <a:r>
-              <a:rPr lang="en-US" altLang="ja-JP" sz="1800" dirty="0" smtClean="0">
-                <a:solidFill>
-                  <a:schemeClr val="bg1"/>
-                </a:solidFill>
-                <a:latin typeface="ＭＳ Ｐゴシック" panose="020B0600070205080204" pitchFamily="50" charset="-128"/>
-                <a:ea typeface="ＭＳ Ｐゴシック" panose="020B0600070205080204" pitchFamily="50" charset="-128"/>
-              </a:rPr>
-              <a:t>="main</a:t>
-            </a:r>
-            <a:r>
-              <a:rPr lang="en-US" altLang="ja-JP" sz="1800" dirty="0" smtClean="0">
-                <a:solidFill>
-                  <a:schemeClr val="bg1"/>
-                </a:solidFill>
-                <a:latin typeface="ＭＳ Ｐゴシック" panose="020B0600070205080204" pitchFamily="50" charset="-128"/>
-                <a:ea typeface="ＭＳ Ｐゴシック" panose="020B0600070205080204" pitchFamily="50" charset="-128"/>
-              </a:rPr>
-              <a:t>"&gt;</a:t>
-            </a:r>
-          </a:p>
-          <a:p>
-            <a:pPr>
-              <a:buNone/>
-            </a:pPr>
-            <a:r>
-              <a:rPr lang="en-US" altLang="ja-JP" sz="1800" dirty="0" smtClean="0">
-                <a:solidFill>
-                  <a:schemeClr val="bg1"/>
-                </a:solidFill>
-                <a:latin typeface="ＭＳ Ｐゴシック" panose="020B0600070205080204" pitchFamily="50" charset="-128"/>
-                <a:ea typeface="ＭＳ Ｐゴシック" panose="020B0600070205080204" pitchFamily="50" charset="-128"/>
-              </a:rPr>
-              <a:t>      &lt;</a:t>
-            </a:r>
-            <a:r>
-              <a:rPr lang="en-US" altLang="ja-JP" sz="1800" dirty="0" smtClean="0">
-                <a:solidFill>
-                  <a:schemeClr val="bg1"/>
-                </a:solidFill>
-                <a:latin typeface="ＭＳ Ｐゴシック" panose="020B0600070205080204" pitchFamily="50" charset="-128"/>
-                <a:ea typeface="ＭＳ Ｐゴシック" panose="020B0600070205080204" pitchFamily="50" charset="-128"/>
-              </a:rPr>
-              <a:t>p&gt;</a:t>
-            </a:r>
-            <a:r>
-              <a:rPr lang="ja-JP" altLang="en-US" sz="1800" dirty="0" smtClean="0">
-                <a:solidFill>
-                  <a:schemeClr val="bg1"/>
-                </a:solidFill>
-                <a:latin typeface="ＭＳ Ｐゴシック" panose="020B0600070205080204" pitchFamily="50" charset="-128"/>
-                <a:ea typeface="ＭＳ Ｐゴシック" panose="020B0600070205080204" pitchFamily="50" charset="-128"/>
-              </a:rPr>
-              <a:t>現在の日付</a:t>
-            </a:r>
-            <a:r>
-              <a:rPr lang="en-US" altLang="ja-JP" sz="1800" dirty="0" smtClean="0">
-                <a:solidFill>
-                  <a:schemeClr val="bg1"/>
-                </a:solidFill>
-                <a:latin typeface="ＭＳ Ｐゴシック" panose="020B0600070205080204" pitchFamily="50" charset="-128"/>
-                <a:ea typeface="ＭＳ Ｐゴシック" panose="020B0600070205080204" pitchFamily="50" charset="-128"/>
-              </a:rPr>
-              <a:t>&lt;/p</a:t>
-            </a:r>
-            <a:r>
-              <a:rPr lang="en-US" altLang="ja-JP" sz="1800" dirty="0" smtClean="0">
-                <a:solidFill>
-                  <a:schemeClr val="bg1"/>
-                </a:solidFill>
-                <a:latin typeface="ＭＳ Ｐゴシック" panose="020B0600070205080204" pitchFamily="50" charset="-128"/>
-                <a:ea typeface="ＭＳ Ｐゴシック" panose="020B0600070205080204" pitchFamily="50" charset="-128"/>
-              </a:rPr>
-              <a:t>&gt;</a:t>
-            </a:r>
-          </a:p>
-          <a:p>
-            <a:pPr>
-              <a:buNone/>
-            </a:pPr>
-            <a:r>
-              <a:rPr lang="en-US" altLang="ja-JP" sz="1800" dirty="0" smtClean="0">
-                <a:solidFill>
-                  <a:schemeClr val="bg1"/>
-                </a:solidFill>
-                <a:latin typeface="ＭＳ Ｐゴシック" panose="020B0600070205080204" pitchFamily="50" charset="-128"/>
-                <a:ea typeface="ＭＳ Ｐゴシック" panose="020B0600070205080204" pitchFamily="50" charset="-128"/>
-              </a:rPr>
-              <a:t>      &lt;</a:t>
-            </a:r>
-            <a:r>
-              <a:rPr lang="en-US" altLang="ja-JP" sz="1800" dirty="0" smtClean="0">
-                <a:solidFill>
-                  <a:schemeClr val="bg1"/>
-                </a:solidFill>
-                <a:latin typeface="ＭＳ Ｐゴシック" panose="020B0600070205080204" pitchFamily="50" charset="-128"/>
-                <a:ea typeface="ＭＳ Ｐゴシック" panose="020B0600070205080204" pitchFamily="50" charset="-128"/>
-              </a:rPr>
-              <a:t>p</a:t>
-            </a:r>
-            <a:r>
-              <a:rPr lang="en-US" altLang="ja-JP" sz="1800" dirty="0" smtClean="0">
-                <a:solidFill>
-                  <a:schemeClr val="bg1"/>
-                </a:solidFill>
-                <a:latin typeface="ＭＳ Ｐゴシック" panose="020B0600070205080204" pitchFamily="50" charset="-128"/>
-                <a:ea typeface="ＭＳ Ｐゴシック" panose="020B0600070205080204" pitchFamily="50" charset="-128"/>
-              </a:rPr>
-              <a:t>&gt;{</a:t>
-            </a:r>
-            <a:r>
-              <a:rPr lang="en-US" altLang="ja-JP" sz="1800" dirty="0" err="1" smtClean="0">
-                <a:solidFill>
-                  <a:schemeClr val="bg1"/>
-                </a:solidFill>
-                <a:latin typeface="ＭＳ Ｐゴシック" panose="020B0600070205080204" pitchFamily="50" charset="-128"/>
-                <a:ea typeface="ＭＳ Ｐゴシック" panose="020B0600070205080204" pitchFamily="50" charset="-128"/>
-              </a:rPr>
-              <a:t>this.state.date.toLocaleDateString</a:t>
-            </a:r>
-            <a:r>
-              <a:rPr lang="en-US" altLang="ja-JP" sz="1800" dirty="0" smtClean="0">
-                <a:solidFill>
-                  <a:schemeClr val="bg1"/>
-                </a:solidFill>
-                <a:latin typeface="ＭＳ Ｐゴシック" panose="020B0600070205080204" pitchFamily="50" charset="-128"/>
-                <a:ea typeface="ＭＳ Ｐゴシック" panose="020B0600070205080204" pitchFamily="50" charset="-128"/>
-              </a:rPr>
-              <a:t>()}.&lt;/p&gt;        </a:t>
-            </a:r>
-            <a:r>
-              <a:rPr lang="en-US" altLang="ja-JP" sz="1800" dirty="0" smtClean="0">
-                <a:solidFill>
-                  <a:schemeClr val="bg1"/>
-                </a:solidFill>
-                <a:latin typeface="ＭＳ Ｐゴシック" panose="020B0600070205080204" pitchFamily="50" charset="-128"/>
-                <a:ea typeface="ＭＳ Ｐゴシック" panose="020B0600070205080204" pitchFamily="50" charset="-128"/>
-              </a:rPr>
-              <a:t>  </a:t>
-            </a:r>
-          </a:p>
-          <a:p>
-            <a:pPr>
-              <a:buNone/>
-            </a:pPr>
-            <a:r>
-              <a:rPr lang="en-US" altLang="ja-JP" sz="1800" dirty="0" smtClean="0">
-                <a:solidFill>
-                  <a:schemeClr val="bg1"/>
-                </a:solidFill>
-                <a:latin typeface="ＭＳ Ｐゴシック" panose="020B0600070205080204" pitchFamily="50" charset="-128"/>
-                <a:ea typeface="ＭＳ Ｐゴシック" panose="020B0600070205080204" pitchFamily="50" charset="-128"/>
-              </a:rPr>
-              <a:t> </a:t>
-            </a:r>
-            <a:r>
-              <a:rPr lang="en-US" altLang="ja-JP" sz="1800" dirty="0" smtClean="0">
-                <a:solidFill>
-                  <a:schemeClr val="bg1"/>
-                </a:solidFill>
-                <a:latin typeface="ＭＳ Ｐゴシック" panose="020B0600070205080204" pitchFamily="50" charset="-128"/>
-                <a:ea typeface="ＭＳ Ｐゴシック" panose="020B0600070205080204" pitchFamily="50" charset="-128"/>
-              </a:rPr>
-              <a:t>     &lt;</a:t>
-            </a:r>
-            <a:r>
-              <a:rPr lang="en-US" altLang="ja-JP" sz="1800" dirty="0" smtClean="0">
-                <a:solidFill>
-                  <a:schemeClr val="bg1"/>
-                </a:solidFill>
-                <a:latin typeface="ＭＳ Ｐゴシック" panose="020B0600070205080204" pitchFamily="50" charset="-128"/>
-                <a:ea typeface="ＭＳ Ｐゴシック" panose="020B0600070205080204" pitchFamily="50" charset="-128"/>
-              </a:rPr>
-              <a:t>p&gt;</a:t>
-            </a:r>
-            <a:r>
-              <a:rPr lang="ja-JP" altLang="en-US" sz="1800" dirty="0" smtClean="0">
-                <a:solidFill>
-                  <a:schemeClr val="bg1"/>
-                </a:solidFill>
-                <a:latin typeface="ＭＳ Ｐゴシック" panose="020B0600070205080204" pitchFamily="50" charset="-128"/>
-                <a:ea typeface="ＭＳ Ｐゴシック" panose="020B0600070205080204" pitchFamily="50" charset="-128"/>
-              </a:rPr>
-              <a:t>現在の時刻</a:t>
-            </a:r>
-            <a:r>
-              <a:rPr lang="en-US" altLang="ja-JP" sz="1800" dirty="0" smtClean="0">
-                <a:solidFill>
-                  <a:schemeClr val="bg1"/>
-                </a:solidFill>
-                <a:latin typeface="ＭＳ Ｐゴシック" panose="020B0600070205080204" pitchFamily="50" charset="-128"/>
-                <a:ea typeface="ＭＳ Ｐゴシック" panose="020B0600070205080204" pitchFamily="50" charset="-128"/>
-              </a:rPr>
-              <a:t>&lt;/p</a:t>
-            </a:r>
-            <a:r>
-              <a:rPr lang="en-US" altLang="ja-JP" sz="1800" dirty="0" smtClean="0">
-                <a:solidFill>
-                  <a:schemeClr val="bg1"/>
-                </a:solidFill>
-                <a:latin typeface="ＭＳ Ｐゴシック" panose="020B0600070205080204" pitchFamily="50" charset="-128"/>
-                <a:ea typeface="ＭＳ Ｐゴシック" panose="020B0600070205080204" pitchFamily="50" charset="-128"/>
-              </a:rPr>
-              <a:t>&gt;</a:t>
-            </a:r>
-          </a:p>
-          <a:p>
-            <a:pPr>
-              <a:buNone/>
-            </a:pPr>
-            <a:r>
-              <a:rPr lang="en-US" altLang="ja-JP" sz="1800" dirty="0" smtClean="0">
-                <a:solidFill>
-                  <a:schemeClr val="bg1"/>
-                </a:solidFill>
-                <a:latin typeface="ＭＳ Ｐゴシック" panose="020B0600070205080204" pitchFamily="50" charset="-128"/>
-                <a:ea typeface="ＭＳ Ｐゴシック" panose="020B0600070205080204" pitchFamily="50" charset="-128"/>
-              </a:rPr>
-              <a:t>      &lt;</a:t>
-            </a:r>
-            <a:r>
-              <a:rPr lang="en-US" altLang="ja-JP" sz="1800" dirty="0" smtClean="0">
-                <a:solidFill>
-                  <a:schemeClr val="bg1"/>
-                </a:solidFill>
-                <a:latin typeface="ＭＳ Ｐゴシック" panose="020B0600070205080204" pitchFamily="50" charset="-128"/>
-                <a:ea typeface="ＭＳ Ｐゴシック" panose="020B0600070205080204" pitchFamily="50" charset="-128"/>
-              </a:rPr>
-              <a:t>p&gt; {</a:t>
-            </a:r>
-            <a:r>
-              <a:rPr lang="en-US" altLang="ja-JP" sz="1800" dirty="0" err="1" smtClean="0">
-                <a:solidFill>
-                  <a:schemeClr val="bg1"/>
-                </a:solidFill>
-                <a:latin typeface="ＭＳ Ｐゴシック" panose="020B0600070205080204" pitchFamily="50" charset="-128"/>
-                <a:ea typeface="ＭＳ Ｐゴシック" panose="020B0600070205080204" pitchFamily="50" charset="-128"/>
-              </a:rPr>
-              <a:t>this.state.date.toLocaleTimeString</a:t>
-            </a:r>
-            <a:r>
-              <a:rPr lang="en-US" altLang="ja-JP" sz="1800" dirty="0" smtClean="0">
-                <a:solidFill>
-                  <a:schemeClr val="bg1"/>
-                </a:solidFill>
-                <a:latin typeface="ＭＳ Ｐゴシック" panose="020B0600070205080204" pitchFamily="50" charset="-128"/>
-                <a:ea typeface="ＭＳ Ｐゴシック" panose="020B0600070205080204" pitchFamily="50" charset="-128"/>
-              </a:rPr>
-              <a:t>()}.&lt;/p&gt;    </a:t>
-            </a:r>
-            <a:endParaRPr lang="en-US" altLang="ja-JP" sz="1800" dirty="0" smtClean="0">
-              <a:solidFill>
-                <a:schemeClr val="bg1"/>
-              </a:solidFill>
-              <a:latin typeface="ＭＳ Ｐゴシック" panose="020B0600070205080204" pitchFamily="50" charset="-128"/>
-              <a:ea typeface="ＭＳ Ｐゴシック" panose="020B0600070205080204" pitchFamily="50" charset="-128"/>
-            </a:endParaRPr>
-          </a:p>
-          <a:p>
-            <a:pPr>
-              <a:buNone/>
-            </a:pPr>
-            <a:r>
-              <a:rPr lang="en-US" altLang="ja-JP" sz="1800" dirty="0" smtClean="0">
-                <a:solidFill>
-                  <a:schemeClr val="bg1"/>
-                </a:solidFill>
-                <a:latin typeface="ＭＳ Ｐゴシック" panose="020B0600070205080204" pitchFamily="50" charset="-128"/>
-                <a:ea typeface="ＭＳ Ｐゴシック" panose="020B0600070205080204" pitchFamily="50" charset="-128"/>
-              </a:rPr>
-              <a:t> </a:t>
-            </a:r>
-            <a:r>
-              <a:rPr lang="en-US" altLang="ja-JP" sz="1800" dirty="0" smtClean="0">
-                <a:solidFill>
-                  <a:schemeClr val="bg1"/>
-                </a:solidFill>
-                <a:latin typeface="ＭＳ Ｐゴシック" panose="020B0600070205080204" pitchFamily="50" charset="-128"/>
-                <a:ea typeface="ＭＳ Ｐゴシック" panose="020B0600070205080204" pitchFamily="50" charset="-128"/>
-              </a:rPr>
-              <a:t>   &lt;/</a:t>
-            </a:r>
-            <a:r>
-              <a:rPr lang="en-US" altLang="ja-JP" sz="1800" dirty="0" smtClean="0">
-                <a:solidFill>
-                  <a:schemeClr val="bg1"/>
-                </a:solidFill>
-                <a:latin typeface="ＭＳ Ｐゴシック" panose="020B0600070205080204" pitchFamily="50" charset="-128"/>
-                <a:ea typeface="ＭＳ Ｐゴシック" panose="020B0600070205080204" pitchFamily="50" charset="-128"/>
-              </a:rPr>
-              <a:t>div</a:t>
-            </a:r>
-            <a:r>
-              <a:rPr lang="en-US" altLang="ja-JP" sz="1800" dirty="0" smtClean="0">
-                <a:solidFill>
-                  <a:schemeClr val="bg1"/>
-                </a:solidFill>
-                <a:latin typeface="ＭＳ Ｐゴシック" panose="020B0600070205080204" pitchFamily="50" charset="-128"/>
-                <a:ea typeface="ＭＳ Ｐゴシック" panose="020B0600070205080204" pitchFamily="50" charset="-128"/>
-              </a:rPr>
-              <a:t>&gt;</a:t>
-            </a:r>
-          </a:p>
-          <a:p>
-            <a:pPr>
-              <a:buNone/>
-            </a:pPr>
-            <a:r>
-              <a:rPr lang="en-US" altLang="ja-JP" sz="1800" dirty="0" smtClean="0">
-                <a:solidFill>
-                  <a:schemeClr val="bg1"/>
-                </a:solidFill>
-                <a:latin typeface="ＭＳ Ｐゴシック" panose="020B0600070205080204" pitchFamily="50" charset="-128"/>
-                <a:ea typeface="ＭＳ Ｐゴシック" panose="020B0600070205080204" pitchFamily="50" charset="-128"/>
-              </a:rPr>
-              <a:t> </a:t>
-            </a:r>
-            <a:r>
-              <a:rPr lang="en-US" altLang="ja-JP" sz="1800" dirty="0" smtClean="0">
-                <a:solidFill>
-                  <a:schemeClr val="bg1"/>
-                </a:solidFill>
-                <a:latin typeface="ＭＳ Ｐゴシック" panose="020B0600070205080204" pitchFamily="50" charset="-128"/>
-                <a:ea typeface="ＭＳ Ｐゴシック" panose="020B0600070205080204" pitchFamily="50" charset="-128"/>
-              </a:rPr>
-              <a:t> );</a:t>
-            </a:r>
-          </a:p>
-          <a:p>
-            <a:pPr>
-              <a:buNone/>
-            </a:pPr>
-            <a:r>
-              <a:rPr lang="en-US" altLang="ja-JP" sz="1800" dirty="0" smtClean="0">
-                <a:solidFill>
-                  <a:schemeClr val="bg1"/>
-                </a:solidFill>
-                <a:latin typeface="ＭＳ Ｐゴシック" panose="020B0600070205080204" pitchFamily="50" charset="-128"/>
-                <a:ea typeface="ＭＳ Ｐゴシック" panose="020B0600070205080204" pitchFamily="50" charset="-128"/>
-              </a:rPr>
-              <a:t>}</a:t>
-            </a:r>
-            <a:endParaRPr lang="en-US" altLang="ja-JP" sz="1800" dirty="0" smtClean="0">
-              <a:solidFill>
-                <a:schemeClr val="bg1"/>
-              </a:solidFill>
-              <a:latin typeface="ＭＳ Ｐゴシック" panose="020B0600070205080204" pitchFamily="50" charset="-128"/>
-              <a:ea typeface="ＭＳ Ｐゴシック" panose="020B0600070205080204" pitchFamily="50" charset="-128"/>
-            </a:endParaRPr>
-          </a:p>
-        </p:txBody>
-      </p:sp>
-      <p:sp>
-        <p:nvSpPr>
-          <p:cNvPr id="7" name="線吹き出し 2 (枠付き) 6"/>
-          <p:cNvSpPr/>
-          <p:nvPr/>
-        </p:nvSpPr>
-        <p:spPr>
-          <a:xfrm>
-            <a:off x="5781822" y="2178818"/>
-            <a:ext cx="6063175" cy="1141157"/>
-          </a:xfrm>
-          <a:prstGeom prst="borderCallout2">
-            <a:avLst>
-              <a:gd name="adj1" fmla="val 17750"/>
-              <a:gd name="adj2" fmla="val 413"/>
-              <a:gd name="adj3" fmla="val 1781"/>
-              <a:gd name="adj4" fmla="val -22434"/>
-              <a:gd name="adj5" fmla="val 46727"/>
-              <a:gd name="adj6" fmla="val -68599"/>
-            </a:avLst>
-          </a:prstGeom>
-          <a:solidFill>
-            <a:schemeClr val="bg1"/>
-          </a:solidFill>
-          <a:ln w="28575">
-            <a:solidFill>
-              <a:srgbClr val="3399FF"/>
-            </a:solidFill>
-          </a:ln>
-        </p:spPr>
-        <p:style>
-          <a:lnRef idx="2">
-            <a:schemeClr val="accent1">
-              <a:shade val="50000"/>
-            </a:schemeClr>
-          </a:lnRef>
-          <a:fillRef idx="1">
-            <a:schemeClr val="accent1"/>
-          </a:fillRef>
-          <a:effectRef idx="0">
-            <a:schemeClr val="accent1"/>
-          </a:effectRef>
-          <a:fontRef idx="minor">
-            <a:schemeClr val="lt1"/>
-          </a:fontRef>
-        </p:style>
-        <p:txBody>
-          <a:bodyPr rtlCol="0" anchor="ctr"/>
-          <a:lstStyle/>
-          <a:p>
-            <a:pPr marL="228600" lvl="0" indent="-228600">
-              <a:lnSpc>
-                <a:spcPct val="90000"/>
-              </a:lnSpc>
-              <a:spcBef>
-                <a:spcPts val="1000"/>
-              </a:spcBef>
-              <a:defRPr/>
-            </a:pPr>
-            <a:r>
-              <a:rPr lang="en-US" altLang="ja-JP" dirty="0" err="1" smtClean="0">
-                <a:solidFill>
-                  <a:schemeClr val="tx1"/>
-                </a:solidFill>
-                <a:latin typeface="Meiryo UI" panose="020B0604030504040204" pitchFamily="50" charset="-128"/>
-                <a:ea typeface="Meiryo UI" panose="020B0604030504040204" pitchFamily="50" charset="-128"/>
-              </a:rPr>
-              <a:t>setState</a:t>
-            </a:r>
-            <a:r>
-              <a:rPr lang="en-US" altLang="ja-JP" dirty="0" smtClean="0">
-                <a:solidFill>
-                  <a:schemeClr val="tx1"/>
-                </a:solidFill>
-                <a:latin typeface="Meiryo UI" panose="020B0604030504040204" pitchFamily="50" charset="-128"/>
-                <a:ea typeface="Meiryo UI" panose="020B0604030504040204" pitchFamily="50" charset="-128"/>
-              </a:rPr>
-              <a:t>()</a:t>
-            </a:r>
-            <a:r>
-              <a:rPr lang="ja-JP" altLang="en-US" dirty="0" smtClean="0">
-                <a:solidFill>
-                  <a:schemeClr val="tx1"/>
-                </a:solidFill>
-                <a:latin typeface="Meiryo UI" panose="020B0604030504040204" pitchFamily="50" charset="-128"/>
-                <a:ea typeface="Meiryo UI" panose="020B0604030504040204" pitchFamily="50" charset="-128"/>
-              </a:rPr>
-              <a:t>が更新されるたびに</a:t>
-            </a:r>
-            <a:r>
-              <a:rPr lang="en-US" altLang="ja-JP" dirty="0" smtClean="0">
-                <a:solidFill>
-                  <a:schemeClr val="tx1"/>
-                </a:solidFill>
-                <a:latin typeface="Meiryo UI" panose="020B0604030504040204" pitchFamily="50" charset="-128"/>
-                <a:ea typeface="Meiryo UI" panose="020B0604030504040204" pitchFamily="50" charset="-128"/>
-              </a:rPr>
-              <a:t>render()</a:t>
-            </a:r>
-            <a:r>
-              <a:rPr lang="ja-JP" altLang="en-US" dirty="0" smtClean="0">
-                <a:solidFill>
-                  <a:schemeClr val="tx1"/>
-                </a:solidFill>
-                <a:latin typeface="Meiryo UI" panose="020B0604030504040204" pitchFamily="50" charset="-128"/>
-                <a:ea typeface="Meiryo UI" panose="020B0604030504040204" pitchFamily="50" charset="-128"/>
-              </a:rPr>
-              <a:t>が</a:t>
-            </a:r>
-            <a:r>
-              <a:rPr lang="ja-JP" altLang="en-US" dirty="0" smtClean="0">
-                <a:solidFill>
-                  <a:schemeClr val="tx1"/>
-                </a:solidFill>
-                <a:latin typeface="Meiryo UI" panose="020B0604030504040204" pitchFamily="50" charset="-128"/>
-                <a:ea typeface="Meiryo UI" panose="020B0604030504040204" pitchFamily="50" charset="-128"/>
-              </a:rPr>
-              <a:t>呼び出されます。</a:t>
-            </a:r>
-            <a:endParaRPr lang="en-US" altLang="ja-JP" dirty="0" smtClean="0">
-              <a:solidFill>
-                <a:schemeClr val="tx1"/>
-              </a:solidFill>
-              <a:latin typeface="Meiryo UI" panose="020B0604030504040204" pitchFamily="50" charset="-128"/>
-              <a:ea typeface="Meiryo UI" panose="020B0604030504040204" pitchFamily="50" charset="-128"/>
-            </a:endParaRPr>
-          </a:p>
-        </p:txBody>
-      </p:sp>
-      <p:sp>
-        <p:nvSpPr>
-          <p:cNvPr id="8" name="線吹き出し 2 (枠付き) 7"/>
-          <p:cNvSpPr/>
-          <p:nvPr/>
-        </p:nvSpPr>
-        <p:spPr>
-          <a:xfrm>
-            <a:off x="5793545" y="4117815"/>
-            <a:ext cx="6063175" cy="1185705"/>
-          </a:xfrm>
-          <a:prstGeom prst="borderCallout2">
-            <a:avLst>
-              <a:gd name="adj1" fmla="val 17750"/>
-              <a:gd name="adj2" fmla="val 413"/>
-              <a:gd name="adj3" fmla="val 9898"/>
-              <a:gd name="adj4" fmla="val -11298"/>
-              <a:gd name="adj5" fmla="val 37643"/>
-              <a:gd name="adj6" fmla="val -36348"/>
-            </a:avLst>
-          </a:prstGeom>
-          <a:solidFill>
-            <a:schemeClr val="bg1"/>
-          </a:solidFill>
-          <a:ln w="28575">
-            <a:solidFill>
-              <a:srgbClr val="3399FF"/>
-            </a:solidFill>
-          </a:ln>
-        </p:spPr>
-        <p:style>
-          <a:lnRef idx="2">
-            <a:schemeClr val="accent1">
-              <a:shade val="50000"/>
-            </a:schemeClr>
-          </a:lnRef>
-          <a:fillRef idx="1">
-            <a:schemeClr val="accent1"/>
-          </a:fillRef>
-          <a:effectRef idx="0">
-            <a:schemeClr val="accent1"/>
-          </a:effectRef>
-          <a:fontRef idx="minor">
-            <a:schemeClr val="lt1"/>
-          </a:fontRef>
-        </p:style>
-        <p:txBody>
-          <a:bodyPr rtlCol="0" anchor="ctr"/>
-          <a:lstStyle/>
-          <a:p>
-            <a:pPr marL="228600" lvl="0" indent="-228600">
-              <a:lnSpc>
-                <a:spcPct val="90000"/>
-              </a:lnSpc>
-              <a:spcBef>
-                <a:spcPts val="1000"/>
-              </a:spcBef>
-              <a:defRPr/>
-            </a:pPr>
-            <a:r>
-              <a:rPr lang="en-US" altLang="ja-JP" dirty="0" err="1" smtClean="0">
-                <a:solidFill>
-                  <a:schemeClr val="tx1"/>
-                </a:solidFill>
-                <a:latin typeface="Meiryo UI" panose="020B0604030504040204" pitchFamily="50" charset="-128"/>
-                <a:ea typeface="Meiryo UI" panose="020B0604030504040204" pitchFamily="50" charset="-128"/>
-              </a:rPr>
-              <a:t>this.state.date</a:t>
-            </a:r>
-            <a:r>
-              <a:rPr lang="ja-JP" altLang="en-US" dirty="0" smtClean="0">
-                <a:solidFill>
-                  <a:schemeClr val="tx1"/>
-                </a:solidFill>
-                <a:latin typeface="Meiryo UI" panose="020B0604030504040204" pitchFamily="50" charset="-128"/>
-                <a:ea typeface="Meiryo UI" panose="020B0604030504040204" pitchFamily="50" charset="-128"/>
-              </a:rPr>
-              <a:t>が変更されているため、</a:t>
-            </a:r>
-            <a:r>
-              <a:rPr lang="en-US" altLang="ja-JP" dirty="0" smtClean="0">
-                <a:solidFill>
-                  <a:schemeClr val="tx1"/>
-                </a:solidFill>
-                <a:latin typeface="Meiryo UI" panose="020B0604030504040204" pitchFamily="50" charset="-128"/>
-                <a:ea typeface="Meiryo UI" panose="020B0604030504040204" pitchFamily="50" charset="-128"/>
-              </a:rPr>
-              <a:t>DOM</a:t>
-            </a:r>
-            <a:r>
-              <a:rPr lang="ja-JP" altLang="en-US" dirty="0" smtClean="0">
-                <a:solidFill>
-                  <a:schemeClr val="tx1"/>
-                </a:solidFill>
-                <a:latin typeface="Meiryo UI" panose="020B0604030504040204" pitchFamily="50" charset="-128"/>
-                <a:ea typeface="Meiryo UI" panose="020B0604030504040204" pitchFamily="50" charset="-128"/>
-              </a:rPr>
-              <a:t>が更新される。</a:t>
-            </a:r>
-            <a:endParaRPr lang="en-US" altLang="ja-JP" dirty="0" smtClean="0">
-              <a:solidFill>
-                <a:schemeClr val="tx1"/>
-              </a:solidFill>
-              <a:latin typeface="Meiryo UI" panose="020B0604030504040204" pitchFamily="50" charset="-128"/>
-              <a:ea typeface="Meiryo UI" panose="020B0604030504040204" pitchFamily="50" charset="-128"/>
-            </a:endParaRPr>
-          </a:p>
-        </p:txBody>
-      </p:sp>
-      <p:sp>
-        <p:nvSpPr>
-          <p:cNvPr id="9" name="テキスト ボックス 8"/>
-          <p:cNvSpPr txBox="1"/>
-          <p:nvPr/>
-        </p:nvSpPr>
-        <p:spPr>
-          <a:xfrm>
-            <a:off x="4234375" y="6260121"/>
             <a:ext cx="1414170" cy="307777"/>
           </a:xfrm>
           <a:prstGeom prst="rect">
@@ -8001,7 +8700,7 @@
   <a:extraClrSchemeLst/>
   <a:extLst>
     <a:ext uri="{05A4C25C-085E-4340-85A3-A5531E510DB2}">
-      <thm15:themeFamily xmlns:thm15="http://schemas.microsoft.com/office/thememl/2012/main" xmlns="" name="Office Theme" id="{62F939B6-93AF-4DB8-9C6B-D6C7DFDC589F}" vid="{4A3C46E8-61CC-4603-A589-7422A47A8E4A}"/>
+      <thm15:themeFamily xmlns="" xmlns:thm15="http://schemas.microsoft.com/office/thememl/2012/main" name="Office Theme" id="{62F939B6-93AF-4DB8-9C6B-D6C7DFDC589F}" vid="{4A3C46E8-61CC-4603-A589-7422A47A8E4A}"/>
     </a:ext>
   </a:extLst>
 </a:theme>
@@ -8262,7 +8961,7 @@
   <a:extraClrSchemeLst/>
   <a:extLst>
     <a:ext uri="{05A4C25C-085E-4340-85A3-A5531E510DB2}">
-      <thm15:themeFamily xmlns:thm15="http://schemas.microsoft.com/office/thememl/2012/main" xmlns="" name="Office Theme" id="{62F939B6-93AF-4DB8-9C6B-D6C7DFDC589F}" vid="{4A3C46E8-61CC-4603-A589-7422A47A8E4A}"/>
+      <thm15:themeFamily xmlns="" xmlns:thm15="http://schemas.microsoft.com/office/thememl/2012/main" name="Office Theme" id="{62F939B6-93AF-4DB8-9C6B-D6C7DFDC589F}" vid="{4A3C46E8-61CC-4603-A589-7422A47A8E4A}"/>
     </a:ext>
   </a:extLst>
 </a:theme>

--- a/doc/02_SlideShare/01.ネタ/２_Reactの基礎/2-6_簡単なサンプルソース.pptx
+++ b/doc/02_SlideShare/01.ネタ/２_Reactの基礎/2-6_簡単なサンプルソース.pptx
@@ -120,7 +120,7 @@
   </p:defaultTextStyle>
   <p:extLst>
     <p:ext uri="{EFAFB233-063F-42B5-8137-9DF3F51BA10A}">
-      <p15:sldGuideLst xmlns="" xmlns:p15="http://schemas.microsoft.com/office/powerpoint/2012/main">
+      <p15:sldGuideLst xmlns:p15="http://schemas.microsoft.com/office/powerpoint/2012/main" xmlns="">
         <p15:guide id="1" orient="horz" pos="2160">
           <p15:clr>
             <a:srgbClr val="A4A3A4"/>
@@ -134,7 +134,7 @@
       </p15:sldGuideLst>
     </p:ext>
     <p:ext uri="{2D200454-40CA-4A62-9FC3-DE9A4176ACB9}">
-      <p15:notesGuideLst xmlns="" xmlns:p15="http://schemas.microsoft.com/office/powerpoint/2012/main">
+      <p15:notesGuideLst xmlns:p15="http://schemas.microsoft.com/office/powerpoint/2012/main" xmlns="">
         <p15:guide id="1" orient="horz" pos="2880">
           <p15:clr>
             <a:srgbClr val="A4A3A4"/>
@@ -234,7 +234,7 @@
             <a:fld id="{CF62E18D-AE12-454F-A1D6-19B685DC3579}" type="datetimeFigureOut">
               <a:rPr kumimoji="1" lang="ja-JP" altLang="en-US" smtClean="0"/>
               <a:pPr/>
-              <a:t>2019/3/8</a:t>
+              <a:t>2019/3/29</a:t>
             </a:fld>
             <a:endParaRPr kumimoji="1" lang="ja-JP" altLang="en-US"/>
           </a:p>
@@ -435,7 +435,7 @@
     </p:spTree>
     <p:extLst>
       <p:ext uri="{BB962C8B-B14F-4D97-AF65-F5344CB8AC3E}">
-        <p14:creationId xmlns="" xmlns:p14="http://schemas.microsoft.com/office/powerpoint/2010/main" val="2439157943"/>
+        <p14:creationId xmlns:p14="http://schemas.microsoft.com/office/powerpoint/2010/main" xmlns="" val="2439157943"/>
       </p:ext>
     </p:extLst>
   </p:cSld>
@@ -612,7 +612,7 @@
     </p:spTree>
     <p:extLst>
       <p:ext uri="{BB962C8B-B14F-4D97-AF65-F5344CB8AC3E}">
-        <p14:creationId xmlns="" xmlns:p14="http://schemas.microsoft.com/office/powerpoint/2010/main" val="3790659166"/>
+        <p14:creationId xmlns:p14="http://schemas.microsoft.com/office/powerpoint/2010/main" xmlns="" val="3790659166"/>
       </p:ext>
     </p:extLst>
   </p:cSld>
@@ -699,7 +699,7 @@
     </p:spTree>
     <p:extLst>
       <p:ext uri="{BB962C8B-B14F-4D97-AF65-F5344CB8AC3E}">
-        <p14:creationId xmlns="" xmlns:p14="http://schemas.microsoft.com/office/powerpoint/2010/main" val="604867123"/>
+        <p14:creationId xmlns:p14="http://schemas.microsoft.com/office/powerpoint/2010/main" xmlns="" val="604867123"/>
       </p:ext>
     </p:extLst>
   </p:cSld>
@@ -799,7 +799,7 @@
             <a:fld id="{2FA7D4A1-D6E2-4B97-8DF5-43A2A6E9364B}" type="datetimeFigureOut">
               <a:rPr kumimoji="1" lang="ja-JP" altLang="en-US" smtClean="0"/>
               <a:pPr/>
-              <a:t>2019/3/8</a:t>
+              <a:t>2019/3/29</a:t>
             </a:fld>
             <a:endParaRPr kumimoji="1" lang="ja-JP" altLang="en-US"/>
           </a:p>
@@ -1093,7 +1093,7 @@
           <a:blip r:embed="rId2" cstate="print">
             <a:extLst>
               <a:ext uri="{28A0092B-C50C-407E-A947-70E740481C1C}">
-                <a14:useLocalDpi xmlns="" xmlns:a14="http://schemas.microsoft.com/office/drawing/2010/main" val="0"/>
+                <a14:useLocalDpi xmlns:a14="http://schemas.microsoft.com/office/drawing/2010/main" xmlns="" val="0"/>
               </a:ext>
             </a:extLst>
           </a:blip>
@@ -1114,7 +1114,7 @@
     </p:spTree>
     <p:extLst>
       <p:ext uri="{BB962C8B-B14F-4D97-AF65-F5344CB8AC3E}">
-        <p14:creationId xmlns="" xmlns:p14="http://schemas.microsoft.com/office/powerpoint/2010/main" val="2810891602"/>
+        <p14:creationId xmlns:p14="http://schemas.microsoft.com/office/powerpoint/2010/main" xmlns="" val="2810891602"/>
       </p:ext>
     </p:extLst>
   </p:cSld>
@@ -1269,7 +1269,7 @@
             <a:fld id="{2FA7D4A1-D6E2-4B97-8DF5-43A2A6E9364B}" type="datetimeFigureOut">
               <a:rPr kumimoji="1" lang="ja-JP" altLang="en-US" smtClean="0"/>
               <a:pPr/>
-              <a:t>2019/3/8</a:t>
+              <a:t>2019/3/29</a:t>
             </a:fld>
             <a:endParaRPr kumimoji="1" lang="ja-JP" altLang="en-US"/>
           </a:p>
@@ -1457,7 +1457,7 @@
     </p:spTree>
     <p:extLst>
       <p:ext uri="{BB962C8B-B14F-4D97-AF65-F5344CB8AC3E}">
-        <p14:creationId xmlns="" xmlns:p14="http://schemas.microsoft.com/office/powerpoint/2010/main" val="3557137448"/>
+        <p14:creationId xmlns:p14="http://schemas.microsoft.com/office/powerpoint/2010/main" xmlns="" val="3557137448"/>
       </p:ext>
     </p:extLst>
   </p:cSld>
@@ -1700,7 +1700,7 @@
             <a:fld id="{2FA7D4A1-D6E2-4B97-8DF5-43A2A6E9364B}" type="datetimeFigureOut">
               <a:rPr kumimoji="1" lang="ja-JP" altLang="en-US" smtClean="0"/>
               <a:pPr/>
-              <a:t>2019/3/8</a:t>
+              <a:t>2019/3/29</a:t>
             </a:fld>
             <a:endParaRPr kumimoji="1" lang="ja-JP" altLang="en-US"/>
           </a:p>
@@ -1752,7 +1752,7 @@
     </p:spTree>
     <p:extLst>
       <p:ext uri="{BB962C8B-B14F-4D97-AF65-F5344CB8AC3E}">
-        <p14:creationId xmlns="" xmlns:p14="http://schemas.microsoft.com/office/powerpoint/2010/main" val="3739881455"/>
+        <p14:creationId xmlns:p14="http://schemas.microsoft.com/office/powerpoint/2010/main" xmlns="" val="3739881455"/>
       </p:ext>
     </p:extLst>
   </p:cSld>
@@ -1819,7 +1819,7 @@
             <a:fld id="{2FA7D4A1-D6E2-4B97-8DF5-43A2A6E9364B}" type="datetimeFigureOut">
               <a:rPr kumimoji="1" lang="ja-JP" altLang="en-US" smtClean="0"/>
               <a:pPr/>
-              <a:t>2019/3/8</a:t>
+              <a:t>2019/3/29</a:t>
             </a:fld>
             <a:endParaRPr kumimoji="1" lang="ja-JP" altLang="en-US"/>
           </a:p>
@@ -1977,7 +1977,7 @@
     </p:spTree>
     <p:extLst>
       <p:ext uri="{BB962C8B-B14F-4D97-AF65-F5344CB8AC3E}">
-        <p14:creationId xmlns="" xmlns:p14="http://schemas.microsoft.com/office/powerpoint/2010/main" val="2041532408"/>
+        <p14:creationId xmlns:p14="http://schemas.microsoft.com/office/powerpoint/2010/main" xmlns="" val="2041532408"/>
       </p:ext>
     </p:extLst>
   </p:cSld>
@@ -2044,7 +2044,7 @@
             <a:fld id="{2FA7D4A1-D6E2-4B97-8DF5-43A2A6E9364B}" type="datetimeFigureOut">
               <a:rPr kumimoji="1" lang="ja-JP" altLang="en-US" smtClean="0"/>
               <a:pPr/>
-              <a:t>2019/3/8</a:t>
+              <a:t>2019/3/29</a:t>
             </a:fld>
             <a:endParaRPr kumimoji="1" lang="ja-JP" altLang="en-US"/>
           </a:p>
@@ -2222,7 +2222,7 @@
     </p:spTree>
     <p:extLst>
       <p:ext uri="{BB962C8B-B14F-4D97-AF65-F5344CB8AC3E}">
-        <p14:creationId xmlns="" xmlns:p14="http://schemas.microsoft.com/office/powerpoint/2010/main" val="1665381159"/>
+        <p14:creationId xmlns:p14="http://schemas.microsoft.com/office/powerpoint/2010/main" xmlns="" val="1665381159"/>
       </p:ext>
     </p:extLst>
   </p:cSld>
@@ -2415,7 +2415,7 @@
             <a:fld id="{2FA7D4A1-D6E2-4B97-8DF5-43A2A6E9364B}" type="datetimeFigureOut">
               <a:rPr kumimoji="1" lang="ja-JP" altLang="en-US" smtClean="0"/>
               <a:pPr/>
-              <a:t>2019/3/8</a:t>
+              <a:t>2019/3/29</a:t>
             </a:fld>
             <a:endParaRPr kumimoji="1" lang="ja-JP" altLang="en-US"/>
           </a:p>
@@ -2542,7 +2542,7 @@
           <a:blip r:embed="rId7" cstate="print">
             <a:extLst>
               <a:ext uri="{28A0092B-C50C-407E-A947-70E740481C1C}">
-                <a14:useLocalDpi xmlns="" xmlns:a14="http://schemas.microsoft.com/office/drawing/2010/main" val="0"/>
+                <a14:useLocalDpi xmlns:a14="http://schemas.microsoft.com/office/drawing/2010/main" xmlns="" val="0"/>
               </a:ext>
             </a:extLst>
           </a:blip>
@@ -2563,7 +2563,7 @@
     </p:spTree>
     <p:extLst>
       <p:ext uri="{BB962C8B-B14F-4D97-AF65-F5344CB8AC3E}">
-        <p14:creationId xmlns="" xmlns:p14="http://schemas.microsoft.com/office/powerpoint/2010/main" val="1816818280"/>
+        <p14:creationId xmlns:p14="http://schemas.microsoft.com/office/powerpoint/2010/main" xmlns="" val="1816818280"/>
       </p:ext>
     </p:extLst>
   </p:cSld>
@@ -2919,27 +2919,7 @@
           <a:p>
             <a:r>
               <a:rPr lang="ja-JP" altLang="en-US" dirty="0" smtClean="0"/>
-              <a:t>本章で</a:t>
-            </a:r>
-            <a:r>
-              <a:rPr lang="ja-JP" altLang="en-US" dirty="0" smtClean="0"/>
-              <a:t>は、前章</a:t>
-            </a:r>
-            <a:r>
-              <a:rPr lang="ja-JP" altLang="en-US" dirty="0" smtClean="0"/>
-              <a:t>までで学んだ知識を活用</a:t>
-            </a:r>
-            <a:r>
-              <a:rPr lang="ja-JP" altLang="en-US" dirty="0" smtClean="0"/>
-              <a:t>して実装</a:t>
-            </a:r>
-            <a:r>
-              <a:rPr lang="ja-JP" altLang="en-US" dirty="0" smtClean="0"/>
-              <a:t>できるアプリケーションに</a:t>
-            </a:r>
-            <a:r>
-              <a:rPr lang="ja-JP" altLang="en-US" dirty="0" smtClean="0"/>
-              <a:t>ついて説明していきます。</a:t>
+              <a:t>本章では、前章までで学んだ知識を活用して実装できるアプリケーションについて説明していきます。</a:t>
             </a:r>
             <a:endParaRPr lang="en-US" altLang="ja-JP" dirty="0" smtClean="0"/>
           </a:p>
@@ -4202,37 +4182,17 @@
                 <a:latin typeface="Meiryo UI" panose="020B0604030504040204" pitchFamily="50" charset="-128"/>
                 <a:ea typeface="Meiryo UI" panose="020B0604030504040204" pitchFamily="50" charset="-128"/>
               </a:rPr>
-              <a:t>r</a:t>
-            </a:r>
-            <a:r>
-              <a:rPr lang="en-US" altLang="ja-JP" dirty="0" smtClean="0">
+              <a:t>render()</a:t>
+            </a:r>
+            <a:r>
+              <a:rPr lang="ja-JP" altLang="en-US" dirty="0" smtClean="0">
                 <a:solidFill>
                   <a:schemeClr val="tx1"/>
                 </a:solidFill>
                 <a:latin typeface="Meiryo UI" panose="020B0604030504040204" pitchFamily="50" charset="-128"/>
                 <a:ea typeface="Meiryo UI" panose="020B0604030504040204" pitchFamily="50" charset="-128"/>
               </a:rPr>
-              <a:t>ender()</a:t>
-            </a:r>
-            <a:r>
-              <a:rPr lang="ja-JP" altLang="en-US" dirty="0" smtClean="0">
-                <a:solidFill>
-                  <a:schemeClr val="tx1"/>
-                </a:solidFill>
-                <a:latin typeface="Meiryo UI" panose="020B0604030504040204" pitchFamily="50" charset="-128"/>
-                <a:ea typeface="Meiryo UI" panose="020B0604030504040204" pitchFamily="50" charset="-128"/>
-              </a:rPr>
-              <a:t>メソッド</a:t>
-            </a:r>
-            <a:r>
-              <a:rPr lang="ja-JP" altLang="en-US" dirty="0" smtClean="0">
-                <a:solidFill>
-                  <a:schemeClr val="tx1"/>
-                </a:solidFill>
-                <a:latin typeface="Meiryo UI" panose="020B0604030504040204" pitchFamily="50" charset="-128"/>
-                <a:ea typeface="Meiryo UI" panose="020B0604030504040204" pitchFamily="50" charset="-128"/>
-              </a:rPr>
-              <a:t>で返された時刻と日付を</a:t>
+              <a:t>メソッドで返された時刻と日付を</a:t>
             </a:r>
             <a:endParaRPr lang="en-US" altLang="ja-JP" dirty="0" smtClean="0">
               <a:solidFill>
@@ -4260,17 +4220,7 @@
                 <a:latin typeface="Meiryo UI" panose="020B0604030504040204" pitchFamily="50" charset="-128"/>
                 <a:ea typeface="Meiryo UI" panose="020B0604030504040204" pitchFamily="50" charset="-128"/>
               </a:rPr>
-              <a:t>ブラウザ</a:t>
-            </a:r>
-            <a:r>
-              <a:rPr lang="ja-JP" altLang="en-US" dirty="0" smtClean="0">
-                <a:solidFill>
-                  <a:schemeClr val="tx1"/>
-                </a:solidFill>
-                <a:latin typeface="Meiryo UI" panose="020B0604030504040204" pitchFamily="50" charset="-128"/>
-                <a:ea typeface="Meiryo UI" panose="020B0604030504040204" pitchFamily="50" charset="-128"/>
-              </a:rPr>
-              <a:t>に表示します。</a:t>
+              <a:t>ブラウザに表示します。</a:t>
             </a:r>
             <a:endParaRPr lang="en-US" altLang="ja-JP" dirty="0" smtClean="0">
               <a:solidFill>
@@ -4779,31 +4729,6 @@
           </a:p>
         </p:txBody>
       </p:sp>
-      <p:pic>
-        <p:nvPicPr>
-          <p:cNvPr id="7" name="図 6"/>
-          <p:cNvPicPr>
-            <a:picLocks noChangeAspect="1"/>
-          </p:cNvPicPr>
-          <p:nvPr/>
-        </p:nvPicPr>
-        <p:blipFill>
-          <a:blip r:embed="rId2" cstate="print"/>
-          <a:srcRect r="26466" b="47037"/>
-          <a:stretch>
-            <a:fillRect/>
-          </a:stretch>
-        </p:blipFill>
-        <p:spPr>
-          <a:xfrm>
-            <a:off x="631696" y="2723223"/>
-            <a:ext cx="6692452" cy="2889786"/>
-          </a:xfrm>
-          <a:prstGeom prst="rect">
-            <a:avLst/>
-          </a:prstGeom>
-        </p:spPr>
-      </p:pic>
       <p:sp>
         <p:nvSpPr>
           <p:cNvPr id="5" name="テキスト ボックス 4"/>
@@ -4838,6 +4763,30 @@
           </a:p>
         </p:txBody>
       </p:sp>
+      <p:pic>
+        <p:nvPicPr>
+          <p:cNvPr id="8" name="図 7" descr="キャプチャ.PNG"/>
+          <p:cNvPicPr>
+            <a:picLocks noChangeAspect="1"/>
+          </p:cNvPicPr>
+          <p:nvPr/>
+        </p:nvPicPr>
+        <p:blipFill>
+          <a:blip r:embed="rId2" cstate="print"/>
+          <a:stretch>
+            <a:fillRect/>
+          </a:stretch>
+        </p:blipFill>
+        <p:spPr>
+          <a:xfrm>
+            <a:off x="717227" y="2643626"/>
+            <a:ext cx="6318939" cy="3124128"/>
+          </a:xfrm>
+          <a:prstGeom prst="rect">
+            <a:avLst/>
+          </a:prstGeom>
+        </p:spPr>
+      </p:pic>
     </p:spTree>
   </p:cSld>
   <p:clrMapOvr>
@@ -4920,11 +4869,7 @@
           <a:p>
             <a:r>
               <a:rPr kumimoji="1" lang="ja-JP" altLang="en-US" dirty="0" smtClean="0"/>
-              <a:t>コンポーネントを</a:t>
-            </a:r>
-            <a:r>
-              <a:rPr kumimoji="1" lang="ja-JP" altLang="en-US" dirty="0" smtClean="0"/>
-              <a:t>定義します。</a:t>
+              <a:t>コンポーネントを定義します。</a:t>
             </a:r>
             <a:endParaRPr kumimoji="1" lang="ja-JP" altLang="en-US" dirty="0"/>
           </a:p>
@@ -5198,17 +5143,7 @@
                 <a:latin typeface="ＭＳ Ｐゴシック" panose="020B0600070205080204" pitchFamily="50" charset="-128"/>
                 <a:ea typeface="ＭＳ Ｐゴシック" panose="020B0600070205080204" pitchFamily="50" charset="-128"/>
               </a:rPr>
-              <a:t> </a:t>
-            </a:r>
-            <a:r>
-              <a:rPr lang="en-US" altLang="ja-JP" sz="1800" dirty="0" smtClean="0">
-                <a:solidFill>
-                  <a:schemeClr val="bg1"/>
-                </a:solidFill>
-                <a:latin typeface="ＭＳ Ｐゴシック" panose="020B0600070205080204" pitchFamily="50" charset="-128"/>
-                <a:ea typeface="ＭＳ Ｐゴシック" panose="020B0600070205080204" pitchFamily="50" charset="-128"/>
-              </a:rPr>
-              <a:t> render() {</a:t>
+              <a:t>  render() {</a:t>
             </a:r>
           </a:p>
           <a:p>
@@ -5223,17 +5158,7 @@
                 <a:latin typeface="ＭＳ Ｐゴシック" panose="020B0600070205080204" pitchFamily="50" charset="-128"/>
                 <a:ea typeface="ＭＳ Ｐゴシック" panose="020B0600070205080204" pitchFamily="50" charset="-128"/>
               </a:rPr>
-              <a:t> </a:t>
-            </a:r>
-            <a:r>
-              <a:rPr lang="en-US" altLang="ja-JP" sz="1800" dirty="0" smtClean="0">
-                <a:solidFill>
-                  <a:schemeClr val="bg1"/>
-                </a:solidFill>
-                <a:latin typeface="ＭＳ Ｐゴシック" panose="020B0600070205080204" pitchFamily="50" charset="-128"/>
-                <a:ea typeface="ＭＳ Ｐゴシック" panose="020B0600070205080204" pitchFamily="50" charset="-128"/>
-              </a:rPr>
-              <a:t>   return (</a:t>
+              <a:t>    return (</a:t>
             </a:r>
           </a:p>
           <a:p>
@@ -5248,17 +5173,7 @@
                 <a:latin typeface="ＭＳ Ｐゴシック" panose="020B0600070205080204" pitchFamily="50" charset="-128"/>
                 <a:ea typeface="ＭＳ Ｐゴシック" panose="020B0600070205080204" pitchFamily="50" charset="-128"/>
               </a:rPr>
-              <a:t> </a:t>
-            </a:r>
-            <a:r>
-              <a:rPr lang="en-US" altLang="ja-JP" sz="1800" dirty="0" smtClean="0">
-                <a:solidFill>
-                  <a:schemeClr val="bg1"/>
-                </a:solidFill>
-                <a:latin typeface="ＭＳ Ｐゴシック" panose="020B0600070205080204" pitchFamily="50" charset="-128"/>
-                <a:ea typeface="ＭＳ Ｐゴシック" panose="020B0600070205080204" pitchFamily="50" charset="-128"/>
-              </a:rPr>
-              <a:t>     &lt;h1&gt;Hello world&lt;/h1&gt;</a:t>
+              <a:t>      &lt;h1&gt;Hello world&lt;/h1&gt;</a:t>
             </a:r>
           </a:p>
           <a:p>
@@ -5273,17 +5188,7 @@
                 <a:latin typeface="ＭＳ Ｐゴシック" panose="020B0600070205080204" pitchFamily="50" charset="-128"/>
                 <a:ea typeface="ＭＳ Ｐゴシック" panose="020B0600070205080204" pitchFamily="50" charset="-128"/>
               </a:rPr>
-              <a:t> </a:t>
-            </a:r>
-            <a:r>
-              <a:rPr lang="en-US" altLang="ja-JP" sz="1800" dirty="0" smtClean="0">
-                <a:solidFill>
-                  <a:schemeClr val="bg1"/>
-                </a:solidFill>
-                <a:latin typeface="ＭＳ Ｐゴシック" panose="020B0600070205080204" pitchFamily="50" charset="-128"/>
-                <a:ea typeface="ＭＳ Ｐゴシック" panose="020B0600070205080204" pitchFamily="50" charset="-128"/>
-              </a:rPr>
-              <a:t>   );</a:t>
+              <a:t>    );</a:t>
             </a:r>
           </a:p>
           <a:p>
@@ -5298,17 +5203,7 @@
                 <a:latin typeface="ＭＳ Ｐゴシック" panose="020B0600070205080204" pitchFamily="50" charset="-128"/>
                 <a:ea typeface="ＭＳ Ｐゴシック" panose="020B0600070205080204" pitchFamily="50" charset="-128"/>
               </a:rPr>
-              <a:t> </a:t>
-            </a:r>
-            <a:r>
-              <a:rPr lang="en-US" altLang="ja-JP" sz="1800" dirty="0" smtClean="0">
-                <a:solidFill>
-                  <a:schemeClr val="bg1"/>
-                </a:solidFill>
-                <a:latin typeface="ＭＳ Ｐゴシック" panose="020B0600070205080204" pitchFamily="50" charset="-128"/>
-                <a:ea typeface="ＭＳ Ｐゴシック" panose="020B0600070205080204" pitchFamily="50" charset="-128"/>
-              </a:rPr>
-              <a:t> }</a:t>
+              <a:t>  }</a:t>
             </a:r>
           </a:p>
           <a:p>
@@ -5424,31 +5319,7 @@
                   <a:schemeClr val="tx1"/>
                 </a:solidFill>
               </a:rPr>
-              <a:t>のサブクラスで定義する必要のある唯一の</a:t>
-            </a:r>
-            <a:r>
-              <a:rPr lang="ja-JP" altLang="en-US" dirty="0" smtClean="0">
-                <a:solidFill>
-                  <a:schemeClr val="tx1"/>
-                </a:solidFill>
-              </a:rPr>
-              <a:t>メソッド</a:t>
-            </a:r>
-            <a:r>
-              <a:rPr lang="ja-JP" altLang="en-US" dirty="0" smtClean="0">
-                <a:solidFill>
-                  <a:schemeClr val="tx1"/>
-                </a:solidFill>
-              </a:rPr>
-              <a:t>です</a:t>
-            </a:r>
-            <a:r>
-              <a:rPr lang="ja-JP" altLang="en-US" dirty="0" smtClean="0">
-                <a:solidFill>
-                  <a:schemeClr val="tx1"/>
-                </a:solidFill>
-              </a:rPr>
-              <a:t>。</a:t>
+              <a:t>のサブクラスで定義する必要のある唯一のメソッドです。</a:t>
             </a:r>
             <a:endParaRPr lang="en-US" altLang="ja-JP" dirty="0" smtClean="0">
               <a:solidFill>
@@ -5538,15 +5409,7 @@
                   <a:schemeClr val="tx1"/>
                 </a:solidFill>
               </a:rPr>
-              <a:t>つ返す必要があります</a:t>
-            </a:r>
-            <a:r>
-              <a:rPr lang="ja-JP" altLang="en-US" dirty="0" smtClean="0">
-                <a:solidFill>
-                  <a:schemeClr val="tx1"/>
-                </a:solidFill>
-              </a:rPr>
-              <a:t>。</a:t>
+              <a:t>つ返す必要があります。</a:t>
             </a:r>
             <a:endParaRPr lang="en-US" altLang="ja-JP" dirty="0" smtClean="0">
               <a:solidFill>
@@ -5561,15 +5424,7 @@
                   <a:schemeClr val="tx1"/>
                 </a:solidFill>
               </a:rPr>
-              <a:t>なお</a:t>
-            </a:r>
-            <a:r>
-              <a:rPr lang="ja-JP" altLang="en-US" dirty="0" smtClean="0">
-                <a:solidFill>
-                  <a:schemeClr val="tx1"/>
-                </a:solidFill>
-              </a:rPr>
-              <a:t>、複数の</a:t>
+              <a:t>なお、複数の</a:t>
             </a:r>
             <a:r>
               <a:rPr lang="en-US" altLang="ja-JP" dirty="0" smtClean="0">
@@ -5713,11 +5568,7 @@
           <a:p>
             <a:r>
               <a:rPr kumimoji="1" lang="ja-JP" altLang="en-US" dirty="0" smtClean="0"/>
-              <a:t>コンポーネントを</a:t>
-            </a:r>
-            <a:r>
-              <a:rPr kumimoji="1" lang="ja-JP" altLang="en-US" dirty="0" smtClean="0"/>
-              <a:t>描画</a:t>
+              <a:t>コンポーネントを描画</a:t>
             </a:r>
             <a:r>
               <a:rPr lang="ja-JP" altLang="en-US" dirty="0" smtClean="0"/>
@@ -6245,7 +6096,7 @@
     </p:spTree>
     <p:extLst>
       <p:ext uri="{BB962C8B-B14F-4D97-AF65-F5344CB8AC3E}">
-        <p14:creationId xmlns="" xmlns:p14="http://schemas.microsoft.com/office/powerpoint/2010/main" val="1742985703"/>
+        <p14:creationId xmlns:p14="http://schemas.microsoft.com/office/powerpoint/2010/main" xmlns="" val="1742985703"/>
       </p:ext>
     </p:extLst>
   </p:cSld>
@@ -6350,11 +6201,7 @@
             </a:pPr>
             <a:r>
               <a:rPr lang="en-US" altLang="ja-JP" dirty="0" smtClean="0"/>
-              <a:t>r</a:t>
-            </a:r>
-            <a:r>
-              <a:rPr lang="en-US" altLang="ja-JP" dirty="0" smtClean="0"/>
-              <a:t>ender()</a:t>
+              <a:t>render()</a:t>
             </a:r>
             <a:r>
               <a:rPr lang="ja-JP" altLang="en-US" dirty="0" smtClean="0"/>
@@ -6429,11 +6276,7 @@
             </a:r>
             <a:r>
               <a:rPr lang="ja-JP" altLang="en-US" dirty="0" smtClean="0"/>
-              <a:t>要素などを返して</a:t>
-            </a:r>
-            <a:r>
-              <a:rPr lang="ja-JP" altLang="en-US" dirty="0" smtClean="0"/>
-              <a:t>います。</a:t>
+              <a:t>要素などを返しています。</a:t>
             </a:r>
             <a:endParaRPr lang="en-US" altLang="ja-JP" dirty="0" smtClean="0"/>
           </a:p>
@@ -6554,15 +6397,7 @@
           <a:p>
             <a:r>
               <a:rPr lang="ja-JP" altLang="en-US" dirty="0" smtClean="0"/>
-              <a:t>現在の日付と時刻を表示</a:t>
-            </a:r>
-            <a:r>
-              <a:rPr lang="ja-JP" altLang="en-US" dirty="0" smtClean="0"/>
-              <a:t>する</a:t>
-            </a:r>
-            <a:r>
-              <a:rPr lang="ja-JP" altLang="en-US" dirty="0" smtClean="0"/>
-              <a:t>アプリケーションについて説明していきます。</a:t>
+              <a:t>現在の日付と時刻を表示するアプリケーションについて説明していきます。</a:t>
             </a:r>
             <a:endParaRPr lang="en-US" altLang="ja-JP" dirty="0" smtClean="0"/>
           </a:p>
@@ -7929,11 +7764,7 @@
             </a:r>
             <a:r>
               <a:rPr kumimoji="1" lang="ja-JP" altLang="en-US" dirty="0" smtClean="0"/>
-              <a:t>の</a:t>
-            </a:r>
-            <a:r>
-              <a:rPr kumimoji="1" lang="ja-JP" altLang="en-US" dirty="0" smtClean="0"/>
-              <a:t>更新</a:t>
+              <a:t>の更新</a:t>
             </a:r>
             <a:endParaRPr kumimoji="1" lang="en-US" altLang="ja-JP" dirty="0" smtClean="0"/>
           </a:p>
@@ -8700,7 +8531,7 @@
   <a:extraClrSchemeLst/>
   <a:extLst>
     <a:ext uri="{05A4C25C-085E-4340-85A3-A5531E510DB2}">
-      <thm15:themeFamily xmlns="" xmlns:thm15="http://schemas.microsoft.com/office/thememl/2012/main" name="Office Theme" id="{62F939B6-93AF-4DB8-9C6B-D6C7DFDC589F}" vid="{4A3C46E8-61CC-4603-A589-7422A47A8E4A}"/>
+      <thm15:themeFamily xmlns:thm15="http://schemas.microsoft.com/office/thememl/2012/main" xmlns="" name="Office Theme" id="{62F939B6-93AF-4DB8-9C6B-D6C7DFDC589F}" vid="{4A3C46E8-61CC-4603-A589-7422A47A8E4A}"/>
     </a:ext>
   </a:extLst>
 </a:theme>
@@ -8961,7 +8792,7 @@
   <a:extraClrSchemeLst/>
   <a:extLst>
     <a:ext uri="{05A4C25C-085E-4340-85A3-A5531E510DB2}">
-      <thm15:themeFamily xmlns="" xmlns:thm15="http://schemas.microsoft.com/office/thememl/2012/main" name="Office Theme" id="{62F939B6-93AF-4DB8-9C6B-D6C7DFDC589F}" vid="{4A3C46E8-61CC-4603-A589-7422A47A8E4A}"/>
+      <thm15:themeFamily xmlns:thm15="http://schemas.microsoft.com/office/thememl/2012/main" xmlns="" name="Office Theme" id="{62F939B6-93AF-4DB8-9C6B-D6C7DFDC589F}" vid="{4A3C46E8-61CC-4603-A589-7422A47A8E4A}"/>
     </a:ext>
   </a:extLst>
 </a:theme>
